--- a/note.pptx
+++ b/note.pptx
@@ -15,6 +15,8 @@
     <p:sldId id="267" r:id="rId9"/>
     <p:sldId id="268" r:id="rId10"/>
     <p:sldId id="269" r:id="rId11"/>
+    <p:sldId id="270" r:id="rId12"/>
+    <p:sldId id="271" r:id="rId13"/>
   </p:sldIdLst>
   <p:sldSz cx="12192000" cy="6858000"/>
   <p:notesSz cx="6858000" cy="9144000"/>
@@ -7870,6 +7872,60 @@
 </inkml:ink>
 </file>
 
+<file path=ppt/ink/ink358.xml><?xml version="1.0" encoding="utf-8"?>
+<inkml:ink xmlns:inkml="http://www.w3.org/2003/InkML">
+  <inkml:definitions>
+    <inkml:context xml:id="ctx0">
+      <inkml:inkSource xml:id="inkSrc0">
+        <inkml:traceFormat>
+          <inkml:channel name="X" type="integer" min="-2.14748E9" max="2.14748E9" units="cm"/>
+          <inkml:channel name="Y" type="integer" min="-2.14748E9" max="2.14748E9" units="cm"/>
+          <inkml:channel name="F" type="integer" max="32767" units="dev"/>
+        </inkml:traceFormat>
+        <inkml:channelProperties>
+          <inkml:channelProperty channel="X" name="resolution" value="1000" units="1/cm"/>
+          <inkml:channelProperty channel="Y" name="resolution" value="1000" units="1/cm"/>
+          <inkml:channelProperty channel="F" name="resolution" value="0" units="1/dev"/>
+        </inkml:channelProperties>
+      </inkml:inkSource>
+      <inkml:timestamp xml:id="ts0" timeString="2023-08-03T04:37:43.594"/>
+    </inkml:context>
+    <inkml:brush xml:id="br0">
+      <inkml:brushProperty name="width" value="0.1" units="cm"/>
+      <inkml:brushProperty name="height" value="0.1" units="cm"/>
+    </inkml:brush>
+  </inkml:definitions>
+  <inkml:trace contextRef="#ctx0" brushRef="#br0">468 1382 24575,'2'-45'0,"1"-1"0,3 1 0,1 0 0,21-67 0,-16 84 0,0 0 0,2 1 0,0 1 0,24-31 0,65-72 0,-27 37 0,133-123 0,-192 199 0,99-85 0,95-33 0,-150 97 0,-39 26 0,-1 2 0,1 0 0,1 1 0,-1 1 0,39-6 0,2-1 0,-14-2 0,-36 11 0,0 1 0,0 0 0,1 1 0,-1 1 0,22-2 0,0 1 0,1-2 0,0-1 0,43-13 0,32-6 0,-77 21 0,64 0 0,-66 5 0,0-2 0,47-8 0,-25 2 0,1 2 0,0 3 0,65 5 0,-10-1 0,-12-4 0,-45-1 0,0 3 0,72 9 0,63 31 0,-165-37 0,98 19 0,-18 14 0,-72-23 0,0-2 0,40 9 0,-57-17 0,0 2 0,0 0 0,20 10 0,-20-8 0,1 0 0,28 7 0,15 4 0,-1 3 0,-2 2 0,106 60 0,-94-47 0,70 49 0,-38-21 0,75 60 0,-136-97 0,0 2 0,-3 2 0,0 1 0,-2 2 0,-2 1 0,-1 2 0,36 58 0,-54-75 0,-1 1 0,15 42 0,5 10 0,-20-51 0,-2 1 0,-1 0 0,-1 1 0,0-1 0,-2 1 0,3 34 0,12 28 0,-14-67 0,-1 0 0,-1 0 0,3 29 0,-5-26 0,2 0 0,0-1 0,13 38 0,3 10 0,38 148 0,-18-72 0,23 64 0,-54-164 0,-2 1 0,-2 0 0,-2 0 0,-3 47 0,2 10 0,-4 90 0,-3-161 0,-16 59 0,-16-1 0,12-7 0,-4-1 0,-53 105 0,62-140 0,9-22 0,0 0 0,-18 26 0,-32 58 0,41-70 0,-30 43 0,42-69 0,-1-1 0,-1 0 0,-1 0 0,1-1 0,-1-1 0,-1 0 0,-15 10 0,-198 128 0,101-68 0,18-9 0,19-11 0,-130 55 0,149-82 0,-79 29 0,-60 21 0,30-14 0,158-62 0,0-1 0,0 0 0,-21 3 0,20-5 0,0 1 0,-36 13 0,45-13 0,0-2 0,0 0 0,0 0 0,0-1 0,0 0 0,-14-1 0,-32 7 0,11 9 0,39-13 0,0-1 0,0 0 0,-1-1 0,1 1 0,-1-1 0,-12 1 0,-14 1 0,0 1 0,-42 12 0,27-1 0,32-10 0,0 0 0,-31 5 0,-36 9 0,65-15 0,-1 0 0,1 0 0,-1-2 0,-29 1 0,-121 17 0,97-20 0,-129-4 0,180-1 0,1 0 0,0-2 0,0-1 0,-21-9 0,25 9 0,12 5 0,-163-54 0,146 48 0,-1 0 0,2-1 0,-40-23 0,-16-7 0,35 21 0,0-3 0,2-1 0,1-2 0,0-2 0,2-1 0,-34-34 0,29 29 0,32 26 0,1-1 0,0 0 0,1 0 0,-10-11 0,-31-35 0,-21-26 0,-31-26 0,45 36 0,-103-98 0,143 150 0,1 0 0,-14-20 0,-10-11 0,-78-100 0,-160-179 0,252 293 0,2-1 0,1-1 0,1-1 0,3-1 0,1 0 0,1-1 0,-11-48 0,16 33 0,2-1 0,-3-85 0,13-115 0,1 104 0,-2 111 0,1-7 0,-2-1 0,-11-71 0,7 94 0,2 0 0,1 0 0,1 0 0,1-1 0,1 1 0,2 0 0,8-40 0,32-168 0,-40 219 0,1 1 0,0-1 0,1 1 0,0 0 0,8-13 0,3-18 0,-16 41 0,1 0 0,-1 0 0,1 0 0,0 0 0,0 0 0,0 0 0,0 0 0,0 0 0,1 0 0,-1 1 0,1-1 0,0 0 0,0 1 0,0-1 0,0 1 0,0 0 0,0 0 0,1 0 0,-1 0 0,1 0 0,-1 0 0,1 1 0,0-1 0,-1 1 0,1 0 0,0 0 0,0 0 0,0 0 0,0 0 0,4 0 0,24-5 0,1-2 0,-1-1 0,-1-1 0,1-2 0,45-25 0,-59 29 0,38-15 68,19-10-1501</inkml:trace>
+</inkml:ink>
+</file>
+
+<file path=ppt/ink/ink359.xml><?xml version="1.0" encoding="utf-8"?>
+<inkml:ink xmlns:inkml="http://www.w3.org/2003/InkML">
+  <inkml:definitions>
+    <inkml:context xml:id="ctx0">
+      <inkml:inkSource xml:id="inkSrc0">
+        <inkml:traceFormat>
+          <inkml:channel name="X" type="integer" min="-2.14748E9" max="2.14748E9" units="cm"/>
+          <inkml:channel name="Y" type="integer" min="-2.14748E9" max="2.14748E9" units="cm"/>
+          <inkml:channel name="F" type="integer" max="32767" units="dev"/>
+        </inkml:traceFormat>
+        <inkml:channelProperties>
+          <inkml:channelProperty channel="X" name="resolution" value="1000" units="1/cm"/>
+          <inkml:channelProperty channel="Y" name="resolution" value="1000" units="1/cm"/>
+          <inkml:channelProperty channel="F" name="resolution" value="0" units="1/dev"/>
+        </inkml:channelProperties>
+      </inkml:inkSource>
+      <inkml:timestamp xml:id="ts0" timeString="2023-08-03T04:37:44.375"/>
+    </inkml:context>
+    <inkml:brush xml:id="br0">
+      <inkml:brushProperty name="width" value="0.1" units="cm"/>
+      <inkml:brushProperty name="height" value="0.1" units="cm"/>
+    </inkml:brush>
+  </inkml:definitions>
+  <inkml:trace contextRef="#ctx0" brushRef="#br0">0 0 24575,'0'763'-1365,"0"-745"-5461</inkml:trace>
+</inkml:ink>
+</file>
+
 <file path=ppt/ink/ink36.xml><?xml version="1.0" encoding="utf-8"?>
 <inkml:ink xmlns:inkml="http://www.w3.org/2003/InkML">
   <inkml:definitions>
@@ -7897,6 +7953,276 @@
 </inkml:ink>
 </file>
 
+<file path=ppt/ink/ink360.xml><?xml version="1.0" encoding="utf-8"?>
+<inkml:ink xmlns:inkml="http://www.w3.org/2003/InkML">
+  <inkml:definitions>
+    <inkml:context xml:id="ctx0">
+      <inkml:inkSource xml:id="inkSrc0">
+        <inkml:traceFormat>
+          <inkml:channel name="X" type="integer" min="-2.14748E9" max="2.14748E9" units="cm"/>
+          <inkml:channel name="Y" type="integer" min="-2.14748E9" max="2.14748E9" units="cm"/>
+          <inkml:channel name="F" type="integer" max="32767" units="dev"/>
+        </inkml:traceFormat>
+        <inkml:channelProperties>
+          <inkml:channelProperty channel="X" name="resolution" value="1000" units="1/cm"/>
+          <inkml:channelProperty channel="Y" name="resolution" value="1000" units="1/cm"/>
+          <inkml:channelProperty channel="F" name="resolution" value="0" units="1/dev"/>
+        </inkml:channelProperties>
+      </inkml:inkSource>
+      <inkml:timestamp xml:id="ts0" timeString="2023-08-03T04:37:45.427"/>
+    </inkml:context>
+    <inkml:brush xml:id="br0">
+      <inkml:brushProperty name="width" value="0.1" units="cm"/>
+      <inkml:brushProperty name="height" value="0.1" units="cm"/>
+    </inkml:brush>
+  </inkml:definitions>
+  <inkml:trace contextRef="#ctx0" brushRef="#br0">0 90 24575,'1'-2'0,"0"1"0,0-1 0,1 1 0,-1-1 0,0 1 0,1 0 0,-1-1 0,0 1 0,1 0 0,0 0 0,-1 0 0,1 0 0,0 0 0,-1 0 0,1 1 0,0-1 0,3 0 0,34-12 0,-21 9 0,0 0 0,27 0 0,-30 3 0,0 0 0,-1-1 0,1-1 0,-1 0 0,16-6 0,-12 3 0,0 1 0,0 1 0,0 0 0,0 2 0,1 0 0,-1 1 0,1 0 0,0 2 0,-1 0 0,30 7 0,-44-7 0,0 1 0,-1 0 0,1 0 0,-1 0 0,1 0 0,-1 0 0,0 1 0,1 0 0,-1 0 0,-1 0 0,1 0 0,0 0 0,-1 0 0,0 1 0,1-1 0,-1 1 0,-1 0 0,1-1 0,0 1 0,-1 0 0,0 0 0,0 0 0,0 0 0,0 8 0,2 13 0,0 0 0,-3 48 0,-1-51 0,-1-7 0,0 0 0,-2-1 0,1 0 0,-2 1 0,0-1 0,-1-1 0,0 1 0,-1-1 0,0 0 0,-1 0 0,-10 11 0,-17 32 0,22-35 0,-1 0 0,-2 0 0,0-1 0,-1-1 0,-33 29 0,8 3 0,19-20 0,22-30 0,0 0 0,-1 1 0,1-1 0,0 1 0,0-1 0,0 1 0,0-1 0,0 1 0,0-1 0,1 1 0,-1 0 0,0-1 0,1 1 0,-1 0 0,1 0 0,0 0 0,0-1 0,-1 1 0,1 0 0,0 0 0,1 0 0,-1 0 0,0 1 0,1-1 0,1-1 0,-1 1 0,0-1 0,0 1 0,1-1 0,-1 0 0,1 0 0,-1 1 0,1-1 0,-1 0 0,1-1 0,0 1 0,-1 0 0,1 0 0,0-1 0,0 1 0,-1-1 0,4 1 0,12 2 0,0-2 0,1 1 0,29-3 0,-36 0 0,368-1 0,-227 3-1365,-134-1-5461</inkml:trace>
+</inkml:ink>
+</file>
+
+<file path=ppt/ink/ink361.xml><?xml version="1.0" encoding="utf-8"?>
+<inkml:ink xmlns:inkml="http://www.w3.org/2003/InkML">
+  <inkml:definitions>
+    <inkml:context xml:id="ctx0">
+      <inkml:inkSource xml:id="inkSrc0">
+        <inkml:traceFormat>
+          <inkml:channel name="X" type="integer" min="-2.14748E9" max="2.14748E9" units="cm"/>
+          <inkml:channel name="Y" type="integer" min="-2.14748E9" max="2.14748E9" units="cm"/>
+          <inkml:channel name="F" type="integer" max="32767" units="dev"/>
+        </inkml:traceFormat>
+        <inkml:channelProperties>
+          <inkml:channelProperty channel="X" name="resolution" value="1000" units="1/cm"/>
+          <inkml:channelProperty channel="Y" name="resolution" value="1000" units="1/cm"/>
+          <inkml:channelProperty channel="F" name="resolution" value="0" units="1/dev"/>
+        </inkml:channelProperties>
+      </inkml:inkSource>
+      <inkml:timestamp xml:id="ts0" timeString="2023-08-03T04:37:46.390"/>
+    </inkml:context>
+    <inkml:brush xml:id="br0">
+      <inkml:brushProperty name="width" value="0.1" units="cm"/>
+      <inkml:brushProperty name="height" value="0.1" units="cm"/>
+    </inkml:brush>
+  </inkml:definitions>
+  <inkml:trace contextRef="#ctx0" brushRef="#br0">135 45 24575,'21'-2'0,"0"0"0,1-1 0,40-12 0,-41 9 0,0 1 0,0 1 0,44-3 0,-61 7 0,1-1 0,-1 1 0,1 0 0,-1 1 0,0-1 0,1 1 0,-1 0 0,1 0 0,-1 1 0,0-1 0,0 1 0,0 0 0,0 0 0,4 2 0,-6-1 0,1 0 0,-1 0 0,0 0 0,0 0 0,-1 0 0,1 1 0,-1-1 0,0 0 0,1 1 0,-1-1 0,-1 1 0,1 0 0,0-1 0,-1 1 0,0-1 0,0 1 0,-1 6 0,1 46 0,-5 125 0,5-176 0,-1 0 0,0 0 0,0-1 0,0 1 0,0 0 0,-1 0 0,0-1 0,0 1 0,0-1 0,-1 1 0,1-1 0,-1 0 0,0 0 0,-7 7 0,0-3 0,-1 1 0,0-2 0,0 1 0,-14 5 0,6-2 0,11-7 0,0-1 0,0 0 0,0 0 0,0-1 0,0 0 0,-1-1 0,-13 1 0,12-1 0,1 0 0,-1 0 0,1 1 0,0 0 0,0 1 0,-10 4 0,8-3 0,-1 0 0,1 0 0,0-1 0,-1-1 0,0 0 0,-12 0 0,12-1 0,1 0 0,0 1 0,0 0 0,1 1 0,-1 0 0,-15 6 0,25-8 0,1-1 0,-1 0 0,1 0 0,-1 1 0,0-1 0,1 0 0,-1 1 0,1-1 0,-1 0 0,1 1 0,-1-1 0,1 1 0,-1-1 0,1 1 0,0-1 0,-1 1 0,1 0 0,0-1 0,-1 1 0,1-1 0,0 1 0,0 0 0,-1-1 0,1 1 0,0 0 0,0-1 0,0 1 0,0 0 0,0-1 0,0 1 0,0 0 0,0-1 0,0 1 0,0 0 0,1 0 0,18 21 0,36 10 0,-38-26 0,1 0 0,31 5 0,-33-9 0,-1 1 0,0 1 0,-1 1 0,29 12 0,-32-12 0,0 1 0,0 0 0,-1 0 0,0 1 0,0 0 0,-1 1 0,0 0 0,0 1 0,-1 0 0,0 0 0,0 1 0,-1 0 0,0 0 0,6 14 0,-8-10 0,1-1 0,-2 2 0,1-1 0,-2 0 0,0 1 0,-1 0 0,-1 0 0,0-1 0,-1 21 0,-1-24 0,0-1 0,0 1 0,-1-1 0,-1 1 0,0-1 0,0 0 0,-1 0 0,0 0 0,0-1 0,-1 1 0,-1-1 0,0 0 0,-12 14 0,-12 13 0,22-26 0,0 0 0,-1 0 0,0-1 0,-14 11 0,-32 18-1365</inkml:trace>
+</inkml:ink>
+</file>
+
+<file path=ppt/ink/ink362.xml><?xml version="1.0" encoding="utf-8"?>
+<inkml:ink xmlns:inkml="http://www.w3.org/2003/InkML">
+  <inkml:definitions>
+    <inkml:context xml:id="ctx0">
+      <inkml:inkSource xml:id="inkSrc0">
+        <inkml:traceFormat>
+          <inkml:channel name="X" type="integer" min="-2.14748E9" max="2.14748E9" units="cm"/>
+          <inkml:channel name="Y" type="integer" min="-2.14748E9" max="2.14748E9" units="cm"/>
+          <inkml:channel name="F" type="integer" max="32767" units="dev"/>
+        </inkml:traceFormat>
+        <inkml:channelProperties>
+          <inkml:channelProperty channel="X" name="resolution" value="1000" units="1/cm"/>
+          <inkml:channelProperty channel="Y" name="resolution" value="1000" units="1/cm"/>
+          <inkml:channelProperty channel="F" name="resolution" value="0" units="1/dev"/>
+        </inkml:channelProperties>
+      </inkml:inkSource>
+      <inkml:timestamp xml:id="ts0" timeString="2023-08-03T04:37:47.157"/>
+    </inkml:context>
+    <inkml:brush xml:id="br0">
+      <inkml:brushProperty name="width" value="0.1" units="cm"/>
+      <inkml:brushProperty name="height" value="0.1" units="cm"/>
+    </inkml:brush>
+  </inkml:definitions>
+  <inkml:trace contextRef="#ctx0" brushRef="#br0">189 1 24575,'-6'2'0,"1"1"0,-1-1 0,1 2 0,0-1 0,0 0 0,0 1 0,1 0 0,-1 0 0,1 0 0,-7 9 0,0-2 0,-11 9 0,8-7 0,-1 0 0,2 1 0,-17 22 0,27-33 0,1 0 0,0 1 0,-1-1 0,1 1 0,1 0 0,-1-1 0,1 1 0,-1 0 0,1 0 0,0 0 0,0 0 0,1 1 0,-1-1 0,1 0 0,0 0 0,0 0 0,0 0 0,1 0 0,-1 1 0,1-1 0,2 6 0,-1-8 0,-1 1 0,1-1 0,-1 0 0,1 0 0,0 0 0,0 0 0,0 0 0,0 0 0,0-1 0,0 1 0,0-1 0,0 1 0,1-1 0,-1 0 0,1 0 0,-1 0 0,5 1 0,54 11 0,-24-5 0,7 1 0,-1-2 0,1-2 0,0-1 0,0-3 0,57-5 0,5 2 0,-64 2-1365,-24 0-5461</inkml:trace>
+</inkml:ink>
+</file>
+
+<file path=ppt/ink/ink363.xml><?xml version="1.0" encoding="utf-8"?>
+<inkml:ink xmlns:inkml="http://www.w3.org/2003/InkML">
+  <inkml:definitions>
+    <inkml:context xml:id="ctx0">
+      <inkml:inkSource xml:id="inkSrc0">
+        <inkml:traceFormat>
+          <inkml:channel name="X" type="integer" min="-2.14748E9" max="2.14748E9" units="cm"/>
+          <inkml:channel name="Y" type="integer" min="-2.14748E9" max="2.14748E9" units="cm"/>
+          <inkml:channel name="F" type="integer" max="32767" units="dev"/>
+        </inkml:traceFormat>
+        <inkml:channelProperties>
+          <inkml:channelProperty channel="X" name="resolution" value="1000" units="1/cm"/>
+          <inkml:channelProperty channel="Y" name="resolution" value="1000" units="1/cm"/>
+          <inkml:channelProperty channel="F" name="resolution" value="0" units="1/dev"/>
+        </inkml:channelProperties>
+      </inkml:inkSource>
+      <inkml:timestamp xml:id="ts0" timeString="2023-08-03T04:37:47.503"/>
+    </inkml:context>
+    <inkml:brush xml:id="br0">
+      <inkml:brushProperty name="width" value="0.1" units="cm"/>
+      <inkml:brushProperty name="height" value="0.1" units="cm"/>
+    </inkml:brush>
+  </inkml:definitions>
+  <inkml:trace contextRef="#ctx0" brushRef="#br0">0 1 24575,'0'572'-1365,"0"-554"-5461</inkml:trace>
+</inkml:ink>
+</file>
+
+<file path=ppt/ink/ink364.xml><?xml version="1.0" encoding="utf-8"?>
+<inkml:ink xmlns:inkml="http://www.w3.org/2003/InkML">
+  <inkml:definitions>
+    <inkml:context xml:id="ctx0">
+      <inkml:inkSource xml:id="inkSrc0">
+        <inkml:traceFormat>
+          <inkml:channel name="X" type="integer" min="-2.14748E9" max="2.14748E9" units="cm"/>
+          <inkml:channel name="Y" type="integer" min="-2.14748E9" max="2.14748E9" units="cm"/>
+          <inkml:channel name="F" type="integer" max="32767" units="dev"/>
+        </inkml:traceFormat>
+        <inkml:channelProperties>
+          <inkml:channelProperty channel="X" name="resolution" value="1000" units="1/cm"/>
+          <inkml:channelProperty channel="Y" name="resolution" value="1000" units="1/cm"/>
+          <inkml:channelProperty channel="F" name="resolution" value="0" units="1/dev"/>
+        </inkml:channelProperties>
+      </inkml:inkSource>
+      <inkml:timestamp xml:id="ts0" timeString="2023-08-03T04:37:48.571"/>
+    </inkml:context>
+    <inkml:brush xml:id="br0">
+      <inkml:brushProperty name="width" value="0.1" units="cm"/>
+      <inkml:brushProperty name="height" value="0.1" units="cm"/>
+    </inkml:brush>
+  </inkml:definitions>
+  <inkml:trace contextRef="#ctx0" brushRef="#br0">1 0 24575,'2'0'0,"0"1"0,0-1 0,0 0 0,0 1 0,0 0 0,-1-1 0,1 1 0,0 0 0,0 0 0,0 0 0,-1 0 0,1 1 0,-1-1 0,1 0 0,-1 1 0,1-1 0,-1 1 0,0-1 0,1 1 0,-1-1 0,0 1 0,0 0 0,0 0 0,-1 0 0,1 0 0,0-1 0,-1 1 0,1 0 0,-1 0 0,1 0 0,-1 0 0,0 3 0,2 11 0,-1 0 0,-1 0 0,-1 18 0,0-15 0,2 18 0,0 0 0,13 64 0,-9-58 0,-5-32 0,2 0 0,-1 0 0,1 0 0,1 0 0,5 16 0,-6-24 0,-1 0 0,1 0 0,-1-1 0,1 1 0,0-1 0,0 1 0,0-1 0,0 0 0,1 0 0,-1 0 0,1 0 0,-1 0 0,1-1 0,0 1 0,-1-1 0,1 0 0,0 1 0,0-1 0,0-1 0,0 1 0,0 0 0,0-1 0,0 1 0,6-1 0,6 0 0,0-1 0,-1-1 0,1 0 0,0 0 0,0-2 0,-1 0 0,0-1 0,0 0 0,0-1 0,24-14 0,-35 18 0,18-6 0,1 0 0,0 2 0,37-7 0,1 0 0,-23 2 0,1 3 0,54-5 0,-82 12 0,-1 0 0,1 1 0,0 0 0,0 1 0,0 0 0,0 0 0,-1 1 0,1 1 0,-1-1 0,1 1 0,-1 1 0,0 0 0,0 0 0,-1 1 0,9 6 0,-11-6 0,-1 1 0,-1-1 0,1 1 0,-1 0 0,0 0 0,0 0 0,0 0 0,-1 1 0,0 0 0,-1-1 0,1 1 0,-1 0 0,-1 1 0,1-1 0,-1 0 0,-1 0 0,1 0 0,-1 1 0,0-1 0,-1 0 0,1 1 0,-3 7 0,0-1 0,0-1 0,0 1 0,-1-1 0,-1 0 0,0-1 0,-1 1 0,0-1 0,-1 0 0,0 0 0,-17 19 0,16-22 0,-1-1 0,0 0 0,0 0 0,-1-1 0,0 0 0,0-1 0,0 0 0,-1-1 0,0 0 0,0-1 0,0 0 0,-1 0 0,1-1 0,-1-1 0,0 0 0,0-1 0,0 0 0,0-1 0,-13-1 0,14 2-273,-1-2 0,1 0 0,0 0 0,-21-6 0</inkml:trace>
+</inkml:ink>
+</file>
+
+<file path=ppt/ink/ink365.xml><?xml version="1.0" encoding="utf-8"?>
+<inkml:ink xmlns:inkml="http://www.w3.org/2003/InkML">
+  <inkml:definitions>
+    <inkml:context xml:id="ctx0">
+      <inkml:inkSource xml:id="inkSrc0">
+        <inkml:traceFormat>
+          <inkml:channel name="X" type="integer" min="-2.14748E9" max="2.14748E9" units="cm"/>
+          <inkml:channel name="Y" type="integer" min="-2.14748E9" max="2.14748E9" units="cm"/>
+          <inkml:channel name="F" type="integer" max="32767" units="dev"/>
+        </inkml:traceFormat>
+        <inkml:channelProperties>
+          <inkml:channelProperty channel="X" name="resolution" value="1000" units="1/cm"/>
+          <inkml:channelProperty channel="Y" name="resolution" value="1000" units="1/cm"/>
+          <inkml:channelProperty channel="F" name="resolution" value="0" units="1/dev"/>
+        </inkml:channelProperties>
+      </inkml:inkSource>
+      <inkml:timestamp xml:id="ts0" timeString="2023-08-03T04:37:48.903"/>
+    </inkml:context>
+    <inkml:brush xml:id="br0">
+      <inkml:brushProperty name="width" value="0.1" units="cm"/>
+      <inkml:brushProperty name="height" value="0.1" units="cm"/>
+    </inkml:brush>
+  </inkml:definitions>
+  <inkml:trace contextRef="#ctx0" brushRef="#br0">1 60 24575,'132'2'0,"139"-5"0,-256 1 0,1 0 0,-1-2 0,1 0 0,-1 0 0,-1-1 0,1-1 0,23-13 0,-8 7-1365</inkml:trace>
+</inkml:ink>
+</file>
+
+<file path=ppt/ink/ink366.xml><?xml version="1.0" encoding="utf-8"?>
+<inkml:ink xmlns:inkml="http://www.w3.org/2003/InkML">
+  <inkml:definitions>
+    <inkml:context xml:id="ctx0">
+      <inkml:inkSource xml:id="inkSrc0">
+        <inkml:traceFormat>
+          <inkml:channel name="X" type="integer" min="-2.14748E9" max="2.14748E9" units="cm"/>
+          <inkml:channel name="Y" type="integer" min="-2.14748E9" max="2.14748E9" units="cm"/>
+          <inkml:channel name="F" type="integer" max="32767" units="dev"/>
+        </inkml:traceFormat>
+        <inkml:channelProperties>
+          <inkml:channelProperty channel="X" name="resolution" value="1000" units="1/cm"/>
+          <inkml:channelProperty channel="Y" name="resolution" value="1000" units="1/cm"/>
+          <inkml:channelProperty channel="F" name="resolution" value="0" units="1/dev"/>
+        </inkml:channelProperties>
+      </inkml:inkSource>
+      <inkml:timestamp xml:id="ts0" timeString="2023-08-03T04:37:49.910"/>
+    </inkml:context>
+    <inkml:brush xml:id="br0">
+      <inkml:brushProperty name="width" value="0.1" units="cm"/>
+      <inkml:brushProperty name="height" value="0.1" units="cm"/>
+    </inkml:brush>
+  </inkml:definitions>
+  <inkml:trace contextRef="#ctx0" brushRef="#br0">219 0 24575,'-5'1'0,"1"0"0,-1 0 0,1 1 0,-1-1 0,1 1 0,0 0 0,0 0 0,0 0 0,0 1 0,0-1 0,1 1 0,-7 6 0,-40 42 0,39-35 0,1 0 0,0 0 0,1 1 0,1 1 0,-9 29 0,-6 11 0,18-48 0,2 1 0,-1 0 0,2 0 0,-1 0 0,1 1 0,1-1 0,0 1 0,1-1 0,0 0 0,1 1 0,3 19 0,-2-24 0,-1 0 0,1 0 0,0-1 0,0 1 0,1 0 0,0-1 0,0 0 0,1 0 0,-1 0 0,1 0 0,1 0 0,-1-1 0,1 1 0,0-1 0,0 0 0,1-1 0,-1 0 0,1 1 0,10 4 0,11 4 0,-4-2 0,1 0 0,0-1 0,1-2 0,43 10 0,10 2 0,-61-15 0,0 0 0,1-1 0,0 0 0,26 1 0,-22-4 0,0-2 0,0 0 0,36-7 0,-52 7 0,-1 0 0,1 0 0,-1-1 0,1 0 0,-1 0 0,0-1 0,0 1 0,0-1 0,0 0 0,0-1 0,-1 1 0,0-1 0,1 0 0,-1 0 0,-1 0 0,1-1 0,0 1 0,-1-1 0,4-6 0,0-6 0,-1 1 0,0-1 0,-1 0 0,-1-1 0,0 1 0,-1-1 0,-1 1 0,-1-1 0,-1 0 0,0 0 0,-1 0 0,-7-33 0,7 47 0,0 0 0,-1 1 0,1-1 0,-1 0 0,0 1 0,0-1 0,0 1 0,-1 0 0,1 0 0,-1 0 0,0 0 0,0 0 0,0 0 0,0 1 0,0-1 0,0 1 0,-1 0 0,1 0 0,-1 0 0,1 1 0,-1-1 0,0 1 0,0 0 0,0 0 0,-6-1 0,-11 0 0,1 0 0,0 1 0,-1 2 0,-20 2 0,-9 0 0,41-3 0,0 0 0,1 1 0,-1 0 0,0 0 0,0 1 0,0 1 0,1-1 0,-1 1 0,1 1 0,0 0 0,0 0 0,0 0 0,-9 8 0,-1-2 0,1 0 0,-27 10 0,-19 10 0,0-10-1365</inkml:trace>
+</inkml:ink>
+</file>
+
+<file path=ppt/ink/ink367.xml><?xml version="1.0" encoding="utf-8"?>
+<inkml:ink xmlns:inkml="http://www.w3.org/2003/InkML">
+  <inkml:definitions>
+    <inkml:context xml:id="ctx0">
+      <inkml:inkSource xml:id="inkSrc0">
+        <inkml:traceFormat>
+          <inkml:channel name="X" type="integer" min="-2.14748E9" max="2.14748E9" units="cm"/>
+          <inkml:channel name="Y" type="integer" min="-2.14748E9" max="2.14748E9" units="cm"/>
+          <inkml:channel name="F" type="integer" max="32767" units="dev"/>
+        </inkml:traceFormat>
+        <inkml:channelProperties>
+          <inkml:channelProperty channel="X" name="resolution" value="1000" units="1/cm"/>
+          <inkml:channelProperty channel="Y" name="resolution" value="1000" units="1/cm"/>
+          <inkml:channelProperty channel="F" name="resolution" value="0" units="1/dev"/>
+        </inkml:channelProperties>
+      </inkml:inkSource>
+      <inkml:timestamp xml:id="ts0" timeString="2023-08-03T04:37:50.573"/>
+    </inkml:context>
+    <inkml:brush xml:id="br0">
+      <inkml:brushProperty name="width" value="0.1" units="cm"/>
+      <inkml:brushProperty name="height" value="0.1" units="cm"/>
+    </inkml:brush>
+  </inkml:definitions>
+  <inkml:trace contextRef="#ctx0" brushRef="#br0">48 1 24575,'-14'41'0,"5"-20"0,1 13 0,2 0 0,1 0 0,2 0 0,1 1 0,1 0 0,8 58 0,14 54 0,-13-113-1365</inkml:trace>
+</inkml:ink>
+</file>
+
+<file path=ppt/ink/ink368.xml><?xml version="1.0" encoding="utf-8"?>
+<inkml:ink xmlns:inkml="http://www.w3.org/2003/InkML">
+  <inkml:definitions>
+    <inkml:context xml:id="ctx0">
+      <inkml:inkSource xml:id="inkSrc0">
+        <inkml:traceFormat>
+          <inkml:channel name="X" type="integer" min="-2.14748E9" max="2.14748E9" units="cm"/>
+          <inkml:channel name="Y" type="integer" min="-2.14748E9" max="2.14748E9" units="cm"/>
+          <inkml:channel name="F" type="integer" max="32767" units="dev"/>
+        </inkml:traceFormat>
+        <inkml:channelProperties>
+          <inkml:channelProperty channel="X" name="resolution" value="1000" units="1/cm"/>
+          <inkml:channelProperty channel="Y" name="resolution" value="1000" units="1/cm"/>
+          <inkml:channelProperty channel="F" name="resolution" value="0" units="1/dev"/>
+        </inkml:channelProperties>
+      </inkml:inkSource>
+      <inkml:timestamp xml:id="ts0" timeString="2023-08-03T04:37:51.055"/>
+    </inkml:context>
+    <inkml:brush xml:id="br0">
+      <inkml:brushProperty name="width" value="0.1" units="cm"/>
+      <inkml:brushProperty name="height" value="0.1" units="cm"/>
+    </inkml:brush>
+  </inkml:definitions>
+  <inkml:trace contextRef="#ctx0" brushRef="#br0">1 1 24575,'9'1'0,"0"0"0,-1 1 0,1 0 0,0 0 0,0 1 0,-1 0 0,16 8 0,53 36 0,-71-42 0,0 1 0,-1 0 0,0 0 0,0 0 0,-1 1 0,0 0 0,0 0 0,0 0 0,-1 0 0,0 0 0,-1 1 0,1-1 0,-1 1 0,-1 0 0,2 11 0,-1-8 0,0 1 0,1-1 0,1 0 0,0 0 0,10 20 0,-7-16 0,0 0 0,-1 1 0,0 0 0,-1 0 0,-1 0 0,-1 1 0,0-1 0,-1 1 0,-1 29 0,2-8 0,6 32 0,-4-45 0,1 50 0,-7 136-1365,1-192-5461</inkml:trace>
+</inkml:ink>
+</file>
+
+<file path=ppt/ink/ink369.xml><?xml version="1.0" encoding="utf-8"?>
+<inkml:ink xmlns:inkml="http://www.w3.org/2003/InkML">
+  <inkml:definitions>
+    <inkml:context xml:id="ctx0">
+      <inkml:inkSource xml:id="inkSrc0">
+        <inkml:traceFormat>
+          <inkml:channel name="X" type="integer" min="-2.14748E9" max="2.14748E9" units="cm"/>
+          <inkml:channel name="Y" type="integer" min="-2.14748E9" max="2.14748E9" units="cm"/>
+          <inkml:channel name="F" type="integer" max="32767" units="dev"/>
+        </inkml:traceFormat>
+        <inkml:channelProperties>
+          <inkml:channelProperty channel="X" name="resolution" value="1000" units="1/cm"/>
+          <inkml:channelProperty channel="Y" name="resolution" value="1000" units="1/cm"/>
+          <inkml:channelProperty channel="F" name="resolution" value="0" units="1/dev"/>
+        </inkml:channelProperties>
+      </inkml:inkSource>
+      <inkml:timestamp xml:id="ts0" timeString="2023-08-03T04:37:55.374"/>
+    </inkml:context>
+    <inkml:brush xml:id="br0">
+      <inkml:brushProperty name="width" value="0.1" units="cm"/>
+      <inkml:brushProperty name="height" value="0.1" units="cm"/>
+    </inkml:brush>
+  </inkml:definitions>
+  <inkml:trace contextRef="#ctx0" brushRef="#br0">90 216 24575,'-1'-20'0,"1"6"0,0 0 0,1 0 0,4-24 0,-4 34 0,0 0 0,0 0 0,1 0 0,-1 0 0,1 1 0,0-1 0,0 0 0,1 1 0,-1-1 0,1 1 0,-1 0 0,1-1 0,0 1 0,1 1 0,-1-1 0,6-4 0,18-11 0,-23 14 0,0 1 0,0 0 0,1 0 0,-1 0 0,1 1 0,-1 0 0,1 0 0,0 0 0,0 0 0,0 1 0,0-1 0,0 1 0,7 0 0,136-2 0,-134 3 0,0 1 0,0 1 0,0 0 0,0 1 0,-1 0 0,1 2 0,-1-1 0,18 10 0,-27-11 0,0 0 0,0 1 0,0-1 0,0 1 0,-1 0 0,0 0 0,0 0 0,0 1 0,0-1 0,0 1 0,-1 0 0,0-1 0,0 1 0,0 0 0,-1 0 0,0 0 0,0 1 0,1 8 0,0 6 0,-1 0 0,-1-1 0,-4 33 0,3-44 0,-1 0 0,-1 0 0,1 0 0,-1 0 0,-1 0 0,1-1 0,-1 0 0,-1 1 0,1-1 0,-1-1 0,0 1 0,-1-1 0,0 0 0,0 0 0,0 0 0,-12 8 0,-9 4 0,0-1 0,-56 25 0,64-32 0,2 1 0,-1 0 0,1 1 0,1 1 0,-19 20 0,-35 27 0,40-39 0,19-15 0,0 1 0,1 1 0,-16 15 0,23-20 0,0 1 0,0 0 0,0 0 0,0 1 0,1-1 0,0 0 0,0 1 0,0 0 0,0-1 0,1 1 0,0 0 0,0 0 0,-1 6 0,0 3 0,1 0 0,0-1 0,1 1 0,1 0 0,0 0 0,5 19 0,-5-29 0,0 0 0,0 0 0,1 0 0,0-1 0,-1 1 0,1-1 0,1 1 0,-1-1 0,0 1 0,1-1 0,0 0 0,0 0 0,0-1 0,0 1 0,0 0 0,0-1 0,1 0 0,-1 0 0,1 0 0,-1 0 0,1-1 0,0 1 0,0-1 0,0 0 0,7 1 0,27 2 0,0-1 0,-1-3 0,65-6 0,-82 3 0,-1-2 0,1 0 0,-1-1 0,0-1 0,0-1 0,33-19 0,-22 12 0,-27 14 0,-1-1 0,0 1 0,0 0 0,0-1 0,0 1 0,0-1 0,-1 1 0,1-1 0,0 0 0,-1 0 0,1 0 0,-1 0 0,0 0 0,1 0 0,-1 0 0,0 0 0,0 0 0,0-1 0,-1 1 0,1 0 0,-1-1 0,1 1 0,-1 0 0,0-1 0,0 1 0,0-1 0,0 1 0,0-1 0,0 1 0,-1 0 0,1-1 0,-1 1 0,0 0 0,1-1 0,-1 1 0,0 0 0,-3-4 0,-4-10 0,-2 0 0,1 1 0,-2 1 0,-14-16 0,11 12 0,-13-19 0,-25-48 0,22 34 0,3 0 0,25 43 0,-2-1 0,1 2 0,-1-1 0,-1 0 0,1 1 0,-1 0 0,-1 0 0,1 0 0,-1 0 0,0 1 0,0 0 0,-1 1 0,0-1 0,-10-5 0,-9-2 0,-3-2 0,-47-17 0,39 22-73,27 8-56,1-1 0,-1 1 0,1-2-1,0 1 1,0-1 0,0-1 0,0 1-1,1-1 1,-9-7 0</inkml:trace>
+</inkml:ink>
+</file>
+
 <file path=ppt/ink/ink37.xml><?xml version="1.0" encoding="utf-8"?>
 <inkml:ink xmlns:inkml="http://www.w3.org/2003/InkML">
   <inkml:definitions>
@@ -7924,6 +8250,285 @@
 </inkml:ink>
 </file>
 
+<file path=ppt/ink/ink370.xml><?xml version="1.0" encoding="utf-8"?>
+<inkml:ink xmlns:inkml="http://www.w3.org/2003/InkML">
+  <inkml:definitions>
+    <inkml:context xml:id="ctx0">
+      <inkml:inkSource xml:id="inkSrc0">
+        <inkml:traceFormat>
+          <inkml:channel name="X" type="integer" min="-2.14748E9" max="2.14748E9" units="cm"/>
+          <inkml:channel name="Y" type="integer" min="-2.14748E9" max="2.14748E9" units="cm"/>
+          <inkml:channel name="F" type="integer" max="32767" units="dev"/>
+        </inkml:traceFormat>
+        <inkml:channelProperties>
+          <inkml:channelProperty channel="X" name="resolution" value="1000" units="1/cm"/>
+          <inkml:channelProperty channel="Y" name="resolution" value="1000" units="1/cm"/>
+          <inkml:channelProperty channel="F" name="resolution" value="0" units="1/dev"/>
+        </inkml:channelProperties>
+      </inkml:inkSource>
+      <inkml:timestamp xml:id="ts0" timeString="2023-08-03T04:37:57.829"/>
+    </inkml:context>
+    <inkml:brush xml:id="br0">
+      <inkml:brushProperty name="width" value="0.1" units="cm"/>
+      <inkml:brushProperty name="height" value="0.1" units="cm"/>
+    </inkml:brush>
+  </inkml:definitions>
+  <inkml:trace contextRef="#ctx0" brushRef="#br0">408 47 24575,'-5'-3'0,"0"0"0,0 0 0,-1 0 0,1 1 0,-1 0 0,0 0 0,1 0 0,-1 1 0,0 0 0,0 0 0,-10 0 0,-24-5 0,23 1 0,1 1 0,-1 1 0,0 1 0,0 0 0,0 1 0,-1 1 0,1 1 0,0 0 0,0 1 0,0 1 0,-27 8 0,41-9 0,-1 0 0,1 1 0,0-1 0,-1 1 0,1-1 0,0 1 0,1 0 0,-1 1 0,0-1 0,1 0 0,0 1 0,-1-1 0,2 1 0,-1 0 0,0-1 0,1 1 0,-1 0 0,1 0 0,0 0 0,0 8 0,-2 9 0,0 0 0,2 35 0,1-53 0,-1 59 0,-1-38 0,2-1 0,0 1 0,2 0 0,5 29 0,-6-49 0,0 0 0,0 0 0,1 1 0,0-1 0,-1 0 0,2 0 0,-1-1 0,0 1 0,1 0 0,0-1 0,0 1 0,0-1 0,0 0 0,0 0 0,1 0 0,-1 0 0,1-1 0,0 0 0,6 4 0,3-1 0,1-1 0,0 0 0,-1-1 0,26 3 0,5 1 0,-29-4 0,-1-1 0,0 0 0,1-1 0,0-1 0,-1 0 0,26-3 0,-37 2 0,1 0 0,0 1 0,0-1 0,-1-1 0,1 1 0,-1 0 0,1-1 0,-1 0 0,1 0 0,-1 0 0,0 0 0,0-1 0,0 1 0,0-1 0,-1 1 0,1-1 0,-1 0 0,1 0 0,-1 0 0,0-1 0,0 1 0,0 0 0,-1-1 0,1 1 0,-1-1 0,0 0 0,0 1 0,0-1 0,-1 0 0,1-4 0,0-16 0,-1 0 0,-1 1 0,-2-1 0,-5-24 0,-3-43 0,11 85 0,0 1 0,1-1 0,-1 1 0,1-1 0,0 1 0,1-1 0,0 1 0,-1 0 0,5-8 0,-5 12 0,-1-1 0,1 1 0,0 0 0,-1 0 0,1 0 0,0 0 0,-1 0 0,1 0 0,0 0 0,0 0 0,0 1 0,0-1 0,0 0 0,0 0 0,0 1 0,0-1 0,0 0 0,0 1 0,1-1 0,-1 1 0,0 0 0,0-1 0,1 1 0,-1 0 0,0 0 0,0 0 0,1 0 0,-1 0 0,0 0 0,0 0 0,1 0 0,-1 0 0,0 1 0,0-1 0,0 0 0,1 1 0,-1-1 0,0 1 0,0-1 0,0 1 0,0 0 0,0 0 0,0-1 0,0 1 0,0 0 0,0 0 0,1 2 0,1 0 0,-1 0 0,1 1 0,-1-1 0,0 1 0,0-1 0,0 1 0,-1 0 0,1 0 0,-1 0 0,0 0 0,0 0 0,0 0 0,-1 0 0,1 8 0,-3 68 0,0-47 0,0 45 0,4 182 0,8-197 0,-6-44 0,-1 0 0,2 28 0,-3 52 0,-6 162 0,1-243-1365</inkml:trace>
+</inkml:ink>
+</file>
+
+<file path=ppt/ink/ink371.xml><?xml version="1.0" encoding="utf-8"?>
+<inkml:ink xmlns:inkml="http://www.w3.org/2003/InkML">
+  <inkml:definitions>
+    <inkml:context xml:id="ctx0">
+      <inkml:inkSource xml:id="inkSrc0">
+        <inkml:traceFormat>
+          <inkml:channel name="X" type="integer" min="-2.14748E9" max="2.14748E9" units="cm"/>
+          <inkml:channel name="Y" type="integer" min="-2.14748E9" max="2.14748E9" units="cm"/>
+          <inkml:channel name="F" type="integer" max="32767" units="dev"/>
+        </inkml:traceFormat>
+        <inkml:channelProperties>
+          <inkml:channelProperty channel="X" name="resolution" value="1000" units="1/cm"/>
+          <inkml:channelProperty channel="Y" name="resolution" value="1000" units="1/cm"/>
+          <inkml:channelProperty channel="F" name="resolution" value="0" units="1/dev"/>
+        </inkml:channelProperties>
+      </inkml:inkSource>
+      <inkml:timestamp xml:id="ts0" timeString="2023-08-03T07:02:49.523"/>
+    </inkml:context>
+    <inkml:brush xml:id="br0">
+      <inkml:brushProperty name="width" value="0.1" units="cm"/>
+      <inkml:brushProperty name="height" value="0.1" units="cm"/>
+      <inkml:brushProperty name="color" value="#E71224"/>
+    </inkml:brush>
+  </inkml:definitions>
+  <inkml:trace contextRef="#ctx0" brushRef="#br0">508 1 24575,'-5'1'0,"-1"1"0,1 0 0,-1 1 0,1-1 0,0 1 0,0 0 0,0 0 0,0 1 0,0 0 0,1-1 0,0 1 0,-6 8 0,-19 13 0,-14 6 0,1 2 0,1 2 0,-58 65 0,70-72 0,23-24 0,1 1 0,0 0 0,0 0 0,0 0 0,0 1 0,-7 12 0,-39 58 0,49-72 0,-8 15 0,0 1 0,1 1 0,1 0 0,1 0 0,-5 23 0,11-39 0,0 0 0,1 0 0,-1 0 0,1 0 0,0 0 0,1 0 0,-1 0 0,1 1 0,0-1 0,0-1 0,1 1 0,-1 0 0,1 0 0,0 0 0,1-1 0,-1 1 0,1-1 0,-1 0 0,2 0 0,-1 0 0,0 0 0,1 0 0,-1-1 0,1 1 0,0-1 0,0 0 0,9 5 0,1 0 0,-4-1 0,0 0 0,1-1 0,0 0 0,0-1 0,1 0 0,0-1 0,-1-1 0,1 1 0,0-2 0,1 1 0,18 0 0,39-2 0,157-5 0,-209 1-1365</inkml:trace>
+</inkml:ink>
+</file>
+
+<file path=ppt/ink/ink372.xml><?xml version="1.0" encoding="utf-8"?>
+<inkml:ink xmlns:inkml="http://www.w3.org/2003/InkML">
+  <inkml:definitions>
+    <inkml:context xml:id="ctx0">
+      <inkml:inkSource xml:id="inkSrc0">
+        <inkml:traceFormat>
+          <inkml:channel name="X" type="integer" min="-2.14748E9" max="2.14748E9" units="cm"/>
+          <inkml:channel name="Y" type="integer" min="-2.14748E9" max="2.14748E9" units="cm"/>
+          <inkml:channel name="F" type="integer" max="32767" units="dev"/>
+        </inkml:traceFormat>
+        <inkml:channelProperties>
+          <inkml:channelProperty channel="X" name="resolution" value="1000" units="1/cm"/>
+          <inkml:channelProperty channel="Y" name="resolution" value="1000" units="1/cm"/>
+          <inkml:channelProperty channel="F" name="resolution" value="0" units="1/dev"/>
+        </inkml:channelProperties>
+      </inkml:inkSource>
+      <inkml:timestamp xml:id="ts0" timeString="2023-08-03T07:02:50.261"/>
+    </inkml:context>
+    <inkml:brush xml:id="br0">
+      <inkml:brushProperty name="width" value="0.1" units="cm"/>
+      <inkml:brushProperty name="height" value="0.1" units="cm"/>
+      <inkml:brushProperty name="color" value="#E71224"/>
+    </inkml:brush>
+  </inkml:definitions>
+  <inkml:trace contextRef="#ctx0" brushRef="#br0">47 1 24575,'-1'34'0,"-2"1"0,-1-1 0,-2 1 0,-14 48 0,16-70 0,1 0 0,1 0 0,0 0 0,1 0 0,1 0 0,0 1 0,0-1 0,1 0 0,6 25 0,-7-37 0,0 0 0,1 1 0,-1-1 0,1 1 0,-1-1 0,1 0 0,-1 0 0,1 1 0,0-1 0,-1 0 0,1 0 0,0 0 0,0 0 0,0 0 0,0 0 0,0 0 0,0 0 0,0 0 0,1 0 0,-1-1 0,0 1 0,0 0 0,1-1 0,-1 1 0,0-1 0,1 1 0,-1-1 0,0 0 0,1 0 0,-1 1 0,1-1 0,-1 0 0,0 0 0,1 0 0,-1-1 0,1 1 0,-1 0 0,0 0 0,1-1 0,-1 1 0,0-1 0,1 1 0,-1-1 0,0 0 0,0 1 0,0-1 0,2-2 0,3-1 0,-1 0 0,0-1 0,0 0 0,-1 0 0,0 0 0,0 0 0,0-1 0,5-9 0,0-7 0,0 0 0,-2-1 0,6-29 0,-10 33 0,1 1 0,2 0 0,-1 1 0,2-1 0,0 1 0,18-30 0,-24 46 0,-1 0 0,1 0 0,-1 0 0,1 1 0,0-1 0,0 0 0,-1 0 0,1 0 0,0 0 0,0 1 0,0-1 0,0 0 0,0 1 0,0-1 0,0 1 0,0-1 0,0 1 0,0-1 0,0 1 0,0 0 0,0-1 0,0 1 0,0 0 0,0 0 0,0 0 0,2 0 0,-1 1 0,-1-1 0,1 1 0,-1 0 0,1 0 0,-1 0 0,0 0 0,1 0 0,-1 0 0,0 1 0,0-1 0,0 0 0,1 1 0,-1-1 0,-1 0 0,2 3 0,5 10 0,0 1 0,-2 0 0,5 17 0,-5-16 0,-2-6 0,0 1 0,-1 0 0,1 20 0,-2-21 0,0 0 0,0 0 0,1 0 0,5 13 0,0-10-1365</inkml:trace>
+</inkml:ink>
+</file>
+
+<file path=ppt/ink/ink373.xml><?xml version="1.0" encoding="utf-8"?>
+<inkml:ink xmlns:inkml="http://www.w3.org/2003/InkML">
+  <inkml:definitions>
+    <inkml:context xml:id="ctx0">
+      <inkml:inkSource xml:id="inkSrc0">
+        <inkml:traceFormat>
+          <inkml:channel name="X" type="integer" min="-2.14748E9" max="2.14748E9" units="cm"/>
+          <inkml:channel name="Y" type="integer" min="-2.14748E9" max="2.14748E9" units="cm"/>
+          <inkml:channel name="F" type="integer" max="32767" units="dev"/>
+        </inkml:traceFormat>
+        <inkml:channelProperties>
+          <inkml:channelProperty channel="X" name="resolution" value="1000" units="1/cm"/>
+          <inkml:channelProperty channel="Y" name="resolution" value="1000" units="1/cm"/>
+          <inkml:channelProperty channel="F" name="resolution" value="0" units="1/dev"/>
+        </inkml:channelProperties>
+      </inkml:inkSource>
+      <inkml:timestamp xml:id="ts0" timeString="2023-08-03T07:02:50.730"/>
+    </inkml:context>
+    <inkml:brush xml:id="br0">
+      <inkml:brushProperty name="width" value="0.1" units="cm"/>
+      <inkml:brushProperty name="height" value="0.1" units="cm"/>
+      <inkml:brushProperty name="color" value="#E71224"/>
+    </inkml:brush>
+  </inkml:definitions>
+  <inkml:trace contextRef="#ctx0" brushRef="#br0">2 23 24575,'-1'82'0,"3"90"0,-2-171 0,0-1 0,0 1 0,-1 0 0,1 0 0,0-1 0,0 1 0,1 0 0,-1-1 0,0 1 0,0 0 0,0 0 0,0-1 0,1 1 0,-1 0 0,0-1 0,1 1 0,-1-1 0,0 1 0,1 0 0,-1-1 0,1 1 0,-1-1 0,1 1 0,-1-1 0,1 1 0,0 0 0,11-13 0,6-30 0,-9 19-136,2 0-1,0 0 1,1 1-1,2 0 1,0 1-1,1 0 1,1 2-1,1 0 0,31-28 1</inkml:trace>
+</inkml:ink>
+</file>
+
+<file path=ppt/ink/ink374.xml><?xml version="1.0" encoding="utf-8"?>
+<inkml:ink xmlns:inkml="http://www.w3.org/2003/InkML">
+  <inkml:definitions>
+    <inkml:context xml:id="ctx0">
+      <inkml:inkSource xml:id="inkSrc0">
+        <inkml:traceFormat>
+          <inkml:channel name="X" type="integer" min="-2.14748E9" max="2.14748E9" units="cm"/>
+          <inkml:channel name="Y" type="integer" min="-2.14748E9" max="2.14748E9" units="cm"/>
+          <inkml:channel name="F" type="integer" max="32767" units="dev"/>
+        </inkml:traceFormat>
+        <inkml:channelProperties>
+          <inkml:channelProperty channel="X" name="resolution" value="1000" units="1/cm"/>
+          <inkml:channelProperty channel="Y" name="resolution" value="1000" units="1/cm"/>
+          <inkml:channelProperty channel="F" name="resolution" value="0" units="1/dev"/>
+        </inkml:channelProperties>
+      </inkml:inkSource>
+      <inkml:timestamp xml:id="ts0" timeString="2023-08-03T07:02:51.435"/>
+    </inkml:context>
+    <inkml:brush xml:id="br0">
+      <inkml:brushProperty name="width" value="0.1" units="cm"/>
+      <inkml:brushProperty name="height" value="0.1" units="cm"/>
+      <inkml:brushProperty name="color" value="#E71224"/>
+    </inkml:brush>
+  </inkml:definitions>
+  <inkml:trace contextRef="#ctx0" brushRef="#br0">192 0 24575,'-8'3'0,"1"0"0,-1 0 0,1 1 0,-1-1 0,1 2 0,0-1 0,0 1 0,1 0 0,-7 7 0,-2 1 0,1 0 0,0 1 0,1 0 0,-19 29 0,28-39 0,1 1 0,1 0 0,-1-1 0,1 1 0,-1 0 0,1 1 0,1-1 0,-1 0 0,1 1 0,0-1 0,0 1 0,1-1 0,-1 1 0,1-1 0,1 1 0,-1-1 0,1 1 0,0-1 0,0 1 0,0-1 0,3 7 0,-2-9 0,-1-1 0,1 0 0,0 1 0,0-1 0,0 0 0,0 0 0,0 0 0,0 0 0,1 0 0,-1-1 0,1 1 0,-1-1 0,1 0 0,-1 1 0,1-1 0,0 0 0,0-1 0,-1 1 0,1 0 0,0-1 0,5 1 0,9 0 0,0 0 0,28-4 0,-19 1 0,-21 2 0,0 0 0,0 0 0,0 0 0,-1 0 0,1 1 0,0-1 0,0 1 0,-1 0 0,1 1 0,-1-1 0,1 1 0,8 4 0,-11-4 0,0 1 0,0-1 0,0 0 0,-1 1 0,1-1 0,-1 1 0,1-1 0,-1 1 0,0 0 0,0-1 0,0 1 0,0 0 0,0 0 0,-1 0 0,1 0 0,-1 0 0,0 0 0,0 0 0,0 0 0,0 0 0,-1-1 0,0 6 0,1-5-50,0 0-1,-1 0 1,1 0-1,-1 0 0,0 0 1,0 0-1,0-1 1,0 1-1,0 0 1,0 0-1,-1-1 0,1 1 1,-1 0-1,0-1 1,0 0-1,0 1 1,0-1-1,0 0 0,-1 0 1,1 0-1,0 0 1,-1-1-1,0 1 1,1-1-1,-1 1 1,-3 0-1</inkml:trace>
+</inkml:ink>
+</file>
+
+<file path=ppt/ink/ink375.xml><?xml version="1.0" encoding="utf-8"?>
+<inkml:ink xmlns:inkml="http://www.w3.org/2003/InkML">
+  <inkml:definitions>
+    <inkml:context xml:id="ctx0">
+      <inkml:inkSource xml:id="inkSrc0">
+        <inkml:traceFormat>
+          <inkml:channel name="X" type="integer" min="-2.14748E9" max="2.14748E9" units="cm"/>
+          <inkml:channel name="Y" type="integer" min="-2.14748E9" max="2.14748E9" units="cm"/>
+          <inkml:channel name="F" type="integer" max="32767" units="dev"/>
+        </inkml:traceFormat>
+        <inkml:channelProperties>
+          <inkml:channelProperty channel="X" name="resolution" value="1000" units="1/cm"/>
+          <inkml:channelProperty channel="Y" name="resolution" value="1000" units="1/cm"/>
+          <inkml:channelProperty channel="F" name="resolution" value="0" units="1/dev"/>
+        </inkml:channelProperties>
+      </inkml:inkSource>
+      <inkml:timestamp xml:id="ts0" timeString="2023-08-03T07:02:52.065"/>
+    </inkml:context>
+    <inkml:brush xml:id="br0">
+      <inkml:brushProperty name="width" value="0.1" units="cm"/>
+      <inkml:brushProperty name="height" value="0.1" units="cm"/>
+      <inkml:brushProperty name="color" value="#E71224"/>
+    </inkml:brush>
+  </inkml:definitions>
+  <inkml:trace contextRef="#ctx0" brushRef="#br0">152 0 24575,'-7'1'0,"1"-1"0,-1 1 0,1 0 0,-1 1 0,0-1 0,1 1 0,0 1 0,0-1 0,0 1 0,0 0 0,0 0 0,0 1 0,1 0 0,-1 0 0,1 0 0,0 0 0,0 1 0,1 0 0,-1 0 0,1 0 0,1 1 0,-1 0 0,1-1 0,-1 1 0,2 0 0,-1 0 0,1 1 0,0-1 0,-3 12 0,4-6 0,0 0 0,1 0 0,0 0 0,1 0 0,0-1 0,4 16 0,-3-22 0,-1 0 0,1 0 0,1-1 0,-1 1 0,1 0 0,-1-1 0,1 0 0,1 1 0,-1-1 0,1 0 0,-1 0 0,1-1 0,0 1 0,0-1 0,1 0 0,5 3 0,5 4 0,0-2 0,1 1 0,0-2 0,1 0 0,0-1 0,23 5 0,-34-10 0,1 0 0,0-1 0,-1 1 0,1-2 0,0 1 0,-1-1 0,1 0 0,0 0 0,-1-1 0,1 0 0,-1 0 0,0 0 0,0-1 0,0 0 0,0 0 0,0-1 0,-1 1 0,1-1 0,-1-1 0,6-5 0,-4 3 0,0 0 0,0-1 0,-1 0 0,0 0 0,0-1 0,-1 0 0,0 0 0,6-17 0,-9 20 0,0 0 0,0 0 0,-1 0 0,0 0 0,0 0 0,0 0 0,-1-1 0,0 1 0,0 0 0,-1 0 0,0-1 0,0 1 0,0 0 0,-1 0 0,-3-9 0,3 12-105,-1-1 0,1 0 0,-1 1 0,0 0 0,0 0 0,0 0 0,-1 0 0,1 0 0,-1 1 0,1-1 0,-1 1 0,-5-2 0</inkml:trace>
+</inkml:ink>
+</file>
+
+<file path=ppt/ink/ink376.xml><?xml version="1.0" encoding="utf-8"?>
+<inkml:ink xmlns:inkml="http://www.w3.org/2003/InkML">
+  <inkml:definitions>
+    <inkml:context xml:id="ctx0">
+      <inkml:inkSource xml:id="inkSrc0">
+        <inkml:traceFormat>
+          <inkml:channel name="X" type="integer" min="-2.14748E9" max="2.14748E9" units="cm"/>
+          <inkml:channel name="Y" type="integer" min="-2.14748E9" max="2.14748E9" units="cm"/>
+          <inkml:channel name="F" type="integer" max="32767" units="dev"/>
+        </inkml:traceFormat>
+        <inkml:channelProperties>
+          <inkml:channelProperty channel="X" name="resolution" value="1000" units="1/cm"/>
+          <inkml:channelProperty channel="Y" name="resolution" value="1000" units="1/cm"/>
+          <inkml:channelProperty channel="F" name="resolution" value="0" units="1/dev"/>
+        </inkml:channelProperties>
+      </inkml:inkSource>
+      <inkml:timestamp xml:id="ts0" timeString="2023-08-03T07:02:52.561"/>
+    </inkml:context>
+    <inkml:brush xml:id="br0">
+      <inkml:brushProperty name="width" value="0.1" units="cm"/>
+      <inkml:brushProperty name="height" value="0.1" units="cm"/>
+      <inkml:brushProperty name="color" value="#E71224"/>
+    </inkml:brush>
+  </inkml:definitions>
+  <inkml:trace contextRef="#ctx0" brushRef="#br0">57 0 24575,'0'11'0,"1"0"0,-1-1 0,0 1 0,-1 0 0,0-1 0,0 1 0,-1-1 0,-1 1 0,0-1 0,0 0 0,-9 19 0,7-20 0,1 0 0,-1 0 0,2 0 0,-1 1 0,2 0 0,-1 0 0,1 0 0,1 0 0,-1 13 0,2-22 0,0 0 0,0 0 0,1-1 0,-1 1 0,0 0 0,1 0 0,-1-1 0,0 1 0,1 0 0,-1-1 0,1 1 0,-1-1 0,1 1 0,-1-1 0,1 1 0,0-1 0,-1 1 0,1-1 0,-1 1 0,1-1 0,0 0 0,0 1 0,-1-1 0,1 0 0,0 1 0,0-1 0,-1 0 0,1 0 0,0 0 0,0 0 0,-1 0 0,1 0 0,0 0 0,0 0 0,0 0 0,-1 0 0,1-1 0,0 1 0,0 0 0,-1 0 0,1-1 0,0 1 0,-1 0 0,1-1 0,0 1 0,-1-1 0,1 1 0,-1-1 0,1 1 0,0-1 0,-1 1 0,1-1 0,0 0 0,38-38 0,-32 32 0,29-27-455,1 0 0,52-34 0</inkml:trace>
+</inkml:ink>
+</file>
+
+<file path=ppt/ink/ink377.xml><?xml version="1.0" encoding="utf-8"?>
+<inkml:ink xmlns:inkml="http://www.w3.org/2003/InkML">
+  <inkml:definitions>
+    <inkml:context xml:id="ctx0">
+      <inkml:inkSource xml:id="inkSrc0">
+        <inkml:traceFormat>
+          <inkml:channel name="X" type="integer" min="-2.14748E9" max="2.14748E9" units="cm"/>
+          <inkml:channel name="Y" type="integer" min="-2.14748E9" max="2.14748E9" units="cm"/>
+          <inkml:channel name="F" type="integer" max="32767" units="dev"/>
+        </inkml:traceFormat>
+        <inkml:channelProperties>
+          <inkml:channelProperty channel="X" name="resolution" value="1000" units="1/cm"/>
+          <inkml:channelProperty channel="Y" name="resolution" value="1000" units="1/cm"/>
+          <inkml:channelProperty channel="F" name="resolution" value="0" units="1/dev"/>
+        </inkml:channelProperties>
+      </inkml:inkSource>
+      <inkml:timestamp xml:id="ts0" timeString="2023-08-03T07:02:53.838"/>
+    </inkml:context>
+    <inkml:brush xml:id="br0">
+      <inkml:brushProperty name="width" value="0.1" units="cm"/>
+      <inkml:brushProperty name="height" value="0.1" units="cm"/>
+      <inkml:brushProperty name="color" value="#E71224"/>
+    </inkml:brush>
+  </inkml:definitions>
+  <inkml:trace contextRef="#ctx0" brushRef="#br0">1 0 24575,'38'2'0,"1"1"0,37 9 0,85 5 0,-65-5 0,-64-9 0,0 1 0,56 15 0,-69-15 0,0 0 0,0-1 0,0-1 0,22 0 0,-26-2 0,1 0 0,-1 1 0,0 1 0,0 1 0,0 0 0,0 1 0,20 8 0,-3-1-1365</inkml:trace>
+</inkml:ink>
+</file>
+
+<file path=ppt/ink/ink378.xml><?xml version="1.0" encoding="utf-8"?>
+<inkml:ink xmlns:inkml="http://www.w3.org/2003/InkML">
+  <inkml:definitions>
+    <inkml:context xml:id="ctx0">
+      <inkml:inkSource xml:id="inkSrc0">
+        <inkml:traceFormat>
+          <inkml:channel name="X" type="integer" min="-2.14748E9" max="2.14748E9" units="cm"/>
+          <inkml:channel name="Y" type="integer" min="-2.14748E9" max="2.14748E9" units="cm"/>
+          <inkml:channel name="F" type="integer" max="32767" units="dev"/>
+        </inkml:traceFormat>
+        <inkml:channelProperties>
+          <inkml:channelProperty channel="X" name="resolution" value="1000" units="1/cm"/>
+          <inkml:channelProperty channel="Y" name="resolution" value="1000" units="1/cm"/>
+          <inkml:channelProperty channel="F" name="resolution" value="0" units="1/dev"/>
+        </inkml:channelProperties>
+      </inkml:inkSource>
+      <inkml:timestamp xml:id="ts0" timeString="2023-08-03T07:02:54.546"/>
+    </inkml:context>
+    <inkml:brush xml:id="br0">
+      <inkml:brushProperty name="width" value="0.1" units="cm"/>
+      <inkml:brushProperty name="height" value="0.1" units="cm"/>
+      <inkml:brushProperty name="color" value="#E71224"/>
+    </inkml:brush>
+  </inkml:definitions>
+  <inkml:trace contextRef="#ctx0" brushRef="#br0">19 0 24575,'4'6'0,"1"-1"0,0 0 0,1 0 0,-1 0 0,1 0 0,0-1 0,12 7 0,-17-11 0,52 27 0,-44-24 0,0 1 0,0 0 0,0 1 0,0 0 0,-1 0 0,0 1 0,0 0 0,0 1 0,9 10 0,-2 1 0,-9-11 0,1 1 0,-1 0 0,-1 0 0,0 1 0,8 15 0,-13-22 0,1-1 0,-1 1 0,1-1 0,-1 1 0,0 0 0,0-1 0,0 1 0,0 0 0,0-1 0,0 1 0,0 0 0,0-1 0,-1 1 0,1-1 0,0 1 0,-1 0 0,0-1 0,1 1 0,-1-1 0,0 1 0,0-1 0,0 0 0,0 1 0,0-1 0,0 0 0,0 0 0,0 1 0,-1-1 0,1 0 0,0 0 0,-1 0 0,1-1 0,-1 1 0,1 0 0,-1 0 0,1-1 0,-1 1 0,1-1 0,-1 0 0,-2 1 0,-171 61 0,121-54-1365,37-7-5461</inkml:trace>
+</inkml:ink>
+</file>
+
+<file path=ppt/ink/ink379.xml><?xml version="1.0" encoding="utf-8"?>
+<inkml:ink xmlns:inkml="http://www.w3.org/2003/InkML">
+  <inkml:definitions>
+    <inkml:context xml:id="ctx0">
+      <inkml:inkSource xml:id="inkSrc0">
+        <inkml:traceFormat>
+          <inkml:channel name="X" type="integer" min="-2.14748E9" max="2.14748E9" units="cm"/>
+          <inkml:channel name="Y" type="integer" min="-2.14748E9" max="2.14748E9" units="cm"/>
+          <inkml:channel name="F" type="integer" max="32767" units="dev"/>
+        </inkml:traceFormat>
+        <inkml:channelProperties>
+          <inkml:channelProperty channel="X" name="resolution" value="1000" units="1/cm"/>
+          <inkml:channelProperty channel="Y" name="resolution" value="1000" units="1/cm"/>
+          <inkml:channelProperty channel="F" name="resolution" value="0" units="1/dev"/>
+        </inkml:channelProperties>
+      </inkml:inkSource>
+      <inkml:timestamp xml:id="ts0" timeString="2023-08-03T07:02:55.345"/>
+    </inkml:context>
+    <inkml:brush xml:id="br0">
+      <inkml:brushProperty name="width" value="0.1" units="cm"/>
+      <inkml:brushProperty name="height" value="0.1" units="cm"/>
+      <inkml:brushProperty name="color" value="#E71224"/>
+    </inkml:brush>
+  </inkml:definitions>
+  <inkml:trace contextRef="#ctx0" brushRef="#br0">353 1 24575,'-19'62'0,"13"-34"0,-1 0 0,-1-1 0,-1 0 0,-2 0 0,0-1 0,-27 42 0,14-24 0,-111 255 0,82-135 93,27-74-1551,20-73-5368</inkml:trace>
+</inkml:ink>
+</file>
+
 <file path=ppt/ink/ink38.xml><?xml version="1.0" encoding="utf-8"?>
 <inkml:ink xmlns:inkml="http://www.w3.org/2003/InkML">
   <inkml:definitions>
@@ -7948,6 +8553,286 @@
     </inkml:brush>
   </inkml:definitions>
   <inkml:trace contextRef="#ctx0" brushRef="#br0">1 0 24575,'1'1'0,"0"-1"0,0 1 0,1 0 0,-1-1 0,0 1 0,0 0 0,0 0 0,0 0 0,0 0 0,0 0 0,0 0 0,0 0 0,-1 0 0,1 0 0,0 0 0,-1 1 0,1-1 0,0 0 0,-1 0 0,0 1 0,1-1 0,-1 0 0,0 1 0,1 1 0,5 35 0,6 88 0,2 54 0,-7-149 0,-3-29 0,-1-20 0,-2-12 0,2 0 0,7-35 0,-7 53 0,-1 1 0,2-1 0,0 1 0,0-1 0,1 1 0,1 0 0,0 1 0,10-15 0,-7 14 0,1-1 0,0 2 0,1-1 0,0 1 0,22-14 0,-28 21 0,-1 1 0,0-1 0,1 1 0,-1 0 0,1 0 0,0 1 0,-1-1 0,1 1 0,0 0 0,0 1 0,0-1 0,0 1 0,0 0 0,0 0 0,0 0 0,0 1 0,0-1 0,0 1 0,0 1 0,-1-1 0,7 3 0,-3 1-1365</inkml:trace>
+</inkml:ink>
+</file>
+
+<file path=ppt/ink/ink380.xml><?xml version="1.0" encoding="utf-8"?>
+<inkml:ink xmlns:inkml="http://www.w3.org/2003/InkML">
+  <inkml:definitions>
+    <inkml:context xml:id="ctx0">
+      <inkml:inkSource xml:id="inkSrc0">
+        <inkml:traceFormat>
+          <inkml:channel name="X" type="integer" min="-2.14748E9" max="2.14748E9" units="cm"/>
+          <inkml:channel name="Y" type="integer" min="-2.14748E9" max="2.14748E9" units="cm"/>
+          <inkml:channel name="F" type="integer" max="32767" units="dev"/>
+        </inkml:traceFormat>
+        <inkml:channelProperties>
+          <inkml:channelProperty channel="X" name="resolution" value="1000" units="1/cm"/>
+          <inkml:channelProperty channel="Y" name="resolution" value="1000" units="1/cm"/>
+          <inkml:channelProperty channel="F" name="resolution" value="0" units="1/dev"/>
+        </inkml:channelProperties>
+      </inkml:inkSource>
+      <inkml:timestamp xml:id="ts0" timeString="2023-08-03T07:02:56.098"/>
+    </inkml:context>
+    <inkml:brush xml:id="br0">
+      <inkml:brushProperty name="width" value="0.1" units="cm"/>
+      <inkml:brushProperty name="height" value="0.1" units="cm"/>
+      <inkml:brushProperty name="color" value="#E71224"/>
+    </inkml:brush>
+  </inkml:definitions>
+  <inkml:trace contextRef="#ctx0" brushRef="#br0">0 42 24575,'2'25'0,"0"-1"0,7 29 0,-1-8 0,-7-35 0,1 0 0,0 0 0,1 0 0,0 0 0,0 0 0,1-1 0,6 12 0,-8-18 0,0 0 0,1 0 0,-1 0 0,1 0 0,0 0 0,-1-1 0,1 1 0,0-1 0,1 0 0,-1 0 0,0 0 0,1 0 0,-1-1 0,1 1 0,-1-1 0,1 0 0,0 0 0,0 0 0,-1-1 0,1 1 0,7-1 0,5 1 0,0 0 0,0-1 0,-1-1 0,1-1 0,0 0 0,0-1 0,-1 0 0,0-2 0,1 1 0,-2-2 0,1 0 0,14-9 0,109-69 0,59-39 0,-73 56-1365</inkml:trace>
+</inkml:ink>
+</file>
+
+<file path=ppt/ink/ink381.xml><?xml version="1.0" encoding="utf-8"?>
+<inkml:ink xmlns:inkml="http://www.w3.org/2003/InkML">
+  <inkml:definitions>
+    <inkml:context xml:id="ctx0">
+      <inkml:inkSource xml:id="inkSrc0">
+        <inkml:traceFormat>
+          <inkml:channel name="X" type="integer" min="-2.14748E9" max="2.14748E9" units="cm"/>
+          <inkml:channel name="Y" type="integer" min="-2.14748E9" max="2.14748E9" units="cm"/>
+          <inkml:channel name="F" type="integer" max="32767" units="dev"/>
+        </inkml:traceFormat>
+        <inkml:channelProperties>
+          <inkml:channelProperty channel="X" name="resolution" value="1000" units="1/cm"/>
+          <inkml:channelProperty channel="Y" name="resolution" value="1000" units="1/cm"/>
+          <inkml:channelProperty channel="F" name="resolution" value="0" units="1/dev"/>
+        </inkml:channelProperties>
+      </inkml:inkSource>
+      <inkml:timestamp xml:id="ts0" timeString="2023-08-03T07:03:18.029"/>
+    </inkml:context>
+    <inkml:brush xml:id="br0">
+      <inkml:brushProperty name="width" value="0.05" units="cm"/>
+      <inkml:brushProperty name="height" value="0.05" units="cm"/>
+      <inkml:brushProperty name="color" value="#E71224"/>
+    </inkml:brush>
+  </inkml:definitions>
+  <inkml:trace contextRef="#ctx0" brushRef="#br0">0 1 24575,'0'4'0,"0"4"0,0 5 0,0 3 0,0 4 0,0 1 0,0 0 0,4-2 0,1-9 0</inkml:trace>
+</inkml:ink>
+</file>
+
+<file path=ppt/ink/ink382.xml><?xml version="1.0" encoding="utf-8"?>
+<inkml:ink xmlns:inkml="http://www.w3.org/2003/InkML">
+  <inkml:definitions>
+    <inkml:context xml:id="ctx0">
+      <inkml:inkSource xml:id="inkSrc0">
+        <inkml:traceFormat>
+          <inkml:channel name="X" type="integer" min="-2.14748E9" max="2.14748E9" units="cm"/>
+          <inkml:channel name="Y" type="integer" min="-2.14748E9" max="2.14748E9" units="cm"/>
+          <inkml:channel name="F" type="integer" max="32767" units="dev"/>
+        </inkml:traceFormat>
+        <inkml:channelProperties>
+          <inkml:channelProperty channel="X" name="resolution" value="1000" units="1/cm"/>
+          <inkml:channelProperty channel="Y" name="resolution" value="1000" units="1/cm"/>
+          <inkml:channelProperty channel="F" name="resolution" value="0" units="1/dev"/>
+        </inkml:channelProperties>
+      </inkml:inkSource>
+      <inkml:timestamp xml:id="ts0" timeString="2023-08-03T07:03:18.450"/>
+    </inkml:context>
+    <inkml:brush xml:id="br0">
+      <inkml:brushProperty name="width" value="0.05" units="cm"/>
+      <inkml:brushProperty name="height" value="0.05" units="cm"/>
+      <inkml:brushProperty name="color" value="#E71224"/>
+    </inkml:brush>
+  </inkml:definitions>
+  <inkml:trace contextRef="#ctx0" brushRef="#br0">61 1 24575,'0'4'0,"0"4"0,0 5 0,0 3 0,0 4 0,-4-3 0,-1 0 0,1 0 0,-3-2 0,-1 0 0,2 0 0,1 2 0,2 2 0,-2-3 0,0 0 0,0 0 0,2-2-8191</inkml:trace>
+</inkml:ink>
+</file>
+
+<file path=ppt/ink/ink383.xml><?xml version="1.0" encoding="utf-8"?>
+<inkml:ink xmlns:inkml="http://www.w3.org/2003/InkML">
+  <inkml:definitions>
+    <inkml:context xml:id="ctx0">
+      <inkml:inkSource xml:id="inkSrc0">
+        <inkml:traceFormat>
+          <inkml:channel name="X" type="integer" min="-2.14748E9" max="2.14748E9" units="cm"/>
+          <inkml:channel name="Y" type="integer" min="-2.14748E9" max="2.14748E9" units="cm"/>
+          <inkml:channel name="F" type="integer" max="32767" units="dev"/>
+        </inkml:traceFormat>
+        <inkml:channelProperties>
+          <inkml:channelProperty channel="X" name="resolution" value="1000" units="1/cm"/>
+          <inkml:channelProperty channel="Y" name="resolution" value="1000" units="1/cm"/>
+          <inkml:channelProperty channel="F" name="resolution" value="0" units="1/dev"/>
+        </inkml:channelProperties>
+      </inkml:inkSource>
+      <inkml:timestamp xml:id="ts0" timeString="2023-08-03T07:03:18.991"/>
+    </inkml:context>
+    <inkml:brush xml:id="br0">
+      <inkml:brushProperty name="width" value="0.05" units="cm"/>
+      <inkml:brushProperty name="height" value="0.05" units="cm"/>
+      <inkml:brushProperty name="color" value="#E71224"/>
+    </inkml:brush>
+  </inkml:definitions>
+  <inkml:trace contextRef="#ctx0" brushRef="#br0">214 0 24575,'-2'6'0,"1"-1"0,-1 0 0,0 1 0,0-1 0,-1 0 0,1 0 0,-7 8 0,-2 6 0,-17 23 0,22-35 0,0 0 0,1 1 0,0 0 0,-5 12 0,-22 60 0,-21 83 0,43-123 0,2 0 0,1 1 0,3 0 0,0 51 0,4-59 0,-1-16 0,0-1 0,2 0 0,0 0 0,1 0 0,0 0 0,2 0 0,0 0 0,9 25 0,-6-25-1365,-1-2-5461</inkml:trace>
+</inkml:ink>
+</file>
+
+<file path=ppt/ink/ink384.xml><?xml version="1.0" encoding="utf-8"?>
+<inkml:ink xmlns:inkml="http://www.w3.org/2003/InkML">
+  <inkml:definitions>
+    <inkml:context xml:id="ctx0">
+      <inkml:inkSource xml:id="inkSrc0">
+        <inkml:traceFormat>
+          <inkml:channel name="X" type="integer" min="-2.14748E9" max="2.14748E9" units="cm"/>
+          <inkml:channel name="Y" type="integer" min="-2.14748E9" max="2.14748E9" units="cm"/>
+          <inkml:channel name="F" type="integer" max="32767" units="dev"/>
+        </inkml:traceFormat>
+        <inkml:channelProperties>
+          <inkml:channelProperty channel="X" name="resolution" value="1000" units="1/cm"/>
+          <inkml:channelProperty channel="Y" name="resolution" value="1000" units="1/cm"/>
+          <inkml:channelProperty channel="F" name="resolution" value="0" units="1/dev"/>
+        </inkml:channelProperties>
+      </inkml:inkSource>
+      <inkml:timestamp xml:id="ts0" timeString="2023-08-03T07:03:19.320"/>
+    </inkml:context>
+    <inkml:brush xml:id="br0">
+      <inkml:brushProperty name="width" value="0.05" units="cm"/>
+      <inkml:brushProperty name="height" value="0.05" units="cm"/>
+      <inkml:brushProperty name="color" value="#E71224"/>
+    </inkml:brush>
+  </inkml:definitions>
+  <inkml:trace contextRef="#ctx0" brushRef="#br0">0 1 24575,'4'0'0,"4"0"0,5 0 0,4 0 0,2 0 0,-1 4 0,-1 0 0,0 1 0,1-1 0,2-1 0,0-2 0,1 0 0,0-1 0,0 0 0,-4 0-8191</inkml:trace>
+</inkml:ink>
+</file>
+
+<file path=ppt/ink/ink385.xml><?xml version="1.0" encoding="utf-8"?>
+<inkml:ink xmlns:inkml="http://www.w3.org/2003/InkML">
+  <inkml:definitions>
+    <inkml:context xml:id="ctx0">
+      <inkml:inkSource xml:id="inkSrc0">
+        <inkml:traceFormat>
+          <inkml:channel name="X" type="integer" min="-2.14748E9" max="2.14748E9" units="cm"/>
+          <inkml:channel name="Y" type="integer" min="-2.14748E9" max="2.14748E9" units="cm"/>
+          <inkml:channel name="F" type="integer" max="32767" units="dev"/>
+        </inkml:traceFormat>
+        <inkml:channelProperties>
+          <inkml:channelProperty channel="X" name="resolution" value="1000" units="1/cm"/>
+          <inkml:channelProperty channel="Y" name="resolution" value="1000" units="1/cm"/>
+          <inkml:channelProperty channel="F" name="resolution" value="0" units="1/dev"/>
+        </inkml:channelProperties>
+      </inkml:inkSource>
+      <inkml:timestamp xml:id="ts0" timeString="2023-08-03T07:03:20.226"/>
+    </inkml:context>
+    <inkml:brush xml:id="br0">
+      <inkml:brushProperty name="width" value="0.05" units="cm"/>
+      <inkml:brushProperty name="height" value="0.05" units="cm"/>
+      <inkml:brushProperty name="color" value="#E71224"/>
+    </inkml:brush>
+  </inkml:definitions>
+  <inkml:trace contextRef="#ctx0" brushRef="#br0">0 1 24575,'1'68'0,"14"98"0,4-17 0,-13-89-7,-1 1 0,-7 93 0,0-50-1337,2-86-5482</inkml:trace>
+</inkml:ink>
+</file>
+
+<file path=ppt/ink/ink386.xml><?xml version="1.0" encoding="utf-8"?>
+<inkml:ink xmlns:inkml="http://www.w3.org/2003/InkML">
+  <inkml:definitions>
+    <inkml:context xml:id="ctx0">
+      <inkml:inkSource xml:id="inkSrc0">
+        <inkml:traceFormat>
+          <inkml:channel name="X" type="integer" min="-2.14748E9" max="2.14748E9" units="cm"/>
+          <inkml:channel name="Y" type="integer" min="-2.14748E9" max="2.14748E9" units="cm"/>
+          <inkml:channel name="F" type="integer" max="32767" units="dev"/>
+        </inkml:traceFormat>
+        <inkml:channelProperties>
+          <inkml:channelProperty channel="X" name="resolution" value="1000" units="1/cm"/>
+          <inkml:channelProperty channel="Y" name="resolution" value="1000" units="1/cm"/>
+          <inkml:channelProperty channel="F" name="resolution" value="0" units="1/dev"/>
+        </inkml:channelProperties>
+      </inkml:inkSource>
+      <inkml:timestamp xml:id="ts0" timeString="2023-08-03T07:03:20.857"/>
+    </inkml:context>
+    <inkml:brush xml:id="br0">
+      <inkml:brushProperty name="width" value="0.05" units="cm"/>
+      <inkml:brushProperty name="height" value="0.05" units="cm"/>
+      <inkml:brushProperty name="color" value="#E71224"/>
+    </inkml:brush>
+  </inkml:definitions>
+  <inkml:trace contextRef="#ctx0" brushRef="#br0">0 19 24575,'0'0'0,"0"0"0,0 0 0,0 0 0,0-1 0,0 1 0,0 0 0,0 0 0,0 0 0,0 0 0,0-1 0,0 1 0,0 0 0,0 0 0,0 0 0,1 0 0,-1-1 0,0 1 0,0 0 0,0 0 0,0 0 0,0 0 0,0-1 0,0 1 0,0 0 0,1 0 0,-1 0 0,0 0 0,0 0 0,0 0 0,0 0 0,0 0 0,1-1 0,-1 1 0,0 0 0,0 0 0,0 0 0,0 0 0,1 0 0,-1 0 0,0 0 0,0 0 0,0 0 0,1 0 0,-1 0 0,0 0 0,0 0 0,0 0 0,0 0 0,1 0 0,11 7 0,9 12 0,92 145 0,-48-73 0,77 145 0,-137-226 0,3 5 0,-6-10 0,0 0 0,1 0 0,-1 0 0,1-1 0,0 1 0,1-1 0,-1 1 0,1-1 0,-1 0 0,1 0 0,6 4 0,-9-8 0,0 0 0,0 0 0,0 0 0,0 0 0,0 0 0,0-1 0,0 1 0,0 0 0,-1-1 0,1 1 0,0 0 0,0-1 0,0 1 0,0-1 0,-1 1 0,1-1 0,0 1 0,-1-1 0,1 0 0,0 1 0,-1-1 0,1 0 0,-1 0 0,1 1 0,-1-1 0,1 0 0,-1 0 0,0 0 0,1 0 0,-1 0 0,0 1 0,0-1 0,0 0 0,1 0 0,-1 0 0,0-1 0,6-36 0,-2-11 0,15-66 0,-14 96 0,0 1 0,1 0 0,1 0 0,1 1 0,0 0 0,20-28 0,-23 37 10,0 0-1,-1 0 0,0 0 0,0-1 1,-1 0-1,0 1 0,0-1 0,-1 0 1,1-10-1,-1-8-415,-1-48 0,-2 53-240,1 4-6180</inkml:trace>
+</inkml:ink>
+</file>
+
+<file path=ppt/ink/ink387.xml><?xml version="1.0" encoding="utf-8"?>
+<inkml:ink xmlns:inkml="http://www.w3.org/2003/InkML">
+  <inkml:definitions>
+    <inkml:context xml:id="ctx0">
+      <inkml:inkSource xml:id="inkSrc0">
+        <inkml:traceFormat>
+          <inkml:channel name="X" type="integer" min="-2.14748E9" max="2.14748E9" units="cm"/>
+          <inkml:channel name="Y" type="integer" min="-2.14748E9" max="2.14748E9" units="cm"/>
+          <inkml:channel name="F" type="integer" max="32767" units="dev"/>
+        </inkml:traceFormat>
+        <inkml:channelProperties>
+          <inkml:channelProperty channel="X" name="resolution" value="1000" units="1/cm"/>
+          <inkml:channelProperty channel="Y" name="resolution" value="1000" units="1/cm"/>
+          <inkml:channelProperty channel="F" name="resolution" value="0" units="1/dev"/>
+        </inkml:channelProperties>
+      </inkml:inkSource>
+      <inkml:timestamp xml:id="ts0" timeString="2023-08-03T07:03:21.309"/>
+    </inkml:context>
+    <inkml:brush xml:id="br0">
+      <inkml:brushProperty name="width" value="0.05" units="cm"/>
+      <inkml:brushProperty name="height" value="0.05" units="cm"/>
+      <inkml:brushProperty name="color" value="#E71224"/>
+    </inkml:brush>
+  </inkml:definitions>
+  <inkml:trace contextRef="#ctx0" brushRef="#br0">1 0 24575,'3'0'0,"6"0"0,4 0 0,3 0 0,3 0 0,2 0 0,1 4 0,0 1 0,0-1 0,0 0 0,0-2 0,-1 0 0,1-1 0,-1-1 0,0 0 0,-3 0-8191</inkml:trace>
+</inkml:ink>
+</file>
+
+<file path=ppt/ink/ink388.xml><?xml version="1.0" encoding="utf-8"?>
+<inkml:ink xmlns:inkml="http://www.w3.org/2003/InkML">
+  <inkml:definitions>
+    <inkml:context xml:id="ctx0">
+      <inkml:inkSource xml:id="inkSrc0">
+        <inkml:traceFormat>
+          <inkml:channel name="X" type="integer" min="-2.14748E9" max="2.14748E9" units="cm"/>
+          <inkml:channel name="Y" type="integer" min="-2.14748E9" max="2.14748E9" units="cm"/>
+          <inkml:channel name="F" type="integer" max="32767" units="dev"/>
+        </inkml:traceFormat>
+        <inkml:channelProperties>
+          <inkml:channelProperty channel="X" name="resolution" value="1000" units="1/cm"/>
+          <inkml:channelProperty channel="Y" name="resolution" value="1000" units="1/cm"/>
+          <inkml:channelProperty channel="F" name="resolution" value="0" units="1/dev"/>
+        </inkml:channelProperties>
+      </inkml:inkSource>
+      <inkml:timestamp xml:id="ts0" timeString="2023-08-03T07:03:21.638"/>
+    </inkml:context>
+    <inkml:brush xml:id="br0">
+      <inkml:brushProperty name="width" value="0.05" units="cm"/>
+      <inkml:brushProperty name="height" value="0.05" units="cm"/>
+      <inkml:brushProperty name="color" value="#E71224"/>
+    </inkml:brush>
+  </inkml:definitions>
+  <inkml:trace contextRef="#ctx0" brushRef="#br0">1 1 24575,'0'2'0,"0"0"0,1 0 0,0-1 0,-1 1 0,1 0 0,0 0 0,0 0 0,0 0 0,0-1 0,0 1 0,0-1 0,1 1 0,-1-1 0,0 1 0,1-1 0,-1 1 0,1-1 0,0 0 0,1 1 0,40 22 0,-30-18 0,3 2 7,1-1-1,0-1 1,1-1-1,-1 0 1,1-1-1,0-1 1,20 1-1,133-2-305,-92-4-819,-61 2-5708</inkml:trace>
+</inkml:ink>
+</file>
+
+<file path=ppt/ink/ink389.xml><?xml version="1.0" encoding="utf-8"?>
+<inkml:ink xmlns:inkml="http://www.w3.org/2003/InkML">
+  <inkml:definitions>
+    <inkml:context xml:id="ctx0">
+      <inkml:inkSource xml:id="inkSrc0">
+        <inkml:traceFormat>
+          <inkml:channel name="X" type="integer" min="-2.14748E9" max="2.14748E9" units="cm"/>
+          <inkml:channel name="Y" type="integer" min="-2.14748E9" max="2.14748E9" units="cm"/>
+          <inkml:channel name="F" type="integer" max="32767" units="dev"/>
+        </inkml:traceFormat>
+        <inkml:channelProperties>
+          <inkml:channelProperty channel="X" name="resolution" value="1000" units="1/cm"/>
+          <inkml:channelProperty channel="Y" name="resolution" value="1000" units="1/cm"/>
+          <inkml:channelProperty channel="F" name="resolution" value="0" units="1/dev"/>
+        </inkml:channelProperties>
+      </inkml:inkSource>
+      <inkml:timestamp xml:id="ts0" timeString="2023-08-03T07:03:22.317"/>
+    </inkml:context>
+    <inkml:brush xml:id="br0">
+      <inkml:brushProperty name="width" value="0.05" units="cm"/>
+      <inkml:brushProperty name="height" value="0.05" units="cm"/>
+      <inkml:brushProperty name="color" value="#E71224"/>
+    </inkml:brush>
+  </inkml:definitions>
+  <inkml:trace contextRef="#ctx0" brushRef="#br0">424 3 24575,'-117'-2'0,"-127"5"0,241-3 0,0 1 0,0 0 0,0 1 0,-1-1 0,1 0 0,1 1 0,-1 0 0,0-1 0,0 1 0,0 0 0,1 0 0,-1 1 0,1-1 0,0 1 0,0-1 0,0 1 0,0 0 0,0-1 0,0 1 0,1 0 0,-1 0 0,1 0 0,0 1 0,0-1 0,0 0 0,1 0 0,-1 1 0,1-1 0,-1 0 0,1 4 0,-1 3 0,1-1 0,-1 0 0,1 0 0,1 0 0,0 0 0,0 0 0,1 0 0,0 0 0,1 0 0,3 9 0,-1-10 0,-1 0 0,1-1 0,1 1 0,-1-1 0,1-1 0,0 1 0,1-1 0,-1 0 0,10 7 0,7 1 0,42 21 0,-5-3 0,-50-28 0,1 0 0,-1 0 0,1-2 0,-1 1 0,1-1 0,0-1 0,0 0 0,0 0 0,0-1 0,0-1 0,0 0 0,0 0 0,-1-1 0,1 0 0,14-6 0,-21 6 0,1-1 0,0 0 0,-1 0 0,0-1 0,0 0 0,0 1 0,0-1 0,-1 0 0,0-1 0,1 1 0,2-7 0,29-60 0,-22 40 0,54-138 0,-67 169 0,0 0 0,0 0 0,0 0 0,0 0 0,1 0 0,-1 1 0,0-1 0,0 0 0,0 0 0,0 0 0,0 0 0,0 0 0,0 0 0,0 1 0,1-1 0,-1 0 0,0 0 0,0 0 0,0 0 0,0 0 0,0 0 0,1 0 0,-1 0 0,0 0 0,0 0 0,0 0 0,0 0 0,1 0 0,-1 0 0,0 0 0,0 0 0,0 0 0,0 0 0,0 0 0,1 0 0,-1 0 0,0 0 0,0 0 0,0 0 0,0 0 0,1 0 0,-1 0 0,0 0 0,0-1 0,0 1 0,0 0 0,0 0 0,0 0 0,0 0 0,1 0 0,-1 0 0,0-1 0,0 1 0,0 0 0,0 0 0,0 0 0,0 0 0,0 0 0,0-1 0,0 1 0,0 0 0,0 0 0,0 0 0,0 0 0,0-1 0,4 24 0,-2 27 0,-1 49 0,-4 83 0,1-163 0,-2 0 0,0 0 0,-8 19 0,-8 37 0,15-52 0,-1 0 0,-15 35 0,-7 27 0,-6 20 131,9-32-1627,21-59-5330</inkml:trace>
 </inkml:ink>
 </file>
 
@@ -9907,7 +10792,7 @@
           <a:p>
             <a:fld id="{4FD7B59B-B48D-4B3E-A9F7-88A133EF708E}" type="datetimeFigureOut">
               <a:rPr lang="ko-KR" altLang="en-US" smtClean="0"/>
-              <a:t>2023-08-01</a:t>
+              <a:t>2023-08-03</a:t>
             </a:fld>
             <a:endParaRPr lang="ko-KR" altLang="en-US"/>
           </a:p>
@@ -10105,7 +10990,7 @@
           <a:p>
             <a:fld id="{4FD7B59B-B48D-4B3E-A9F7-88A133EF708E}" type="datetimeFigureOut">
               <a:rPr lang="ko-KR" altLang="en-US" smtClean="0"/>
-              <a:t>2023-08-01</a:t>
+              <a:t>2023-08-03</a:t>
             </a:fld>
             <a:endParaRPr lang="ko-KR" altLang="en-US"/>
           </a:p>
@@ -10313,7 +11198,7 @@
           <a:p>
             <a:fld id="{4FD7B59B-B48D-4B3E-A9F7-88A133EF708E}" type="datetimeFigureOut">
               <a:rPr lang="ko-KR" altLang="en-US" smtClean="0"/>
-              <a:t>2023-08-01</a:t>
+              <a:t>2023-08-03</a:t>
             </a:fld>
             <a:endParaRPr lang="ko-KR" altLang="en-US"/>
           </a:p>
@@ -10511,7 +11396,7 @@
           <a:p>
             <a:fld id="{4FD7B59B-B48D-4B3E-A9F7-88A133EF708E}" type="datetimeFigureOut">
               <a:rPr lang="ko-KR" altLang="en-US" smtClean="0"/>
-              <a:t>2023-08-01</a:t>
+              <a:t>2023-08-03</a:t>
             </a:fld>
             <a:endParaRPr lang="ko-KR" altLang="en-US"/>
           </a:p>
@@ -10786,7 +11671,7 @@
           <a:p>
             <a:fld id="{4FD7B59B-B48D-4B3E-A9F7-88A133EF708E}" type="datetimeFigureOut">
               <a:rPr lang="ko-KR" altLang="en-US" smtClean="0"/>
-              <a:t>2023-08-01</a:t>
+              <a:t>2023-08-03</a:t>
             </a:fld>
             <a:endParaRPr lang="ko-KR" altLang="en-US"/>
           </a:p>
@@ -11051,7 +11936,7 @@
           <a:p>
             <a:fld id="{4FD7B59B-B48D-4B3E-A9F7-88A133EF708E}" type="datetimeFigureOut">
               <a:rPr lang="ko-KR" altLang="en-US" smtClean="0"/>
-              <a:t>2023-08-01</a:t>
+              <a:t>2023-08-03</a:t>
             </a:fld>
             <a:endParaRPr lang="ko-KR" altLang="en-US"/>
           </a:p>
@@ -11463,7 +12348,7 @@
           <a:p>
             <a:fld id="{4FD7B59B-B48D-4B3E-A9F7-88A133EF708E}" type="datetimeFigureOut">
               <a:rPr lang="ko-KR" altLang="en-US" smtClean="0"/>
-              <a:t>2023-08-01</a:t>
+              <a:t>2023-08-03</a:t>
             </a:fld>
             <a:endParaRPr lang="ko-KR" altLang="en-US"/>
           </a:p>
@@ -11604,7 +12489,7 @@
           <a:p>
             <a:fld id="{4FD7B59B-B48D-4B3E-A9F7-88A133EF708E}" type="datetimeFigureOut">
               <a:rPr lang="ko-KR" altLang="en-US" smtClean="0"/>
-              <a:t>2023-08-01</a:t>
+              <a:t>2023-08-03</a:t>
             </a:fld>
             <a:endParaRPr lang="ko-KR" altLang="en-US"/>
           </a:p>
@@ -11717,7 +12602,7 @@
           <a:p>
             <a:fld id="{4FD7B59B-B48D-4B3E-A9F7-88A133EF708E}" type="datetimeFigureOut">
               <a:rPr lang="ko-KR" altLang="en-US" smtClean="0"/>
-              <a:t>2023-08-01</a:t>
+              <a:t>2023-08-03</a:t>
             </a:fld>
             <a:endParaRPr lang="ko-KR" altLang="en-US"/>
           </a:p>
@@ -12028,7 +12913,7 @@
           <a:p>
             <a:fld id="{4FD7B59B-B48D-4B3E-A9F7-88A133EF708E}" type="datetimeFigureOut">
               <a:rPr lang="ko-KR" altLang="en-US" smtClean="0"/>
-              <a:t>2023-08-01</a:t>
+              <a:t>2023-08-03</a:t>
             </a:fld>
             <a:endParaRPr lang="ko-KR" altLang="en-US"/>
           </a:p>
@@ -12316,7 +13201,7 @@
           <a:p>
             <a:fld id="{4FD7B59B-B48D-4B3E-A9F7-88A133EF708E}" type="datetimeFigureOut">
               <a:rPr lang="ko-KR" altLang="en-US" smtClean="0"/>
-              <a:t>2023-08-01</a:t>
+              <a:t>2023-08-03</a:t>
             </a:fld>
             <a:endParaRPr lang="ko-KR" altLang="en-US"/>
           </a:p>
@@ -12557,7 +13442,7 @@
           <a:p>
             <a:fld id="{4FD7B59B-B48D-4B3E-A9F7-88A133EF708E}" type="datetimeFigureOut">
               <a:rPr lang="ko-KR" altLang="en-US" smtClean="0"/>
-              <a:t>2023-08-01</a:t>
+              <a:t>2023-08-03</a:t>
             </a:fld>
             <a:endParaRPr lang="ko-KR" altLang="en-US"/>
           </a:p>
@@ -13080,8 +13965,8 @@
           </a:p>
         </p:txBody>
       </p:sp>
-      <mc:AlternateContent xmlns:mc="http://schemas.openxmlformats.org/markup-compatibility/2006">
-        <mc:Choice xmlns:p14="http://schemas.microsoft.com/office/powerpoint/2010/main" Requires="p14">
+      <mc:AlternateContent xmlns:mc="http://schemas.openxmlformats.org/markup-compatibility/2006" xmlns:p14="http://schemas.microsoft.com/office/powerpoint/2010/main">
+        <mc:Choice Requires="p14">
           <p:contentPart p14:bwMode="auto" r:id="rId2">
             <p14:nvContentPartPr>
               <p14:cNvPr id="2" name="잉크 1">
@@ -13100,7 +13985,7 @@
             </p14:xfrm>
           </p:contentPart>
         </mc:Choice>
-        <mc:Fallback>
+        <mc:Fallback xmlns="">
           <p:pic>
             <p:nvPicPr>
               <p:cNvPr id="2" name="잉크 1">
@@ -13131,8 +14016,8 @@
           </p:pic>
         </mc:Fallback>
       </mc:AlternateContent>
-      <mc:AlternateContent xmlns:mc="http://schemas.openxmlformats.org/markup-compatibility/2006">
-        <mc:Choice xmlns:p14="http://schemas.microsoft.com/office/powerpoint/2010/main" Requires="p14">
+      <mc:AlternateContent xmlns:mc="http://schemas.openxmlformats.org/markup-compatibility/2006" xmlns:p14="http://schemas.microsoft.com/office/powerpoint/2010/main">
+        <mc:Choice Requires="p14">
           <p:contentPart p14:bwMode="auto" r:id="rId4">
             <p14:nvContentPartPr>
               <p14:cNvPr id="9" name="잉크 8">
@@ -13151,7 +14036,7 @@
             </p14:xfrm>
           </p:contentPart>
         </mc:Choice>
-        <mc:Fallback>
+        <mc:Fallback xmlns="">
           <p:pic>
             <p:nvPicPr>
               <p:cNvPr id="9" name="잉크 8">
@@ -13182,8 +14067,8 @@
           </p:pic>
         </mc:Fallback>
       </mc:AlternateContent>
-      <mc:AlternateContent xmlns:mc="http://schemas.openxmlformats.org/markup-compatibility/2006">
-        <mc:Choice xmlns:p14="http://schemas.microsoft.com/office/powerpoint/2010/main" Requires="p14">
+      <mc:AlternateContent xmlns:mc="http://schemas.openxmlformats.org/markup-compatibility/2006" xmlns:p14="http://schemas.microsoft.com/office/powerpoint/2010/main">
+        <mc:Choice Requires="p14">
           <p:contentPart p14:bwMode="auto" r:id="rId6">
             <p14:nvContentPartPr>
               <p14:cNvPr id="10" name="잉크 9">
@@ -13202,7 +14087,7 @@
             </p14:xfrm>
           </p:contentPart>
         </mc:Choice>
-        <mc:Fallback>
+        <mc:Fallback xmlns="">
           <p:pic>
             <p:nvPicPr>
               <p:cNvPr id="10" name="잉크 9">
@@ -13233,8 +14118,8 @@
           </p:pic>
         </mc:Fallback>
       </mc:AlternateContent>
-      <mc:AlternateContent xmlns:mc="http://schemas.openxmlformats.org/markup-compatibility/2006">
-        <mc:Choice xmlns:p14="http://schemas.microsoft.com/office/powerpoint/2010/main" Requires="p14">
+      <mc:AlternateContent xmlns:mc="http://schemas.openxmlformats.org/markup-compatibility/2006" xmlns:p14="http://schemas.microsoft.com/office/powerpoint/2010/main">
+        <mc:Choice Requires="p14">
           <p:contentPart p14:bwMode="auto" r:id="rId8">
             <p14:nvContentPartPr>
               <p14:cNvPr id="11" name="잉크 10">
@@ -13253,7 +14138,7 @@
             </p14:xfrm>
           </p:contentPart>
         </mc:Choice>
-        <mc:Fallback>
+        <mc:Fallback xmlns="">
           <p:pic>
             <p:nvPicPr>
               <p:cNvPr id="11" name="잉크 10">
@@ -13284,8 +14169,8 @@
           </p:pic>
         </mc:Fallback>
       </mc:AlternateContent>
-      <mc:AlternateContent xmlns:mc="http://schemas.openxmlformats.org/markup-compatibility/2006">
-        <mc:Choice xmlns:p14="http://schemas.microsoft.com/office/powerpoint/2010/main" Requires="p14">
+      <mc:AlternateContent xmlns:mc="http://schemas.openxmlformats.org/markup-compatibility/2006" xmlns:p14="http://schemas.microsoft.com/office/powerpoint/2010/main">
+        <mc:Choice Requires="p14">
           <p:contentPart p14:bwMode="auto" r:id="rId10">
             <p14:nvContentPartPr>
               <p14:cNvPr id="12" name="잉크 11">
@@ -13304,7 +14189,7 @@
             </p14:xfrm>
           </p:contentPart>
         </mc:Choice>
-        <mc:Fallback>
+        <mc:Fallback xmlns="">
           <p:pic>
             <p:nvPicPr>
               <p:cNvPr id="12" name="잉크 11">
@@ -13335,8 +14220,8 @@
           </p:pic>
         </mc:Fallback>
       </mc:AlternateContent>
-      <mc:AlternateContent xmlns:mc="http://schemas.openxmlformats.org/markup-compatibility/2006">
-        <mc:Choice xmlns:p14="http://schemas.microsoft.com/office/powerpoint/2010/main" Requires="p14">
+      <mc:AlternateContent xmlns:mc="http://schemas.openxmlformats.org/markup-compatibility/2006" xmlns:p14="http://schemas.microsoft.com/office/powerpoint/2010/main">
+        <mc:Choice Requires="p14">
           <p:contentPart p14:bwMode="auto" r:id="rId12">
             <p14:nvContentPartPr>
               <p14:cNvPr id="22" name="잉크 21">
@@ -13355,7 +14240,7 @@
             </p14:xfrm>
           </p:contentPart>
         </mc:Choice>
-        <mc:Fallback>
+        <mc:Fallback xmlns="">
           <p:pic>
             <p:nvPicPr>
               <p:cNvPr id="22" name="잉크 21">
@@ -13386,8 +14271,8 @@
           </p:pic>
         </mc:Fallback>
       </mc:AlternateContent>
-      <mc:AlternateContent xmlns:mc="http://schemas.openxmlformats.org/markup-compatibility/2006">
-        <mc:Choice xmlns:p14="http://schemas.microsoft.com/office/powerpoint/2010/main" Requires="p14">
+      <mc:AlternateContent xmlns:mc="http://schemas.openxmlformats.org/markup-compatibility/2006" xmlns:p14="http://schemas.microsoft.com/office/powerpoint/2010/main">
+        <mc:Choice Requires="p14">
           <p:contentPart p14:bwMode="auto" r:id="rId14">
             <p14:nvContentPartPr>
               <p14:cNvPr id="23" name="잉크 22">
@@ -13406,7 +14291,7 @@
             </p14:xfrm>
           </p:contentPart>
         </mc:Choice>
-        <mc:Fallback>
+        <mc:Fallback xmlns="">
           <p:pic>
             <p:nvPicPr>
               <p:cNvPr id="23" name="잉크 22">
@@ -13437,8 +14322,8 @@
           </p:pic>
         </mc:Fallback>
       </mc:AlternateContent>
-      <mc:AlternateContent xmlns:mc="http://schemas.openxmlformats.org/markup-compatibility/2006">
-        <mc:Choice xmlns:p14="http://schemas.microsoft.com/office/powerpoint/2010/main" Requires="p14">
+      <mc:AlternateContent xmlns:mc="http://schemas.openxmlformats.org/markup-compatibility/2006" xmlns:p14="http://schemas.microsoft.com/office/powerpoint/2010/main">
+        <mc:Choice Requires="p14">
           <p:contentPart p14:bwMode="auto" r:id="rId16">
             <p14:nvContentPartPr>
               <p14:cNvPr id="24" name="잉크 23">
@@ -13457,7 +14342,7 @@
             </p14:xfrm>
           </p:contentPart>
         </mc:Choice>
-        <mc:Fallback>
+        <mc:Fallback xmlns="">
           <p:pic>
             <p:nvPicPr>
               <p:cNvPr id="24" name="잉크 23">
@@ -13508,8 +14393,8 @@
             <a:chExt cx="1138320" cy="357840"/>
           </a:xfrm>
         </p:grpSpPr>
-        <mc:AlternateContent xmlns:mc="http://schemas.openxmlformats.org/markup-compatibility/2006">
-          <mc:Choice xmlns:p14="http://schemas.microsoft.com/office/powerpoint/2010/main" Requires="p14">
+        <mc:AlternateContent xmlns:mc="http://schemas.openxmlformats.org/markup-compatibility/2006" xmlns:p14="http://schemas.microsoft.com/office/powerpoint/2010/main">
+          <mc:Choice Requires="p14">
             <p:contentPart p14:bwMode="auto" r:id="rId18">
               <p14:nvContentPartPr>
                 <p14:cNvPr id="27" name="잉크 26">
@@ -13528,7 +14413,7 @@
               </p14:xfrm>
             </p:contentPart>
           </mc:Choice>
-          <mc:Fallback>
+          <mc:Fallback xmlns="">
             <p:pic>
               <p:nvPicPr>
                 <p:cNvPr id="27" name="잉크 26">
@@ -13559,8 +14444,8 @@
             </p:pic>
           </mc:Fallback>
         </mc:AlternateContent>
-        <mc:AlternateContent xmlns:mc="http://schemas.openxmlformats.org/markup-compatibility/2006">
-          <mc:Choice xmlns:p14="http://schemas.microsoft.com/office/powerpoint/2010/main" Requires="p14">
+        <mc:AlternateContent xmlns:mc="http://schemas.openxmlformats.org/markup-compatibility/2006" xmlns:p14="http://schemas.microsoft.com/office/powerpoint/2010/main">
+          <mc:Choice Requires="p14">
             <p:contentPart p14:bwMode="auto" r:id="rId20">
               <p14:nvContentPartPr>
                 <p14:cNvPr id="28" name="잉크 27">
@@ -13579,7 +14464,7 @@
               </p14:xfrm>
             </p:contentPart>
           </mc:Choice>
-          <mc:Fallback>
+          <mc:Fallback xmlns="">
             <p:pic>
               <p:nvPicPr>
                 <p:cNvPr id="28" name="잉크 27">
@@ -13610,8 +14495,8 @@
             </p:pic>
           </mc:Fallback>
         </mc:AlternateContent>
-        <mc:AlternateContent xmlns:mc="http://schemas.openxmlformats.org/markup-compatibility/2006">
-          <mc:Choice xmlns:p14="http://schemas.microsoft.com/office/powerpoint/2010/main" Requires="p14">
+        <mc:AlternateContent xmlns:mc="http://schemas.openxmlformats.org/markup-compatibility/2006" xmlns:p14="http://schemas.microsoft.com/office/powerpoint/2010/main">
+          <mc:Choice Requires="p14">
             <p:contentPart p14:bwMode="auto" r:id="rId22">
               <p14:nvContentPartPr>
                 <p14:cNvPr id="29" name="잉크 28">
@@ -13630,7 +14515,7 @@
               </p14:xfrm>
             </p:contentPart>
           </mc:Choice>
-          <mc:Fallback>
+          <mc:Fallback xmlns="">
             <p:pic>
               <p:nvPicPr>
                 <p:cNvPr id="29" name="잉크 28">
@@ -13661,8 +14546,8 @@
             </p:pic>
           </mc:Fallback>
         </mc:AlternateContent>
-        <mc:AlternateContent xmlns:mc="http://schemas.openxmlformats.org/markup-compatibility/2006">
-          <mc:Choice xmlns:p14="http://schemas.microsoft.com/office/powerpoint/2010/main" Requires="p14">
+        <mc:AlternateContent xmlns:mc="http://schemas.openxmlformats.org/markup-compatibility/2006" xmlns:p14="http://schemas.microsoft.com/office/powerpoint/2010/main">
+          <mc:Choice Requires="p14">
             <p:contentPart p14:bwMode="auto" r:id="rId24">
               <p14:nvContentPartPr>
                 <p14:cNvPr id="30" name="잉크 29">
@@ -13681,7 +14566,7 @@
               </p14:xfrm>
             </p:contentPart>
           </mc:Choice>
-          <mc:Fallback>
+          <mc:Fallback xmlns="">
             <p:pic>
               <p:nvPicPr>
                 <p:cNvPr id="30" name="잉크 29">
@@ -13712,8 +14597,8 @@
             </p:pic>
           </mc:Fallback>
         </mc:AlternateContent>
-        <mc:AlternateContent xmlns:mc="http://schemas.openxmlformats.org/markup-compatibility/2006">
-          <mc:Choice xmlns:p14="http://schemas.microsoft.com/office/powerpoint/2010/main" Requires="p14">
+        <mc:AlternateContent xmlns:mc="http://schemas.openxmlformats.org/markup-compatibility/2006" xmlns:p14="http://schemas.microsoft.com/office/powerpoint/2010/main">
+          <mc:Choice Requires="p14">
             <p:contentPart p14:bwMode="auto" r:id="rId26">
               <p14:nvContentPartPr>
                 <p14:cNvPr id="31" name="잉크 30">
@@ -13732,7 +14617,7 @@
               </p14:xfrm>
             </p:contentPart>
           </mc:Choice>
-          <mc:Fallback>
+          <mc:Fallback xmlns="">
             <p:pic>
               <p:nvPicPr>
                 <p:cNvPr id="31" name="잉크 30">
@@ -13764,8 +14649,8 @@
           </mc:Fallback>
         </mc:AlternateContent>
       </p:grpSp>
-      <mc:AlternateContent xmlns:mc="http://schemas.openxmlformats.org/markup-compatibility/2006">
-        <mc:Choice xmlns:p14="http://schemas.microsoft.com/office/powerpoint/2010/main" Requires="p14">
+      <mc:AlternateContent xmlns:mc="http://schemas.openxmlformats.org/markup-compatibility/2006" xmlns:p14="http://schemas.microsoft.com/office/powerpoint/2010/main">
+        <mc:Choice Requires="p14">
           <p:contentPart p14:bwMode="auto" r:id="rId28">
             <p14:nvContentPartPr>
               <p14:cNvPr id="32" name="잉크 31">
@@ -13784,7 +14669,7 @@
             </p14:xfrm>
           </p:contentPart>
         </mc:Choice>
-        <mc:Fallback>
+        <mc:Fallback xmlns="">
           <p:pic>
             <p:nvPicPr>
               <p:cNvPr id="32" name="잉크 31">
@@ -13835,8 +14720,8 @@
             <a:chExt cx="795960" cy="518040"/>
           </a:xfrm>
         </p:grpSpPr>
-        <mc:AlternateContent xmlns:mc="http://schemas.openxmlformats.org/markup-compatibility/2006">
-          <mc:Choice xmlns:p14="http://schemas.microsoft.com/office/powerpoint/2010/main" Requires="p14">
+        <mc:AlternateContent xmlns:mc="http://schemas.openxmlformats.org/markup-compatibility/2006" xmlns:p14="http://schemas.microsoft.com/office/powerpoint/2010/main">
+          <mc:Choice Requires="p14">
             <p:contentPart p14:bwMode="auto" r:id="rId30">
               <p14:nvContentPartPr>
                 <p14:cNvPr id="35" name="잉크 34">
@@ -13855,7 +14740,7 @@
               </p14:xfrm>
             </p:contentPart>
           </mc:Choice>
-          <mc:Fallback>
+          <mc:Fallback xmlns="">
             <p:pic>
               <p:nvPicPr>
                 <p:cNvPr id="35" name="잉크 34">
@@ -13886,8 +14771,8 @@
             </p:pic>
           </mc:Fallback>
         </mc:AlternateContent>
-        <mc:AlternateContent xmlns:mc="http://schemas.openxmlformats.org/markup-compatibility/2006">
-          <mc:Choice xmlns:p14="http://schemas.microsoft.com/office/powerpoint/2010/main" Requires="p14">
+        <mc:AlternateContent xmlns:mc="http://schemas.openxmlformats.org/markup-compatibility/2006" xmlns:p14="http://schemas.microsoft.com/office/powerpoint/2010/main">
+          <mc:Choice Requires="p14">
             <p:contentPart p14:bwMode="auto" r:id="rId32">
               <p14:nvContentPartPr>
                 <p14:cNvPr id="36" name="잉크 35">
@@ -13906,7 +14791,7 @@
               </p14:xfrm>
             </p:contentPart>
           </mc:Choice>
-          <mc:Fallback>
+          <mc:Fallback xmlns="">
             <p:pic>
               <p:nvPicPr>
                 <p:cNvPr id="36" name="잉크 35">
@@ -13937,8 +14822,8 @@
             </p:pic>
           </mc:Fallback>
         </mc:AlternateContent>
-        <mc:AlternateContent xmlns:mc="http://schemas.openxmlformats.org/markup-compatibility/2006">
-          <mc:Choice xmlns:p14="http://schemas.microsoft.com/office/powerpoint/2010/main" Requires="p14">
+        <mc:AlternateContent xmlns:mc="http://schemas.openxmlformats.org/markup-compatibility/2006" xmlns:p14="http://schemas.microsoft.com/office/powerpoint/2010/main">
+          <mc:Choice Requires="p14">
             <p:contentPart p14:bwMode="auto" r:id="rId34">
               <p14:nvContentPartPr>
                 <p14:cNvPr id="37" name="잉크 36">
@@ -13957,7 +14842,7 @@
               </p14:xfrm>
             </p:contentPart>
           </mc:Choice>
-          <mc:Fallback>
+          <mc:Fallback xmlns="">
             <p:pic>
               <p:nvPicPr>
                 <p:cNvPr id="37" name="잉크 36">
@@ -14009,8 +14894,8 @@
             <a:chExt cx="376200" cy="545760"/>
           </a:xfrm>
         </p:grpSpPr>
-        <mc:AlternateContent xmlns:mc="http://schemas.openxmlformats.org/markup-compatibility/2006">
-          <mc:Choice xmlns:p14="http://schemas.microsoft.com/office/powerpoint/2010/main" Requires="p14">
+        <mc:AlternateContent xmlns:mc="http://schemas.openxmlformats.org/markup-compatibility/2006" xmlns:p14="http://schemas.microsoft.com/office/powerpoint/2010/main">
+          <mc:Choice Requires="p14">
             <p:contentPart p14:bwMode="auto" r:id="rId36">
               <p14:nvContentPartPr>
                 <p14:cNvPr id="38" name="잉크 37">
@@ -14029,7 +14914,7 @@
               </p14:xfrm>
             </p:contentPart>
           </mc:Choice>
-          <mc:Fallback>
+          <mc:Fallback xmlns="">
             <p:pic>
               <p:nvPicPr>
                 <p:cNvPr id="38" name="잉크 37">
@@ -14060,8 +14945,8 @@
             </p:pic>
           </mc:Fallback>
         </mc:AlternateContent>
-        <mc:AlternateContent xmlns:mc="http://schemas.openxmlformats.org/markup-compatibility/2006">
-          <mc:Choice xmlns:p14="http://schemas.microsoft.com/office/powerpoint/2010/main" Requires="p14">
+        <mc:AlternateContent xmlns:mc="http://schemas.openxmlformats.org/markup-compatibility/2006" xmlns:p14="http://schemas.microsoft.com/office/powerpoint/2010/main">
+          <mc:Choice Requires="p14">
             <p:contentPart p14:bwMode="auto" r:id="rId38">
               <p14:nvContentPartPr>
                 <p14:cNvPr id="39" name="잉크 38">
@@ -14080,7 +14965,7 @@
               </p14:xfrm>
             </p:contentPart>
           </mc:Choice>
-          <mc:Fallback>
+          <mc:Fallback xmlns="">
             <p:pic>
               <p:nvPicPr>
                 <p:cNvPr id="39" name="잉크 38">
@@ -14112,8 +14997,8 @@
           </mc:Fallback>
         </mc:AlternateContent>
       </p:grpSp>
-      <mc:AlternateContent xmlns:mc="http://schemas.openxmlformats.org/markup-compatibility/2006">
-        <mc:Choice xmlns:p14="http://schemas.microsoft.com/office/powerpoint/2010/main" Requires="p14">
+      <mc:AlternateContent xmlns:mc="http://schemas.openxmlformats.org/markup-compatibility/2006" xmlns:p14="http://schemas.microsoft.com/office/powerpoint/2010/main">
+        <mc:Choice Requires="p14">
           <p:contentPart p14:bwMode="auto" r:id="rId40">
             <p14:nvContentPartPr>
               <p14:cNvPr id="42" name="잉크 41">
@@ -14132,7 +15017,7 @@
             </p14:xfrm>
           </p:contentPart>
         </mc:Choice>
-        <mc:Fallback>
+        <mc:Fallback xmlns="">
           <p:pic>
             <p:nvPicPr>
               <p:cNvPr id="42" name="잉크 41">
@@ -14183,8 +15068,8 @@
             <a:chExt cx="948240" cy="546840"/>
           </a:xfrm>
         </p:grpSpPr>
-        <mc:AlternateContent xmlns:mc="http://schemas.openxmlformats.org/markup-compatibility/2006">
-          <mc:Choice xmlns:p14="http://schemas.microsoft.com/office/powerpoint/2010/main" Requires="p14">
+        <mc:AlternateContent xmlns:mc="http://schemas.openxmlformats.org/markup-compatibility/2006" xmlns:p14="http://schemas.microsoft.com/office/powerpoint/2010/main">
+          <mc:Choice Requires="p14">
             <p:contentPart p14:bwMode="auto" r:id="rId42">
               <p14:nvContentPartPr>
                 <p14:cNvPr id="43" name="잉크 42">
@@ -14203,7 +15088,7 @@
               </p14:xfrm>
             </p:contentPart>
           </mc:Choice>
-          <mc:Fallback>
+          <mc:Fallback xmlns="">
             <p:pic>
               <p:nvPicPr>
                 <p:cNvPr id="43" name="잉크 42">
@@ -14234,8 +15119,8 @@
             </p:pic>
           </mc:Fallback>
         </mc:AlternateContent>
-        <mc:AlternateContent xmlns:mc="http://schemas.openxmlformats.org/markup-compatibility/2006">
-          <mc:Choice xmlns:p14="http://schemas.microsoft.com/office/powerpoint/2010/main" Requires="p14">
+        <mc:AlternateContent xmlns:mc="http://schemas.openxmlformats.org/markup-compatibility/2006" xmlns:p14="http://schemas.microsoft.com/office/powerpoint/2010/main">
+          <mc:Choice Requires="p14">
             <p:contentPart p14:bwMode="auto" r:id="rId44">
               <p14:nvContentPartPr>
                 <p14:cNvPr id="44" name="잉크 43">
@@ -14254,7 +15139,7 @@
               </p14:xfrm>
             </p:contentPart>
           </mc:Choice>
-          <mc:Fallback>
+          <mc:Fallback xmlns="">
             <p:pic>
               <p:nvPicPr>
                 <p:cNvPr id="44" name="잉크 43">
@@ -14285,8 +15170,8 @@
             </p:pic>
           </mc:Fallback>
         </mc:AlternateContent>
-        <mc:AlternateContent xmlns:mc="http://schemas.openxmlformats.org/markup-compatibility/2006">
-          <mc:Choice xmlns:p14="http://schemas.microsoft.com/office/powerpoint/2010/main" Requires="p14">
+        <mc:AlternateContent xmlns:mc="http://schemas.openxmlformats.org/markup-compatibility/2006" xmlns:p14="http://schemas.microsoft.com/office/powerpoint/2010/main">
+          <mc:Choice Requires="p14">
             <p:contentPart p14:bwMode="auto" r:id="rId46">
               <p14:nvContentPartPr>
                 <p14:cNvPr id="45" name="잉크 44">
@@ -14305,7 +15190,7 @@
               </p14:xfrm>
             </p:contentPart>
           </mc:Choice>
-          <mc:Fallback>
+          <mc:Fallback xmlns="">
             <p:pic>
               <p:nvPicPr>
                 <p:cNvPr id="45" name="잉크 44">
@@ -14336,8 +15221,8 @@
             </p:pic>
           </mc:Fallback>
         </mc:AlternateContent>
-        <mc:AlternateContent xmlns:mc="http://schemas.openxmlformats.org/markup-compatibility/2006">
-          <mc:Choice xmlns:p14="http://schemas.microsoft.com/office/powerpoint/2010/main" Requires="p14">
+        <mc:AlternateContent xmlns:mc="http://schemas.openxmlformats.org/markup-compatibility/2006" xmlns:p14="http://schemas.microsoft.com/office/powerpoint/2010/main">
+          <mc:Choice Requires="p14">
             <p:contentPart p14:bwMode="auto" r:id="rId48">
               <p14:nvContentPartPr>
                 <p14:cNvPr id="46" name="잉크 45">
@@ -14356,7 +15241,7 @@
               </p14:xfrm>
             </p:contentPart>
           </mc:Choice>
-          <mc:Fallback>
+          <mc:Fallback xmlns="">
             <p:pic>
               <p:nvPicPr>
                 <p:cNvPr id="46" name="잉크 45">
@@ -14388,8 +15273,8 @@
           </mc:Fallback>
         </mc:AlternateContent>
       </p:grpSp>
-      <mc:AlternateContent xmlns:mc="http://schemas.openxmlformats.org/markup-compatibility/2006">
-        <mc:Choice xmlns:p14="http://schemas.microsoft.com/office/powerpoint/2010/main" Requires="p14">
+      <mc:AlternateContent xmlns:mc="http://schemas.openxmlformats.org/markup-compatibility/2006" xmlns:p14="http://schemas.microsoft.com/office/powerpoint/2010/main">
+        <mc:Choice Requires="p14">
           <p:contentPart p14:bwMode="auto" r:id="rId50">
             <p14:nvContentPartPr>
               <p14:cNvPr id="47" name="잉크 46">
@@ -14408,7 +15293,7 @@
             </p14:xfrm>
           </p:contentPart>
         </mc:Choice>
-        <mc:Fallback>
+        <mc:Fallback xmlns="">
           <p:pic>
             <p:nvPicPr>
               <p:cNvPr id="47" name="잉크 46">
@@ -14459,8 +15344,8 @@
             <a:chExt cx="1044000" cy="711000"/>
           </a:xfrm>
         </p:grpSpPr>
-        <mc:AlternateContent xmlns:mc="http://schemas.openxmlformats.org/markup-compatibility/2006">
-          <mc:Choice xmlns:p14="http://schemas.microsoft.com/office/powerpoint/2010/main" Requires="p14">
+        <mc:AlternateContent xmlns:mc="http://schemas.openxmlformats.org/markup-compatibility/2006" xmlns:p14="http://schemas.microsoft.com/office/powerpoint/2010/main">
+          <mc:Choice Requires="p14">
             <p:contentPart p14:bwMode="auto" r:id="rId52">
               <p14:nvContentPartPr>
                 <p14:cNvPr id="48" name="잉크 47">
@@ -14479,7 +15364,7 @@
               </p14:xfrm>
             </p:contentPart>
           </mc:Choice>
-          <mc:Fallback>
+          <mc:Fallback xmlns="">
             <p:pic>
               <p:nvPicPr>
                 <p:cNvPr id="48" name="잉크 47">
@@ -14510,8 +15395,8 @@
             </p:pic>
           </mc:Fallback>
         </mc:AlternateContent>
-        <mc:AlternateContent xmlns:mc="http://schemas.openxmlformats.org/markup-compatibility/2006">
-          <mc:Choice xmlns:p14="http://schemas.microsoft.com/office/powerpoint/2010/main" Requires="p14">
+        <mc:AlternateContent xmlns:mc="http://schemas.openxmlformats.org/markup-compatibility/2006" xmlns:p14="http://schemas.microsoft.com/office/powerpoint/2010/main">
+          <mc:Choice Requires="p14">
             <p:contentPart p14:bwMode="auto" r:id="rId54">
               <p14:nvContentPartPr>
                 <p14:cNvPr id="49" name="잉크 48">
@@ -14530,7 +15415,7 @@
               </p14:xfrm>
             </p:contentPart>
           </mc:Choice>
-          <mc:Fallback>
+          <mc:Fallback xmlns="">
             <p:pic>
               <p:nvPicPr>
                 <p:cNvPr id="49" name="잉크 48">
@@ -14561,8 +15446,8 @@
             </p:pic>
           </mc:Fallback>
         </mc:AlternateContent>
-        <mc:AlternateContent xmlns:mc="http://schemas.openxmlformats.org/markup-compatibility/2006">
-          <mc:Choice xmlns:p14="http://schemas.microsoft.com/office/powerpoint/2010/main" Requires="p14">
+        <mc:AlternateContent xmlns:mc="http://schemas.openxmlformats.org/markup-compatibility/2006" xmlns:p14="http://schemas.microsoft.com/office/powerpoint/2010/main">
+          <mc:Choice Requires="p14">
             <p:contentPart p14:bwMode="auto" r:id="rId56">
               <p14:nvContentPartPr>
                 <p14:cNvPr id="50" name="잉크 49">
@@ -14581,7 +15466,7 @@
               </p14:xfrm>
             </p:contentPart>
           </mc:Choice>
-          <mc:Fallback>
+          <mc:Fallback xmlns="">
             <p:pic>
               <p:nvPicPr>
                 <p:cNvPr id="50" name="잉크 49">
@@ -14612,8 +15497,8 @@
             </p:pic>
           </mc:Fallback>
         </mc:AlternateContent>
-        <mc:AlternateContent xmlns:mc="http://schemas.openxmlformats.org/markup-compatibility/2006">
-          <mc:Choice xmlns:p14="http://schemas.microsoft.com/office/powerpoint/2010/main" Requires="p14">
+        <mc:AlternateContent xmlns:mc="http://schemas.openxmlformats.org/markup-compatibility/2006" xmlns:p14="http://schemas.microsoft.com/office/powerpoint/2010/main">
+          <mc:Choice Requires="p14">
             <p:contentPart p14:bwMode="auto" r:id="rId58">
               <p14:nvContentPartPr>
                 <p14:cNvPr id="51" name="잉크 50">
@@ -14632,7 +15517,7 @@
               </p14:xfrm>
             </p:contentPart>
           </mc:Choice>
-          <mc:Fallback>
+          <mc:Fallback xmlns="">
             <p:pic>
               <p:nvPicPr>
                 <p:cNvPr id="51" name="잉크 50">
@@ -14663,8 +15548,8 @@
             </p:pic>
           </mc:Fallback>
         </mc:AlternateContent>
-        <mc:AlternateContent xmlns:mc="http://schemas.openxmlformats.org/markup-compatibility/2006">
-          <mc:Choice xmlns:p14="http://schemas.microsoft.com/office/powerpoint/2010/main" Requires="p14">
+        <mc:AlternateContent xmlns:mc="http://schemas.openxmlformats.org/markup-compatibility/2006" xmlns:p14="http://schemas.microsoft.com/office/powerpoint/2010/main">
+          <mc:Choice Requires="p14">
             <p:contentPart p14:bwMode="auto" r:id="rId60">
               <p14:nvContentPartPr>
                 <p14:cNvPr id="52" name="잉크 51">
@@ -14683,7 +15568,7 @@
               </p14:xfrm>
             </p:contentPart>
           </mc:Choice>
-          <mc:Fallback>
+          <mc:Fallback xmlns="">
             <p:pic>
               <p:nvPicPr>
                 <p:cNvPr id="52" name="잉크 51">
@@ -14719,6 +15604,1879 @@
     <p:extLst>
       <p:ext uri="{BB962C8B-B14F-4D97-AF65-F5344CB8AC3E}">
         <p14:creationId xmlns:p14="http://schemas.microsoft.com/office/powerpoint/2010/main" val="3308387711"/>
+      </p:ext>
+    </p:extLst>
+  </p:cSld>
+  <p:clrMapOvr>
+    <a:masterClrMapping/>
+  </p:clrMapOvr>
+</p:sld>
+</file>
+
+<file path=ppt/slides/slide11.xml><?xml version="1.0" encoding="utf-8"?>
+<p:sld xmlns:a="http://schemas.openxmlformats.org/drawingml/2006/main" xmlns:r="http://schemas.openxmlformats.org/officeDocument/2006/relationships" xmlns:p="http://schemas.openxmlformats.org/presentationml/2006/main">
+  <p:cSld>
+    <p:spTree>
+      <p:nvGrpSpPr>
+        <p:cNvPr id="1" name=""/>
+        <p:cNvGrpSpPr/>
+        <p:nvPr/>
+      </p:nvGrpSpPr>
+      <p:grpSpPr>
+        <a:xfrm>
+          <a:off x="0" y="0"/>
+          <a:ext cx="0" cy="0"/>
+          <a:chOff x="0" y="0"/>
+          <a:chExt cx="0" cy="0"/>
+        </a:xfrm>
+      </p:grpSpPr>
+      <p:sp>
+        <p:nvSpPr>
+          <p:cNvPr id="5" name="TextBox 4">
+            <a:extLst>
+              <a:ext uri="{FF2B5EF4-FFF2-40B4-BE49-F238E27FC236}">
+                <a16:creationId xmlns:a16="http://schemas.microsoft.com/office/drawing/2014/main" id="{61069BBE-73AA-C85E-1BAF-E5C9A8B968AF}"/>
+              </a:ext>
+            </a:extLst>
+          </p:cNvPr>
+          <p:cNvSpPr txBox="1"/>
+          <p:nvPr/>
+        </p:nvSpPr>
+        <p:spPr>
+          <a:xfrm>
+            <a:off x="3592750" y="2828835"/>
+            <a:ext cx="5006499" cy="1200329"/>
+          </a:xfrm>
+          <a:prstGeom prst="rect">
+            <a:avLst/>
+          </a:prstGeom>
+          <a:noFill/>
+        </p:spPr>
+        <p:txBody>
+          <a:bodyPr wrap="none" rtlCol="0">
+            <a:spAutoFit/>
+          </a:bodyPr>
+          <a:lstStyle/>
+          <a:p>
+            <a:r>
+              <a:rPr lang="en-US" altLang="ko-KR" sz="7200" dirty="0"/>
+              <a:t>2023-08-03</a:t>
+            </a:r>
+            <a:endParaRPr lang="ko-KR" altLang="en-US" sz="7200" dirty="0"/>
+          </a:p>
+        </p:txBody>
+      </p:sp>
+    </p:spTree>
+    <p:extLst>
+      <p:ext uri="{BB962C8B-B14F-4D97-AF65-F5344CB8AC3E}">
+        <p14:creationId xmlns:p14="http://schemas.microsoft.com/office/powerpoint/2010/main" val="450149904"/>
+      </p:ext>
+    </p:extLst>
+  </p:cSld>
+  <p:clrMapOvr>
+    <a:masterClrMapping/>
+  </p:clrMapOvr>
+</p:sld>
+</file>
+
+<file path=ppt/slides/slide12.xml><?xml version="1.0" encoding="utf-8"?>
+<p:sld xmlns:a="http://schemas.openxmlformats.org/drawingml/2006/main" xmlns:r="http://schemas.openxmlformats.org/officeDocument/2006/relationships" xmlns:p="http://schemas.openxmlformats.org/presentationml/2006/main">
+  <p:cSld>
+    <p:spTree>
+      <p:nvGrpSpPr>
+        <p:cNvPr id="1" name=""/>
+        <p:cNvGrpSpPr/>
+        <p:nvPr/>
+      </p:nvGrpSpPr>
+      <p:grpSpPr>
+        <a:xfrm>
+          <a:off x="0" y="0"/>
+          <a:ext cx="0" cy="0"/>
+          <a:chOff x="0" y="0"/>
+          <a:chExt cx="0" cy="0"/>
+        </a:xfrm>
+      </p:grpSpPr>
+      <p:sp>
+        <p:nvSpPr>
+          <p:cNvPr id="4" name="TextBox 3">
+            <a:extLst>
+              <a:ext uri="{FF2B5EF4-FFF2-40B4-BE49-F238E27FC236}">
+                <a16:creationId xmlns:a16="http://schemas.microsoft.com/office/drawing/2014/main" id="{2438C9D1-3452-825D-1DFE-C48237682C34}"/>
+              </a:ext>
+            </a:extLst>
+          </p:cNvPr>
+          <p:cNvSpPr txBox="1"/>
+          <p:nvPr/>
+        </p:nvSpPr>
+        <p:spPr>
+          <a:xfrm>
+            <a:off x="82951" y="67528"/>
+            <a:ext cx="2103461" cy="400110"/>
+          </a:xfrm>
+          <a:prstGeom prst="rect">
+            <a:avLst/>
+          </a:prstGeom>
+          <a:noFill/>
+        </p:spPr>
+        <p:txBody>
+          <a:bodyPr wrap="none" rtlCol="0">
+            <a:spAutoFit/>
+          </a:bodyPr>
+          <a:lstStyle/>
+          <a:p>
+            <a:r>
+              <a:rPr lang="en-US" altLang="ko-KR" sz="2000" dirty="0" err="1"/>
+              <a:t>Baekjoon</a:t>
+            </a:r>
+            <a:r>
+              <a:rPr lang="en-US" altLang="ko-KR" sz="2000" dirty="0"/>
+              <a:t> - 1021</a:t>
+            </a:r>
+            <a:endParaRPr lang="ko-KR" altLang="en-US" sz="2000" dirty="0"/>
+          </a:p>
+        </p:txBody>
+      </p:sp>
+      <p:grpSp>
+        <p:nvGrpSpPr>
+          <p:cNvPr id="113" name="그룹 112">
+            <a:extLst>
+              <a:ext uri="{FF2B5EF4-FFF2-40B4-BE49-F238E27FC236}">
+                <a16:creationId xmlns:a16="http://schemas.microsoft.com/office/drawing/2014/main" id="{13CEF6A2-EC21-AD3D-C0B0-3AEDA861EACB}"/>
+              </a:ext>
+            </a:extLst>
+          </p:cNvPr>
+          <p:cNvGrpSpPr/>
+          <p:nvPr/>
+        </p:nvGrpSpPr>
+        <p:grpSpPr>
+          <a:xfrm>
+            <a:off x="3922080" y="2110500"/>
+            <a:ext cx="2670840" cy="2744280"/>
+            <a:chOff x="5042220" y="3527820"/>
+            <a:chExt cx="2670840" cy="2744280"/>
+          </a:xfrm>
+        </p:grpSpPr>
+        <mc:AlternateContent xmlns:mc="http://schemas.openxmlformats.org/markup-compatibility/2006">
+          <mc:Choice xmlns:p14="http://schemas.microsoft.com/office/powerpoint/2010/main" Requires="p14">
+            <p:contentPart p14:bwMode="auto" r:id="rId2">
+              <p14:nvContentPartPr>
+                <p14:cNvPr id="98" name="잉크 97">
+                  <a:extLst>
+                    <a:ext uri="{FF2B5EF4-FFF2-40B4-BE49-F238E27FC236}">
+                      <a16:creationId xmlns:a16="http://schemas.microsoft.com/office/drawing/2014/main" id="{E32FECA5-537B-F50F-8E68-B445F05D30DA}"/>
+                    </a:ext>
+                  </a:extLst>
+                </p14:cNvPr>
+                <p14:cNvContentPartPr/>
+                <p14:nvPr/>
+              </p14:nvContentPartPr>
+              <p14:xfrm>
+                <a:off x="5424540" y="3990420"/>
+                <a:ext cx="1914480" cy="1763280"/>
+              </p14:xfrm>
+            </p:contentPart>
+          </mc:Choice>
+          <mc:Fallback>
+            <p:pic>
+              <p:nvPicPr>
+                <p:cNvPr id="98" name="잉크 97">
+                  <a:extLst>
+                    <a:ext uri="{FF2B5EF4-FFF2-40B4-BE49-F238E27FC236}">
+                      <a16:creationId xmlns:a16="http://schemas.microsoft.com/office/drawing/2014/main" id="{E32FECA5-537B-F50F-8E68-B445F05D30DA}"/>
+                    </a:ext>
+                  </a:extLst>
+                </p:cNvPr>
+                <p:cNvPicPr/>
+                <p:nvPr/>
+              </p:nvPicPr>
+              <p:blipFill>
+                <a:blip r:embed="rId3"/>
+                <a:stretch>
+                  <a:fillRect/>
+                </a:stretch>
+              </p:blipFill>
+              <p:spPr>
+                <a:xfrm>
+                  <a:off x="5406540" y="3972780"/>
+                  <a:ext cx="1950120" cy="1798920"/>
+                </a:xfrm>
+                <a:prstGeom prst="rect">
+                  <a:avLst/>
+                </a:prstGeom>
+              </p:spPr>
+            </p:pic>
+          </mc:Fallback>
+        </mc:AlternateContent>
+        <mc:AlternateContent xmlns:mc="http://schemas.openxmlformats.org/markup-compatibility/2006">
+          <mc:Choice xmlns:p14="http://schemas.microsoft.com/office/powerpoint/2010/main" Requires="p14">
+            <p:contentPart p14:bwMode="auto" r:id="rId4">
+              <p14:nvContentPartPr>
+                <p14:cNvPr id="99" name="잉크 98">
+                  <a:extLst>
+                    <a:ext uri="{FF2B5EF4-FFF2-40B4-BE49-F238E27FC236}">
+                      <a16:creationId xmlns:a16="http://schemas.microsoft.com/office/drawing/2014/main" id="{1E625776-CF66-CD3F-39C1-925C58CF04F1}"/>
+                    </a:ext>
+                  </a:extLst>
+                </p14:cNvPr>
+                <p14:cNvContentPartPr/>
+                <p14:nvPr/>
+              </p14:nvContentPartPr>
+              <p14:xfrm>
+                <a:off x="6469260" y="3527820"/>
+                <a:ext cx="360" cy="281520"/>
+              </p14:xfrm>
+            </p:contentPart>
+          </mc:Choice>
+          <mc:Fallback>
+            <p:pic>
+              <p:nvPicPr>
+                <p:cNvPr id="99" name="잉크 98">
+                  <a:extLst>
+                    <a:ext uri="{FF2B5EF4-FFF2-40B4-BE49-F238E27FC236}">
+                      <a16:creationId xmlns:a16="http://schemas.microsoft.com/office/drawing/2014/main" id="{1E625776-CF66-CD3F-39C1-925C58CF04F1}"/>
+                    </a:ext>
+                  </a:extLst>
+                </p:cNvPr>
+                <p:cNvPicPr/>
+                <p:nvPr/>
+              </p:nvPicPr>
+              <p:blipFill>
+                <a:blip r:embed="rId5"/>
+                <a:stretch>
+                  <a:fillRect/>
+                </a:stretch>
+              </p:blipFill>
+              <p:spPr>
+                <a:xfrm>
+                  <a:off x="6451260" y="3509820"/>
+                  <a:ext cx="36000" cy="317160"/>
+                </a:xfrm>
+                <a:prstGeom prst="rect">
+                  <a:avLst/>
+                </a:prstGeom>
+              </p:spPr>
+            </p:pic>
+          </mc:Fallback>
+        </mc:AlternateContent>
+        <mc:AlternateContent xmlns:mc="http://schemas.openxmlformats.org/markup-compatibility/2006">
+          <mc:Choice xmlns:p14="http://schemas.microsoft.com/office/powerpoint/2010/main" Requires="p14">
+            <p:contentPart p14:bwMode="auto" r:id="rId6">
+              <p14:nvContentPartPr>
+                <p14:cNvPr id="100" name="잉크 99">
+                  <a:extLst>
+                    <a:ext uri="{FF2B5EF4-FFF2-40B4-BE49-F238E27FC236}">
+                      <a16:creationId xmlns:a16="http://schemas.microsoft.com/office/drawing/2014/main" id="{A01C78E2-8893-CCC9-CAAD-FF77D9CDF3BB}"/>
+                    </a:ext>
+                  </a:extLst>
+                </p14:cNvPr>
+                <p14:cNvContentPartPr/>
+                <p14:nvPr/>
+              </p14:nvContentPartPr>
+              <p14:xfrm>
+                <a:off x="7056060" y="3861180"/>
+                <a:ext cx="334800" cy="277560"/>
+              </p14:xfrm>
+            </p:contentPart>
+          </mc:Choice>
+          <mc:Fallback>
+            <p:pic>
+              <p:nvPicPr>
+                <p:cNvPr id="100" name="잉크 99">
+                  <a:extLst>
+                    <a:ext uri="{FF2B5EF4-FFF2-40B4-BE49-F238E27FC236}">
+                      <a16:creationId xmlns:a16="http://schemas.microsoft.com/office/drawing/2014/main" id="{A01C78E2-8893-CCC9-CAAD-FF77D9CDF3BB}"/>
+                    </a:ext>
+                  </a:extLst>
+                </p:cNvPr>
+                <p:cNvPicPr/>
+                <p:nvPr/>
+              </p:nvPicPr>
+              <p:blipFill>
+                <a:blip r:embed="rId7"/>
+                <a:stretch>
+                  <a:fillRect/>
+                </a:stretch>
+              </p:blipFill>
+              <p:spPr>
+                <a:xfrm>
+                  <a:off x="7038060" y="3843180"/>
+                  <a:ext cx="370440" cy="313200"/>
+                </a:xfrm>
+                <a:prstGeom prst="rect">
+                  <a:avLst/>
+                </a:prstGeom>
+              </p:spPr>
+            </p:pic>
+          </mc:Fallback>
+        </mc:AlternateContent>
+        <mc:AlternateContent xmlns:mc="http://schemas.openxmlformats.org/markup-compatibility/2006">
+          <mc:Choice xmlns:p14="http://schemas.microsoft.com/office/powerpoint/2010/main" Requires="p14">
+            <p:contentPart p14:bwMode="auto" r:id="rId8">
+              <p14:nvContentPartPr>
+                <p14:cNvPr id="101" name="잉크 100">
+                  <a:extLst>
+                    <a:ext uri="{FF2B5EF4-FFF2-40B4-BE49-F238E27FC236}">
+                      <a16:creationId xmlns:a16="http://schemas.microsoft.com/office/drawing/2014/main" id="{C8BB9516-4D01-26BE-3D78-309ADFF6EB3D}"/>
+                    </a:ext>
+                  </a:extLst>
+                </p14:cNvPr>
+                <p14:cNvContentPartPr/>
+                <p14:nvPr/>
+              </p14:nvContentPartPr>
+              <p14:xfrm>
+                <a:off x="7540980" y="4540500"/>
+                <a:ext cx="172080" cy="447840"/>
+              </p14:xfrm>
+            </p:contentPart>
+          </mc:Choice>
+          <mc:Fallback>
+            <p:pic>
+              <p:nvPicPr>
+                <p:cNvPr id="101" name="잉크 100">
+                  <a:extLst>
+                    <a:ext uri="{FF2B5EF4-FFF2-40B4-BE49-F238E27FC236}">
+                      <a16:creationId xmlns:a16="http://schemas.microsoft.com/office/drawing/2014/main" id="{C8BB9516-4D01-26BE-3D78-309ADFF6EB3D}"/>
+                    </a:ext>
+                  </a:extLst>
+                </p:cNvPr>
+                <p:cNvPicPr/>
+                <p:nvPr/>
+              </p:nvPicPr>
+              <p:blipFill>
+                <a:blip r:embed="rId9"/>
+                <a:stretch>
+                  <a:fillRect/>
+                </a:stretch>
+              </p:blipFill>
+              <p:spPr>
+                <a:xfrm>
+                  <a:off x="7523340" y="4522500"/>
+                  <a:ext cx="207720" cy="483480"/>
+                </a:xfrm>
+                <a:prstGeom prst="rect">
+                  <a:avLst/>
+                </a:prstGeom>
+              </p:spPr>
+            </p:pic>
+          </mc:Fallback>
+        </mc:AlternateContent>
+        <mc:AlternateContent xmlns:mc="http://schemas.openxmlformats.org/markup-compatibility/2006">
+          <mc:Choice xmlns:p14="http://schemas.microsoft.com/office/powerpoint/2010/main" Requires="p14">
+            <p:contentPart p14:bwMode="auto" r:id="rId10">
+              <p14:nvContentPartPr>
+                <p14:cNvPr id="102" name="잉크 101">
+                  <a:extLst>
+                    <a:ext uri="{FF2B5EF4-FFF2-40B4-BE49-F238E27FC236}">
+                      <a16:creationId xmlns:a16="http://schemas.microsoft.com/office/drawing/2014/main" id="{E6DC47B8-CFA8-E82A-2268-2F2F954126BF}"/>
+                    </a:ext>
+                  </a:extLst>
+                </p14:cNvPr>
+                <p14:cNvContentPartPr/>
+                <p14:nvPr/>
+              </p14:nvContentPartPr>
+              <p14:xfrm>
+                <a:off x="7201500" y="5592780"/>
+                <a:ext cx="227160" cy="116640"/>
+              </p14:xfrm>
+            </p:contentPart>
+          </mc:Choice>
+          <mc:Fallback>
+            <p:pic>
+              <p:nvPicPr>
+                <p:cNvPr id="102" name="잉크 101">
+                  <a:extLst>
+                    <a:ext uri="{FF2B5EF4-FFF2-40B4-BE49-F238E27FC236}">
+                      <a16:creationId xmlns:a16="http://schemas.microsoft.com/office/drawing/2014/main" id="{E6DC47B8-CFA8-E82A-2268-2F2F954126BF}"/>
+                    </a:ext>
+                  </a:extLst>
+                </p:cNvPr>
+                <p:cNvPicPr/>
+                <p:nvPr/>
+              </p:nvPicPr>
+              <p:blipFill>
+                <a:blip r:embed="rId11"/>
+                <a:stretch>
+                  <a:fillRect/>
+                </a:stretch>
+              </p:blipFill>
+              <p:spPr>
+                <a:xfrm>
+                  <a:off x="7183860" y="5575140"/>
+                  <a:ext cx="262800" cy="152280"/>
+                </a:xfrm>
+                <a:prstGeom prst="rect">
+                  <a:avLst/>
+                </a:prstGeom>
+              </p:spPr>
+            </p:pic>
+          </mc:Fallback>
+        </mc:AlternateContent>
+        <mc:AlternateContent xmlns:mc="http://schemas.openxmlformats.org/markup-compatibility/2006">
+          <mc:Choice xmlns:p14="http://schemas.microsoft.com/office/powerpoint/2010/main" Requires="p14">
+            <p:contentPart p14:bwMode="auto" r:id="rId12">
+              <p14:nvContentPartPr>
+                <p14:cNvPr id="103" name="잉크 102">
+                  <a:extLst>
+                    <a:ext uri="{FF2B5EF4-FFF2-40B4-BE49-F238E27FC236}">
+                      <a16:creationId xmlns:a16="http://schemas.microsoft.com/office/drawing/2014/main" id="{E76B0E01-A1FB-19A6-CA01-D0D371AF346D}"/>
+                    </a:ext>
+                  </a:extLst>
+                </p14:cNvPr>
+                <p14:cNvContentPartPr/>
+                <p14:nvPr/>
+              </p14:nvContentPartPr>
+              <p14:xfrm>
+                <a:off x="7398780" y="5646060"/>
+                <a:ext cx="360" cy="212760"/>
+              </p14:xfrm>
+            </p:contentPart>
+          </mc:Choice>
+          <mc:Fallback>
+            <p:pic>
+              <p:nvPicPr>
+                <p:cNvPr id="103" name="잉크 102">
+                  <a:extLst>
+                    <a:ext uri="{FF2B5EF4-FFF2-40B4-BE49-F238E27FC236}">
+                      <a16:creationId xmlns:a16="http://schemas.microsoft.com/office/drawing/2014/main" id="{E76B0E01-A1FB-19A6-CA01-D0D371AF346D}"/>
+                    </a:ext>
+                  </a:extLst>
+                </p:cNvPr>
+                <p:cNvPicPr/>
+                <p:nvPr/>
+              </p:nvPicPr>
+              <p:blipFill>
+                <a:blip r:embed="rId13"/>
+                <a:stretch>
+                  <a:fillRect/>
+                </a:stretch>
+              </p:blipFill>
+              <p:spPr>
+                <a:xfrm>
+                  <a:off x="7380780" y="5628420"/>
+                  <a:ext cx="36000" cy="248400"/>
+                </a:xfrm>
+                <a:prstGeom prst="rect">
+                  <a:avLst/>
+                </a:prstGeom>
+              </p:spPr>
+            </p:pic>
+          </mc:Fallback>
+        </mc:AlternateContent>
+        <mc:AlternateContent xmlns:mc="http://schemas.openxmlformats.org/markup-compatibility/2006">
+          <mc:Choice xmlns:p14="http://schemas.microsoft.com/office/powerpoint/2010/main" Requires="p14">
+            <p:contentPart p14:bwMode="auto" r:id="rId14">
+              <p14:nvContentPartPr>
+                <p14:cNvPr id="104" name="잉크 103">
+                  <a:extLst>
+                    <a:ext uri="{FF2B5EF4-FFF2-40B4-BE49-F238E27FC236}">
+                      <a16:creationId xmlns:a16="http://schemas.microsoft.com/office/drawing/2014/main" id="{9427AC94-88BE-6B49-03AA-B0FE46F8C2DC}"/>
+                    </a:ext>
+                  </a:extLst>
+                </p14:cNvPr>
+                <p14:cNvContentPartPr/>
+                <p14:nvPr/>
+              </p14:nvContentPartPr>
+              <p14:xfrm>
+                <a:off x="6049860" y="5981580"/>
+                <a:ext cx="323280" cy="290520"/>
+              </p14:xfrm>
+            </p:contentPart>
+          </mc:Choice>
+          <mc:Fallback>
+            <p:pic>
+              <p:nvPicPr>
+                <p:cNvPr id="104" name="잉크 103">
+                  <a:extLst>
+                    <a:ext uri="{FF2B5EF4-FFF2-40B4-BE49-F238E27FC236}">
+                      <a16:creationId xmlns:a16="http://schemas.microsoft.com/office/drawing/2014/main" id="{9427AC94-88BE-6B49-03AA-B0FE46F8C2DC}"/>
+                    </a:ext>
+                  </a:extLst>
+                </p:cNvPr>
+                <p:cNvPicPr/>
+                <p:nvPr/>
+              </p:nvPicPr>
+              <p:blipFill>
+                <a:blip r:embed="rId15"/>
+                <a:stretch>
+                  <a:fillRect/>
+                </a:stretch>
+              </p:blipFill>
+              <p:spPr>
+                <a:xfrm>
+                  <a:off x="6032220" y="5963580"/>
+                  <a:ext cx="358920" cy="326160"/>
+                </a:xfrm>
+                <a:prstGeom prst="rect">
+                  <a:avLst/>
+                </a:prstGeom>
+              </p:spPr>
+            </p:pic>
+          </mc:Fallback>
+        </mc:AlternateContent>
+        <mc:AlternateContent xmlns:mc="http://schemas.openxmlformats.org/markup-compatibility/2006">
+          <mc:Choice xmlns:p14="http://schemas.microsoft.com/office/powerpoint/2010/main" Requires="p14">
+            <p:contentPart p14:bwMode="auto" r:id="rId16">
+              <p14:nvContentPartPr>
+                <p14:cNvPr id="105" name="잉크 104">
+                  <a:extLst>
+                    <a:ext uri="{FF2B5EF4-FFF2-40B4-BE49-F238E27FC236}">
+                      <a16:creationId xmlns:a16="http://schemas.microsoft.com/office/drawing/2014/main" id="{8FB2FBB9-A4D0-72BF-09FB-5F596ED23064}"/>
+                    </a:ext>
+                  </a:extLst>
+                </p14:cNvPr>
+                <p14:cNvContentPartPr/>
+                <p14:nvPr/>
+              </p14:nvContentPartPr>
+              <p14:xfrm>
+                <a:off x="6049860" y="5998140"/>
+                <a:ext cx="208080" cy="22320"/>
+              </p14:xfrm>
+            </p:contentPart>
+          </mc:Choice>
+          <mc:Fallback>
+            <p:pic>
+              <p:nvPicPr>
+                <p:cNvPr id="105" name="잉크 104">
+                  <a:extLst>
+                    <a:ext uri="{FF2B5EF4-FFF2-40B4-BE49-F238E27FC236}">
+                      <a16:creationId xmlns:a16="http://schemas.microsoft.com/office/drawing/2014/main" id="{8FB2FBB9-A4D0-72BF-09FB-5F596ED23064}"/>
+                    </a:ext>
+                  </a:extLst>
+                </p:cNvPr>
+                <p:cNvPicPr/>
+                <p:nvPr/>
+              </p:nvPicPr>
+              <p:blipFill>
+                <a:blip r:embed="rId17"/>
+                <a:stretch>
+                  <a:fillRect/>
+                </a:stretch>
+              </p:blipFill>
+              <p:spPr>
+                <a:xfrm>
+                  <a:off x="6032220" y="5980500"/>
+                  <a:ext cx="243720" cy="57960"/>
+                </a:xfrm>
+                <a:prstGeom prst="rect">
+                  <a:avLst/>
+                </a:prstGeom>
+              </p:spPr>
+            </p:pic>
+          </mc:Fallback>
+        </mc:AlternateContent>
+        <mc:AlternateContent xmlns:mc="http://schemas.openxmlformats.org/markup-compatibility/2006">
+          <mc:Choice xmlns:p14="http://schemas.microsoft.com/office/powerpoint/2010/main" Requires="p14">
+            <p:contentPart p14:bwMode="auto" r:id="rId18">
+              <p14:nvContentPartPr>
+                <p14:cNvPr id="106" name="잉크 105">
+                  <a:extLst>
+                    <a:ext uri="{FF2B5EF4-FFF2-40B4-BE49-F238E27FC236}">
+                      <a16:creationId xmlns:a16="http://schemas.microsoft.com/office/drawing/2014/main" id="{8E5B9CAB-84B1-B98A-0930-0294888DB5F0}"/>
+                    </a:ext>
+                  </a:extLst>
+                </p14:cNvPr>
+                <p14:cNvContentPartPr/>
+                <p14:nvPr/>
+              </p14:nvContentPartPr>
+              <p14:xfrm>
+                <a:off x="5316180" y="5554620"/>
+                <a:ext cx="263880" cy="237240"/>
+              </p14:xfrm>
+            </p:contentPart>
+          </mc:Choice>
+          <mc:Fallback>
+            <p:pic>
+              <p:nvPicPr>
+                <p:cNvPr id="106" name="잉크 105">
+                  <a:extLst>
+                    <a:ext uri="{FF2B5EF4-FFF2-40B4-BE49-F238E27FC236}">
+                      <a16:creationId xmlns:a16="http://schemas.microsoft.com/office/drawing/2014/main" id="{8E5B9CAB-84B1-B98A-0930-0294888DB5F0}"/>
+                    </a:ext>
+                  </a:extLst>
+                </p:cNvPr>
+                <p:cNvPicPr/>
+                <p:nvPr/>
+              </p:nvPicPr>
+              <p:blipFill>
+                <a:blip r:embed="rId19"/>
+                <a:stretch>
+                  <a:fillRect/>
+                </a:stretch>
+              </p:blipFill>
+              <p:spPr>
+                <a:xfrm>
+                  <a:off x="5298180" y="5536620"/>
+                  <a:ext cx="299520" cy="272880"/>
+                </a:xfrm>
+                <a:prstGeom prst="rect">
+                  <a:avLst/>
+                </a:prstGeom>
+              </p:spPr>
+            </p:pic>
+          </mc:Fallback>
+        </mc:AlternateContent>
+        <mc:AlternateContent xmlns:mc="http://schemas.openxmlformats.org/markup-compatibility/2006">
+          <mc:Choice xmlns:p14="http://schemas.microsoft.com/office/powerpoint/2010/main" Requires="p14">
+            <p:contentPart p14:bwMode="auto" r:id="rId20">
+              <p14:nvContentPartPr>
+                <p14:cNvPr id="107" name="잉크 106">
+                  <a:extLst>
+                    <a:ext uri="{FF2B5EF4-FFF2-40B4-BE49-F238E27FC236}">
+                      <a16:creationId xmlns:a16="http://schemas.microsoft.com/office/drawing/2014/main" id="{50418A2A-F0C1-59EA-AB36-60D34C79090B}"/>
+                    </a:ext>
+                  </a:extLst>
+                </p14:cNvPr>
+                <p14:cNvContentPartPr/>
+                <p14:nvPr/>
+              </p14:nvContentPartPr>
+              <p14:xfrm>
+                <a:off x="5042220" y="4815540"/>
+                <a:ext cx="17640" cy="195480"/>
+              </p14:xfrm>
+            </p:contentPart>
+          </mc:Choice>
+          <mc:Fallback>
+            <p:pic>
+              <p:nvPicPr>
+                <p:cNvPr id="107" name="잉크 106">
+                  <a:extLst>
+                    <a:ext uri="{FF2B5EF4-FFF2-40B4-BE49-F238E27FC236}">
+                      <a16:creationId xmlns:a16="http://schemas.microsoft.com/office/drawing/2014/main" id="{50418A2A-F0C1-59EA-AB36-60D34C79090B}"/>
+                    </a:ext>
+                  </a:extLst>
+                </p:cNvPr>
+                <p:cNvPicPr/>
+                <p:nvPr/>
+              </p:nvPicPr>
+              <p:blipFill>
+                <a:blip r:embed="rId21"/>
+                <a:stretch>
+                  <a:fillRect/>
+                </a:stretch>
+              </p:blipFill>
+              <p:spPr>
+                <a:xfrm>
+                  <a:off x="5024220" y="4797900"/>
+                  <a:ext cx="53280" cy="231120"/>
+                </a:xfrm>
+                <a:prstGeom prst="rect">
+                  <a:avLst/>
+                </a:prstGeom>
+              </p:spPr>
+            </p:pic>
+          </mc:Fallback>
+        </mc:AlternateContent>
+        <mc:AlternateContent xmlns:mc="http://schemas.openxmlformats.org/markup-compatibility/2006">
+          <mc:Choice xmlns:p14="http://schemas.microsoft.com/office/powerpoint/2010/main" Requires="p14">
+            <p:contentPart p14:bwMode="auto" r:id="rId22">
+              <p14:nvContentPartPr>
+                <p14:cNvPr id="108" name="잉크 107">
+                  <a:extLst>
+                    <a:ext uri="{FF2B5EF4-FFF2-40B4-BE49-F238E27FC236}">
+                      <a16:creationId xmlns:a16="http://schemas.microsoft.com/office/drawing/2014/main" id="{0775D19B-637F-D11B-0C4F-9759056CA5C5}"/>
+                    </a:ext>
+                  </a:extLst>
+                </p14:cNvPr>
+                <p14:cNvContentPartPr/>
+                <p14:nvPr/>
+              </p14:nvContentPartPr>
+              <p14:xfrm>
+                <a:off x="5082180" y="4784940"/>
+                <a:ext cx="114840" cy="327240"/>
+              </p14:xfrm>
+            </p:contentPart>
+          </mc:Choice>
+          <mc:Fallback>
+            <p:pic>
+              <p:nvPicPr>
+                <p:cNvPr id="108" name="잉크 107">
+                  <a:extLst>
+                    <a:ext uri="{FF2B5EF4-FFF2-40B4-BE49-F238E27FC236}">
+                      <a16:creationId xmlns:a16="http://schemas.microsoft.com/office/drawing/2014/main" id="{0775D19B-637F-D11B-0C4F-9759056CA5C5}"/>
+                    </a:ext>
+                  </a:extLst>
+                </p:cNvPr>
+                <p:cNvPicPr/>
+                <p:nvPr/>
+              </p:nvPicPr>
+              <p:blipFill>
+                <a:blip r:embed="rId23"/>
+                <a:stretch>
+                  <a:fillRect/>
+                </a:stretch>
+              </p:blipFill>
+              <p:spPr>
+                <a:xfrm>
+                  <a:off x="5064540" y="4767300"/>
+                  <a:ext cx="150480" cy="362880"/>
+                </a:xfrm>
+                <a:prstGeom prst="rect">
+                  <a:avLst/>
+                </a:prstGeom>
+              </p:spPr>
+            </p:pic>
+          </mc:Fallback>
+        </mc:AlternateContent>
+      </p:grpSp>
+      <mc:AlternateContent xmlns:mc="http://schemas.openxmlformats.org/markup-compatibility/2006">
+        <mc:Choice xmlns:p14="http://schemas.microsoft.com/office/powerpoint/2010/main" Requires="p14">
+          <p:contentPart p14:bwMode="auto" r:id="rId24">
+            <p14:nvContentPartPr>
+              <p14:cNvPr id="114" name="잉크 113">
+                <a:extLst>
+                  <a:ext uri="{FF2B5EF4-FFF2-40B4-BE49-F238E27FC236}">
+                    <a16:creationId xmlns:a16="http://schemas.microsoft.com/office/drawing/2014/main" id="{63BA6353-4DAD-0FD6-27B0-CB5F467DB5CE}"/>
+                  </a:ext>
+                </a:extLst>
+              </p14:cNvPr>
+              <p14:cNvContentPartPr/>
+              <p14:nvPr/>
+            </p14:nvContentPartPr>
+            <p14:xfrm>
+              <a:off x="3930000" y="2779380"/>
+              <a:ext cx="209520" cy="331560"/>
+            </p14:xfrm>
+          </p:contentPart>
+        </mc:Choice>
+        <mc:Fallback>
+          <p:pic>
+            <p:nvPicPr>
+              <p:cNvPr id="114" name="잉크 113">
+                <a:extLst>
+                  <a:ext uri="{FF2B5EF4-FFF2-40B4-BE49-F238E27FC236}">
+                    <a16:creationId xmlns:a16="http://schemas.microsoft.com/office/drawing/2014/main" id="{63BA6353-4DAD-0FD6-27B0-CB5F467DB5CE}"/>
+                  </a:ext>
+                </a:extLst>
+              </p:cNvPr>
+              <p:cNvPicPr/>
+              <p:nvPr/>
+            </p:nvPicPr>
+            <p:blipFill>
+              <a:blip r:embed="rId25"/>
+              <a:stretch>
+                <a:fillRect/>
+              </a:stretch>
+            </p:blipFill>
+            <p:spPr>
+              <a:xfrm>
+                <a:off x="3912000" y="2761740"/>
+                <a:ext cx="245160" cy="367200"/>
+              </a:xfrm>
+              <a:prstGeom prst="rect">
+                <a:avLst/>
+              </a:prstGeom>
+            </p:spPr>
+          </p:pic>
+        </mc:Fallback>
+      </mc:AlternateContent>
+      <mc:AlternateContent xmlns:mc="http://schemas.openxmlformats.org/markup-compatibility/2006">
+        <mc:Choice xmlns:p14="http://schemas.microsoft.com/office/powerpoint/2010/main" Requires="p14">
+          <p:contentPart p14:bwMode="auto" r:id="rId26">
+            <p14:nvContentPartPr>
+              <p14:cNvPr id="115" name="잉크 114">
+                <a:extLst>
+                  <a:ext uri="{FF2B5EF4-FFF2-40B4-BE49-F238E27FC236}">
+                    <a16:creationId xmlns:a16="http://schemas.microsoft.com/office/drawing/2014/main" id="{CDA3FF30-68B4-E87A-B541-1275844BA247}"/>
+                  </a:ext>
+                </a:extLst>
+              </p14:cNvPr>
+              <p14:cNvContentPartPr/>
+              <p14:nvPr/>
+            </p14:nvContentPartPr>
+            <p14:xfrm>
+              <a:off x="4508880" y="2177460"/>
+              <a:ext cx="178560" cy="420120"/>
+            </p14:xfrm>
+          </p:contentPart>
+        </mc:Choice>
+        <mc:Fallback>
+          <p:pic>
+            <p:nvPicPr>
+              <p:cNvPr id="115" name="잉크 114">
+                <a:extLst>
+                  <a:ext uri="{FF2B5EF4-FFF2-40B4-BE49-F238E27FC236}">
+                    <a16:creationId xmlns:a16="http://schemas.microsoft.com/office/drawing/2014/main" id="{CDA3FF30-68B4-E87A-B541-1275844BA247}"/>
+                  </a:ext>
+                </a:extLst>
+              </p:cNvPr>
+              <p:cNvPicPr/>
+              <p:nvPr/>
+            </p:nvPicPr>
+            <p:blipFill>
+              <a:blip r:embed="rId27"/>
+              <a:stretch>
+                <a:fillRect/>
+              </a:stretch>
+            </p:blipFill>
+            <p:spPr>
+              <a:xfrm>
+                <a:off x="4491240" y="2159460"/>
+                <a:ext cx="214200" cy="455760"/>
+              </a:xfrm>
+              <a:prstGeom prst="rect">
+                <a:avLst/>
+              </a:prstGeom>
+            </p:spPr>
+          </p:pic>
+        </mc:Fallback>
+      </mc:AlternateContent>
+      <p:grpSp>
+        <p:nvGrpSpPr>
+          <p:cNvPr id="191" name="그룹 190">
+            <a:extLst>
+              <a:ext uri="{FF2B5EF4-FFF2-40B4-BE49-F238E27FC236}">
+                <a16:creationId xmlns:a16="http://schemas.microsoft.com/office/drawing/2014/main" id="{C9C226A6-3D30-E5BF-281B-19504186EB7C}"/>
+              </a:ext>
+            </a:extLst>
+          </p:cNvPr>
+          <p:cNvGrpSpPr/>
+          <p:nvPr/>
+        </p:nvGrpSpPr>
+        <p:grpSpPr>
+          <a:xfrm>
+            <a:off x="3939300" y="1569300"/>
+            <a:ext cx="1733400" cy="275760"/>
+            <a:chOff x="2567700" y="1127340"/>
+            <a:chExt cx="1733400" cy="275760"/>
+          </a:xfrm>
+        </p:grpSpPr>
+        <mc:AlternateContent xmlns:mc="http://schemas.openxmlformats.org/markup-compatibility/2006">
+          <mc:Choice xmlns:p14="http://schemas.microsoft.com/office/powerpoint/2010/main" Requires="p14">
+            <p:contentPart p14:bwMode="auto" r:id="rId28">
+              <p14:nvContentPartPr>
+                <p14:cNvPr id="179" name="잉크 178">
+                  <a:extLst>
+                    <a:ext uri="{FF2B5EF4-FFF2-40B4-BE49-F238E27FC236}">
+                      <a16:creationId xmlns:a16="http://schemas.microsoft.com/office/drawing/2014/main" id="{B137C2F6-B982-2669-724E-E086C513D9CF}"/>
+                    </a:ext>
+                  </a:extLst>
+                </p14:cNvPr>
+                <p14:cNvContentPartPr/>
+                <p14:nvPr/>
+              </p14:nvContentPartPr>
+              <p14:xfrm>
+                <a:off x="2567700" y="1127340"/>
+                <a:ext cx="197640" cy="275760"/>
+              </p14:xfrm>
+            </p:contentPart>
+          </mc:Choice>
+          <mc:Fallback>
+            <p:pic>
+              <p:nvPicPr>
+                <p:cNvPr id="179" name="잉크 178">
+                  <a:extLst>
+                    <a:ext uri="{FF2B5EF4-FFF2-40B4-BE49-F238E27FC236}">
+                      <a16:creationId xmlns:a16="http://schemas.microsoft.com/office/drawing/2014/main" id="{B137C2F6-B982-2669-724E-E086C513D9CF}"/>
+                    </a:ext>
+                  </a:extLst>
+                </p:cNvPr>
+                <p:cNvPicPr/>
+                <p:nvPr/>
+              </p:nvPicPr>
+              <p:blipFill>
+                <a:blip r:embed="rId29"/>
+                <a:stretch>
+                  <a:fillRect/>
+                </a:stretch>
+              </p:blipFill>
+              <p:spPr>
+                <a:xfrm>
+                  <a:off x="2549700" y="1109700"/>
+                  <a:ext cx="233280" cy="311400"/>
+                </a:xfrm>
+                <a:prstGeom prst="rect">
+                  <a:avLst/>
+                </a:prstGeom>
+              </p:spPr>
+            </p:pic>
+          </mc:Fallback>
+        </mc:AlternateContent>
+        <mc:AlternateContent xmlns:mc="http://schemas.openxmlformats.org/markup-compatibility/2006">
+          <mc:Choice xmlns:p14="http://schemas.microsoft.com/office/powerpoint/2010/main" Requires="p14">
+            <p:contentPart p14:bwMode="auto" r:id="rId30">
+              <p14:nvContentPartPr>
+                <p14:cNvPr id="180" name="잉크 179">
+                  <a:extLst>
+                    <a:ext uri="{FF2B5EF4-FFF2-40B4-BE49-F238E27FC236}">
+                      <a16:creationId xmlns:a16="http://schemas.microsoft.com/office/drawing/2014/main" id="{0558E23D-8F7B-A2E0-10A7-8CC54968ECB1}"/>
+                    </a:ext>
+                  </a:extLst>
+                </p14:cNvPr>
+                <p14:cNvContentPartPr/>
+                <p14:nvPr/>
+              </p14:nvContentPartPr>
+              <p14:xfrm>
+                <a:off x="2855700" y="1203660"/>
+                <a:ext cx="113400" cy="146160"/>
+              </p14:xfrm>
+            </p:contentPart>
+          </mc:Choice>
+          <mc:Fallback>
+            <p:pic>
+              <p:nvPicPr>
+                <p:cNvPr id="180" name="잉크 179">
+                  <a:extLst>
+                    <a:ext uri="{FF2B5EF4-FFF2-40B4-BE49-F238E27FC236}">
+                      <a16:creationId xmlns:a16="http://schemas.microsoft.com/office/drawing/2014/main" id="{0558E23D-8F7B-A2E0-10A7-8CC54968ECB1}"/>
+                    </a:ext>
+                  </a:extLst>
+                </p:cNvPr>
+                <p:cNvPicPr/>
+                <p:nvPr/>
+              </p:nvPicPr>
+              <p:blipFill>
+                <a:blip r:embed="rId31"/>
+                <a:stretch>
+                  <a:fillRect/>
+                </a:stretch>
+              </p:blipFill>
+              <p:spPr>
+                <a:xfrm>
+                  <a:off x="2838060" y="1186020"/>
+                  <a:ext cx="149040" cy="181800"/>
+                </a:xfrm>
+                <a:prstGeom prst="rect">
+                  <a:avLst/>
+                </a:prstGeom>
+              </p:spPr>
+            </p:pic>
+          </mc:Fallback>
+        </mc:AlternateContent>
+        <mc:AlternateContent xmlns:mc="http://schemas.openxmlformats.org/markup-compatibility/2006">
+          <mc:Choice xmlns:p14="http://schemas.microsoft.com/office/powerpoint/2010/main" Requires="p14">
+            <p:contentPart p14:bwMode="auto" r:id="rId32">
+              <p14:nvContentPartPr>
+                <p14:cNvPr id="181" name="잉크 180">
+                  <a:extLst>
+                    <a:ext uri="{FF2B5EF4-FFF2-40B4-BE49-F238E27FC236}">
+                      <a16:creationId xmlns:a16="http://schemas.microsoft.com/office/drawing/2014/main" id="{17032CF9-950D-93A2-8A91-81F4721EA397}"/>
+                    </a:ext>
+                  </a:extLst>
+                </p14:cNvPr>
+                <p14:cNvContentPartPr/>
+                <p14:nvPr/>
+              </p14:nvContentPartPr>
+              <p14:xfrm>
+                <a:off x="3062340" y="1172700"/>
+                <a:ext cx="74520" cy="106200"/>
+              </p14:xfrm>
+            </p:contentPart>
+          </mc:Choice>
+          <mc:Fallback>
+            <p:pic>
+              <p:nvPicPr>
+                <p:cNvPr id="181" name="잉크 180">
+                  <a:extLst>
+                    <a:ext uri="{FF2B5EF4-FFF2-40B4-BE49-F238E27FC236}">
+                      <a16:creationId xmlns:a16="http://schemas.microsoft.com/office/drawing/2014/main" id="{17032CF9-950D-93A2-8A91-81F4721EA397}"/>
+                    </a:ext>
+                  </a:extLst>
+                </p:cNvPr>
+                <p:cNvPicPr/>
+                <p:nvPr/>
+              </p:nvPicPr>
+              <p:blipFill>
+                <a:blip r:embed="rId33"/>
+                <a:stretch>
+                  <a:fillRect/>
+                </a:stretch>
+              </p:blipFill>
+              <p:spPr>
+                <a:xfrm>
+                  <a:off x="3044700" y="1155060"/>
+                  <a:ext cx="110160" cy="141840"/>
+                </a:xfrm>
+                <a:prstGeom prst="rect">
+                  <a:avLst/>
+                </a:prstGeom>
+              </p:spPr>
+            </p:pic>
+          </mc:Fallback>
+        </mc:AlternateContent>
+        <mc:AlternateContent xmlns:mc="http://schemas.openxmlformats.org/markup-compatibility/2006">
+          <mc:Choice xmlns:p14="http://schemas.microsoft.com/office/powerpoint/2010/main" Requires="p14">
+            <p:contentPart p14:bwMode="auto" r:id="rId34">
+              <p14:nvContentPartPr>
+                <p14:cNvPr id="182" name="잉크 181">
+                  <a:extLst>
+                    <a:ext uri="{FF2B5EF4-FFF2-40B4-BE49-F238E27FC236}">
+                      <a16:creationId xmlns:a16="http://schemas.microsoft.com/office/drawing/2014/main" id="{1A96CDE1-EF35-B5C1-5F00-01C774B3694C}"/>
+                    </a:ext>
+                  </a:extLst>
+                </p14:cNvPr>
+                <p14:cNvContentPartPr/>
+                <p14:nvPr/>
+              </p14:nvContentPartPr>
+              <p14:xfrm>
+                <a:off x="3230100" y="1142820"/>
+                <a:ext cx="94680" cy="159840"/>
+              </p14:xfrm>
+            </p:contentPart>
+          </mc:Choice>
+          <mc:Fallback>
+            <p:pic>
+              <p:nvPicPr>
+                <p:cNvPr id="182" name="잉크 181">
+                  <a:extLst>
+                    <a:ext uri="{FF2B5EF4-FFF2-40B4-BE49-F238E27FC236}">
+                      <a16:creationId xmlns:a16="http://schemas.microsoft.com/office/drawing/2014/main" id="{1A96CDE1-EF35-B5C1-5F00-01C774B3694C}"/>
+                    </a:ext>
+                  </a:extLst>
+                </p:cNvPr>
+                <p:cNvPicPr/>
+                <p:nvPr/>
+              </p:nvPicPr>
+              <p:blipFill>
+                <a:blip r:embed="rId35"/>
+                <a:stretch>
+                  <a:fillRect/>
+                </a:stretch>
+              </p:blipFill>
+              <p:spPr>
+                <a:xfrm>
+                  <a:off x="3212100" y="1124820"/>
+                  <a:ext cx="130320" cy="195480"/>
+                </a:xfrm>
+                <a:prstGeom prst="rect">
+                  <a:avLst/>
+                </a:prstGeom>
+              </p:spPr>
+            </p:pic>
+          </mc:Fallback>
+        </mc:AlternateContent>
+        <mc:AlternateContent xmlns:mc="http://schemas.openxmlformats.org/markup-compatibility/2006">
+          <mc:Choice xmlns:p14="http://schemas.microsoft.com/office/powerpoint/2010/main" Requires="p14">
+            <p:contentPart p14:bwMode="auto" r:id="rId36">
+              <p14:nvContentPartPr>
+                <p14:cNvPr id="183" name="잉크 182">
+                  <a:extLst>
+                    <a:ext uri="{FF2B5EF4-FFF2-40B4-BE49-F238E27FC236}">
+                      <a16:creationId xmlns:a16="http://schemas.microsoft.com/office/drawing/2014/main" id="{B690E4E1-E17A-FCA7-2AE9-FBF3B9A0C54B}"/>
+                    </a:ext>
+                  </a:extLst>
+                </p14:cNvPr>
+                <p14:cNvContentPartPr/>
+                <p14:nvPr/>
+              </p14:nvContentPartPr>
+              <p14:xfrm>
+                <a:off x="3457980" y="1157940"/>
+                <a:ext cx="147240" cy="129600"/>
+              </p14:xfrm>
+            </p:contentPart>
+          </mc:Choice>
+          <mc:Fallback>
+            <p:pic>
+              <p:nvPicPr>
+                <p:cNvPr id="183" name="잉크 182">
+                  <a:extLst>
+                    <a:ext uri="{FF2B5EF4-FFF2-40B4-BE49-F238E27FC236}">
+                      <a16:creationId xmlns:a16="http://schemas.microsoft.com/office/drawing/2014/main" id="{B690E4E1-E17A-FCA7-2AE9-FBF3B9A0C54B}"/>
+                    </a:ext>
+                  </a:extLst>
+                </p:cNvPr>
+                <p:cNvPicPr/>
+                <p:nvPr/>
+              </p:nvPicPr>
+              <p:blipFill>
+                <a:blip r:embed="rId37"/>
+                <a:stretch>
+                  <a:fillRect/>
+                </a:stretch>
+              </p:blipFill>
+              <p:spPr>
+                <a:xfrm>
+                  <a:off x="3440340" y="1139940"/>
+                  <a:ext cx="182880" cy="165240"/>
+                </a:xfrm>
+                <a:prstGeom prst="rect">
+                  <a:avLst/>
+                </a:prstGeom>
+              </p:spPr>
+            </p:pic>
+          </mc:Fallback>
+        </mc:AlternateContent>
+        <mc:AlternateContent xmlns:mc="http://schemas.openxmlformats.org/markup-compatibility/2006">
+          <mc:Choice xmlns:p14="http://schemas.microsoft.com/office/powerpoint/2010/main" Requires="p14">
+            <p:contentPart p14:bwMode="auto" r:id="rId38">
+              <p14:nvContentPartPr>
+                <p14:cNvPr id="184" name="잉크 183">
+                  <a:extLst>
+                    <a:ext uri="{FF2B5EF4-FFF2-40B4-BE49-F238E27FC236}">
+                      <a16:creationId xmlns:a16="http://schemas.microsoft.com/office/drawing/2014/main" id="{F3948F18-019E-CEC5-D43E-E1B80ED04C5C}"/>
+                    </a:ext>
+                  </a:extLst>
+                </p14:cNvPr>
+                <p14:cNvContentPartPr/>
+                <p14:nvPr/>
+              </p14:nvContentPartPr>
+              <p14:xfrm>
+                <a:off x="3705660" y="1142820"/>
+                <a:ext cx="87120" cy="97200"/>
+              </p14:xfrm>
+            </p:contentPart>
+          </mc:Choice>
+          <mc:Fallback>
+            <p:pic>
+              <p:nvPicPr>
+                <p:cNvPr id="184" name="잉크 183">
+                  <a:extLst>
+                    <a:ext uri="{FF2B5EF4-FFF2-40B4-BE49-F238E27FC236}">
+                      <a16:creationId xmlns:a16="http://schemas.microsoft.com/office/drawing/2014/main" id="{F3948F18-019E-CEC5-D43E-E1B80ED04C5C}"/>
+                    </a:ext>
+                  </a:extLst>
+                </p:cNvPr>
+                <p:cNvPicPr/>
+                <p:nvPr/>
+              </p:nvPicPr>
+              <p:blipFill>
+                <a:blip r:embed="rId39"/>
+                <a:stretch>
+                  <a:fillRect/>
+                </a:stretch>
+              </p:blipFill>
+              <p:spPr>
+                <a:xfrm>
+                  <a:off x="3688020" y="1124820"/>
+                  <a:ext cx="122760" cy="132840"/>
+                </a:xfrm>
+                <a:prstGeom prst="rect">
+                  <a:avLst/>
+                </a:prstGeom>
+              </p:spPr>
+            </p:pic>
+          </mc:Fallback>
+        </mc:AlternateContent>
+        <mc:AlternateContent xmlns:mc="http://schemas.openxmlformats.org/markup-compatibility/2006">
+          <mc:Choice xmlns:p14="http://schemas.microsoft.com/office/powerpoint/2010/main" Requires="p14">
+            <p:contentPart p14:bwMode="auto" r:id="rId40">
+              <p14:nvContentPartPr>
+                <p14:cNvPr id="186" name="잉크 185">
+                  <a:extLst>
+                    <a:ext uri="{FF2B5EF4-FFF2-40B4-BE49-F238E27FC236}">
+                      <a16:creationId xmlns:a16="http://schemas.microsoft.com/office/drawing/2014/main" id="{BC737CB0-0D60-6E68-4765-002C734E3969}"/>
+                    </a:ext>
+                  </a:extLst>
+                </p14:cNvPr>
+                <p14:cNvContentPartPr/>
+                <p14:nvPr/>
+              </p14:nvContentPartPr>
+              <p14:xfrm>
+                <a:off x="3916260" y="1234260"/>
+                <a:ext cx="307080" cy="44280"/>
+              </p14:xfrm>
+            </p:contentPart>
+          </mc:Choice>
+          <mc:Fallback>
+            <p:pic>
+              <p:nvPicPr>
+                <p:cNvPr id="186" name="잉크 185">
+                  <a:extLst>
+                    <a:ext uri="{FF2B5EF4-FFF2-40B4-BE49-F238E27FC236}">
+                      <a16:creationId xmlns:a16="http://schemas.microsoft.com/office/drawing/2014/main" id="{BC737CB0-0D60-6E68-4765-002C734E3969}"/>
+                    </a:ext>
+                  </a:extLst>
+                </p:cNvPr>
+                <p:cNvPicPr/>
+                <p:nvPr/>
+              </p:nvPicPr>
+              <p:blipFill>
+                <a:blip r:embed="rId41"/>
+                <a:stretch>
+                  <a:fillRect/>
+                </a:stretch>
+              </p:blipFill>
+              <p:spPr>
+                <a:xfrm>
+                  <a:off x="3898620" y="1216260"/>
+                  <a:ext cx="342720" cy="79920"/>
+                </a:xfrm>
+                <a:prstGeom prst="rect">
+                  <a:avLst/>
+                </a:prstGeom>
+              </p:spPr>
+            </p:pic>
+          </mc:Fallback>
+        </mc:AlternateContent>
+        <mc:AlternateContent xmlns:mc="http://schemas.openxmlformats.org/markup-compatibility/2006">
+          <mc:Choice xmlns:p14="http://schemas.microsoft.com/office/powerpoint/2010/main" Requires="p14">
+            <p:contentPart p14:bwMode="auto" r:id="rId42">
+              <p14:nvContentPartPr>
+                <p14:cNvPr id="187" name="잉크 186">
+                  <a:extLst>
+                    <a:ext uri="{FF2B5EF4-FFF2-40B4-BE49-F238E27FC236}">
+                      <a16:creationId xmlns:a16="http://schemas.microsoft.com/office/drawing/2014/main" id="{FCAE9CA7-0BD5-D5C5-F299-4E0359EABD93}"/>
+                    </a:ext>
+                  </a:extLst>
+                </p14:cNvPr>
+                <p14:cNvContentPartPr/>
+                <p14:nvPr/>
+              </p14:nvContentPartPr>
+              <p14:xfrm>
+                <a:off x="4199580" y="1219140"/>
+                <a:ext cx="101520" cy="122760"/>
+              </p14:xfrm>
+            </p:contentPart>
+          </mc:Choice>
+          <mc:Fallback>
+            <p:pic>
+              <p:nvPicPr>
+                <p:cNvPr id="187" name="잉크 186">
+                  <a:extLst>
+                    <a:ext uri="{FF2B5EF4-FFF2-40B4-BE49-F238E27FC236}">
+                      <a16:creationId xmlns:a16="http://schemas.microsoft.com/office/drawing/2014/main" id="{FCAE9CA7-0BD5-D5C5-F299-4E0359EABD93}"/>
+                    </a:ext>
+                  </a:extLst>
+                </p:cNvPr>
+                <p:cNvPicPr/>
+                <p:nvPr/>
+              </p:nvPicPr>
+              <p:blipFill>
+                <a:blip r:embed="rId43"/>
+                <a:stretch>
+                  <a:fillRect/>
+                </a:stretch>
+              </p:blipFill>
+              <p:spPr>
+                <a:xfrm>
+                  <a:off x="4181940" y="1201140"/>
+                  <a:ext cx="137160" cy="158400"/>
+                </a:xfrm>
+                <a:prstGeom prst="rect">
+                  <a:avLst/>
+                </a:prstGeom>
+              </p:spPr>
+            </p:pic>
+          </mc:Fallback>
+        </mc:AlternateContent>
+      </p:grpSp>
+      <p:grpSp>
+        <p:nvGrpSpPr>
+          <p:cNvPr id="190" name="그룹 189">
+            <a:extLst>
+              <a:ext uri="{FF2B5EF4-FFF2-40B4-BE49-F238E27FC236}">
+                <a16:creationId xmlns:a16="http://schemas.microsoft.com/office/drawing/2014/main" id="{E1065529-290E-05DF-CB6F-F1124EEC16D6}"/>
+              </a:ext>
+            </a:extLst>
+          </p:cNvPr>
+          <p:cNvGrpSpPr/>
+          <p:nvPr/>
+        </p:nvGrpSpPr>
+        <p:grpSpPr>
+          <a:xfrm>
+            <a:off x="3520260" y="2064660"/>
+            <a:ext cx="288360" cy="344880"/>
+            <a:chOff x="2148660" y="1622700"/>
+            <a:chExt cx="288360" cy="344880"/>
+          </a:xfrm>
+        </p:grpSpPr>
+        <mc:AlternateContent xmlns:mc="http://schemas.openxmlformats.org/markup-compatibility/2006">
+          <mc:Choice xmlns:p14="http://schemas.microsoft.com/office/powerpoint/2010/main" Requires="p14">
+            <p:contentPart p14:bwMode="auto" r:id="rId44">
+              <p14:nvContentPartPr>
+                <p14:cNvPr id="188" name="잉크 187">
+                  <a:extLst>
+                    <a:ext uri="{FF2B5EF4-FFF2-40B4-BE49-F238E27FC236}">
+                      <a16:creationId xmlns:a16="http://schemas.microsoft.com/office/drawing/2014/main" id="{76C81F46-AFDA-839C-F8E8-362839D83D6C}"/>
+                    </a:ext>
+                  </a:extLst>
+                </p14:cNvPr>
+                <p14:cNvContentPartPr/>
+                <p14:nvPr/>
+              </p14:nvContentPartPr>
+              <p14:xfrm>
+                <a:off x="2242620" y="1622700"/>
+                <a:ext cx="127440" cy="326880"/>
+              </p14:xfrm>
+            </p:contentPart>
+          </mc:Choice>
+          <mc:Fallback>
+            <p:pic>
+              <p:nvPicPr>
+                <p:cNvPr id="188" name="잉크 187">
+                  <a:extLst>
+                    <a:ext uri="{FF2B5EF4-FFF2-40B4-BE49-F238E27FC236}">
+                      <a16:creationId xmlns:a16="http://schemas.microsoft.com/office/drawing/2014/main" id="{76C81F46-AFDA-839C-F8E8-362839D83D6C}"/>
+                    </a:ext>
+                  </a:extLst>
+                </p:cNvPr>
+                <p:cNvPicPr/>
+                <p:nvPr/>
+              </p:nvPicPr>
+              <p:blipFill>
+                <a:blip r:embed="rId45"/>
+                <a:stretch>
+                  <a:fillRect/>
+                </a:stretch>
+              </p:blipFill>
+              <p:spPr>
+                <a:xfrm>
+                  <a:off x="2224620" y="1605060"/>
+                  <a:ext cx="163080" cy="362520"/>
+                </a:xfrm>
+                <a:prstGeom prst="rect">
+                  <a:avLst/>
+                </a:prstGeom>
+              </p:spPr>
+            </p:pic>
+          </mc:Fallback>
+        </mc:AlternateContent>
+        <mc:AlternateContent xmlns:mc="http://schemas.openxmlformats.org/markup-compatibility/2006">
+          <mc:Choice xmlns:p14="http://schemas.microsoft.com/office/powerpoint/2010/main" Requires="p14">
+            <p:contentPart p14:bwMode="auto" r:id="rId46">
+              <p14:nvContentPartPr>
+                <p14:cNvPr id="189" name="잉크 188">
+                  <a:extLst>
+                    <a:ext uri="{FF2B5EF4-FFF2-40B4-BE49-F238E27FC236}">
+                      <a16:creationId xmlns:a16="http://schemas.microsoft.com/office/drawing/2014/main" id="{C7DE5483-6D3C-2706-0CE4-F765B92A98E1}"/>
+                    </a:ext>
+                  </a:extLst>
+                </p14:cNvPr>
+                <p14:cNvContentPartPr/>
+                <p14:nvPr/>
+              </p14:nvContentPartPr>
+              <p14:xfrm>
+                <a:off x="2148660" y="1851660"/>
+                <a:ext cx="288360" cy="115920"/>
+              </p14:xfrm>
+            </p:contentPart>
+          </mc:Choice>
+          <mc:Fallback>
+            <p:pic>
+              <p:nvPicPr>
+                <p:cNvPr id="189" name="잉크 188">
+                  <a:extLst>
+                    <a:ext uri="{FF2B5EF4-FFF2-40B4-BE49-F238E27FC236}">
+                      <a16:creationId xmlns:a16="http://schemas.microsoft.com/office/drawing/2014/main" id="{C7DE5483-6D3C-2706-0CE4-F765B92A98E1}"/>
+                    </a:ext>
+                  </a:extLst>
+                </p:cNvPr>
+                <p:cNvPicPr/>
+                <p:nvPr/>
+              </p:nvPicPr>
+              <p:blipFill>
+                <a:blip r:embed="rId47"/>
+                <a:stretch>
+                  <a:fillRect/>
+                </a:stretch>
+              </p:blipFill>
+              <p:spPr>
+                <a:xfrm>
+                  <a:off x="2130660" y="1834020"/>
+                  <a:ext cx="324000" cy="151560"/>
+                </a:xfrm>
+                <a:prstGeom prst="rect">
+                  <a:avLst/>
+                </a:prstGeom>
+              </p:spPr>
+            </p:pic>
+          </mc:Fallback>
+        </mc:AlternateContent>
+      </p:grpSp>
+      <p:grpSp>
+        <p:nvGrpSpPr>
+          <p:cNvPr id="196" name="그룹 195">
+            <a:extLst>
+              <a:ext uri="{FF2B5EF4-FFF2-40B4-BE49-F238E27FC236}">
+                <a16:creationId xmlns:a16="http://schemas.microsoft.com/office/drawing/2014/main" id="{2994D92D-3D08-4F7B-94AE-A8300F126A7B}"/>
+              </a:ext>
+            </a:extLst>
+          </p:cNvPr>
+          <p:cNvGrpSpPr/>
+          <p:nvPr/>
+        </p:nvGrpSpPr>
+        <p:grpSpPr>
+          <a:xfrm>
+            <a:off x="1881900" y="1592100"/>
+            <a:ext cx="205920" cy="329040"/>
+            <a:chOff x="1881900" y="1592100"/>
+            <a:chExt cx="205920" cy="329040"/>
+          </a:xfrm>
+        </p:grpSpPr>
+        <mc:AlternateContent xmlns:mc="http://schemas.openxmlformats.org/markup-compatibility/2006">
+          <mc:Choice xmlns:p14="http://schemas.microsoft.com/office/powerpoint/2010/main" Requires="p14">
+            <p:contentPart p14:bwMode="auto" r:id="rId48">
+              <p14:nvContentPartPr>
+                <p14:cNvPr id="192" name="잉크 191">
+                  <a:extLst>
+                    <a:ext uri="{FF2B5EF4-FFF2-40B4-BE49-F238E27FC236}">
+                      <a16:creationId xmlns:a16="http://schemas.microsoft.com/office/drawing/2014/main" id="{02F4A912-7F64-867B-A759-E2062F885A77}"/>
+                    </a:ext>
+                  </a:extLst>
+                </p14:cNvPr>
+                <p14:cNvContentPartPr/>
+                <p14:nvPr/>
+              </p14:nvContentPartPr>
+              <p14:xfrm>
+                <a:off x="1881900" y="1592100"/>
+                <a:ext cx="3240" cy="47880"/>
+              </p14:xfrm>
+            </p:contentPart>
+          </mc:Choice>
+          <mc:Fallback>
+            <p:pic>
+              <p:nvPicPr>
+                <p:cNvPr id="192" name="잉크 191">
+                  <a:extLst>
+                    <a:ext uri="{FF2B5EF4-FFF2-40B4-BE49-F238E27FC236}">
+                      <a16:creationId xmlns:a16="http://schemas.microsoft.com/office/drawing/2014/main" id="{02F4A912-7F64-867B-A759-E2062F885A77}"/>
+                    </a:ext>
+                  </a:extLst>
+                </p:cNvPr>
+                <p:cNvPicPr/>
+                <p:nvPr/>
+              </p:nvPicPr>
+              <p:blipFill>
+                <a:blip r:embed="rId49"/>
+                <a:stretch>
+                  <a:fillRect/>
+                </a:stretch>
+              </p:blipFill>
+              <p:spPr>
+                <a:xfrm>
+                  <a:off x="1872900" y="1583460"/>
+                  <a:ext cx="20880" cy="65520"/>
+                </a:xfrm>
+                <a:prstGeom prst="rect">
+                  <a:avLst/>
+                </a:prstGeom>
+              </p:spPr>
+            </p:pic>
+          </mc:Fallback>
+        </mc:AlternateContent>
+        <mc:AlternateContent xmlns:mc="http://schemas.openxmlformats.org/markup-compatibility/2006">
+          <mc:Choice xmlns:p14="http://schemas.microsoft.com/office/powerpoint/2010/main" Requires="p14">
+            <p:contentPart p14:bwMode="auto" r:id="rId50">
+              <p14:nvContentPartPr>
+                <p14:cNvPr id="193" name="잉크 192">
+                  <a:extLst>
+                    <a:ext uri="{FF2B5EF4-FFF2-40B4-BE49-F238E27FC236}">
+                      <a16:creationId xmlns:a16="http://schemas.microsoft.com/office/drawing/2014/main" id="{25DC33FB-2155-28B3-0992-EE6AF931893F}"/>
+                    </a:ext>
+                  </a:extLst>
+                </p14:cNvPr>
+                <p14:cNvContentPartPr/>
+                <p14:nvPr/>
+              </p14:nvContentPartPr>
+              <p14:xfrm>
+                <a:off x="1882980" y="1774980"/>
+                <a:ext cx="21960" cy="92160"/>
+              </p14:xfrm>
+            </p:contentPart>
+          </mc:Choice>
+          <mc:Fallback>
+            <p:pic>
+              <p:nvPicPr>
+                <p:cNvPr id="193" name="잉크 192">
+                  <a:extLst>
+                    <a:ext uri="{FF2B5EF4-FFF2-40B4-BE49-F238E27FC236}">
+                      <a16:creationId xmlns:a16="http://schemas.microsoft.com/office/drawing/2014/main" id="{25DC33FB-2155-28B3-0992-EE6AF931893F}"/>
+                    </a:ext>
+                  </a:extLst>
+                </p:cNvPr>
+                <p:cNvPicPr/>
+                <p:nvPr/>
+              </p:nvPicPr>
+              <p:blipFill>
+                <a:blip r:embed="rId51"/>
+                <a:stretch>
+                  <a:fillRect/>
+                </a:stretch>
+              </p:blipFill>
+              <p:spPr>
+                <a:xfrm>
+                  <a:off x="1874340" y="1766340"/>
+                  <a:ext cx="39600" cy="109800"/>
+                </a:xfrm>
+                <a:prstGeom prst="rect">
+                  <a:avLst/>
+                </a:prstGeom>
+              </p:spPr>
+            </p:pic>
+          </mc:Fallback>
+        </mc:AlternateContent>
+        <mc:AlternateContent xmlns:mc="http://schemas.openxmlformats.org/markup-compatibility/2006">
+          <mc:Choice xmlns:p14="http://schemas.microsoft.com/office/powerpoint/2010/main" Requires="p14">
+            <p:contentPart p14:bwMode="auto" r:id="rId52">
+              <p14:nvContentPartPr>
+                <p14:cNvPr id="194" name="잉크 193">
+                  <a:extLst>
+                    <a:ext uri="{FF2B5EF4-FFF2-40B4-BE49-F238E27FC236}">
+                      <a16:creationId xmlns:a16="http://schemas.microsoft.com/office/drawing/2014/main" id="{457403A3-AC54-1E34-F79B-149129388888}"/>
+                    </a:ext>
+                  </a:extLst>
+                </p14:cNvPr>
+                <p14:cNvContentPartPr/>
+                <p14:nvPr/>
+              </p14:nvContentPartPr>
+              <p14:xfrm>
+                <a:off x="2010780" y="1600020"/>
+                <a:ext cx="77040" cy="321120"/>
+              </p14:xfrm>
+            </p:contentPart>
+          </mc:Choice>
+          <mc:Fallback>
+            <p:pic>
+              <p:nvPicPr>
+                <p:cNvPr id="194" name="잉크 193">
+                  <a:extLst>
+                    <a:ext uri="{FF2B5EF4-FFF2-40B4-BE49-F238E27FC236}">
+                      <a16:creationId xmlns:a16="http://schemas.microsoft.com/office/drawing/2014/main" id="{457403A3-AC54-1E34-F79B-149129388888}"/>
+                    </a:ext>
+                  </a:extLst>
+                </p:cNvPr>
+                <p:cNvPicPr/>
+                <p:nvPr/>
+              </p:nvPicPr>
+              <p:blipFill>
+                <a:blip r:embed="rId53"/>
+                <a:stretch>
+                  <a:fillRect/>
+                </a:stretch>
+              </p:blipFill>
+              <p:spPr>
+                <a:xfrm>
+                  <a:off x="2001780" y="1591020"/>
+                  <a:ext cx="94680" cy="338760"/>
+                </a:xfrm>
+                <a:prstGeom prst="rect">
+                  <a:avLst/>
+                </a:prstGeom>
+              </p:spPr>
+            </p:pic>
+          </mc:Fallback>
+        </mc:AlternateContent>
+        <mc:AlternateContent xmlns:mc="http://schemas.openxmlformats.org/markup-compatibility/2006">
+          <mc:Choice xmlns:p14="http://schemas.microsoft.com/office/powerpoint/2010/main" Requires="p14">
+            <p:contentPart p14:bwMode="auto" r:id="rId54">
+              <p14:nvContentPartPr>
+                <p14:cNvPr id="195" name="잉크 194">
+                  <a:extLst>
+                    <a:ext uri="{FF2B5EF4-FFF2-40B4-BE49-F238E27FC236}">
+                      <a16:creationId xmlns:a16="http://schemas.microsoft.com/office/drawing/2014/main" id="{67CA3A9E-410B-D0A6-70A9-589BFF8FBB2A}"/>
+                    </a:ext>
+                  </a:extLst>
+                </p14:cNvPr>
+                <p14:cNvContentPartPr/>
+                <p14:nvPr/>
+              </p14:nvContentPartPr>
+              <p14:xfrm>
+                <a:off x="1973340" y="1774980"/>
+                <a:ext cx="90720" cy="8640"/>
+              </p14:xfrm>
+            </p:contentPart>
+          </mc:Choice>
+          <mc:Fallback>
+            <p:pic>
+              <p:nvPicPr>
+                <p:cNvPr id="195" name="잉크 194">
+                  <a:extLst>
+                    <a:ext uri="{FF2B5EF4-FFF2-40B4-BE49-F238E27FC236}">
+                      <a16:creationId xmlns:a16="http://schemas.microsoft.com/office/drawing/2014/main" id="{67CA3A9E-410B-D0A6-70A9-589BFF8FBB2A}"/>
+                    </a:ext>
+                  </a:extLst>
+                </p:cNvPr>
+                <p:cNvPicPr/>
+                <p:nvPr/>
+              </p:nvPicPr>
+              <p:blipFill>
+                <a:blip r:embed="rId55"/>
+                <a:stretch>
+                  <a:fillRect/>
+                </a:stretch>
+              </p:blipFill>
+              <p:spPr>
+                <a:xfrm>
+                  <a:off x="1964340" y="1766340"/>
+                  <a:ext cx="108360" cy="26280"/>
+                </a:xfrm>
+                <a:prstGeom prst="rect">
+                  <a:avLst/>
+                </a:prstGeom>
+              </p:spPr>
+            </p:pic>
+          </mc:Fallback>
+        </mc:AlternateContent>
+      </p:grpSp>
+      <p:grpSp>
+        <p:nvGrpSpPr>
+          <p:cNvPr id="202" name="그룹 201">
+            <a:extLst>
+              <a:ext uri="{FF2B5EF4-FFF2-40B4-BE49-F238E27FC236}">
+                <a16:creationId xmlns:a16="http://schemas.microsoft.com/office/drawing/2014/main" id="{1837EA55-BB02-39E6-1912-AE7B933794F4}"/>
+              </a:ext>
+            </a:extLst>
+          </p:cNvPr>
+          <p:cNvGrpSpPr/>
+          <p:nvPr/>
+        </p:nvGrpSpPr>
+        <p:grpSpPr>
+          <a:xfrm>
+            <a:off x="2407860" y="1622700"/>
+            <a:ext cx="747720" cy="404640"/>
+            <a:chOff x="2407860" y="1622700"/>
+            <a:chExt cx="747720" cy="404640"/>
+          </a:xfrm>
+        </p:grpSpPr>
+        <mc:AlternateContent xmlns:mc="http://schemas.openxmlformats.org/markup-compatibility/2006">
+          <mc:Choice xmlns:p14="http://schemas.microsoft.com/office/powerpoint/2010/main" Requires="p14">
+            <p:contentPart p14:bwMode="auto" r:id="rId56">
+              <p14:nvContentPartPr>
+                <p14:cNvPr id="197" name="잉크 196">
+                  <a:extLst>
+                    <a:ext uri="{FF2B5EF4-FFF2-40B4-BE49-F238E27FC236}">
+                      <a16:creationId xmlns:a16="http://schemas.microsoft.com/office/drawing/2014/main" id="{984D46CF-1E76-EA50-8A9E-98B58C2AA491}"/>
+                    </a:ext>
+                  </a:extLst>
+                </p14:cNvPr>
+                <p14:cNvContentPartPr/>
+                <p14:nvPr/>
+              </p14:nvContentPartPr>
+              <p14:xfrm>
+                <a:off x="2415420" y="1622700"/>
+                <a:ext cx="16920" cy="281520"/>
+              </p14:xfrm>
+            </p:contentPart>
+          </mc:Choice>
+          <mc:Fallback>
+            <p:pic>
+              <p:nvPicPr>
+                <p:cNvPr id="197" name="잉크 196">
+                  <a:extLst>
+                    <a:ext uri="{FF2B5EF4-FFF2-40B4-BE49-F238E27FC236}">
+                      <a16:creationId xmlns:a16="http://schemas.microsoft.com/office/drawing/2014/main" id="{984D46CF-1E76-EA50-8A9E-98B58C2AA491}"/>
+                    </a:ext>
+                  </a:extLst>
+                </p:cNvPr>
+                <p:cNvPicPr/>
+                <p:nvPr/>
+              </p:nvPicPr>
+              <p:blipFill>
+                <a:blip r:embed="rId57"/>
+                <a:stretch>
+                  <a:fillRect/>
+                </a:stretch>
+              </p:blipFill>
+              <p:spPr>
+                <a:xfrm>
+                  <a:off x="2406420" y="1614060"/>
+                  <a:ext cx="34560" cy="299160"/>
+                </a:xfrm>
+                <a:prstGeom prst="rect">
+                  <a:avLst/>
+                </a:prstGeom>
+              </p:spPr>
+            </p:pic>
+          </mc:Fallback>
+        </mc:AlternateContent>
+        <mc:AlternateContent xmlns:mc="http://schemas.openxmlformats.org/markup-compatibility/2006">
+          <mc:Choice xmlns:p14="http://schemas.microsoft.com/office/powerpoint/2010/main" Requires="p14">
+            <p:contentPart p14:bwMode="auto" r:id="rId58">
+              <p14:nvContentPartPr>
+                <p14:cNvPr id="198" name="잉크 197">
+                  <a:extLst>
+                    <a:ext uri="{FF2B5EF4-FFF2-40B4-BE49-F238E27FC236}">
+                      <a16:creationId xmlns:a16="http://schemas.microsoft.com/office/drawing/2014/main" id="{3222915B-11AB-8FAA-E6B6-9D8C051C34A5}"/>
+                    </a:ext>
+                  </a:extLst>
+                </p14:cNvPr>
+                <p14:cNvContentPartPr/>
+                <p14:nvPr/>
+              </p14:nvContentPartPr>
+              <p14:xfrm>
+                <a:off x="2407860" y="1707300"/>
+                <a:ext cx="206640" cy="221040"/>
+              </p14:xfrm>
+            </p:contentPart>
+          </mc:Choice>
+          <mc:Fallback>
+            <p:pic>
+              <p:nvPicPr>
+                <p:cNvPr id="198" name="잉크 197">
+                  <a:extLst>
+                    <a:ext uri="{FF2B5EF4-FFF2-40B4-BE49-F238E27FC236}">
+                      <a16:creationId xmlns:a16="http://schemas.microsoft.com/office/drawing/2014/main" id="{3222915B-11AB-8FAA-E6B6-9D8C051C34A5}"/>
+                    </a:ext>
+                  </a:extLst>
+                </p:cNvPr>
+                <p:cNvPicPr/>
+                <p:nvPr/>
+              </p:nvPicPr>
+              <p:blipFill>
+                <a:blip r:embed="rId59"/>
+                <a:stretch>
+                  <a:fillRect/>
+                </a:stretch>
+              </p:blipFill>
+              <p:spPr>
+                <a:xfrm>
+                  <a:off x="2398860" y="1698660"/>
+                  <a:ext cx="224280" cy="238680"/>
+                </a:xfrm>
+                <a:prstGeom prst="rect">
+                  <a:avLst/>
+                </a:prstGeom>
+              </p:spPr>
+            </p:pic>
+          </mc:Fallback>
+        </mc:AlternateContent>
+        <mc:AlternateContent xmlns:mc="http://schemas.openxmlformats.org/markup-compatibility/2006">
+          <mc:Choice xmlns:p14="http://schemas.microsoft.com/office/powerpoint/2010/main" Requires="p14">
+            <p:contentPart p14:bwMode="auto" r:id="rId60">
+              <p14:nvContentPartPr>
+                <p14:cNvPr id="199" name="잉크 198">
+                  <a:extLst>
+                    <a:ext uri="{FF2B5EF4-FFF2-40B4-BE49-F238E27FC236}">
+                      <a16:creationId xmlns:a16="http://schemas.microsoft.com/office/drawing/2014/main" id="{FE062BBD-75E0-5015-E43E-E7C2FD7818AB}"/>
+                    </a:ext>
+                  </a:extLst>
+                </p14:cNvPr>
+                <p14:cNvContentPartPr/>
+                <p14:nvPr/>
+              </p14:nvContentPartPr>
+              <p14:xfrm>
+                <a:off x="2659140" y="1790460"/>
+                <a:ext cx="106200" cy="8280"/>
+              </p14:xfrm>
+            </p:contentPart>
+          </mc:Choice>
+          <mc:Fallback>
+            <p:pic>
+              <p:nvPicPr>
+                <p:cNvPr id="199" name="잉크 198">
+                  <a:extLst>
+                    <a:ext uri="{FF2B5EF4-FFF2-40B4-BE49-F238E27FC236}">
+                      <a16:creationId xmlns:a16="http://schemas.microsoft.com/office/drawing/2014/main" id="{FE062BBD-75E0-5015-E43E-E7C2FD7818AB}"/>
+                    </a:ext>
+                  </a:extLst>
+                </p:cNvPr>
+                <p:cNvPicPr/>
+                <p:nvPr/>
+              </p:nvPicPr>
+              <p:blipFill>
+                <a:blip r:embed="rId61"/>
+                <a:stretch>
+                  <a:fillRect/>
+                </a:stretch>
+              </p:blipFill>
+              <p:spPr>
+                <a:xfrm>
+                  <a:off x="2650500" y="1781460"/>
+                  <a:ext cx="123840" cy="25920"/>
+                </a:xfrm>
+                <a:prstGeom prst="rect">
+                  <a:avLst/>
+                </a:prstGeom>
+              </p:spPr>
+            </p:pic>
+          </mc:Fallback>
+        </mc:AlternateContent>
+        <mc:AlternateContent xmlns:mc="http://schemas.openxmlformats.org/markup-compatibility/2006">
+          <mc:Choice xmlns:p14="http://schemas.microsoft.com/office/powerpoint/2010/main" Requires="p14">
+            <p:contentPart p14:bwMode="auto" r:id="rId62">
+              <p14:nvContentPartPr>
+                <p14:cNvPr id="200" name="잉크 199">
+                  <a:extLst>
+                    <a:ext uri="{FF2B5EF4-FFF2-40B4-BE49-F238E27FC236}">
+                      <a16:creationId xmlns:a16="http://schemas.microsoft.com/office/drawing/2014/main" id="{9795813F-30AC-F59E-99AC-C918B263B610}"/>
+                    </a:ext>
+                  </a:extLst>
+                </p14:cNvPr>
+                <p14:cNvContentPartPr/>
+                <p14:nvPr/>
+              </p14:nvContentPartPr>
+              <p14:xfrm>
+                <a:off x="2689380" y="1858860"/>
+                <a:ext cx="182520" cy="38880"/>
+              </p14:xfrm>
+            </p:contentPart>
+          </mc:Choice>
+          <mc:Fallback>
+            <p:pic>
+              <p:nvPicPr>
+                <p:cNvPr id="200" name="잉크 199">
+                  <a:extLst>
+                    <a:ext uri="{FF2B5EF4-FFF2-40B4-BE49-F238E27FC236}">
+                      <a16:creationId xmlns:a16="http://schemas.microsoft.com/office/drawing/2014/main" id="{9795813F-30AC-F59E-99AC-C918B263B610}"/>
+                    </a:ext>
+                  </a:extLst>
+                </p:cNvPr>
+                <p:cNvPicPr/>
+                <p:nvPr/>
+              </p:nvPicPr>
+              <p:blipFill>
+                <a:blip r:embed="rId63"/>
+                <a:stretch>
+                  <a:fillRect/>
+                </a:stretch>
+              </p:blipFill>
+              <p:spPr>
+                <a:xfrm>
+                  <a:off x="2680740" y="1850220"/>
+                  <a:ext cx="200160" cy="56520"/>
+                </a:xfrm>
+                <a:prstGeom prst="rect">
+                  <a:avLst/>
+                </a:prstGeom>
+              </p:spPr>
+            </p:pic>
+          </mc:Fallback>
+        </mc:AlternateContent>
+        <mc:AlternateContent xmlns:mc="http://schemas.openxmlformats.org/markup-compatibility/2006">
+          <mc:Choice xmlns:p14="http://schemas.microsoft.com/office/powerpoint/2010/main" Requires="p14">
+            <p:contentPart p14:bwMode="auto" r:id="rId64">
+              <p14:nvContentPartPr>
+                <p14:cNvPr id="201" name="잉크 200">
+                  <a:extLst>
+                    <a:ext uri="{FF2B5EF4-FFF2-40B4-BE49-F238E27FC236}">
+                      <a16:creationId xmlns:a16="http://schemas.microsoft.com/office/drawing/2014/main" id="{A80FB329-2F58-2590-3F0F-B04990DFF1F7}"/>
+                    </a:ext>
+                  </a:extLst>
+                </p14:cNvPr>
+                <p14:cNvContentPartPr/>
+                <p14:nvPr/>
+              </p14:nvContentPartPr>
+              <p14:xfrm>
+                <a:off x="2941020" y="1690380"/>
+                <a:ext cx="214560" cy="336960"/>
+              </p14:xfrm>
+            </p:contentPart>
+          </mc:Choice>
+          <mc:Fallback>
+            <p:pic>
+              <p:nvPicPr>
+                <p:cNvPr id="201" name="잉크 200">
+                  <a:extLst>
+                    <a:ext uri="{FF2B5EF4-FFF2-40B4-BE49-F238E27FC236}">
+                      <a16:creationId xmlns:a16="http://schemas.microsoft.com/office/drawing/2014/main" id="{A80FB329-2F58-2590-3F0F-B04990DFF1F7}"/>
+                    </a:ext>
+                  </a:extLst>
+                </p:cNvPr>
+                <p:cNvPicPr/>
+                <p:nvPr/>
+              </p:nvPicPr>
+              <p:blipFill>
+                <a:blip r:embed="rId65"/>
+                <a:stretch>
+                  <a:fillRect/>
+                </a:stretch>
+              </p:blipFill>
+              <p:spPr>
+                <a:xfrm>
+                  <a:off x="2932020" y="1681740"/>
+                  <a:ext cx="232200" cy="354600"/>
+                </a:xfrm>
+                <a:prstGeom prst="rect">
+                  <a:avLst/>
+                </a:prstGeom>
+              </p:spPr>
+            </p:pic>
+          </mc:Fallback>
+        </mc:AlternateContent>
+      </p:grpSp>
+    </p:spTree>
+    <p:extLst>
+      <p:ext uri="{BB962C8B-B14F-4D97-AF65-F5344CB8AC3E}">
+        <p14:creationId xmlns:p14="http://schemas.microsoft.com/office/powerpoint/2010/main" val="3440471619"/>
       </p:ext>
     </p:extLst>
   </p:cSld>
@@ -21544,8 +24302,8 @@
             <a:chExt cx="1828080" cy="475200"/>
           </a:xfrm>
         </p:grpSpPr>
-        <mc:AlternateContent xmlns:mc="http://schemas.openxmlformats.org/markup-compatibility/2006">
-          <mc:Choice xmlns:p14="http://schemas.microsoft.com/office/powerpoint/2010/main" Requires="p14">
+        <mc:AlternateContent xmlns:mc="http://schemas.openxmlformats.org/markup-compatibility/2006" xmlns:p14="http://schemas.microsoft.com/office/powerpoint/2010/main">
+          <mc:Choice Requires="p14">
             <p:contentPart p14:bwMode="auto" r:id="rId2">
               <p14:nvContentPartPr>
                 <p14:cNvPr id="8" name="잉크 7">
@@ -21564,7 +24322,7 @@
               </p14:xfrm>
             </p:contentPart>
           </mc:Choice>
-          <mc:Fallback>
+          <mc:Fallback xmlns="">
             <p:pic>
               <p:nvPicPr>
                 <p:cNvPr id="8" name="잉크 7">
@@ -21595,8 +24353,8 @@
             </p:pic>
           </mc:Fallback>
         </mc:AlternateContent>
-        <mc:AlternateContent xmlns:mc="http://schemas.openxmlformats.org/markup-compatibility/2006">
-          <mc:Choice xmlns:p14="http://schemas.microsoft.com/office/powerpoint/2010/main" Requires="p14">
+        <mc:AlternateContent xmlns:mc="http://schemas.openxmlformats.org/markup-compatibility/2006" xmlns:p14="http://schemas.microsoft.com/office/powerpoint/2010/main">
+          <mc:Choice Requires="p14">
             <p:contentPart p14:bwMode="auto" r:id="rId4">
               <p14:nvContentPartPr>
                 <p14:cNvPr id="9" name="잉크 8">
@@ -21615,7 +24373,7 @@
               </p14:xfrm>
             </p:contentPart>
           </mc:Choice>
-          <mc:Fallback>
+          <mc:Fallback xmlns="">
             <p:pic>
               <p:nvPicPr>
                 <p:cNvPr id="9" name="잉크 8">
@@ -21646,8 +24404,8 @@
             </p:pic>
           </mc:Fallback>
         </mc:AlternateContent>
-        <mc:AlternateContent xmlns:mc="http://schemas.openxmlformats.org/markup-compatibility/2006">
-          <mc:Choice xmlns:p14="http://schemas.microsoft.com/office/powerpoint/2010/main" Requires="p14">
+        <mc:AlternateContent xmlns:mc="http://schemas.openxmlformats.org/markup-compatibility/2006" xmlns:p14="http://schemas.microsoft.com/office/powerpoint/2010/main">
+          <mc:Choice Requires="p14">
             <p:contentPart p14:bwMode="auto" r:id="rId6">
               <p14:nvContentPartPr>
                 <p14:cNvPr id="10" name="잉크 9">
@@ -21666,7 +24424,7 @@
               </p14:xfrm>
             </p:contentPart>
           </mc:Choice>
-          <mc:Fallback>
+          <mc:Fallback xmlns="">
             <p:pic>
               <p:nvPicPr>
                 <p:cNvPr id="10" name="잉크 9">
@@ -21697,8 +24455,8 @@
             </p:pic>
           </mc:Fallback>
         </mc:AlternateContent>
-        <mc:AlternateContent xmlns:mc="http://schemas.openxmlformats.org/markup-compatibility/2006">
-          <mc:Choice xmlns:p14="http://schemas.microsoft.com/office/powerpoint/2010/main" Requires="p14">
+        <mc:AlternateContent xmlns:mc="http://schemas.openxmlformats.org/markup-compatibility/2006" xmlns:p14="http://schemas.microsoft.com/office/powerpoint/2010/main">
+          <mc:Choice Requires="p14">
             <p:contentPart p14:bwMode="auto" r:id="rId8">
               <p14:nvContentPartPr>
                 <p14:cNvPr id="11" name="잉크 10">
@@ -21717,7 +24475,7 @@
               </p14:xfrm>
             </p:contentPart>
           </mc:Choice>
-          <mc:Fallback>
+          <mc:Fallback xmlns="">
             <p:pic>
               <p:nvPicPr>
                 <p:cNvPr id="11" name="잉크 10">
@@ -21748,8 +24506,8 @@
             </p:pic>
           </mc:Fallback>
         </mc:AlternateContent>
-        <mc:AlternateContent xmlns:mc="http://schemas.openxmlformats.org/markup-compatibility/2006">
-          <mc:Choice xmlns:p14="http://schemas.microsoft.com/office/powerpoint/2010/main" Requires="p14">
+        <mc:AlternateContent xmlns:mc="http://schemas.openxmlformats.org/markup-compatibility/2006" xmlns:p14="http://schemas.microsoft.com/office/powerpoint/2010/main">
+          <mc:Choice Requires="p14">
             <p:contentPart p14:bwMode="auto" r:id="rId10">
               <p14:nvContentPartPr>
                 <p14:cNvPr id="13" name="잉크 12">
@@ -21768,7 +24526,7 @@
               </p14:xfrm>
             </p:contentPart>
           </mc:Choice>
-          <mc:Fallback>
+          <mc:Fallback xmlns="">
             <p:pic>
               <p:nvPicPr>
                 <p:cNvPr id="13" name="잉크 12">
@@ -21799,8 +24557,8 @@
             </p:pic>
           </mc:Fallback>
         </mc:AlternateContent>
-        <mc:AlternateContent xmlns:mc="http://schemas.openxmlformats.org/markup-compatibility/2006">
-          <mc:Choice xmlns:p14="http://schemas.microsoft.com/office/powerpoint/2010/main" Requires="p14">
+        <mc:AlternateContent xmlns:mc="http://schemas.openxmlformats.org/markup-compatibility/2006" xmlns:p14="http://schemas.microsoft.com/office/powerpoint/2010/main">
+          <mc:Choice Requires="p14">
             <p:contentPart p14:bwMode="auto" r:id="rId12">
               <p14:nvContentPartPr>
                 <p14:cNvPr id="14" name="잉크 13">
@@ -21819,7 +24577,7 @@
               </p14:xfrm>
             </p:contentPart>
           </mc:Choice>
-          <mc:Fallback>
+          <mc:Fallback xmlns="">
             <p:pic>
               <p:nvPicPr>
                 <p:cNvPr id="14" name="잉크 13">
@@ -21850,8 +24608,8 @@
             </p:pic>
           </mc:Fallback>
         </mc:AlternateContent>
-        <mc:AlternateContent xmlns:mc="http://schemas.openxmlformats.org/markup-compatibility/2006">
-          <mc:Choice xmlns:p14="http://schemas.microsoft.com/office/powerpoint/2010/main" Requires="p14">
+        <mc:AlternateContent xmlns:mc="http://schemas.openxmlformats.org/markup-compatibility/2006" xmlns:p14="http://schemas.microsoft.com/office/powerpoint/2010/main">
+          <mc:Choice Requires="p14">
             <p:contentPart p14:bwMode="auto" r:id="rId14">
               <p14:nvContentPartPr>
                 <p14:cNvPr id="15" name="잉크 14">
@@ -21870,7 +24628,7 @@
               </p14:xfrm>
             </p:contentPart>
           </mc:Choice>
-          <mc:Fallback>
+          <mc:Fallback xmlns="">
             <p:pic>
               <p:nvPicPr>
                 <p:cNvPr id="15" name="잉크 14">
@@ -21901,8 +24659,8 @@
             </p:pic>
           </mc:Fallback>
         </mc:AlternateContent>
-        <mc:AlternateContent xmlns:mc="http://schemas.openxmlformats.org/markup-compatibility/2006">
-          <mc:Choice xmlns:p14="http://schemas.microsoft.com/office/powerpoint/2010/main" Requires="p14">
+        <mc:AlternateContent xmlns:mc="http://schemas.openxmlformats.org/markup-compatibility/2006" xmlns:p14="http://schemas.microsoft.com/office/powerpoint/2010/main">
+          <mc:Choice Requires="p14">
             <p:contentPart p14:bwMode="auto" r:id="rId16">
               <p14:nvContentPartPr>
                 <p14:cNvPr id="17" name="잉크 16">
@@ -21921,7 +24679,7 @@
               </p14:xfrm>
             </p:contentPart>
           </mc:Choice>
-          <mc:Fallback>
+          <mc:Fallback xmlns="">
             <p:pic>
               <p:nvPicPr>
                 <p:cNvPr id="17" name="잉크 16">
@@ -21952,8 +24710,8 @@
             </p:pic>
           </mc:Fallback>
         </mc:AlternateContent>
-        <mc:AlternateContent xmlns:mc="http://schemas.openxmlformats.org/markup-compatibility/2006">
-          <mc:Choice xmlns:p14="http://schemas.microsoft.com/office/powerpoint/2010/main" Requires="p14">
+        <mc:AlternateContent xmlns:mc="http://schemas.openxmlformats.org/markup-compatibility/2006" xmlns:p14="http://schemas.microsoft.com/office/powerpoint/2010/main">
+          <mc:Choice Requires="p14">
             <p:contentPart p14:bwMode="auto" r:id="rId18">
               <p14:nvContentPartPr>
                 <p14:cNvPr id="18" name="잉크 17">
@@ -21972,7 +24730,7 @@
               </p14:xfrm>
             </p:contentPart>
           </mc:Choice>
-          <mc:Fallback>
+          <mc:Fallback xmlns="">
             <p:pic>
               <p:nvPicPr>
                 <p:cNvPr id="18" name="잉크 17">
@@ -22003,8 +24761,8 @@
             </p:pic>
           </mc:Fallback>
         </mc:AlternateContent>
-        <mc:AlternateContent xmlns:mc="http://schemas.openxmlformats.org/markup-compatibility/2006">
-          <mc:Choice xmlns:p14="http://schemas.microsoft.com/office/powerpoint/2010/main" Requires="p14">
+        <mc:AlternateContent xmlns:mc="http://schemas.openxmlformats.org/markup-compatibility/2006" xmlns:p14="http://schemas.microsoft.com/office/powerpoint/2010/main">
+          <mc:Choice Requires="p14">
             <p:contentPart p14:bwMode="auto" r:id="rId20">
               <p14:nvContentPartPr>
                 <p14:cNvPr id="19" name="잉크 18">
@@ -22023,7 +24781,7 @@
               </p14:xfrm>
             </p:contentPart>
           </mc:Choice>
-          <mc:Fallback>
+          <mc:Fallback xmlns="">
             <p:pic>
               <p:nvPicPr>
                 <p:cNvPr id="19" name="잉크 18">
@@ -22055,8 +24813,8 @@
           </mc:Fallback>
         </mc:AlternateContent>
       </p:grpSp>
-      <mc:AlternateContent xmlns:mc="http://schemas.openxmlformats.org/markup-compatibility/2006">
-        <mc:Choice xmlns:p14="http://schemas.microsoft.com/office/powerpoint/2010/main" Requires="p14">
+      <mc:AlternateContent xmlns:mc="http://schemas.openxmlformats.org/markup-compatibility/2006" xmlns:p14="http://schemas.microsoft.com/office/powerpoint/2010/main">
+        <mc:Choice Requires="p14">
           <p:contentPart p14:bwMode="auto" r:id="rId22">
             <p14:nvContentPartPr>
               <p14:cNvPr id="27" name="잉크 26">
@@ -22075,7 +24833,7 @@
             </p14:xfrm>
           </p:contentPart>
         </mc:Choice>
-        <mc:Fallback>
+        <mc:Fallback xmlns="">
           <p:pic>
             <p:nvPicPr>
               <p:cNvPr id="27" name="잉크 26">
@@ -22106,8 +24864,8 @@
           </p:pic>
         </mc:Fallback>
       </mc:AlternateContent>
-      <mc:AlternateContent xmlns:mc="http://schemas.openxmlformats.org/markup-compatibility/2006">
-        <mc:Choice xmlns:p14="http://schemas.microsoft.com/office/powerpoint/2010/main" Requires="p14">
+      <mc:AlternateContent xmlns:mc="http://schemas.openxmlformats.org/markup-compatibility/2006" xmlns:p14="http://schemas.microsoft.com/office/powerpoint/2010/main">
+        <mc:Choice Requires="p14">
           <p:contentPart p14:bwMode="auto" r:id="rId24">
             <p14:nvContentPartPr>
               <p14:cNvPr id="28" name="잉크 27">
@@ -22126,7 +24884,7 @@
             </p14:xfrm>
           </p:contentPart>
         </mc:Choice>
-        <mc:Fallback>
+        <mc:Fallback xmlns="">
           <p:pic>
             <p:nvPicPr>
               <p:cNvPr id="28" name="잉크 27">
@@ -22177,8 +24935,8 @@
             <a:chExt cx="232200" cy="348120"/>
           </a:xfrm>
         </p:grpSpPr>
-        <mc:AlternateContent xmlns:mc="http://schemas.openxmlformats.org/markup-compatibility/2006">
-          <mc:Choice xmlns:p14="http://schemas.microsoft.com/office/powerpoint/2010/main" Requires="p14">
+        <mc:AlternateContent xmlns:mc="http://schemas.openxmlformats.org/markup-compatibility/2006" xmlns:p14="http://schemas.microsoft.com/office/powerpoint/2010/main">
+          <mc:Choice Requires="p14">
             <p:contentPart p14:bwMode="auto" r:id="rId26">
               <p14:nvContentPartPr>
                 <p14:cNvPr id="29" name="잉크 28">
@@ -22197,7 +24955,7 @@
               </p14:xfrm>
             </p:contentPart>
           </mc:Choice>
-          <mc:Fallback>
+          <mc:Fallback xmlns="">
             <p:pic>
               <p:nvPicPr>
                 <p:cNvPr id="29" name="잉크 28">
@@ -22228,8 +24986,8 @@
             </p:pic>
           </mc:Fallback>
         </mc:AlternateContent>
-        <mc:AlternateContent xmlns:mc="http://schemas.openxmlformats.org/markup-compatibility/2006">
-          <mc:Choice xmlns:p14="http://schemas.microsoft.com/office/powerpoint/2010/main" Requires="p14">
+        <mc:AlternateContent xmlns:mc="http://schemas.openxmlformats.org/markup-compatibility/2006" xmlns:p14="http://schemas.microsoft.com/office/powerpoint/2010/main">
+          <mc:Choice Requires="p14">
             <p:contentPart p14:bwMode="auto" r:id="rId28">
               <p14:nvContentPartPr>
                 <p14:cNvPr id="30" name="잉크 29">
@@ -22248,7 +25006,7 @@
               </p14:xfrm>
             </p:contentPart>
           </mc:Choice>
-          <mc:Fallback>
+          <mc:Fallback xmlns="">
             <p:pic>
               <p:nvPicPr>
                 <p:cNvPr id="30" name="잉크 29">
@@ -22280,8 +25038,8 @@
           </mc:Fallback>
         </mc:AlternateContent>
       </p:grpSp>
-      <mc:AlternateContent xmlns:mc="http://schemas.openxmlformats.org/markup-compatibility/2006">
-        <mc:Choice xmlns:p14="http://schemas.microsoft.com/office/powerpoint/2010/main" Requires="p14">
+      <mc:AlternateContent xmlns:mc="http://schemas.openxmlformats.org/markup-compatibility/2006" xmlns:p14="http://schemas.microsoft.com/office/powerpoint/2010/main">
+        <mc:Choice Requires="p14">
           <p:contentPart p14:bwMode="auto" r:id="rId30">
             <p14:nvContentPartPr>
               <p14:cNvPr id="32" name="잉크 31">
@@ -22300,7 +25058,7 @@
             </p14:xfrm>
           </p:contentPart>
         </mc:Choice>
-        <mc:Fallback>
+        <mc:Fallback xmlns="">
           <p:pic>
             <p:nvPicPr>
               <p:cNvPr id="32" name="잉크 31">
@@ -22351,8 +25109,8 @@
             <a:chExt cx="300240" cy="366120"/>
           </a:xfrm>
         </p:grpSpPr>
-        <mc:AlternateContent xmlns:mc="http://schemas.openxmlformats.org/markup-compatibility/2006">
-          <mc:Choice xmlns:p14="http://schemas.microsoft.com/office/powerpoint/2010/main" Requires="p14">
+        <mc:AlternateContent xmlns:mc="http://schemas.openxmlformats.org/markup-compatibility/2006" xmlns:p14="http://schemas.microsoft.com/office/powerpoint/2010/main">
+          <mc:Choice Requires="p14">
             <p:contentPart p14:bwMode="auto" r:id="rId32">
               <p14:nvContentPartPr>
                 <p14:cNvPr id="35" name="잉크 34">
@@ -22371,7 +25129,7 @@
               </p14:xfrm>
             </p:contentPart>
           </mc:Choice>
-          <mc:Fallback>
+          <mc:Fallback xmlns="">
             <p:pic>
               <p:nvPicPr>
                 <p:cNvPr id="35" name="잉크 34">
@@ -22402,8 +25160,8 @@
             </p:pic>
           </mc:Fallback>
         </mc:AlternateContent>
-        <mc:AlternateContent xmlns:mc="http://schemas.openxmlformats.org/markup-compatibility/2006">
-          <mc:Choice xmlns:p14="http://schemas.microsoft.com/office/powerpoint/2010/main" Requires="p14">
+        <mc:AlternateContent xmlns:mc="http://schemas.openxmlformats.org/markup-compatibility/2006" xmlns:p14="http://schemas.microsoft.com/office/powerpoint/2010/main">
+          <mc:Choice Requires="p14">
             <p:contentPart p14:bwMode="auto" r:id="rId34">
               <p14:nvContentPartPr>
                 <p14:cNvPr id="36" name="잉크 35">
@@ -22422,7 +25180,7 @@
               </p14:xfrm>
             </p:contentPart>
           </mc:Choice>
-          <mc:Fallback>
+          <mc:Fallback xmlns="">
             <p:pic>
               <p:nvPicPr>
                 <p:cNvPr id="36" name="잉크 35">
@@ -22474,8 +25232,8 @@
             <a:chExt cx="804240" cy="391320"/>
           </a:xfrm>
         </p:grpSpPr>
-        <mc:AlternateContent xmlns:mc="http://schemas.openxmlformats.org/markup-compatibility/2006">
-          <mc:Choice xmlns:p14="http://schemas.microsoft.com/office/powerpoint/2010/main" Requires="p14">
+        <mc:AlternateContent xmlns:mc="http://schemas.openxmlformats.org/markup-compatibility/2006" xmlns:p14="http://schemas.microsoft.com/office/powerpoint/2010/main">
+          <mc:Choice Requires="p14">
             <p:contentPart p14:bwMode="auto" r:id="rId36">
               <p14:nvContentPartPr>
                 <p14:cNvPr id="38" name="잉크 37">
@@ -22494,7 +25252,7 @@
               </p14:xfrm>
             </p:contentPart>
           </mc:Choice>
-          <mc:Fallback>
+          <mc:Fallback xmlns="">
             <p:pic>
               <p:nvPicPr>
                 <p:cNvPr id="38" name="잉크 37">
@@ -22525,8 +25283,8 @@
             </p:pic>
           </mc:Fallback>
         </mc:AlternateContent>
-        <mc:AlternateContent xmlns:mc="http://schemas.openxmlformats.org/markup-compatibility/2006">
-          <mc:Choice xmlns:p14="http://schemas.microsoft.com/office/powerpoint/2010/main" Requires="p14">
+        <mc:AlternateContent xmlns:mc="http://schemas.openxmlformats.org/markup-compatibility/2006" xmlns:p14="http://schemas.microsoft.com/office/powerpoint/2010/main">
+          <mc:Choice Requires="p14">
             <p:contentPart p14:bwMode="auto" r:id="rId38">
               <p14:nvContentPartPr>
                 <p14:cNvPr id="39" name="잉크 38">
@@ -22545,7 +25303,7 @@
               </p14:xfrm>
             </p:contentPart>
           </mc:Choice>
-          <mc:Fallback>
+          <mc:Fallback xmlns="">
             <p:pic>
               <p:nvPicPr>
                 <p:cNvPr id="39" name="잉크 38">
@@ -22576,8 +25334,8 @@
             </p:pic>
           </mc:Fallback>
         </mc:AlternateContent>
-        <mc:AlternateContent xmlns:mc="http://schemas.openxmlformats.org/markup-compatibility/2006">
-          <mc:Choice xmlns:p14="http://schemas.microsoft.com/office/powerpoint/2010/main" Requires="p14">
+        <mc:AlternateContent xmlns:mc="http://schemas.openxmlformats.org/markup-compatibility/2006" xmlns:p14="http://schemas.microsoft.com/office/powerpoint/2010/main">
+          <mc:Choice Requires="p14">
             <p:contentPart p14:bwMode="auto" r:id="rId40">
               <p14:nvContentPartPr>
                 <p14:cNvPr id="40" name="잉크 39">
@@ -22596,7 +25354,7 @@
               </p14:xfrm>
             </p:contentPart>
           </mc:Choice>
-          <mc:Fallback>
+          <mc:Fallback xmlns="">
             <p:pic>
               <p:nvPicPr>
                 <p:cNvPr id="40" name="잉크 39">
@@ -22627,8 +25385,8 @@
             </p:pic>
           </mc:Fallback>
         </mc:AlternateContent>
-        <mc:AlternateContent xmlns:mc="http://schemas.openxmlformats.org/markup-compatibility/2006">
-          <mc:Choice xmlns:p14="http://schemas.microsoft.com/office/powerpoint/2010/main" Requires="p14">
+        <mc:AlternateContent xmlns:mc="http://schemas.openxmlformats.org/markup-compatibility/2006" xmlns:p14="http://schemas.microsoft.com/office/powerpoint/2010/main">
+          <mc:Choice Requires="p14">
             <p:contentPart p14:bwMode="auto" r:id="rId42">
               <p14:nvContentPartPr>
                 <p14:cNvPr id="43" name="잉크 42">
@@ -22647,7 +25405,7 @@
               </p14:xfrm>
             </p:contentPart>
           </mc:Choice>
-          <mc:Fallback>
+          <mc:Fallback xmlns="">
             <p:pic>
               <p:nvPicPr>
                 <p:cNvPr id="43" name="잉크 42">
@@ -22678,8 +25436,8 @@
             </p:pic>
           </mc:Fallback>
         </mc:AlternateContent>
-        <mc:AlternateContent xmlns:mc="http://schemas.openxmlformats.org/markup-compatibility/2006">
-          <mc:Choice xmlns:p14="http://schemas.microsoft.com/office/powerpoint/2010/main" Requires="p14">
+        <mc:AlternateContent xmlns:mc="http://schemas.openxmlformats.org/markup-compatibility/2006" xmlns:p14="http://schemas.microsoft.com/office/powerpoint/2010/main">
+          <mc:Choice Requires="p14">
             <p:contentPart p14:bwMode="auto" r:id="rId44">
               <p14:nvContentPartPr>
                 <p14:cNvPr id="44" name="잉크 43">
@@ -22698,7 +25456,7 @@
               </p14:xfrm>
             </p:contentPart>
           </mc:Choice>
-          <mc:Fallback>
+          <mc:Fallback xmlns="">
             <p:pic>
               <p:nvPicPr>
                 <p:cNvPr id="44" name="잉크 43">
@@ -22730,8 +25488,8 @@
           </mc:Fallback>
         </mc:AlternateContent>
       </p:grpSp>
-      <mc:AlternateContent xmlns:mc="http://schemas.openxmlformats.org/markup-compatibility/2006">
-        <mc:Choice xmlns:p14="http://schemas.microsoft.com/office/powerpoint/2010/main" Requires="p14">
+      <mc:AlternateContent xmlns:mc="http://schemas.openxmlformats.org/markup-compatibility/2006" xmlns:p14="http://schemas.microsoft.com/office/powerpoint/2010/main">
+        <mc:Choice Requires="p14">
           <p:contentPart p14:bwMode="auto" r:id="rId46">
             <p14:nvContentPartPr>
               <p14:cNvPr id="46" name="잉크 45">
@@ -22750,7 +25508,7 @@
             </p14:xfrm>
           </p:contentPart>
         </mc:Choice>
-        <mc:Fallback>
+        <mc:Fallback xmlns="">
           <p:pic>
             <p:nvPicPr>
               <p:cNvPr id="46" name="잉크 45">
@@ -22781,8 +25539,8 @@
           </p:pic>
         </mc:Fallback>
       </mc:AlternateContent>
-      <mc:AlternateContent xmlns:mc="http://schemas.openxmlformats.org/markup-compatibility/2006">
-        <mc:Choice xmlns:p14="http://schemas.microsoft.com/office/powerpoint/2010/main" Requires="p14">
+      <mc:AlternateContent xmlns:mc="http://schemas.openxmlformats.org/markup-compatibility/2006" xmlns:p14="http://schemas.microsoft.com/office/powerpoint/2010/main">
+        <mc:Choice Requires="p14">
           <p:contentPart p14:bwMode="auto" r:id="rId48">
             <p14:nvContentPartPr>
               <p14:cNvPr id="47" name="잉크 46">
@@ -22801,7 +25559,7 @@
             </p14:xfrm>
           </p:contentPart>
         </mc:Choice>
-        <mc:Fallback>
+        <mc:Fallback xmlns="">
           <p:pic>
             <p:nvPicPr>
               <p:cNvPr id="47" name="잉크 46">
@@ -22852,8 +25610,8 @@
             <a:chExt cx="847080" cy="553320"/>
           </a:xfrm>
         </p:grpSpPr>
-        <mc:AlternateContent xmlns:mc="http://schemas.openxmlformats.org/markup-compatibility/2006">
-          <mc:Choice xmlns:p14="http://schemas.microsoft.com/office/powerpoint/2010/main" Requires="p14">
+        <mc:AlternateContent xmlns:mc="http://schemas.openxmlformats.org/markup-compatibility/2006" xmlns:p14="http://schemas.microsoft.com/office/powerpoint/2010/main">
+          <mc:Choice Requires="p14">
             <p:contentPart p14:bwMode="auto" r:id="rId50">
               <p14:nvContentPartPr>
                 <p14:cNvPr id="48" name="잉크 47">
@@ -22872,7 +25630,7 @@
               </p14:xfrm>
             </p:contentPart>
           </mc:Choice>
-          <mc:Fallback>
+          <mc:Fallback xmlns="">
             <p:pic>
               <p:nvPicPr>
                 <p:cNvPr id="48" name="잉크 47">
@@ -22903,8 +25661,8 @@
             </p:pic>
           </mc:Fallback>
         </mc:AlternateContent>
-        <mc:AlternateContent xmlns:mc="http://schemas.openxmlformats.org/markup-compatibility/2006">
-          <mc:Choice xmlns:p14="http://schemas.microsoft.com/office/powerpoint/2010/main" Requires="p14">
+        <mc:AlternateContent xmlns:mc="http://schemas.openxmlformats.org/markup-compatibility/2006" xmlns:p14="http://schemas.microsoft.com/office/powerpoint/2010/main">
+          <mc:Choice Requires="p14">
             <p:contentPart p14:bwMode="auto" r:id="rId52">
               <p14:nvContentPartPr>
                 <p14:cNvPr id="49" name="잉크 48">
@@ -22923,7 +25681,7 @@
               </p14:xfrm>
             </p:contentPart>
           </mc:Choice>
-          <mc:Fallback>
+          <mc:Fallback xmlns="">
             <p:pic>
               <p:nvPicPr>
                 <p:cNvPr id="49" name="잉크 48">
@@ -22954,8 +25712,8 @@
             </p:pic>
           </mc:Fallback>
         </mc:AlternateContent>
-        <mc:AlternateContent xmlns:mc="http://schemas.openxmlformats.org/markup-compatibility/2006">
-          <mc:Choice xmlns:p14="http://schemas.microsoft.com/office/powerpoint/2010/main" Requires="p14">
+        <mc:AlternateContent xmlns:mc="http://schemas.openxmlformats.org/markup-compatibility/2006" xmlns:p14="http://schemas.microsoft.com/office/powerpoint/2010/main">
+          <mc:Choice Requires="p14">
             <p:contentPart p14:bwMode="auto" r:id="rId54">
               <p14:nvContentPartPr>
                 <p14:cNvPr id="54" name="잉크 53">
@@ -22974,7 +25732,7 @@
               </p14:xfrm>
             </p:contentPart>
           </mc:Choice>
-          <mc:Fallback>
+          <mc:Fallback xmlns="">
             <p:pic>
               <p:nvPicPr>
                 <p:cNvPr id="54" name="잉크 53">
@@ -23005,8 +25763,8 @@
             </p:pic>
           </mc:Fallback>
         </mc:AlternateContent>
-        <mc:AlternateContent xmlns:mc="http://schemas.openxmlformats.org/markup-compatibility/2006">
-          <mc:Choice xmlns:p14="http://schemas.microsoft.com/office/powerpoint/2010/main" Requires="p14">
+        <mc:AlternateContent xmlns:mc="http://schemas.openxmlformats.org/markup-compatibility/2006" xmlns:p14="http://schemas.microsoft.com/office/powerpoint/2010/main">
+          <mc:Choice Requires="p14">
             <p:contentPart p14:bwMode="auto" r:id="rId56">
               <p14:nvContentPartPr>
                 <p14:cNvPr id="78" name="잉크 77">
@@ -23025,7 +25783,7 @@
               </p14:xfrm>
             </p:contentPart>
           </mc:Choice>
-          <mc:Fallback>
+          <mc:Fallback xmlns="">
             <p:pic>
               <p:nvPicPr>
                 <p:cNvPr id="78" name="잉크 77">
@@ -23056,8 +25814,8 @@
             </p:pic>
           </mc:Fallback>
         </mc:AlternateContent>
-        <mc:AlternateContent xmlns:mc="http://schemas.openxmlformats.org/markup-compatibility/2006">
-          <mc:Choice xmlns:p14="http://schemas.microsoft.com/office/powerpoint/2010/main" Requires="p14">
+        <mc:AlternateContent xmlns:mc="http://schemas.openxmlformats.org/markup-compatibility/2006" xmlns:p14="http://schemas.microsoft.com/office/powerpoint/2010/main">
+          <mc:Choice Requires="p14">
             <p:contentPart p14:bwMode="auto" r:id="rId58">
               <p14:nvContentPartPr>
                 <p14:cNvPr id="85" name="잉크 84">
@@ -23076,7 +25834,7 @@
               </p14:xfrm>
             </p:contentPart>
           </mc:Choice>
-          <mc:Fallback>
+          <mc:Fallback xmlns="">
             <p:pic>
               <p:nvPicPr>
                 <p:cNvPr id="85" name="잉크 84">
@@ -23128,8 +25886,8 @@
             <a:chExt cx="734400" cy="500400"/>
           </a:xfrm>
         </p:grpSpPr>
-        <mc:AlternateContent xmlns:mc="http://schemas.openxmlformats.org/markup-compatibility/2006">
-          <mc:Choice xmlns:p14="http://schemas.microsoft.com/office/powerpoint/2010/main" Requires="p14">
+        <mc:AlternateContent xmlns:mc="http://schemas.openxmlformats.org/markup-compatibility/2006" xmlns:p14="http://schemas.microsoft.com/office/powerpoint/2010/main">
+          <mc:Choice Requires="p14">
             <p:contentPart p14:bwMode="auto" r:id="rId60">
               <p14:nvContentPartPr>
                 <p14:cNvPr id="89" name="잉크 88">
@@ -23148,7 +25906,7 @@
               </p14:xfrm>
             </p:contentPart>
           </mc:Choice>
-          <mc:Fallback>
+          <mc:Fallback xmlns="">
             <p:pic>
               <p:nvPicPr>
                 <p:cNvPr id="89" name="잉크 88">
@@ -23179,8 +25937,8 @@
             </p:pic>
           </mc:Fallback>
         </mc:AlternateContent>
-        <mc:AlternateContent xmlns:mc="http://schemas.openxmlformats.org/markup-compatibility/2006">
-          <mc:Choice xmlns:p14="http://schemas.microsoft.com/office/powerpoint/2010/main" Requires="p14">
+        <mc:AlternateContent xmlns:mc="http://schemas.openxmlformats.org/markup-compatibility/2006" xmlns:p14="http://schemas.microsoft.com/office/powerpoint/2010/main">
+          <mc:Choice Requires="p14">
             <p:contentPart p14:bwMode="auto" r:id="rId62">
               <p14:nvContentPartPr>
                 <p14:cNvPr id="91" name="잉크 90">
@@ -23199,7 +25957,7 @@
               </p14:xfrm>
             </p:contentPart>
           </mc:Choice>
-          <mc:Fallback>
+          <mc:Fallback xmlns="">
             <p:pic>
               <p:nvPicPr>
                 <p:cNvPr id="91" name="잉크 90">
@@ -23230,8 +25988,8 @@
             </p:pic>
           </mc:Fallback>
         </mc:AlternateContent>
-        <mc:AlternateContent xmlns:mc="http://schemas.openxmlformats.org/markup-compatibility/2006">
-          <mc:Choice xmlns:p14="http://schemas.microsoft.com/office/powerpoint/2010/main" Requires="p14">
+        <mc:AlternateContent xmlns:mc="http://schemas.openxmlformats.org/markup-compatibility/2006" xmlns:p14="http://schemas.microsoft.com/office/powerpoint/2010/main">
+          <mc:Choice Requires="p14">
             <p:contentPart p14:bwMode="auto" r:id="rId64">
               <p14:nvContentPartPr>
                 <p14:cNvPr id="92" name="잉크 91">
@@ -23250,7 +26008,7 @@
               </p14:xfrm>
             </p:contentPart>
           </mc:Choice>
-          <mc:Fallback>
+          <mc:Fallback xmlns="">
             <p:pic>
               <p:nvPicPr>
                 <p:cNvPr id="92" name="잉크 91">
@@ -23281,8 +26039,8 @@
             </p:pic>
           </mc:Fallback>
         </mc:AlternateContent>
-        <mc:AlternateContent xmlns:mc="http://schemas.openxmlformats.org/markup-compatibility/2006">
-          <mc:Choice xmlns:p14="http://schemas.microsoft.com/office/powerpoint/2010/main" Requires="p14">
+        <mc:AlternateContent xmlns:mc="http://schemas.openxmlformats.org/markup-compatibility/2006" xmlns:p14="http://schemas.microsoft.com/office/powerpoint/2010/main">
+          <mc:Choice Requires="p14">
             <p:contentPart p14:bwMode="auto" r:id="rId66">
               <p14:nvContentPartPr>
                 <p14:cNvPr id="93" name="잉크 92">
@@ -23301,7 +26059,7 @@
               </p14:xfrm>
             </p:contentPart>
           </mc:Choice>
-          <mc:Fallback>
+          <mc:Fallback xmlns="">
             <p:pic>
               <p:nvPicPr>
                 <p:cNvPr id="93" name="잉크 92">
@@ -23332,8 +26090,8 @@
             </p:pic>
           </mc:Fallback>
         </mc:AlternateContent>
-        <mc:AlternateContent xmlns:mc="http://schemas.openxmlformats.org/markup-compatibility/2006">
-          <mc:Choice xmlns:p14="http://schemas.microsoft.com/office/powerpoint/2010/main" Requires="p14">
+        <mc:AlternateContent xmlns:mc="http://schemas.openxmlformats.org/markup-compatibility/2006" xmlns:p14="http://schemas.microsoft.com/office/powerpoint/2010/main">
+          <mc:Choice Requires="p14">
             <p:contentPart p14:bwMode="auto" r:id="rId68">
               <p14:nvContentPartPr>
                 <p14:cNvPr id="94" name="잉크 93">
@@ -23352,7 +26110,7 @@
               </p14:xfrm>
             </p:contentPart>
           </mc:Choice>
-          <mc:Fallback>
+          <mc:Fallback xmlns="">
             <p:pic>
               <p:nvPicPr>
                 <p:cNvPr id="94" name="잉크 93">
@@ -23384,8 +26142,8 @@
           </mc:Fallback>
         </mc:AlternateContent>
       </p:grpSp>
-      <mc:AlternateContent xmlns:mc="http://schemas.openxmlformats.org/markup-compatibility/2006">
-        <mc:Choice xmlns:p14="http://schemas.microsoft.com/office/powerpoint/2010/main" Requires="p14">
+      <mc:AlternateContent xmlns:mc="http://schemas.openxmlformats.org/markup-compatibility/2006" xmlns:p14="http://schemas.microsoft.com/office/powerpoint/2010/main">
+        <mc:Choice Requires="p14">
           <p:contentPart p14:bwMode="auto" r:id="rId70">
             <p14:nvContentPartPr>
               <p14:cNvPr id="97" name="잉크 96">
@@ -23404,7 +26162,7 @@
             </p14:xfrm>
           </p:contentPart>
         </mc:Choice>
-        <mc:Fallback>
+        <mc:Fallback xmlns="">
           <p:pic>
             <p:nvPicPr>
               <p:cNvPr id="97" name="잉크 96">
@@ -23435,8 +26193,8 @@
           </p:pic>
         </mc:Fallback>
       </mc:AlternateContent>
-      <mc:AlternateContent xmlns:mc="http://schemas.openxmlformats.org/markup-compatibility/2006">
-        <mc:Choice xmlns:p14="http://schemas.microsoft.com/office/powerpoint/2010/main" Requires="p14">
+      <mc:AlternateContent xmlns:mc="http://schemas.openxmlformats.org/markup-compatibility/2006" xmlns:p14="http://schemas.microsoft.com/office/powerpoint/2010/main">
+        <mc:Choice Requires="p14">
           <p:contentPart p14:bwMode="auto" r:id="rId72">
             <p14:nvContentPartPr>
               <p14:cNvPr id="98" name="잉크 97">
@@ -23455,7 +26213,7 @@
             </p14:xfrm>
           </p:contentPart>
         </mc:Choice>
-        <mc:Fallback>
+        <mc:Fallback xmlns="">
           <p:pic>
             <p:nvPicPr>
               <p:cNvPr id="98" name="잉크 97">
@@ -23506,8 +26264,8 @@
             <a:chExt cx="646920" cy="350280"/>
           </a:xfrm>
         </p:grpSpPr>
-        <mc:AlternateContent xmlns:mc="http://schemas.openxmlformats.org/markup-compatibility/2006">
-          <mc:Choice xmlns:p14="http://schemas.microsoft.com/office/powerpoint/2010/main" Requires="p14">
+        <mc:AlternateContent xmlns:mc="http://schemas.openxmlformats.org/markup-compatibility/2006" xmlns:p14="http://schemas.microsoft.com/office/powerpoint/2010/main">
+          <mc:Choice Requires="p14">
             <p:contentPart p14:bwMode="auto" r:id="rId74">
               <p14:nvContentPartPr>
                 <p14:cNvPr id="99" name="잉크 98">
@@ -23526,7 +26284,7 @@
               </p14:xfrm>
             </p:contentPart>
           </mc:Choice>
-          <mc:Fallback>
+          <mc:Fallback xmlns="">
             <p:pic>
               <p:nvPicPr>
                 <p:cNvPr id="99" name="잉크 98">
@@ -23557,8 +26315,8 @@
             </p:pic>
           </mc:Fallback>
         </mc:AlternateContent>
-        <mc:AlternateContent xmlns:mc="http://schemas.openxmlformats.org/markup-compatibility/2006">
-          <mc:Choice xmlns:p14="http://schemas.microsoft.com/office/powerpoint/2010/main" Requires="p14">
+        <mc:AlternateContent xmlns:mc="http://schemas.openxmlformats.org/markup-compatibility/2006" xmlns:p14="http://schemas.microsoft.com/office/powerpoint/2010/main">
+          <mc:Choice Requires="p14">
             <p:contentPart p14:bwMode="auto" r:id="rId76">
               <p14:nvContentPartPr>
                 <p14:cNvPr id="100" name="잉크 99">
@@ -23577,7 +26335,7 @@
               </p14:xfrm>
             </p:contentPart>
           </mc:Choice>
-          <mc:Fallback>
+          <mc:Fallback xmlns="">
             <p:pic>
               <p:nvPicPr>
                 <p:cNvPr id="100" name="잉크 99">
@@ -23608,8 +26366,8 @@
             </p:pic>
           </mc:Fallback>
         </mc:AlternateContent>
-        <mc:AlternateContent xmlns:mc="http://schemas.openxmlformats.org/markup-compatibility/2006">
-          <mc:Choice xmlns:p14="http://schemas.microsoft.com/office/powerpoint/2010/main" Requires="p14">
+        <mc:AlternateContent xmlns:mc="http://schemas.openxmlformats.org/markup-compatibility/2006" xmlns:p14="http://schemas.microsoft.com/office/powerpoint/2010/main">
+          <mc:Choice Requires="p14">
             <p:contentPart p14:bwMode="auto" r:id="rId78">
               <p14:nvContentPartPr>
                 <p14:cNvPr id="101" name="잉크 100">
@@ -23628,7 +26386,7 @@
               </p14:xfrm>
             </p:contentPart>
           </mc:Choice>
-          <mc:Fallback>
+          <mc:Fallback xmlns="">
             <p:pic>
               <p:nvPicPr>
                 <p:cNvPr id="101" name="잉크 100">
@@ -23659,8 +26417,8 @@
             </p:pic>
           </mc:Fallback>
         </mc:AlternateContent>
-        <mc:AlternateContent xmlns:mc="http://schemas.openxmlformats.org/markup-compatibility/2006">
-          <mc:Choice xmlns:p14="http://schemas.microsoft.com/office/powerpoint/2010/main" Requires="p14">
+        <mc:AlternateContent xmlns:mc="http://schemas.openxmlformats.org/markup-compatibility/2006" xmlns:p14="http://schemas.microsoft.com/office/powerpoint/2010/main">
+          <mc:Choice Requires="p14">
             <p:contentPart p14:bwMode="auto" r:id="rId80">
               <p14:nvContentPartPr>
                 <p14:cNvPr id="103" name="잉크 102">
@@ -23679,7 +26437,7 @@
               </p14:xfrm>
             </p:contentPart>
           </mc:Choice>
-          <mc:Fallback>
+          <mc:Fallback xmlns="">
             <p:pic>
               <p:nvPicPr>
                 <p:cNvPr id="103" name="잉크 102">
@@ -23711,8 +26469,8 @@
           </mc:Fallback>
         </mc:AlternateContent>
       </p:grpSp>
-      <mc:AlternateContent xmlns:mc="http://schemas.openxmlformats.org/markup-compatibility/2006">
-        <mc:Choice xmlns:p14="http://schemas.microsoft.com/office/powerpoint/2010/main" Requires="p14">
+      <mc:AlternateContent xmlns:mc="http://schemas.openxmlformats.org/markup-compatibility/2006" xmlns:p14="http://schemas.microsoft.com/office/powerpoint/2010/main">
+        <mc:Choice Requires="p14">
           <p:contentPart p14:bwMode="auto" r:id="rId82">
             <p14:nvContentPartPr>
               <p14:cNvPr id="106" name="잉크 105">
@@ -23731,7 +26489,7 @@
             </p14:xfrm>
           </p:contentPart>
         </mc:Choice>
-        <mc:Fallback>
+        <mc:Fallback xmlns="">
           <p:pic>
             <p:nvPicPr>
               <p:cNvPr id="106" name="잉크 105">
@@ -23782,8 +26540,8 @@
             <a:chExt cx="478080" cy="318960"/>
           </a:xfrm>
         </p:grpSpPr>
-        <mc:AlternateContent xmlns:mc="http://schemas.openxmlformats.org/markup-compatibility/2006">
-          <mc:Choice xmlns:p14="http://schemas.microsoft.com/office/powerpoint/2010/main" Requires="p14">
+        <mc:AlternateContent xmlns:mc="http://schemas.openxmlformats.org/markup-compatibility/2006" xmlns:p14="http://schemas.microsoft.com/office/powerpoint/2010/main">
+          <mc:Choice Requires="p14">
             <p:contentPart p14:bwMode="auto" r:id="rId84">
               <p14:nvContentPartPr>
                 <p14:cNvPr id="108" name="잉크 107">
@@ -23802,7 +26560,7 @@
               </p14:xfrm>
             </p:contentPart>
           </mc:Choice>
-          <mc:Fallback>
+          <mc:Fallback xmlns="">
             <p:pic>
               <p:nvPicPr>
                 <p:cNvPr id="108" name="잉크 107">
@@ -23833,8 +26591,8 @@
             </p:pic>
           </mc:Fallback>
         </mc:AlternateContent>
-        <mc:AlternateContent xmlns:mc="http://schemas.openxmlformats.org/markup-compatibility/2006">
-          <mc:Choice xmlns:p14="http://schemas.microsoft.com/office/powerpoint/2010/main" Requires="p14">
+        <mc:AlternateContent xmlns:mc="http://schemas.openxmlformats.org/markup-compatibility/2006" xmlns:p14="http://schemas.microsoft.com/office/powerpoint/2010/main">
+          <mc:Choice Requires="p14">
             <p:contentPart p14:bwMode="auto" r:id="rId86">
               <p14:nvContentPartPr>
                 <p14:cNvPr id="112" name="잉크 111">
@@ -23853,7 +26611,7 @@
               </p14:xfrm>
             </p:contentPart>
           </mc:Choice>
-          <mc:Fallback>
+          <mc:Fallback xmlns="">
             <p:pic>
               <p:nvPicPr>
                 <p:cNvPr id="112" name="잉크 111">
@@ -23884,8 +26642,8 @@
             </p:pic>
           </mc:Fallback>
         </mc:AlternateContent>
-        <mc:AlternateContent xmlns:mc="http://schemas.openxmlformats.org/markup-compatibility/2006">
-          <mc:Choice xmlns:p14="http://schemas.microsoft.com/office/powerpoint/2010/main" Requires="p14">
+        <mc:AlternateContent xmlns:mc="http://schemas.openxmlformats.org/markup-compatibility/2006" xmlns:p14="http://schemas.microsoft.com/office/powerpoint/2010/main">
+          <mc:Choice Requires="p14">
             <p:contentPart p14:bwMode="auto" r:id="rId88">
               <p14:nvContentPartPr>
                 <p14:cNvPr id="114" name="잉크 113">
@@ -23904,7 +26662,7 @@
               </p14:xfrm>
             </p:contentPart>
           </mc:Choice>
-          <mc:Fallback>
+          <mc:Fallback xmlns="">
             <p:pic>
               <p:nvPicPr>
                 <p:cNvPr id="114" name="잉크 113">
@@ -23935,8 +26693,8 @@
             </p:pic>
           </mc:Fallback>
         </mc:AlternateContent>
-        <mc:AlternateContent xmlns:mc="http://schemas.openxmlformats.org/markup-compatibility/2006">
-          <mc:Choice xmlns:p14="http://schemas.microsoft.com/office/powerpoint/2010/main" Requires="p14">
+        <mc:AlternateContent xmlns:mc="http://schemas.openxmlformats.org/markup-compatibility/2006" xmlns:p14="http://schemas.microsoft.com/office/powerpoint/2010/main">
+          <mc:Choice Requires="p14">
             <p:contentPart p14:bwMode="auto" r:id="rId90">
               <p14:nvContentPartPr>
                 <p14:cNvPr id="119" name="잉크 118">
@@ -23955,7 +26713,7 @@
               </p14:xfrm>
             </p:contentPart>
           </mc:Choice>
-          <mc:Fallback>
+          <mc:Fallback xmlns="">
             <p:pic>
               <p:nvPicPr>
                 <p:cNvPr id="119" name="잉크 118">
@@ -23986,8 +26744,8 @@
             </p:pic>
           </mc:Fallback>
         </mc:AlternateContent>
-        <mc:AlternateContent xmlns:mc="http://schemas.openxmlformats.org/markup-compatibility/2006">
-          <mc:Choice xmlns:p14="http://schemas.microsoft.com/office/powerpoint/2010/main" Requires="p14">
+        <mc:AlternateContent xmlns:mc="http://schemas.openxmlformats.org/markup-compatibility/2006" xmlns:p14="http://schemas.microsoft.com/office/powerpoint/2010/main">
+          <mc:Choice Requires="p14">
             <p:contentPart p14:bwMode="auto" r:id="rId92">
               <p14:nvContentPartPr>
                 <p14:cNvPr id="121" name="잉크 120">
@@ -24006,7 +26764,7 @@
               </p14:xfrm>
             </p:contentPart>
           </mc:Choice>
-          <mc:Fallback>
+          <mc:Fallback xmlns="">
             <p:pic>
               <p:nvPicPr>
                 <p:cNvPr id="121" name="잉크 120">
@@ -24038,8 +26796,8 @@
           </mc:Fallback>
         </mc:AlternateContent>
       </p:grpSp>
-      <mc:AlternateContent xmlns:mc="http://schemas.openxmlformats.org/markup-compatibility/2006">
-        <mc:Choice xmlns:p14="http://schemas.microsoft.com/office/powerpoint/2010/main" Requires="p14">
+      <mc:AlternateContent xmlns:mc="http://schemas.openxmlformats.org/markup-compatibility/2006" xmlns:p14="http://schemas.microsoft.com/office/powerpoint/2010/main">
+        <mc:Choice Requires="p14">
           <p:contentPart p14:bwMode="auto" r:id="rId94">
             <p14:nvContentPartPr>
               <p14:cNvPr id="130" name="잉크 129">
@@ -24058,7 +26816,7 @@
             </p14:xfrm>
           </p:contentPart>
         </mc:Choice>
-        <mc:Fallback>
+        <mc:Fallback xmlns="">
           <p:pic>
             <p:nvPicPr>
               <p:cNvPr id="130" name="잉크 129">
@@ -24089,8 +26847,8 @@
           </p:pic>
         </mc:Fallback>
       </mc:AlternateContent>
-      <mc:AlternateContent xmlns:mc="http://schemas.openxmlformats.org/markup-compatibility/2006">
-        <mc:Choice xmlns:p14="http://schemas.microsoft.com/office/powerpoint/2010/main" Requires="p14">
+      <mc:AlternateContent xmlns:mc="http://schemas.openxmlformats.org/markup-compatibility/2006" xmlns:p14="http://schemas.microsoft.com/office/powerpoint/2010/main">
+        <mc:Choice Requires="p14">
           <p:contentPart p14:bwMode="auto" r:id="rId96">
             <p14:nvContentPartPr>
               <p14:cNvPr id="131" name="잉크 130">
@@ -24109,7 +26867,7 @@
             </p14:xfrm>
           </p:contentPart>
         </mc:Choice>
-        <mc:Fallback>
+        <mc:Fallback xmlns="">
           <p:pic>
             <p:nvPicPr>
               <p:cNvPr id="131" name="잉크 130">
@@ -24160,8 +26918,8 @@
             <a:chExt cx="678600" cy="325800"/>
           </a:xfrm>
         </p:grpSpPr>
-        <mc:AlternateContent xmlns:mc="http://schemas.openxmlformats.org/markup-compatibility/2006">
-          <mc:Choice xmlns:p14="http://schemas.microsoft.com/office/powerpoint/2010/main" Requires="p14">
+        <mc:AlternateContent xmlns:mc="http://schemas.openxmlformats.org/markup-compatibility/2006" xmlns:p14="http://schemas.microsoft.com/office/powerpoint/2010/main">
+          <mc:Choice Requires="p14">
             <p:contentPart p14:bwMode="auto" r:id="rId98">
               <p14:nvContentPartPr>
                 <p14:cNvPr id="132" name="잉크 131">
@@ -24180,7 +26938,7 @@
               </p14:xfrm>
             </p:contentPart>
           </mc:Choice>
-          <mc:Fallback>
+          <mc:Fallback xmlns="">
             <p:pic>
               <p:nvPicPr>
                 <p:cNvPr id="132" name="잉크 131">
@@ -24211,8 +26969,8 @@
             </p:pic>
           </mc:Fallback>
         </mc:AlternateContent>
-        <mc:AlternateContent xmlns:mc="http://schemas.openxmlformats.org/markup-compatibility/2006">
-          <mc:Choice xmlns:p14="http://schemas.microsoft.com/office/powerpoint/2010/main" Requires="p14">
+        <mc:AlternateContent xmlns:mc="http://schemas.openxmlformats.org/markup-compatibility/2006" xmlns:p14="http://schemas.microsoft.com/office/powerpoint/2010/main">
+          <mc:Choice Requires="p14">
             <p:contentPart p14:bwMode="auto" r:id="rId100">
               <p14:nvContentPartPr>
                 <p14:cNvPr id="133" name="잉크 132">
@@ -24231,7 +26989,7 @@
               </p14:xfrm>
             </p:contentPart>
           </mc:Choice>
-          <mc:Fallback>
+          <mc:Fallback xmlns="">
             <p:pic>
               <p:nvPicPr>
                 <p:cNvPr id="133" name="잉크 132">
@@ -24262,8 +27020,8 @@
             </p:pic>
           </mc:Fallback>
         </mc:AlternateContent>
-        <mc:AlternateContent xmlns:mc="http://schemas.openxmlformats.org/markup-compatibility/2006">
-          <mc:Choice xmlns:p14="http://schemas.microsoft.com/office/powerpoint/2010/main" Requires="p14">
+        <mc:AlternateContent xmlns:mc="http://schemas.openxmlformats.org/markup-compatibility/2006" xmlns:p14="http://schemas.microsoft.com/office/powerpoint/2010/main">
+          <mc:Choice Requires="p14">
             <p:contentPart p14:bwMode="auto" r:id="rId102">
               <p14:nvContentPartPr>
                 <p14:cNvPr id="134" name="잉크 133">
@@ -24282,7 +27040,7 @@
               </p14:xfrm>
             </p:contentPart>
           </mc:Choice>
-          <mc:Fallback>
+          <mc:Fallback xmlns="">
             <p:pic>
               <p:nvPicPr>
                 <p:cNvPr id="134" name="잉크 133">
@@ -24313,8 +27071,8 @@
             </p:pic>
           </mc:Fallback>
         </mc:AlternateContent>
-        <mc:AlternateContent xmlns:mc="http://schemas.openxmlformats.org/markup-compatibility/2006">
-          <mc:Choice xmlns:p14="http://schemas.microsoft.com/office/powerpoint/2010/main" Requires="p14">
+        <mc:AlternateContent xmlns:mc="http://schemas.openxmlformats.org/markup-compatibility/2006" xmlns:p14="http://schemas.microsoft.com/office/powerpoint/2010/main">
+          <mc:Choice Requires="p14">
             <p:contentPart p14:bwMode="auto" r:id="rId104">
               <p14:nvContentPartPr>
                 <p14:cNvPr id="135" name="잉크 134">
@@ -24333,7 +27091,7 @@
               </p14:xfrm>
             </p:contentPart>
           </mc:Choice>
-          <mc:Fallback>
+          <mc:Fallback xmlns="">
             <p:pic>
               <p:nvPicPr>
                 <p:cNvPr id="135" name="잉크 134">
@@ -24364,8 +27122,8 @@
             </p:pic>
           </mc:Fallback>
         </mc:AlternateContent>
-        <mc:AlternateContent xmlns:mc="http://schemas.openxmlformats.org/markup-compatibility/2006">
-          <mc:Choice xmlns:p14="http://schemas.microsoft.com/office/powerpoint/2010/main" Requires="p14">
+        <mc:AlternateContent xmlns:mc="http://schemas.openxmlformats.org/markup-compatibility/2006" xmlns:p14="http://schemas.microsoft.com/office/powerpoint/2010/main">
+          <mc:Choice Requires="p14">
             <p:contentPart p14:bwMode="auto" r:id="rId106">
               <p14:nvContentPartPr>
                 <p14:cNvPr id="136" name="잉크 135">
@@ -24384,7 +27142,7 @@
               </p14:xfrm>
             </p:contentPart>
           </mc:Choice>
-          <mc:Fallback>
+          <mc:Fallback xmlns="">
             <p:pic>
               <p:nvPicPr>
                 <p:cNvPr id="136" name="잉크 135">
@@ -24436,8 +27194,8 @@
             <a:chExt cx="633960" cy="307080"/>
           </a:xfrm>
         </p:grpSpPr>
-        <mc:AlternateContent xmlns:mc="http://schemas.openxmlformats.org/markup-compatibility/2006">
-          <mc:Choice xmlns:p14="http://schemas.microsoft.com/office/powerpoint/2010/main" Requires="p14">
+        <mc:AlternateContent xmlns:mc="http://schemas.openxmlformats.org/markup-compatibility/2006" xmlns:p14="http://schemas.microsoft.com/office/powerpoint/2010/main">
+          <mc:Choice Requires="p14">
             <p:contentPart p14:bwMode="auto" r:id="rId108">
               <p14:nvContentPartPr>
                 <p14:cNvPr id="138" name="잉크 137">
@@ -24456,7 +27214,7 @@
               </p14:xfrm>
             </p:contentPart>
           </mc:Choice>
-          <mc:Fallback>
+          <mc:Fallback xmlns="">
             <p:pic>
               <p:nvPicPr>
                 <p:cNvPr id="138" name="잉크 137">
@@ -24487,8 +27245,8 @@
             </p:pic>
           </mc:Fallback>
         </mc:AlternateContent>
-        <mc:AlternateContent xmlns:mc="http://schemas.openxmlformats.org/markup-compatibility/2006">
-          <mc:Choice xmlns:p14="http://schemas.microsoft.com/office/powerpoint/2010/main" Requires="p14">
+        <mc:AlternateContent xmlns:mc="http://schemas.openxmlformats.org/markup-compatibility/2006" xmlns:p14="http://schemas.microsoft.com/office/powerpoint/2010/main">
+          <mc:Choice Requires="p14">
             <p:contentPart p14:bwMode="auto" r:id="rId110">
               <p14:nvContentPartPr>
                 <p14:cNvPr id="139" name="잉크 138">
@@ -24507,7 +27265,7 @@
               </p14:xfrm>
             </p:contentPart>
           </mc:Choice>
-          <mc:Fallback>
+          <mc:Fallback xmlns="">
             <p:pic>
               <p:nvPicPr>
                 <p:cNvPr id="139" name="잉크 138">
@@ -24538,8 +27296,8 @@
             </p:pic>
           </mc:Fallback>
         </mc:AlternateContent>
-        <mc:AlternateContent xmlns:mc="http://schemas.openxmlformats.org/markup-compatibility/2006">
-          <mc:Choice xmlns:p14="http://schemas.microsoft.com/office/powerpoint/2010/main" Requires="p14">
+        <mc:AlternateContent xmlns:mc="http://schemas.openxmlformats.org/markup-compatibility/2006" xmlns:p14="http://schemas.microsoft.com/office/powerpoint/2010/main">
+          <mc:Choice Requires="p14">
             <p:contentPart p14:bwMode="auto" r:id="rId112">
               <p14:nvContentPartPr>
                 <p14:cNvPr id="140" name="잉크 139">
@@ -24558,7 +27316,7 @@
               </p14:xfrm>
             </p:contentPart>
           </mc:Choice>
-          <mc:Fallback>
+          <mc:Fallback xmlns="">
             <p:pic>
               <p:nvPicPr>
                 <p:cNvPr id="140" name="잉크 139">
@@ -24589,8 +27347,8 @@
             </p:pic>
           </mc:Fallback>
         </mc:AlternateContent>
-        <mc:AlternateContent xmlns:mc="http://schemas.openxmlformats.org/markup-compatibility/2006">
-          <mc:Choice xmlns:p14="http://schemas.microsoft.com/office/powerpoint/2010/main" Requires="p14">
+        <mc:AlternateContent xmlns:mc="http://schemas.openxmlformats.org/markup-compatibility/2006" xmlns:p14="http://schemas.microsoft.com/office/powerpoint/2010/main">
+          <mc:Choice Requires="p14">
             <p:contentPart p14:bwMode="auto" r:id="rId114">
               <p14:nvContentPartPr>
                 <p14:cNvPr id="141" name="잉크 140">
@@ -24609,7 +27367,7 @@
               </p14:xfrm>
             </p:contentPart>
           </mc:Choice>
-          <mc:Fallback>
+          <mc:Fallback xmlns="">
             <p:pic>
               <p:nvPicPr>
                 <p:cNvPr id="141" name="잉크 140">
@@ -24640,8 +27398,8 @@
             </p:pic>
           </mc:Fallback>
         </mc:AlternateContent>
-        <mc:AlternateContent xmlns:mc="http://schemas.openxmlformats.org/markup-compatibility/2006">
-          <mc:Choice xmlns:p14="http://schemas.microsoft.com/office/powerpoint/2010/main" Requires="p14">
+        <mc:AlternateContent xmlns:mc="http://schemas.openxmlformats.org/markup-compatibility/2006" xmlns:p14="http://schemas.microsoft.com/office/powerpoint/2010/main">
+          <mc:Choice Requires="p14">
             <p:contentPart p14:bwMode="auto" r:id="rId116">
               <p14:nvContentPartPr>
                 <p14:cNvPr id="142" name="잉크 141">
@@ -24660,7 +27418,7 @@
               </p14:xfrm>
             </p:contentPart>
           </mc:Choice>
-          <mc:Fallback>
+          <mc:Fallback xmlns="">
             <p:pic>
               <p:nvPicPr>
                 <p:cNvPr id="142" name="잉크 141">
@@ -24712,8 +27470,8 @@
             <a:chExt cx="2044080" cy="411840"/>
           </a:xfrm>
         </p:grpSpPr>
-        <mc:AlternateContent xmlns:mc="http://schemas.openxmlformats.org/markup-compatibility/2006">
-          <mc:Choice xmlns:p14="http://schemas.microsoft.com/office/powerpoint/2010/main" Requires="p14">
+        <mc:AlternateContent xmlns:mc="http://schemas.openxmlformats.org/markup-compatibility/2006" xmlns:p14="http://schemas.microsoft.com/office/powerpoint/2010/main">
+          <mc:Choice Requires="p14">
             <p:contentPart p14:bwMode="auto" r:id="rId118">
               <p14:nvContentPartPr>
                 <p14:cNvPr id="144" name="잉크 143">
@@ -24732,7 +27490,7 @@
               </p14:xfrm>
             </p:contentPart>
           </mc:Choice>
-          <mc:Fallback>
+          <mc:Fallback xmlns="">
             <p:pic>
               <p:nvPicPr>
                 <p:cNvPr id="144" name="잉크 143">
@@ -24763,8 +27521,8 @@
             </p:pic>
           </mc:Fallback>
         </mc:AlternateContent>
-        <mc:AlternateContent xmlns:mc="http://schemas.openxmlformats.org/markup-compatibility/2006">
-          <mc:Choice xmlns:p14="http://schemas.microsoft.com/office/powerpoint/2010/main" Requires="p14">
+        <mc:AlternateContent xmlns:mc="http://schemas.openxmlformats.org/markup-compatibility/2006" xmlns:p14="http://schemas.microsoft.com/office/powerpoint/2010/main">
+          <mc:Choice Requires="p14">
             <p:contentPart p14:bwMode="auto" r:id="rId120">
               <p14:nvContentPartPr>
                 <p14:cNvPr id="145" name="잉크 144">
@@ -24783,7 +27541,7 @@
               </p14:xfrm>
             </p:contentPart>
           </mc:Choice>
-          <mc:Fallback>
+          <mc:Fallback xmlns="">
             <p:pic>
               <p:nvPicPr>
                 <p:cNvPr id="145" name="잉크 144">
@@ -24814,8 +27572,8 @@
             </p:pic>
           </mc:Fallback>
         </mc:AlternateContent>
-        <mc:AlternateContent xmlns:mc="http://schemas.openxmlformats.org/markup-compatibility/2006">
-          <mc:Choice xmlns:p14="http://schemas.microsoft.com/office/powerpoint/2010/main" Requires="p14">
+        <mc:AlternateContent xmlns:mc="http://schemas.openxmlformats.org/markup-compatibility/2006" xmlns:p14="http://schemas.microsoft.com/office/powerpoint/2010/main">
+          <mc:Choice Requires="p14">
             <p:contentPart p14:bwMode="auto" r:id="rId122">
               <p14:nvContentPartPr>
                 <p14:cNvPr id="147" name="잉크 146">
@@ -24834,7 +27592,7 @@
               </p14:xfrm>
             </p:contentPart>
           </mc:Choice>
-          <mc:Fallback>
+          <mc:Fallback xmlns="">
             <p:pic>
               <p:nvPicPr>
                 <p:cNvPr id="147" name="잉크 146">
@@ -24865,8 +27623,8 @@
             </p:pic>
           </mc:Fallback>
         </mc:AlternateContent>
-        <mc:AlternateContent xmlns:mc="http://schemas.openxmlformats.org/markup-compatibility/2006">
-          <mc:Choice xmlns:p14="http://schemas.microsoft.com/office/powerpoint/2010/main" Requires="p14">
+        <mc:AlternateContent xmlns:mc="http://schemas.openxmlformats.org/markup-compatibility/2006" xmlns:p14="http://schemas.microsoft.com/office/powerpoint/2010/main">
+          <mc:Choice Requires="p14">
             <p:contentPart p14:bwMode="auto" r:id="rId124">
               <p14:nvContentPartPr>
                 <p14:cNvPr id="148" name="잉크 147">
@@ -24885,7 +27643,7 @@
               </p14:xfrm>
             </p:contentPart>
           </mc:Choice>
-          <mc:Fallback>
+          <mc:Fallback xmlns="">
             <p:pic>
               <p:nvPicPr>
                 <p:cNvPr id="148" name="잉크 147">
@@ -24916,8 +27674,8 @@
             </p:pic>
           </mc:Fallback>
         </mc:AlternateContent>
-        <mc:AlternateContent xmlns:mc="http://schemas.openxmlformats.org/markup-compatibility/2006">
-          <mc:Choice xmlns:p14="http://schemas.microsoft.com/office/powerpoint/2010/main" Requires="p14">
+        <mc:AlternateContent xmlns:mc="http://schemas.openxmlformats.org/markup-compatibility/2006" xmlns:p14="http://schemas.microsoft.com/office/powerpoint/2010/main">
+          <mc:Choice Requires="p14">
             <p:contentPart p14:bwMode="auto" r:id="rId126">
               <p14:nvContentPartPr>
                 <p14:cNvPr id="149" name="잉크 148">
@@ -24936,7 +27694,7 @@
               </p14:xfrm>
             </p:contentPart>
           </mc:Choice>
-          <mc:Fallback>
+          <mc:Fallback xmlns="">
             <p:pic>
               <p:nvPicPr>
                 <p:cNvPr id="149" name="잉크 148">
@@ -24967,8 +27725,8 @@
             </p:pic>
           </mc:Fallback>
         </mc:AlternateContent>
-        <mc:AlternateContent xmlns:mc="http://schemas.openxmlformats.org/markup-compatibility/2006">
-          <mc:Choice xmlns:p14="http://schemas.microsoft.com/office/powerpoint/2010/main" Requires="p14">
+        <mc:AlternateContent xmlns:mc="http://schemas.openxmlformats.org/markup-compatibility/2006" xmlns:p14="http://schemas.microsoft.com/office/powerpoint/2010/main">
+          <mc:Choice Requires="p14">
             <p:contentPart p14:bwMode="auto" r:id="rId128">
               <p14:nvContentPartPr>
                 <p14:cNvPr id="150" name="잉크 149">
@@ -24987,7 +27745,7 @@
               </p14:xfrm>
             </p:contentPart>
           </mc:Choice>
-          <mc:Fallback>
+          <mc:Fallback xmlns="">
             <p:pic>
               <p:nvPicPr>
                 <p:cNvPr id="150" name="잉크 149">
@@ -25018,8 +27776,8 @@
             </p:pic>
           </mc:Fallback>
         </mc:AlternateContent>
-        <mc:AlternateContent xmlns:mc="http://schemas.openxmlformats.org/markup-compatibility/2006">
-          <mc:Choice xmlns:p14="http://schemas.microsoft.com/office/powerpoint/2010/main" Requires="p14">
+        <mc:AlternateContent xmlns:mc="http://schemas.openxmlformats.org/markup-compatibility/2006" xmlns:p14="http://schemas.microsoft.com/office/powerpoint/2010/main">
+          <mc:Choice Requires="p14">
             <p:contentPart p14:bwMode="auto" r:id="rId130">
               <p14:nvContentPartPr>
                 <p14:cNvPr id="151" name="잉크 150">
@@ -25038,7 +27796,7 @@
               </p14:xfrm>
             </p:contentPart>
           </mc:Choice>
-          <mc:Fallback>
+          <mc:Fallback xmlns="">
             <p:pic>
               <p:nvPicPr>
                 <p:cNvPr id="151" name="잉크 150">
@@ -25069,8 +27827,8 @@
             </p:pic>
           </mc:Fallback>
         </mc:AlternateContent>
-        <mc:AlternateContent xmlns:mc="http://schemas.openxmlformats.org/markup-compatibility/2006">
-          <mc:Choice xmlns:p14="http://schemas.microsoft.com/office/powerpoint/2010/main" Requires="p14">
+        <mc:AlternateContent xmlns:mc="http://schemas.openxmlformats.org/markup-compatibility/2006" xmlns:p14="http://schemas.microsoft.com/office/powerpoint/2010/main">
+          <mc:Choice Requires="p14">
             <p:contentPart p14:bwMode="auto" r:id="rId132">
               <p14:nvContentPartPr>
                 <p14:cNvPr id="152" name="잉크 151">
@@ -25089,7 +27847,7 @@
               </p14:xfrm>
             </p:contentPart>
           </mc:Choice>
-          <mc:Fallback>
+          <mc:Fallback xmlns="">
             <p:pic>
               <p:nvPicPr>
                 <p:cNvPr id="152" name="잉크 151">
@@ -25120,8 +27878,8 @@
             </p:pic>
           </mc:Fallback>
         </mc:AlternateContent>
-        <mc:AlternateContent xmlns:mc="http://schemas.openxmlformats.org/markup-compatibility/2006">
-          <mc:Choice xmlns:p14="http://schemas.microsoft.com/office/powerpoint/2010/main" Requires="p14">
+        <mc:AlternateContent xmlns:mc="http://schemas.openxmlformats.org/markup-compatibility/2006" xmlns:p14="http://schemas.microsoft.com/office/powerpoint/2010/main">
+          <mc:Choice Requires="p14">
             <p:contentPart p14:bwMode="auto" r:id="rId134">
               <p14:nvContentPartPr>
                 <p14:cNvPr id="153" name="잉크 152">
@@ -25140,7 +27898,7 @@
               </p14:xfrm>
             </p:contentPart>
           </mc:Choice>
-          <mc:Fallback>
+          <mc:Fallback xmlns="">
             <p:pic>
               <p:nvPicPr>
                 <p:cNvPr id="153" name="잉크 152">
@@ -25172,8 +27930,8 @@
           </mc:Fallback>
         </mc:AlternateContent>
       </p:grpSp>
-      <mc:AlternateContent xmlns:mc="http://schemas.openxmlformats.org/markup-compatibility/2006">
-        <mc:Choice xmlns:p14="http://schemas.microsoft.com/office/powerpoint/2010/main" Requires="p14">
+      <mc:AlternateContent xmlns:mc="http://schemas.openxmlformats.org/markup-compatibility/2006" xmlns:p14="http://schemas.microsoft.com/office/powerpoint/2010/main">
+        <mc:Choice Requires="p14">
           <p:contentPart p14:bwMode="auto" r:id="rId136">
             <p14:nvContentPartPr>
               <p14:cNvPr id="155" name="잉크 154">
@@ -25192,7 +27950,7 @@
             </p14:xfrm>
           </p:contentPart>
         </mc:Choice>
-        <mc:Fallback>
+        <mc:Fallback xmlns="">
           <p:pic>
             <p:nvPicPr>
               <p:cNvPr id="155" name="잉크 154">
@@ -25223,8 +27981,8 @@
           </p:pic>
         </mc:Fallback>
       </mc:AlternateContent>
-      <mc:AlternateContent xmlns:mc="http://schemas.openxmlformats.org/markup-compatibility/2006">
-        <mc:Choice xmlns:p14="http://schemas.microsoft.com/office/powerpoint/2010/main" Requires="p14">
+      <mc:AlternateContent xmlns:mc="http://schemas.openxmlformats.org/markup-compatibility/2006" xmlns:p14="http://schemas.microsoft.com/office/powerpoint/2010/main">
+        <mc:Choice Requires="p14">
           <p:contentPart p14:bwMode="auto" r:id="rId138">
             <p14:nvContentPartPr>
               <p14:cNvPr id="156" name="잉크 155">
@@ -25243,7 +28001,7 @@
             </p14:xfrm>
           </p:contentPart>
         </mc:Choice>
-        <mc:Fallback>
+        <mc:Fallback xmlns="">
           <p:pic>
             <p:nvPicPr>
               <p:cNvPr id="156" name="잉크 155">
@@ -25274,8 +28032,8 @@
           </p:pic>
         </mc:Fallback>
       </mc:AlternateContent>
-      <mc:AlternateContent xmlns:mc="http://schemas.openxmlformats.org/markup-compatibility/2006">
-        <mc:Choice xmlns:p14="http://schemas.microsoft.com/office/powerpoint/2010/main" Requires="p14">
+      <mc:AlternateContent xmlns:mc="http://schemas.openxmlformats.org/markup-compatibility/2006" xmlns:p14="http://schemas.microsoft.com/office/powerpoint/2010/main">
+        <mc:Choice Requires="p14">
           <p:contentPart p14:bwMode="auto" r:id="rId140">
             <p14:nvContentPartPr>
               <p14:cNvPr id="159" name="잉크 158">
@@ -25294,7 +28052,7 @@
             </p14:xfrm>
           </p:contentPart>
         </mc:Choice>
-        <mc:Fallback>
+        <mc:Fallback xmlns="">
           <p:pic>
             <p:nvPicPr>
               <p:cNvPr id="159" name="잉크 158">
@@ -25325,8 +28083,8 @@
           </p:pic>
         </mc:Fallback>
       </mc:AlternateContent>
-      <mc:AlternateContent xmlns:mc="http://schemas.openxmlformats.org/markup-compatibility/2006">
-        <mc:Choice xmlns:p14="http://schemas.microsoft.com/office/powerpoint/2010/main" Requires="p14">
+      <mc:AlternateContent xmlns:mc="http://schemas.openxmlformats.org/markup-compatibility/2006" xmlns:p14="http://schemas.microsoft.com/office/powerpoint/2010/main">
+        <mc:Choice Requires="p14">
           <p:contentPart p14:bwMode="auto" r:id="rId142">
             <p14:nvContentPartPr>
               <p14:cNvPr id="160" name="잉크 159">
@@ -25345,7 +28103,7 @@
             </p14:xfrm>
           </p:contentPart>
         </mc:Choice>
-        <mc:Fallback>
+        <mc:Fallback xmlns="">
           <p:pic>
             <p:nvPicPr>
               <p:cNvPr id="160" name="잉크 159">
@@ -25376,8 +28134,8 @@
           </p:pic>
         </mc:Fallback>
       </mc:AlternateContent>
-      <mc:AlternateContent xmlns:mc="http://schemas.openxmlformats.org/markup-compatibility/2006">
-        <mc:Choice xmlns:p14="http://schemas.microsoft.com/office/powerpoint/2010/main" Requires="p14">
+      <mc:AlternateContent xmlns:mc="http://schemas.openxmlformats.org/markup-compatibility/2006" xmlns:p14="http://schemas.microsoft.com/office/powerpoint/2010/main">
+        <mc:Choice Requires="p14">
           <p:contentPart p14:bwMode="auto" r:id="rId144">
             <p14:nvContentPartPr>
               <p14:cNvPr id="161" name="잉크 160">
@@ -25396,7 +28154,7 @@
             </p14:xfrm>
           </p:contentPart>
         </mc:Choice>
-        <mc:Fallback>
+        <mc:Fallback xmlns="">
           <p:pic>
             <p:nvPicPr>
               <p:cNvPr id="161" name="잉크 160">
@@ -25427,8 +28185,8 @@
           </p:pic>
         </mc:Fallback>
       </mc:AlternateContent>
-      <mc:AlternateContent xmlns:mc="http://schemas.openxmlformats.org/markup-compatibility/2006">
-        <mc:Choice xmlns:p14="http://schemas.microsoft.com/office/powerpoint/2010/main" Requires="p14">
+      <mc:AlternateContent xmlns:mc="http://schemas.openxmlformats.org/markup-compatibility/2006" xmlns:p14="http://schemas.microsoft.com/office/powerpoint/2010/main">
+        <mc:Choice Requires="p14">
           <p:contentPart p14:bwMode="auto" r:id="rId146">
             <p14:nvContentPartPr>
               <p14:cNvPr id="162" name="잉크 161">
@@ -25447,7 +28205,7 @@
             </p14:xfrm>
           </p:contentPart>
         </mc:Choice>
-        <mc:Fallback>
+        <mc:Fallback xmlns="">
           <p:pic>
             <p:nvPicPr>
               <p:cNvPr id="162" name="잉크 161">
@@ -25478,8 +28236,8 @@
           </p:pic>
         </mc:Fallback>
       </mc:AlternateContent>
-      <mc:AlternateContent xmlns:mc="http://schemas.openxmlformats.org/markup-compatibility/2006">
-        <mc:Choice xmlns:p14="http://schemas.microsoft.com/office/powerpoint/2010/main" Requires="p14">
+      <mc:AlternateContent xmlns:mc="http://schemas.openxmlformats.org/markup-compatibility/2006" xmlns:p14="http://schemas.microsoft.com/office/powerpoint/2010/main">
+        <mc:Choice Requires="p14">
           <p:contentPart p14:bwMode="auto" r:id="rId148">
             <p14:nvContentPartPr>
               <p14:cNvPr id="164" name="잉크 163">
@@ -25498,7 +28256,7 @@
             </p14:xfrm>
           </p:contentPart>
         </mc:Choice>
-        <mc:Fallback>
+        <mc:Fallback xmlns="">
           <p:pic>
             <p:nvPicPr>
               <p:cNvPr id="164" name="잉크 163">
@@ -25529,8 +28287,8 @@
           </p:pic>
         </mc:Fallback>
       </mc:AlternateContent>
-      <mc:AlternateContent xmlns:mc="http://schemas.openxmlformats.org/markup-compatibility/2006">
-        <mc:Choice xmlns:p14="http://schemas.microsoft.com/office/powerpoint/2010/main" Requires="p14">
+      <mc:AlternateContent xmlns:mc="http://schemas.openxmlformats.org/markup-compatibility/2006" xmlns:p14="http://schemas.microsoft.com/office/powerpoint/2010/main">
+        <mc:Choice Requires="p14">
           <p:contentPart p14:bwMode="auto" r:id="rId150">
             <p14:nvContentPartPr>
               <p14:cNvPr id="165" name="잉크 164">
@@ -25549,7 +28307,7 @@
             </p14:xfrm>
           </p:contentPart>
         </mc:Choice>
-        <mc:Fallback>
+        <mc:Fallback xmlns="">
           <p:pic>
             <p:nvPicPr>
               <p:cNvPr id="165" name="잉크 164">
@@ -25600,8 +28358,8 @@
             <a:chExt cx="1121400" cy="527040"/>
           </a:xfrm>
         </p:grpSpPr>
-        <mc:AlternateContent xmlns:mc="http://schemas.openxmlformats.org/markup-compatibility/2006">
-          <mc:Choice xmlns:p14="http://schemas.microsoft.com/office/powerpoint/2010/main" Requires="p14">
+        <mc:AlternateContent xmlns:mc="http://schemas.openxmlformats.org/markup-compatibility/2006" xmlns:p14="http://schemas.microsoft.com/office/powerpoint/2010/main">
+          <mc:Choice Requires="p14">
             <p:contentPart p14:bwMode="auto" r:id="rId152">
               <p14:nvContentPartPr>
                 <p14:cNvPr id="170" name="잉크 169">
@@ -25620,7 +28378,7 @@
               </p14:xfrm>
             </p:contentPart>
           </mc:Choice>
-          <mc:Fallback>
+          <mc:Fallback xmlns="">
             <p:pic>
               <p:nvPicPr>
                 <p:cNvPr id="170" name="잉크 169">
@@ -25651,8 +28409,8 @@
             </p:pic>
           </mc:Fallback>
         </mc:AlternateContent>
-        <mc:AlternateContent xmlns:mc="http://schemas.openxmlformats.org/markup-compatibility/2006">
-          <mc:Choice xmlns:p14="http://schemas.microsoft.com/office/powerpoint/2010/main" Requires="p14">
+        <mc:AlternateContent xmlns:mc="http://schemas.openxmlformats.org/markup-compatibility/2006" xmlns:p14="http://schemas.microsoft.com/office/powerpoint/2010/main">
+          <mc:Choice Requires="p14">
             <p:contentPart p14:bwMode="auto" r:id="rId154">
               <p14:nvContentPartPr>
                 <p14:cNvPr id="171" name="잉크 170">
@@ -25671,7 +28429,7 @@
               </p14:xfrm>
             </p:contentPart>
           </mc:Choice>
-          <mc:Fallback>
+          <mc:Fallback xmlns="">
             <p:pic>
               <p:nvPicPr>
                 <p:cNvPr id="171" name="잉크 170">
@@ -25702,8 +28460,8 @@
             </p:pic>
           </mc:Fallback>
         </mc:AlternateContent>
-        <mc:AlternateContent xmlns:mc="http://schemas.openxmlformats.org/markup-compatibility/2006">
-          <mc:Choice xmlns:p14="http://schemas.microsoft.com/office/powerpoint/2010/main" Requires="p14">
+        <mc:AlternateContent xmlns:mc="http://schemas.openxmlformats.org/markup-compatibility/2006" xmlns:p14="http://schemas.microsoft.com/office/powerpoint/2010/main">
+          <mc:Choice Requires="p14">
             <p:contentPart p14:bwMode="auto" r:id="rId156">
               <p14:nvContentPartPr>
                 <p14:cNvPr id="172" name="잉크 171">
@@ -25722,7 +28480,7 @@
               </p14:xfrm>
             </p:contentPart>
           </mc:Choice>
-          <mc:Fallback>
+          <mc:Fallback xmlns="">
             <p:pic>
               <p:nvPicPr>
                 <p:cNvPr id="172" name="잉크 171">
@@ -25753,8 +28511,8 @@
             </p:pic>
           </mc:Fallback>
         </mc:AlternateContent>
-        <mc:AlternateContent xmlns:mc="http://schemas.openxmlformats.org/markup-compatibility/2006">
-          <mc:Choice xmlns:p14="http://schemas.microsoft.com/office/powerpoint/2010/main" Requires="p14">
+        <mc:AlternateContent xmlns:mc="http://schemas.openxmlformats.org/markup-compatibility/2006" xmlns:p14="http://schemas.microsoft.com/office/powerpoint/2010/main">
+          <mc:Choice Requires="p14">
             <p:contentPart p14:bwMode="auto" r:id="rId158">
               <p14:nvContentPartPr>
                 <p14:cNvPr id="173" name="잉크 172">
@@ -25773,7 +28531,7 @@
               </p14:xfrm>
             </p:contentPart>
           </mc:Choice>
-          <mc:Fallback>
+          <mc:Fallback xmlns="">
             <p:pic>
               <p:nvPicPr>
                 <p:cNvPr id="173" name="잉크 172">
@@ -25804,8 +28562,8 @@
             </p:pic>
           </mc:Fallback>
         </mc:AlternateContent>
-        <mc:AlternateContent xmlns:mc="http://schemas.openxmlformats.org/markup-compatibility/2006">
-          <mc:Choice xmlns:p14="http://schemas.microsoft.com/office/powerpoint/2010/main" Requires="p14">
+        <mc:AlternateContent xmlns:mc="http://schemas.openxmlformats.org/markup-compatibility/2006" xmlns:p14="http://schemas.microsoft.com/office/powerpoint/2010/main">
+          <mc:Choice Requires="p14">
             <p:contentPart p14:bwMode="auto" r:id="rId160">
               <p14:nvContentPartPr>
                 <p14:cNvPr id="174" name="잉크 173">
@@ -25824,7 +28582,7 @@
               </p14:xfrm>
             </p:contentPart>
           </mc:Choice>
-          <mc:Fallback>
+          <mc:Fallback xmlns="">
             <p:pic>
               <p:nvPicPr>
                 <p:cNvPr id="174" name="잉크 173">
@@ -25855,8 +28613,8 @@
             </p:pic>
           </mc:Fallback>
         </mc:AlternateContent>
-        <mc:AlternateContent xmlns:mc="http://schemas.openxmlformats.org/markup-compatibility/2006">
-          <mc:Choice xmlns:p14="http://schemas.microsoft.com/office/powerpoint/2010/main" Requires="p14">
+        <mc:AlternateContent xmlns:mc="http://schemas.openxmlformats.org/markup-compatibility/2006" xmlns:p14="http://schemas.microsoft.com/office/powerpoint/2010/main">
+          <mc:Choice Requires="p14">
             <p:contentPart p14:bwMode="auto" r:id="rId162">
               <p14:nvContentPartPr>
                 <p14:cNvPr id="175" name="잉크 174">
@@ -25875,7 +28633,7 @@
               </p14:xfrm>
             </p:contentPart>
           </mc:Choice>
-          <mc:Fallback>
+          <mc:Fallback xmlns="">
             <p:pic>
               <p:nvPicPr>
                 <p:cNvPr id="175" name="잉크 174">
@@ -25906,8 +28664,8 @@
             </p:pic>
           </mc:Fallback>
         </mc:AlternateContent>
-        <mc:AlternateContent xmlns:mc="http://schemas.openxmlformats.org/markup-compatibility/2006">
-          <mc:Choice xmlns:p14="http://schemas.microsoft.com/office/powerpoint/2010/main" Requires="p14">
+        <mc:AlternateContent xmlns:mc="http://schemas.openxmlformats.org/markup-compatibility/2006" xmlns:p14="http://schemas.microsoft.com/office/powerpoint/2010/main">
+          <mc:Choice Requires="p14">
             <p:contentPart p14:bwMode="auto" r:id="rId164">
               <p14:nvContentPartPr>
                 <p14:cNvPr id="176" name="잉크 175">
@@ -25926,7 +28684,7 @@
               </p14:xfrm>
             </p:contentPart>
           </mc:Choice>
-          <mc:Fallback>
+          <mc:Fallback xmlns="">
             <p:pic>
               <p:nvPicPr>
                 <p:cNvPr id="176" name="잉크 175">
@@ -25978,8 +28736,8 @@
             <a:chExt cx="567360" cy="389520"/>
           </a:xfrm>
         </p:grpSpPr>
-        <mc:AlternateContent xmlns:mc="http://schemas.openxmlformats.org/markup-compatibility/2006">
-          <mc:Choice xmlns:p14="http://schemas.microsoft.com/office/powerpoint/2010/main" Requires="p14">
+        <mc:AlternateContent xmlns:mc="http://schemas.openxmlformats.org/markup-compatibility/2006" xmlns:p14="http://schemas.microsoft.com/office/powerpoint/2010/main">
+          <mc:Choice Requires="p14">
             <p:contentPart p14:bwMode="auto" r:id="rId166">
               <p14:nvContentPartPr>
                 <p14:cNvPr id="178" name="잉크 177">
@@ -25998,7 +28756,7 @@
               </p14:xfrm>
             </p:contentPart>
           </mc:Choice>
-          <mc:Fallback>
+          <mc:Fallback xmlns="">
             <p:pic>
               <p:nvPicPr>
                 <p:cNvPr id="178" name="잉크 177">
@@ -26029,8 +28787,8 @@
             </p:pic>
           </mc:Fallback>
         </mc:AlternateContent>
-        <mc:AlternateContent xmlns:mc="http://schemas.openxmlformats.org/markup-compatibility/2006">
-          <mc:Choice xmlns:p14="http://schemas.microsoft.com/office/powerpoint/2010/main" Requires="p14">
+        <mc:AlternateContent xmlns:mc="http://schemas.openxmlformats.org/markup-compatibility/2006" xmlns:p14="http://schemas.microsoft.com/office/powerpoint/2010/main">
+          <mc:Choice Requires="p14">
             <p:contentPart p14:bwMode="auto" r:id="rId168">
               <p14:nvContentPartPr>
                 <p14:cNvPr id="179" name="잉크 178">
@@ -26049,7 +28807,7 @@
               </p14:xfrm>
             </p:contentPart>
           </mc:Choice>
-          <mc:Fallback>
+          <mc:Fallback xmlns="">
             <p:pic>
               <p:nvPicPr>
                 <p:cNvPr id="179" name="잉크 178">
@@ -26080,8 +28838,8 @@
             </p:pic>
           </mc:Fallback>
         </mc:AlternateContent>
-        <mc:AlternateContent xmlns:mc="http://schemas.openxmlformats.org/markup-compatibility/2006">
-          <mc:Choice xmlns:p14="http://schemas.microsoft.com/office/powerpoint/2010/main" Requires="p14">
+        <mc:AlternateContent xmlns:mc="http://schemas.openxmlformats.org/markup-compatibility/2006" xmlns:p14="http://schemas.microsoft.com/office/powerpoint/2010/main">
+          <mc:Choice Requires="p14">
             <p:contentPart p14:bwMode="auto" r:id="rId170">
               <p14:nvContentPartPr>
                 <p14:cNvPr id="180" name="잉크 179">
@@ -26100,7 +28858,7 @@
               </p14:xfrm>
             </p:contentPart>
           </mc:Choice>
-          <mc:Fallback>
+          <mc:Fallback xmlns="">
             <p:pic>
               <p:nvPicPr>
                 <p:cNvPr id="180" name="잉크 179">
@@ -26152,8 +28910,8 @@
             <a:chExt cx="822240" cy="564480"/>
           </a:xfrm>
         </p:grpSpPr>
-        <mc:AlternateContent xmlns:mc="http://schemas.openxmlformats.org/markup-compatibility/2006">
-          <mc:Choice xmlns:p14="http://schemas.microsoft.com/office/powerpoint/2010/main" Requires="p14">
+        <mc:AlternateContent xmlns:mc="http://schemas.openxmlformats.org/markup-compatibility/2006" xmlns:p14="http://schemas.microsoft.com/office/powerpoint/2010/main">
+          <mc:Choice Requires="p14">
             <p:contentPart p14:bwMode="auto" r:id="rId172">
               <p14:nvContentPartPr>
                 <p14:cNvPr id="182" name="잉크 181">
@@ -26172,7 +28930,7 @@
               </p14:xfrm>
             </p:contentPart>
           </mc:Choice>
-          <mc:Fallback>
+          <mc:Fallback xmlns="">
             <p:pic>
               <p:nvPicPr>
                 <p:cNvPr id="182" name="잉크 181">
@@ -26203,8 +28961,8 @@
             </p:pic>
           </mc:Fallback>
         </mc:AlternateContent>
-        <mc:AlternateContent xmlns:mc="http://schemas.openxmlformats.org/markup-compatibility/2006">
-          <mc:Choice xmlns:p14="http://schemas.microsoft.com/office/powerpoint/2010/main" Requires="p14">
+        <mc:AlternateContent xmlns:mc="http://schemas.openxmlformats.org/markup-compatibility/2006" xmlns:p14="http://schemas.microsoft.com/office/powerpoint/2010/main">
+          <mc:Choice Requires="p14">
             <p:contentPart p14:bwMode="auto" r:id="rId174">
               <p14:nvContentPartPr>
                 <p14:cNvPr id="183" name="잉크 182">
@@ -26223,7 +28981,7 @@
               </p14:xfrm>
             </p:contentPart>
           </mc:Choice>
-          <mc:Fallback>
+          <mc:Fallback xmlns="">
             <p:pic>
               <p:nvPicPr>
                 <p:cNvPr id="183" name="잉크 182">
@@ -26254,8 +29012,8 @@
             </p:pic>
           </mc:Fallback>
         </mc:AlternateContent>
-        <mc:AlternateContent xmlns:mc="http://schemas.openxmlformats.org/markup-compatibility/2006">
-          <mc:Choice xmlns:p14="http://schemas.microsoft.com/office/powerpoint/2010/main" Requires="p14">
+        <mc:AlternateContent xmlns:mc="http://schemas.openxmlformats.org/markup-compatibility/2006" xmlns:p14="http://schemas.microsoft.com/office/powerpoint/2010/main">
+          <mc:Choice Requires="p14">
             <p:contentPart p14:bwMode="auto" r:id="rId176">
               <p14:nvContentPartPr>
                 <p14:cNvPr id="184" name="잉크 183">
@@ -26274,7 +29032,7 @@
               </p14:xfrm>
             </p:contentPart>
           </mc:Choice>
-          <mc:Fallback>
+          <mc:Fallback xmlns="">
             <p:pic>
               <p:nvPicPr>
                 <p:cNvPr id="184" name="잉크 183">
@@ -26305,8 +29063,8 @@
             </p:pic>
           </mc:Fallback>
         </mc:AlternateContent>
-        <mc:AlternateContent xmlns:mc="http://schemas.openxmlformats.org/markup-compatibility/2006">
-          <mc:Choice xmlns:p14="http://schemas.microsoft.com/office/powerpoint/2010/main" Requires="p14">
+        <mc:AlternateContent xmlns:mc="http://schemas.openxmlformats.org/markup-compatibility/2006" xmlns:p14="http://schemas.microsoft.com/office/powerpoint/2010/main">
+          <mc:Choice Requires="p14">
             <p:contentPart p14:bwMode="auto" r:id="rId178">
               <p14:nvContentPartPr>
                 <p14:cNvPr id="185" name="잉크 184">
@@ -26325,7 +29083,7 @@
               </p14:xfrm>
             </p:contentPart>
           </mc:Choice>
-          <mc:Fallback>
+          <mc:Fallback xmlns="">
             <p:pic>
               <p:nvPicPr>
                 <p:cNvPr id="185" name="잉크 184">
@@ -26356,8 +29114,8 @@
             </p:pic>
           </mc:Fallback>
         </mc:AlternateContent>
-        <mc:AlternateContent xmlns:mc="http://schemas.openxmlformats.org/markup-compatibility/2006">
-          <mc:Choice xmlns:p14="http://schemas.microsoft.com/office/powerpoint/2010/main" Requires="p14">
+        <mc:AlternateContent xmlns:mc="http://schemas.openxmlformats.org/markup-compatibility/2006" xmlns:p14="http://schemas.microsoft.com/office/powerpoint/2010/main">
+          <mc:Choice Requires="p14">
             <p:contentPart p14:bwMode="auto" r:id="rId180">
               <p14:nvContentPartPr>
                 <p14:cNvPr id="186" name="잉크 185">
@@ -26376,7 +29134,7 @@
               </p14:xfrm>
             </p:contentPart>
           </mc:Choice>
-          <mc:Fallback>
+          <mc:Fallback xmlns="">
             <p:pic>
               <p:nvPicPr>
                 <p:cNvPr id="186" name="잉크 185">
@@ -26428,8 +29186,8 @@
             <a:chExt cx="167400" cy="158400"/>
           </a:xfrm>
         </p:grpSpPr>
-        <mc:AlternateContent xmlns:mc="http://schemas.openxmlformats.org/markup-compatibility/2006">
-          <mc:Choice xmlns:p14="http://schemas.microsoft.com/office/powerpoint/2010/main" Requires="p14">
+        <mc:AlternateContent xmlns:mc="http://schemas.openxmlformats.org/markup-compatibility/2006" xmlns:p14="http://schemas.microsoft.com/office/powerpoint/2010/main">
+          <mc:Choice Requires="p14">
             <p:contentPart p14:bwMode="auto" r:id="rId182">
               <p14:nvContentPartPr>
                 <p14:cNvPr id="187" name="잉크 186">
@@ -26448,7 +29206,7 @@
               </p14:xfrm>
             </p:contentPart>
           </mc:Choice>
-          <mc:Fallback>
+          <mc:Fallback xmlns="">
             <p:pic>
               <p:nvPicPr>
                 <p:cNvPr id="187" name="잉크 186">
@@ -26479,8 +29237,8 @@
             </p:pic>
           </mc:Fallback>
         </mc:AlternateContent>
-        <mc:AlternateContent xmlns:mc="http://schemas.openxmlformats.org/markup-compatibility/2006">
-          <mc:Choice xmlns:p14="http://schemas.microsoft.com/office/powerpoint/2010/main" Requires="p14">
+        <mc:AlternateContent xmlns:mc="http://schemas.openxmlformats.org/markup-compatibility/2006" xmlns:p14="http://schemas.microsoft.com/office/powerpoint/2010/main">
+          <mc:Choice Requires="p14">
             <p:contentPart p14:bwMode="auto" r:id="rId184">
               <p14:nvContentPartPr>
                 <p14:cNvPr id="188" name="잉크 187">
@@ -26499,7 +29257,7 @@
               </p14:xfrm>
             </p:contentPart>
           </mc:Choice>
-          <mc:Fallback>
+          <mc:Fallback xmlns="">
             <p:pic>
               <p:nvPicPr>
                 <p:cNvPr id="188" name="잉크 187">
@@ -26551,8 +29309,8 @@
             <a:chExt cx="328680" cy="338760"/>
           </a:xfrm>
         </p:grpSpPr>
-        <mc:AlternateContent xmlns:mc="http://schemas.openxmlformats.org/markup-compatibility/2006">
-          <mc:Choice xmlns:p14="http://schemas.microsoft.com/office/powerpoint/2010/main" Requires="p14">
+        <mc:AlternateContent xmlns:mc="http://schemas.openxmlformats.org/markup-compatibility/2006" xmlns:p14="http://schemas.microsoft.com/office/powerpoint/2010/main">
+          <mc:Choice Requires="p14">
             <p:contentPart p14:bwMode="auto" r:id="rId186">
               <p14:nvContentPartPr>
                 <p14:cNvPr id="189" name="잉크 188">
@@ -26571,7 +29329,7 @@
               </p14:xfrm>
             </p:contentPart>
           </mc:Choice>
-          <mc:Fallback>
+          <mc:Fallback xmlns="">
             <p:pic>
               <p:nvPicPr>
                 <p:cNvPr id="189" name="잉크 188">
@@ -26602,8 +29360,8 @@
             </p:pic>
           </mc:Fallback>
         </mc:AlternateContent>
-        <mc:AlternateContent xmlns:mc="http://schemas.openxmlformats.org/markup-compatibility/2006">
-          <mc:Choice xmlns:p14="http://schemas.microsoft.com/office/powerpoint/2010/main" Requires="p14">
+        <mc:AlternateContent xmlns:mc="http://schemas.openxmlformats.org/markup-compatibility/2006" xmlns:p14="http://schemas.microsoft.com/office/powerpoint/2010/main">
+          <mc:Choice Requires="p14">
             <p:contentPart p14:bwMode="auto" r:id="rId188">
               <p14:nvContentPartPr>
                 <p14:cNvPr id="190" name="잉크 189">
@@ -26622,7 +29380,7 @@
               </p14:xfrm>
             </p:contentPart>
           </mc:Choice>
-          <mc:Fallback>
+          <mc:Fallback xmlns="">
             <p:pic>
               <p:nvPicPr>
                 <p:cNvPr id="190" name="잉크 189">
@@ -26674,8 +29432,8 @@
             <a:chExt cx="1022040" cy="397440"/>
           </a:xfrm>
         </p:grpSpPr>
-        <mc:AlternateContent xmlns:mc="http://schemas.openxmlformats.org/markup-compatibility/2006">
-          <mc:Choice xmlns:p14="http://schemas.microsoft.com/office/powerpoint/2010/main" Requires="p14">
+        <mc:AlternateContent xmlns:mc="http://schemas.openxmlformats.org/markup-compatibility/2006" xmlns:p14="http://schemas.microsoft.com/office/powerpoint/2010/main">
+          <mc:Choice Requires="p14">
             <p:contentPart p14:bwMode="auto" r:id="rId190">
               <p14:nvContentPartPr>
                 <p14:cNvPr id="194" name="잉크 193">
@@ -26694,7 +29452,7 @@
               </p14:xfrm>
             </p:contentPart>
           </mc:Choice>
-          <mc:Fallback>
+          <mc:Fallback xmlns="">
             <p:pic>
               <p:nvPicPr>
                 <p:cNvPr id="194" name="잉크 193">
@@ -26725,8 +29483,8 @@
             </p:pic>
           </mc:Fallback>
         </mc:AlternateContent>
-        <mc:AlternateContent xmlns:mc="http://schemas.openxmlformats.org/markup-compatibility/2006">
-          <mc:Choice xmlns:p14="http://schemas.microsoft.com/office/powerpoint/2010/main" Requires="p14">
+        <mc:AlternateContent xmlns:mc="http://schemas.openxmlformats.org/markup-compatibility/2006" xmlns:p14="http://schemas.microsoft.com/office/powerpoint/2010/main">
+          <mc:Choice Requires="p14">
             <p:contentPart p14:bwMode="auto" r:id="rId192">
               <p14:nvContentPartPr>
                 <p14:cNvPr id="195" name="잉크 194">
@@ -26745,7 +29503,7 @@
               </p14:xfrm>
             </p:contentPart>
           </mc:Choice>
-          <mc:Fallback>
+          <mc:Fallback xmlns="">
             <p:pic>
               <p:nvPicPr>
                 <p:cNvPr id="195" name="잉크 194">
@@ -26776,8 +29534,8 @@
             </p:pic>
           </mc:Fallback>
         </mc:AlternateContent>
-        <mc:AlternateContent xmlns:mc="http://schemas.openxmlformats.org/markup-compatibility/2006">
-          <mc:Choice xmlns:p14="http://schemas.microsoft.com/office/powerpoint/2010/main" Requires="p14">
+        <mc:AlternateContent xmlns:mc="http://schemas.openxmlformats.org/markup-compatibility/2006" xmlns:p14="http://schemas.microsoft.com/office/powerpoint/2010/main">
+          <mc:Choice Requires="p14">
             <p:contentPart p14:bwMode="auto" r:id="rId194">
               <p14:nvContentPartPr>
                 <p14:cNvPr id="196" name="잉크 195">
@@ -26796,7 +29554,7 @@
               </p14:xfrm>
             </p:contentPart>
           </mc:Choice>
-          <mc:Fallback>
+          <mc:Fallback xmlns="">
             <p:pic>
               <p:nvPicPr>
                 <p:cNvPr id="196" name="잉크 195">
@@ -26827,8 +29585,8 @@
             </p:pic>
           </mc:Fallback>
         </mc:AlternateContent>
-        <mc:AlternateContent xmlns:mc="http://schemas.openxmlformats.org/markup-compatibility/2006">
-          <mc:Choice xmlns:p14="http://schemas.microsoft.com/office/powerpoint/2010/main" Requires="p14">
+        <mc:AlternateContent xmlns:mc="http://schemas.openxmlformats.org/markup-compatibility/2006" xmlns:p14="http://schemas.microsoft.com/office/powerpoint/2010/main">
+          <mc:Choice Requires="p14">
             <p:contentPart p14:bwMode="auto" r:id="rId196">
               <p14:nvContentPartPr>
                 <p14:cNvPr id="197" name="잉크 196">
@@ -26847,7 +29605,7 @@
               </p14:xfrm>
             </p:contentPart>
           </mc:Choice>
-          <mc:Fallback>
+          <mc:Fallback xmlns="">
             <p:pic>
               <p:nvPicPr>
                 <p:cNvPr id="197" name="잉크 196">
@@ -26878,8 +29636,8 @@
             </p:pic>
           </mc:Fallback>
         </mc:AlternateContent>
-        <mc:AlternateContent xmlns:mc="http://schemas.openxmlformats.org/markup-compatibility/2006">
-          <mc:Choice xmlns:p14="http://schemas.microsoft.com/office/powerpoint/2010/main" Requires="p14">
+        <mc:AlternateContent xmlns:mc="http://schemas.openxmlformats.org/markup-compatibility/2006" xmlns:p14="http://schemas.microsoft.com/office/powerpoint/2010/main">
+          <mc:Choice Requires="p14">
             <p:contentPart p14:bwMode="auto" r:id="rId198">
               <p14:nvContentPartPr>
                 <p14:cNvPr id="198" name="잉크 197">
@@ -26898,7 +29656,7 @@
               </p14:xfrm>
             </p:contentPart>
           </mc:Choice>
-          <mc:Fallback>
+          <mc:Fallback xmlns="">
             <p:pic>
               <p:nvPicPr>
                 <p:cNvPr id="198" name="잉크 197">
@@ -26929,8 +29687,8 @@
             </p:pic>
           </mc:Fallback>
         </mc:AlternateContent>
-        <mc:AlternateContent xmlns:mc="http://schemas.openxmlformats.org/markup-compatibility/2006">
-          <mc:Choice xmlns:p14="http://schemas.microsoft.com/office/powerpoint/2010/main" Requires="p14">
+        <mc:AlternateContent xmlns:mc="http://schemas.openxmlformats.org/markup-compatibility/2006" xmlns:p14="http://schemas.microsoft.com/office/powerpoint/2010/main">
+          <mc:Choice Requires="p14">
             <p:contentPart p14:bwMode="auto" r:id="rId200">
               <p14:nvContentPartPr>
                 <p14:cNvPr id="199" name="잉크 198">
@@ -26949,7 +29707,7 @@
               </p14:xfrm>
             </p:contentPart>
           </mc:Choice>
-          <mc:Fallback>
+          <mc:Fallback xmlns="">
             <p:pic>
               <p:nvPicPr>
                 <p:cNvPr id="199" name="잉크 198">
@@ -27001,8 +29759,8 @@
             <a:chExt cx="1197360" cy="388800"/>
           </a:xfrm>
         </p:grpSpPr>
-        <mc:AlternateContent xmlns:mc="http://schemas.openxmlformats.org/markup-compatibility/2006">
-          <mc:Choice xmlns:p14="http://schemas.microsoft.com/office/powerpoint/2010/main" Requires="p14">
+        <mc:AlternateContent xmlns:mc="http://schemas.openxmlformats.org/markup-compatibility/2006" xmlns:p14="http://schemas.microsoft.com/office/powerpoint/2010/main">
+          <mc:Choice Requires="p14">
             <p:contentPart p14:bwMode="auto" r:id="rId202">
               <p14:nvContentPartPr>
                 <p14:cNvPr id="201" name="잉크 200">
@@ -27021,7 +29779,7 @@
               </p14:xfrm>
             </p:contentPart>
           </mc:Choice>
-          <mc:Fallback>
+          <mc:Fallback xmlns="">
             <p:pic>
               <p:nvPicPr>
                 <p:cNvPr id="201" name="잉크 200">
@@ -27052,8 +29810,8 @@
             </p:pic>
           </mc:Fallback>
         </mc:AlternateContent>
-        <mc:AlternateContent xmlns:mc="http://schemas.openxmlformats.org/markup-compatibility/2006">
-          <mc:Choice xmlns:p14="http://schemas.microsoft.com/office/powerpoint/2010/main" Requires="p14">
+        <mc:AlternateContent xmlns:mc="http://schemas.openxmlformats.org/markup-compatibility/2006" xmlns:p14="http://schemas.microsoft.com/office/powerpoint/2010/main">
+          <mc:Choice Requires="p14">
             <p:contentPart p14:bwMode="auto" r:id="rId204">
               <p14:nvContentPartPr>
                 <p14:cNvPr id="202" name="잉크 201">
@@ -27072,7 +29830,7 @@
               </p14:xfrm>
             </p:contentPart>
           </mc:Choice>
-          <mc:Fallback>
+          <mc:Fallback xmlns="">
             <p:pic>
               <p:nvPicPr>
                 <p:cNvPr id="202" name="잉크 201">
@@ -27103,8 +29861,8 @@
             </p:pic>
           </mc:Fallback>
         </mc:AlternateContent>
-        <mc:AlternateContent xmlns:mc="http://schemas.openxmlformats.org/markup-compatibility/2006">
-          <mc:Choice xmlns:p14="http://schemas.microsoft.com/office/powerpoint/2010/main" Requires="p14">
+        <mc:AlternateContent xmlns:mc="http://schemas.openxmlformats.org/markup-compatibility/2006" xmlns:p14="http://schemas.microsoft.com/office/powerpoint/2010/main">
+          <mc:Choice Requires="p14">
             <p:contentPart p14:bwMode="auto" r:id="rId206">
               <p14:nvContentPartPr>
                 <p14:cNvPr id="204" name="잉크 203">
@@ -27123,7 +29881,7 @@
               </p14:xfrm>
             </p:contentPart>
           </mc:Choice>
-          <mc:Fallback>
+          <mc:Fallback xmlns="">
             <p:pic>
               <p:nvPicPr>
                 <p:cNvPr id="204" name="잉크 203">
@@ -27154,8 +29912,8 @@
             </p:pic>
           </mc:Fallback>
         </mc:AlternateContent>
-        <mc:AlternateContent xmlns:mc="http://schemas.openxmlformats.org/markup-compatibility/2006">
-          <mc:Choice xmlns:p14="http://schemas.microsoft.com/office/powerpoint/2010/main" Requires="p14">
+        <mc:AlternateContent xmlns:mc="http://schemas.openxmlformats.org/markup-compatibility/2006" xmlns:p14="http://schemas.microsoft.com/office/powerpoint/2010/main">
+          <mc:Choice Requires="p14">
             <p:contentPart p14:bwMode="auto" r:id="rId208">
               <p14:nvContentPartPr>
                 <p14:cNvPr id="205" name="잉크 204">
@@ -27174,7 +29932,7 @@
               </p14:xfrm>
             </p:contentPart>
           </mc:Choice>
-          <mc:Fallback>
+          <mc:Fallback xmlns="">
             <p:pic>
               <p:nvPicPr>
                 <p:cNvPr id="205" name="잉크 204">
@@ -27205,8 +29963,8 @@
             </p:pic>
           </mc:Fallback>
         </mc:AlternateContent>
-        <mc:AlternateContent xmlns:mc="http://schemas.openxmlformats.org/markup-compatibility/2006">
-          <mc:Choice xmlns:p14="http://schemas.microsoft.com/office/powerpoint/2010/main" Requires="p14">
+        <mc:AlternateContent xmlns:mc="http://schemas.openxmlformats.org/markup-compatibility/2006" xmlns:p14="http://schemas.microsoft.com/office/powerpoint/2010/main">
+          <mc:Choice Requires="p14">
             <p:contentPart p14:bwMode="auto" r:id="rId210">
               <p14:nvContentPartPr>
                 <p14:cNvPr id="206" name="잉크 205">
@@ -27225,7 +29983,7 @@
               </p14:xfrm>
             </p:contentPart>
           </mc:Choice>
-          <mc:Fallback>
+          <mc:Fallback xmlns="">
             <p:pic>
               <p:nvPicPr>
                 <p:cNvPr id="206" name="잉크 205">
@@ -27256,8 +30014,8 @@
             </p:pic>
           </mc:Fallback>
         </mc:AlternateContent>
-        <mc:AlternateContent xmlns:mc="http://schemas.openxmlformats.org/markup-compatibility/2006">
-          <mc:Choice xmlns:p14="http://schemas.microsoft.com/office/powerpoint/2010/main" Requires="p14">
+        <mc:AlternateContent xmlns:mc="http://schemas.openxmlformats.org/markup-compatibility/2006" xmlns:p14="http://schemas.microsoft.com/office/powerpoint/2010/main">
+          <mc:Choice Requires="p14">
             <p:contentPart p14:bwMode="auto" r:id="rId212">
               <p14:nvContentPartPr>
                 <p14:cNvPr id="207" name="잉크 206">
@@ -27276,7 +30034,7 @@
               </p14:xfrm>
             </p:contentPart>
           </mc:Choice>
-          <mc:Fallback>
+          <mc:Fallback xmlns="">
             <p:pic>
               <p:nvPicPr>
                 <p:cNvPr id="207" name="잉크 206">
@@ -27307,8 +30065,8 @@
             </p:pic>
           </mc:Fallback>
         </mc:AlternateContent>
-        <mc:AlternateContent xmlns:mc="http://schemas.openxmlformats.org/markup-compatibility/2006">
-          <mc:Choice xmlns:p14="http://schemas.microsoft.com/office/powerpoint/2010/main" Requires="p14">
+        <mc:AlternateContent xmlns:mc="http://schemas.openxmlformats.org/markup-compatibility/2006" xmlns:p14="http://schemas.microsoft.com/office/powerpoint/2010/main">
+          <mc:Choice Requires="p14">
             <p:contentPart p14:bwMode="auto" r:id="rId214">
               <p14:nvContentPartPr>
                 <p14:cNvPr id="210" name="잉크 209">
@@ -27327,7 +30085,7 @@
               </p14:xfrm>
             </p:contentPart>
           </mc:Choice>
-          <mc:Fallback>
+          <mc:Fallback xmlns="">
             <p:pic>
               <p:nvPicPr>
                 <p:cNvPr id="210" name="잉크 209">
@@ -27379,8 +30137,8 @@
             <a:chExt cx="1356840" cy="528480"/>
           </a:xfrm>
         </p:grpSpPr>
-        <mc:AlternateContent xmlns:mc="http://schemas.openxmlformats.org/markup-compatibility/2006">
-          <mc:Choice xmlns:p14="http://schemas.microsoft.com/office/powerpoint/2010/main" Requires="p14">
+        <mc:AlternateContent xmlns:mc="http://schemas.openxmlformats.org/markup-compatibility/2006" xmlns:p14="http://schemas.microsoft.com/office/powerpoint/2010/main">
+          <mc:Choice Requires="p14">
             <p:contentPart p14:bwMode="auto" r:id="rId216">
               <p14:nvContentPartPr>
                 <p14:cNvPr id="212" name="잉크 211">
@@ -27399,7 +30157,7 @@
               </p14:xfrm>
             </p:contentPart>
           </mc:Choice>
-          <mc:Fallback>
+          <mc:Fallback xmlns="">
             <p:pic>
               <p:nvPicPr>
                 <p:cNvPr id="212" name="잉크 211">
@@ -27430,8 +30188,8 @@
             </p:pic>
           </mc:Fallback>
         </mc:AlternateContent>
-        <mc:AlternateContent xmlns:mc="http://schemas.openxmlformats.org/markup-compatibility/2006">
-          <mc:Choice xmlns:p14="http://schemas.microsoft.com/office/powerpoint/2010/main" Requires="p14">
+        <mc:AlternateContent xmlns:mc="http://schemas.openxmlformats.org/markup-compatibility/2006" xmlns:p14="http://schemas.microsoft.com/office/powerpoint/2010/main">
+          <mc:Choice Requires="p14">
             <p:contentPart p14:bwMode="auto" r:id="rId218">
               <p14:nvContentPartPr>
                 <p14:cNvPr id="213" name="잉크 212">
@@ -27450,7 +30208,7 @@
               </p14:xfrm>
             </p:contentPart>
           </mc:Choice>
-          <mc:Fallback>
+          <mc:Fallback xmlns="">
             <p:pic>
               <p:nvPicPr>
                 <p:cNvPr id="213" name="잉크 212">
@@ -27481,8 +30239,8 @@
             </p:pic>
           </mc:Fallback>
         </mc:AlternateContent>
-        <mc:AlternateContent xmlns:mc="http://schemas.openxmlformats.org/markup-compatibility/2006">
-          <mc:Choice xmlns:p14="http://schemas.microsoft.com/office/powerpoint/2010/main" Requires="p14">
+        <mc:AlternateContent xmlns:mc="http://schemas.openxmlformats.org/markup-compatibility/2006" xmlns:p14="http://schemas.microsoft.com/office/powerpoint/2010/main">
+          <mc:Choice Requires="p14">
             <p:contentPart p14:bwMode="auto" r:id="rId220">
               <p14:nvContentPartPr>
                 <p14:cNvPr id="214" name="잉크 213">
@@ -27501,7 +30259,7 @@
               </p14:xfrm>
             </p:contentPart>
           </mc:Choice>
-          <mc:Fallback>
+          <mc:Fallback xmlns="">
             <p:pic>
               <p:nvPicPr>
                 <p:cNvPr id="214" name="잉크 213">
@@ -27532,8 +30290,8 @@
             </p:pic>
           </mc:Fallback>
         </mc:AlternateContent>
-        <mc:AlternateContent xmlns:mc="http://schemas.openxmlformats.org/markup-compatibility/2006">
-          <mc:Choice xmlns:p14="http://schemas.microsoft.com/office/powerpoint/2010/main" Requires="p14">
+        <mc:AlternateContent xmlns:mc="http://schemas.openxmlformats.org/markup-compatibility/2006" xmlns:p14="http://schemas.microsoft.com/office/powerpoint/2010/main">
+          <mc:Choice Requires="p14">
             <p:contentPart p14:bwMode="auto" r:id="rId222">
               <p14:nvContentPartPr>
                 <p14:cNvPr id="215" name="잉크 214">
@@ -27552,7 +30310,7 @@
               </p14:xfrm>
             </p:contentPart>
           </mc:Choice>
-          <mc:Fallback>
+          <mc:Fallback xmlns="">
             <p:pic>
               <p:nvPicPr>
                 <p:cNvPr id="215" name="잉크 214">
@@ -27583,8 +30341,8 @@
             </p:pic>
           </mc:Fallback>
         </mc:AlternateContent>
-        <mc:AlternateContent xmlns:mc="http://schemas.openxmlformats.org/markup-compatibility/2006">
-          <mc:Choice xmlns:p14="http://schemas.microsoft.com/office/powerpoint/2010/main" Requires="p14">
+        <mc:AlternateContent xmlns:mc="http://schemas.openxmlformats.org/markup-compatibility/2006" xmlns:p14="http://schemas.microsoft.com/office/powerpoint/2010/main">
+          <mc:Choice Requires="p14">
             <p:contentPart p14:bwMode="auto" r:id="rId224">
               <p14:nvContentPartPr>
                 <p14:cNvPr id="216" name="잉크 215">
@@ -27603,7 +30361,7 @@
               </p14:xfrm>
             </p:contentPart>
           </mc:Choice>
-          <mc:Fallback>
+          <mc:Fallback xmlns="">
             <p:pic>
               <p:nvPicPr>
                 <p:cNvPr id="216" name="잉크 215">
@@ -27634,8 +30392,8 @@
             </p:pic>
           </mc:Fallback>
         </mc:AlternateContent>
-        <mc:AlternateContent xmlns:mc="http://schemas.openxmlformats.org/markup-compatibility/2006">
-          <mc:Choice xmlns:p14="http://schemas.microsoft.com/office/powerpoint/2010/main" Requires="p14">
+        <mc:AlternateContent xmlns:mc="http://schemas.openxmlformats.org/markup-compatibility/2006" xmlns:p14="http://schemas.microsoft.com/office/powerpoint/2010/main">
+          <mc:Choice Requires="p14">
             <p:contentPart p14:bwMode="auto" r:id="rId226">
               <p14:nvContentPartPr>
                 <p14:cNvPr id="217" name="잉크 216">
@@ -27654,7 +30412,7 @@
               </p14:xfrm>
             </p:contentPart>
           </mc:Choice>
-          <mc:Fallback>
+          <mc:Fallback xmlns="">
             <p:pic>
               <p:nvPicPr>
                 <p:cNvPr id="217" name="잉크 216">
@@ -27685,8 +30443,8 @@
             </p:pic>
           </mc:Fallback>
         </mc:AlternateContent>
-        <mc:AlternateContent xmlns:mc="http://schemas.openxmlformats.org/markup-compatibility/2006">
-          <mc:Choice xmlns:p14="http://schemas.microsoft.com/office/powerpoint/2010/main" Requires="p14">
+        <mc:AlternateContent xmlns:mc="http://schemas.openxmlformats.org/markup-compatibility/2006" xmlns:p14="http://schemas.microsoft.com/office/powerpoint/2010/main">
+          <mc:Choice Requires="p14">
             <p:contentPart p14:bwMode="auto" r:id="rId228">
               <p14:nvContentPartPr>
                 <p14:cNvPr id="219" name="잉크 218">
@@ -27705,7 +30463,7 @@
               </p14:xfrm>
             </p:contentPart>
           </mc:Choice>
-          <mc:Fallback>
+          <mc:Fallback xmlns="">
             <p:pic>
               <p:nvPicPr>
                 <p:cNvPr id="219" name="잉크 218">
@@ -27736,8 +30494,8 @@
             </p:pic>
           </mc:Fallback>
         </mc:AlternateContent>
-        <mc:AlternateContent xmlns:mc="http://schemas.openxmlformats.org/markup-compatibility/2006">
-          <mc:Choice xmlns:p14="http://schemas.microsoft.com/office/powerpoint/2010/main" Requires="p14">
+        <mc:AlternateContent xmlns:mc="http://schemas.openxmlformats.org/markup-compatibility/2006" xmlns:p14="http://schemas.microsoft.com/office/powerpoint/2010/main">
+          <mc:Choice Requires="p14">
             <p:contentPart p14:bwMode="auto" r:id="rId230">
               <p14:nvContentPartPr>
                 <p14:cNvPr id="220" name="잉크 219">
@@ -27756,7 +30514,7 @@
               </p14:xfrm>
             </p:contentPart>
           </mc:Choice>
-          <mc:Fallback>
+          <mc:Fallback xmlns="">
             <p:pic>
               <p:nvPicPr>
                 <p:cNvPr id="220" name="잉크 219">
@@ -27788,8 +30546,8 @@
           </mc:Fallback>
         </mc:AlternateContent>
       </p:grpSp>
-      <mc:AlternateContent xmlns:mc="http://schemas.openxmlformats.org/markup-compatibility/2006">
-        <mc:Choice xmlns:p14="http://schemas.microsoft.com/office/powerpoint/2010/main" Requires="p14">
+      <mc:AlternateContent xmlns:mc="http://schemas.openxmlformats.org/markup-compatibility/2006" xmlns:p14="http://schemas.microsoft.com/office/powerpoint/2010/main">
+        <mc:Choice Requires="p14">
           <p:contentPart p14:bwMode="auto" r:id="rId232">
             <p14:nvContentPartPr>
               <p14:cNvPr id="222" name="잉크 221">
@@ -27808,7 +30566,7 @@
             </p14:xfrm>
           </p:contentPart>
         </mc:Choice>
-        <mc:Fallback>
+        <mc:Fallback xmlns="">
           <p:pic>
             <p:nvPicPr>
               <p:cNvPr id="222" name="잉크 221">
@@ -27839,8 +30597,8 @@
           </p:pic>
         </mc:Fallback>
       </mc:AlternateContent>
-      <mc:AlternateContent xmlns:mc="http://schemas.openxmlformats.org/markup-compatibility/2006">
-        <mc:Choice xmlns:p14="http://schemas.microsoft.com/office/powerpoint/2010/main" Requires="p14">
+      <mc:AlternateContent xmlns:mc="http://schemas.openxmlformats.org/markup-compatibility/2006" xmlns:p14="http://schemas.microsoft.com/office/powerpoint/2010/main">
+        <mc:Choice Requires="p14">
           <p:contentPart p14:bwMode="auto" r:id="rId234">
             <p14:nvContentPartPr>
               <p14:cNvPr id="223" name="잉크 222">
@@ -27859,7 +30617,7 @@
             </p14:xfrm>
           </p:contentPart>
         </mc:Choice>
-        <mc:Fallback>
+        <mc:Fallback xmlns="">
           <p:pic>
             <p:nvPicPr>
               <p:cNvPr id="223" name="잉크 222">
@@ -27890,8 +30648,8 @@
           </p:pic>
         </mc:Fallback>
       </mc:AlternateContent>
-      <mc:AlternateContent xmlns:mc="http://schemas.openxmlformats.org/markup-compatibility/2006">
-        <mc:Choice xmlns:p14="http://schemas.microsoft.com/office/powerpoint/2010/main" Requires="p14">
+      <mc:AlternateContent xmlns:mc="http://schemas.openxmlformats.org/markup-compatibility/2006" xmlns:p14="http://schemas.microsoft.com/office/powerpoint/2010/main">
+        <mc:Choice Requires="p14">
           <p:contentPart p14:bwMode="auto" r:id="rId236">
             <p14:nvContentPartPr>
               <p14:cNvPr id="224" name="잉크 223">
@@ -27910,7 +30668,7 @@
             </p14:xfrm>
           </p:contentPart>
         </mc:Choice>
-        <mc:Fallback>
+        <mc:Fallback xmlns="">
           <p:pic>
             <p:nvPicPr>
               <p:cNvPr id="224" name="잉크 223">
@@ -27961,8 +30719,8 @@
             <a:chExt cx="373320" cy="293760"/>
           </a:xfrm>
         </p:grpSpPr>
-        <mc:AlternateContent xmlns:mc="http://schemas.openxmlformats.org/markup-compatibility/2006">
-          <mc:Choice xmlns:p14="http://schemas.microsoft.com/office/powerpoint/2010/main" Requires="p14">
+        <mc:AlternateContent xmlns:mc="http://schemas.openxmlformats.org/markup-compatibility/2006" xmlns:p14="http://schemas.microsoft.com/office/powerpoint/2010/main">
+          <mc:Choice Requires="p14">
             <p:contentPart p14:bwMode="auto" r:id="rId238">
               <p14:nvContentPartPr>
                 <p14:cNvPr id="228" name="잉크 227">
@@ -27981,7 +30739,7 @@
               </p14:xfrm>
             </p:contentPart>
           </mc:Choice>
-          <mc:Fallback>
+          <mc:Fallback xmlns="">
             <p:pic>
               <p:nvPicPr>
                 <p:cNvPr id="228" name="잉크 227">
@@ -28012,8 +30770,8 @@
             </p:pic>
           </mc:Fallback>
         </mc:AlternateContent>
-        <mc:AlternateContent xmlns:mc="http://schemas.openxmlformats.org/markup-compatibility/2006">
-          <mc:Choice xmlns:p14="http://schemas.microsoft.com/office/powerpoint/2010/main" Requires="p14">
+        <mc:AlternateContent xmlns:mc="http://schemas.openxmlformats.org/markup-compatibility/2006" xmlns:p14="http://schemas.microsoft.com/office/powerpoint/2010/main">
+          <mc:Choice Requires="p14">
             <p:contentPart p14:bwMode="auto" r:id="rId240">
               <p14:nvContentPartPr>
                 <p14:cNvPr id="229" name="잉크 228">
@@ -28032,7 +30790,7 @@
               </p14:xfrm>
             </p:contentPart>
           </mc:Choice>
-          <mc:Fallback>
+          <mc:Fallback xmlns="">
             <p:pic>
               <p:nvPicPr>
                 <p:cNvPr id="229" name="잉크 228">
@@ -28064,8 +30822,8 @@
           </mc:Fallback>
         </mc:AlternateContent>
       </p:grpSp>
-      <mc:AlternateContent xmlns:mc="http://schemas.openxmlformats.org/markup-compatibility/2006">
-        <mc:Choice xmlns:p14="http://schemas.microsoft.com/office/powerpoint/2010/main" Requires="p14">
+      <mc:AlternateContent xmlns:mc="http://schemas.openxmlformats.org/markup-compatibility/2006" xmlns:p14="http://schemas.microsoft.com/office/powerpoint/2010/main">
+        <mc:Choice Requires="p14">
           <p:contentPart p14:bwMode="auto" r:id="rId242">
             <p14:nvContentPartPr>
               <p14:cNvPr id="230" name="잉크 229">
@@ -28084,7 +30842,7 @@
             </p14:xfrm>
           </p:contentPart>
         </mc:Choice>
-        <mc:Fallback>
+        <mc:Fallback xmlns="">
           <p:pic>
             <p:nvPicPr>
               <p:cNvPr id="230" name="잉크 229">
@@ -28135,8 +30893,8 @@
             <a:chExt cx="265320" cy="357480"/>
           </a:xfrm>
         </p:grpSpPr>
-        <mc:AlternateContent xmlns:mc="http://schemas.openxmlformats.org/markup-compatibility/2006">
-          <mc:Choice xmlns:p14="http://schemas.microsoft.com/office/powerpoint/2010/main" Requires="p14">
+        <mc:AlternateContent xmlns:mc="http://schemas.openxmlformats.org/markup-compatibility/2006" xmlns:p14="http://schemas.microsoft.com/office/powerpoint/2010/main">
+          <mc:Choice Requires="p14">
             <p:contentPart p14:bwMode="auto" r:id="rId244">
               <p14:nvContentPartPr>
                 <p14:cNvPr id="232" name="잉크 231">
@@ -28155,7 +30913,7 @@
               </p14:xfrm>
             </p:contentPart>
           </mc:Choice>
-          <mc:Fallback>
+          <mc:Fallback xmlns="">
             <p:pic>
               <p:nvPicPr>
                 <p:cNvPr id="232" name="잉크 231">
@@ -28186,8 +30944,8 @@
             </p:pic>
           </mc:Fallback>
         </mc:AlternateContent>
-        <mc:AlternateContent xmlns:mc="http://schemas.openxmlformats.org/markup-compatibility/2006">
-          <mc:Choice xmlns:p14="http://schemas.microsoft.com/office/powerpoint/2010/main" Requires="p14">
+        <mc:AlternateContent xmlns:mc="http://schemas.openxmlformats.org/markup-compatibility/2006" xmlns:p14="http://schemas.microsoft.com/office/powerpoint/2010/main">
+          <mc:Choice Requires="p14">
             <p:contentPart p14:bwMode="auto" r:id="rId246">
               <p14:nvContentPartPr>
                 <p14:cNvPr id="233" name="잉크 232">
@@ -28206,7 +30964,7 @@
               </p14:xfrm>
             </p:contentPart>
           </mc:Choice>
-          <mc:Fallback>
+          <mc:Fallback xmlns="">
             <p:pic>
               <p:nvPicPr>
                 <p:cNvPr id="233" name="잉크 232">
@@ -28258,8 +31016,8 @@
             <a:chExt cx="1184040" cy="633960"/>
           </a:xfrm>
         </p:grpSpPr>
-        <mc:AlternateContent xmlns:mc="http://schemas.openxmlformats.org/markup-compatibility/2006">
-          <mc:Choice xmlns:p14="http://schemas.microsoft.com/office/powerpoint/2010/main" Requires="p14">
+        <mc:AlternateContent xmlns:mc="http://schemas.openxmlformats.org/markup-compatibility/2006" xmlns:p14="http://schemas.microsoft.com/office/powerpoint/2010/main">
+          <mc:Choice Requires="p14">
             <p:contentPart p14:bwMode="auto" r:id="rId248">
               <p14:nvContentPartPr>
                 <p14:cNvPr id="235" name="잉크 234">
@@ -28278,7 +31036,7 @@
               </p14:xfrm>
             </p:contentPart>
           </mc:Choice>
-          <mc:Fallback>
+          <mc:Fallback xmlns="">
             <p:pic>
               <p:nvPicPr>
                 <p:cNvPr id="235" name="잉크 234">
@@ -28309,8 +31067,8 @@
             </p:pic>
           </mc:Fallback>
         </mc:AlternateContent>
-        <mc:AlternateContent xmlns:mc="http://schemas.openxmlformats.org/markup-compatibility/2006">
-          <mc:Choice xmlns:p14="http://schemas.microsoft.com/office/powerpoint/2010/main" Requires="p14">
+        <mc:AlternateContent xmlns:mc="http://schemas.openxmlformats.org/markup-compatibility/2006" xmlns:p14="http://schemas.microsoft.com/office/powerpoint/2010/main">
+          <mc:Choice Requires="p14">
             <p:contentPart p14:bwMode="auto" r:id="rId250">
               <p14:nvContentPartPr>
                 <p14:cNvPr id="236" name="잉크 235">
@@ -28329,7 +31087,7 @@
               </p14:xfrm>
             </p:contentPart>
           </mc:Choice>
-          <mc:Fallback>
+          <mc:Fallback xmlns="">
             <p:pic>
               <p:nvPicPr>
                 <p:cNvPr id="236" name="잉크 235">
@@ -28360,8 +31118,8 @@
             </p:pic>
           </mc:Fallback>
         </mc:AlternateContent>
-        <mc:AlternateContent xmlns:mc="http://schemas.openxmlformats.org/markup-compatibility/2006">
-          <mc:Choice xmlns:p14="http://schemas.microsoft.com/office/powerpoint/2010/main" Requires="p14">
+        <mc:AlternateContent xmlns:mc="http://schemas.openxmlformats.org/markup-compatibility/2006" xmlns:p14="http://schemas.microsoft.com/office/powerpoint/2010/main">
+          <mc:Choice Requires="p14">
             <p:contentPart p14:bwMode="auto" r:id="rId252">
               <p14:nvContentPartPr>
                 <p14:cNvPr id="238" name="잉크 237">
@@ -28380,7 +31138,7 @@
               </p14:xfrm>
             </p:contentPart>
           </mc:Choice>
-          <mc:Fallback>
+          <mc:Fallback xmlns="">
             <p:pic>
               <p:nvPicPr>
                 <p:cNvPr id="238" name="잉크 237">
@@ -28411,8 +31169,8 @@
             </p:pic>
           </mc:Fallback>
         </mc:AlternateContent>
-        <mc:AlternateContent xmlns:mc="http://schemas.openxmlformats.org/markup-compatibility/2006">
-          <mc:Choice xmlns:p14="http://schemas.microsoft.com/office/powerpoint/2010/main" Requires="p14">
+        <mc:AlternateContent xmlns:mc="http://schemas.openxmlformats.org/markup-compatibility/2006" xmlns:p14="http://schemas.microsoft.com/office/powerpoint/2010/main">
+          <mc:Choice Requires="p14">
             <p:contentPart p14:bwMode="auto" r:id="rId254">
               <p14:nvContentPartPr>
                 <p14:cNvPr id="239" name="잉크 238">
@@ -28431,7 +31189,7 @@
               </p14:xfrm>
             </p:contentPart>
           </mc:Choice>
-          <mc:Fallback>
+          <mc:Fallback xmlns="">
             <p:pic>
               <p:nvPicPr>
                 <p:cNvPr id="239" name="잉크 238">
@@ -28462,8 +31220,8 @@
             </p:pic>
           </mc:Fallback>
         </mc:AlternateContent>
-        <mc:AlternateContent xmlns:mc="http://schemas.openxmlformats.org/markup-compatibility/2006">
-          <mc:Choice xmlns:p14="http://schemas.microsoft.com/office/powerpoint/2010/main" Requires="p14">
+        <mc:AlternateContent xmlns:mc="http://schemas.openxmlformats.org/markup-compatibility/2006" xmlns:p14="http://schemas.microsoft.com/office/powerpoint/2010/main">
+          <mc:Choice Requires="p14">
             <p:contentPart p14:bwMode="auto" r:id="rId256">
               <p14:nvContentPartPr>
                 <p14:cNvPr id="240" name="잉크 239">
@@ -28482,7 +31240,7 @@
               </p14:xfrm>
             </p:contentPart>
           </mc:Choice>
-          <mc:Fallback>
+          <mc:Fallback xmlns="">
             <p:pic>
               <p:nvPicPr>
                 <p:cNvPr id="240" name="잉크 239">
@@ -28513,8 +31271,8 @@
             </p:pic>
           </mc:Fallback>
         </mc:AlternateContent>
-        <mc:AlternateContent xmlns:mc="http://schemas.openxmlformats.org/markup-compatibility/2006">
-          <mc:Choice xmlns:p14="http://schemas.microsoft.com/office/powerpoint/2010/main" Requires="p14">
+        <mc:AlternateContent xmlns:mc="http://schemas.openxmlformats.org/markup-compatibility/2006" xmlns:p14="http://schemas.microsoft.com/office/powerpoint/2010/main">
+          <mc:Choice Requires="p14">
             <p:contentPart p14:bwMode="auto" r:id="rId258">
               <p14:nvContentPartPr>
                 <p14:cNvPr id="242" name="잉크 241">
@@ -28533,7 +31291,7 @@
               </p14:xfrm>
             </p:contentPart>
           </mc:Choice>
-          <mc:Fallback>
+          <mc:Fallback xmlns="">
             <p:pic>
               <p:nvPicPr>
                 <p:cNvPr id="242" name="잉크 241">
@@ -28564,8 +31322,8 @@
             </p:pic>
           </mc:Fallback>
         </mc:AlternateContent>
-        <mc:AlternateContent xmlns:mc="http://schemas.openxmlformats.org/markup-compatibility/2006">
-          <mc:Choice xmlns:p14="http://schemas.microsoft.com/office/powerpoint/2010/main" Requires="p14">
+        <mc:AlternateContent xmlns:mc="http://schemas.openxmlformats.org/markup-compatibility/2006" xmlns:p14="http://schemas.microsoft.com/office/powerpoint/2010/main">
+          <mc:Choice Requires="p14">
             <p:contentPart p14:bwMode="auto" r:id="rId260">
               <p14:nvContentPartPr>
                 <p14:cNvPr id="243" name="잉크 242">
@@ -28584,7 +31342,7 @@
               </p14:xfrm>
             </p:contentPart>
           </mc:Choice>
-          <mc:Fallback>
+          <mc:Fallback xmlns="">
             <p:pic>
               <p:nvPicPr>
                 <p:cNvPr id="243" name="잉크 242">
@@ -28616,8 +31374,8 @@
           </mc:Fallback>
         </mc:AlternateContent>
       </p:grpSp>
-      <mc:AlternateContent xmlns:mc="http://schemas.openxmlformats.org/markup-compatibility/2006">
-        <mc:Choice xmlns:p14="http://schemas.microsoft.com/office/powerpoint/2010/main" Requires="p14">
+      <mc:AlternateContent xmlns:mc="http://schemas.openxmlformats.org/markup-compatibility/2006" xmlns:p14="http://schemas.microsoft.com/office/powerpoint/2010/main">
+        <mc:Choice Requires="p14">
           <p:contentPart p14:bwMode="auto" r:id="rId262">
             <p14:nvContentPartPr>
               <p14:cNvPr id="245" name="잉크 244">
@@ -28636,7 +31394,7 @@
             </p14:xfrm>
           </p:contentPart>
         </mc:Choice>
-        <mc:Fallback>
+        <mc:Fallback xmlns="">
           <p:pic>
             <p:nvPicPr>
               <p:cNvPr id="245" name="잉크 244">
@@ -28687,8 +31445,8 @@
             <a:chExt cx="877320" cy="464400"/>
           </a:xfrm>
         </p:grpSpPr>
-        <mc:AlternateContent xmlns:mc="http://schemas.openxmlformats.org/markup-compatibility/2006">
-          <mc:Choice xmlns:p14="http://schemas.microsoft.com/office/powerpoint/2010/main" Requires="p14">
+        <mc:AlternateContent xmlns:mc="http://schemas.openxmlformats.org/markup-compatibility/2006" xmlns:p14="http://schemas.microsoft.com/office/powerpoint/2010/main">
+          <mc:Choice Requires="p14">
             <p:contentPart p14:bwMode="auto" r:id="rId264">
               <p14:nvContentPartPr>
                 <p14:cNvPr id="246" name="잉크 245">
@@ -28707,7 +31465,7 @@
               </p14:xfrm>
             </p:contentPart>
           </mc:Choice>
-          <mc:Fallback>
+          <mc:Fallback xmlns="">
             <p:pic>
               <p:nvPicPr>
                 <p:cNvPr id="246" name="잉크 245">
@@ -28738,8 +31496,8 @@
             </p:pic>
           </mc:Fallback>
         </mc:AlternateContent>
-        <mc:AlternateContent xmlns:mc="http://schemas.openxmlformats.org/markup-compatibility/2006">
-          <mc:Choice xmlns:p14="http://schemas.microsoft.com/office/powerpoint/2010/main" Requires="p14">
+        <mc:AlternateContent xmlns:mc="http://schemas.openxmlformats.org/markup-compatibility/2006" xmlns:p14="http://schemas.microsoft.com/office/powerpoint/2010/main">
+          <mc:Choice Requires="p14">
             <p:contentPart p14:bwMode="auto" r:id="rId266">
               <p14:nvContentPartPr>
                 <p14:cNvPr id="247" name="잉크 246">
@@ -28758,7 +31516,7 @@
               </p14:xfrm>
             </p:contentPart>
           </mc:Choice>
-          <mc:Fallback>
+          <mc:Fallback xmlns="">
             <p:pic>
               <p:nvPicPr>
                 <p:cNvPr id="247" name="잉크 246">
@@ -28789,8 +31547,8 @@
             </p:pic>
           </mc:Fallback>
         </mc:AlternateContent>
-        <mc:AlternateContent xmlns:mc="http://schemas.openxmlformats.org/markup-compatibility/2006">
-          <mc:Choice xmlns:p14="http://schemas.microsoft.com/office/powerpoint/2010/main" Requires="p14">
+        <mc:AlternateContent xmlns:mc="http://schemas.openxmlformats.org/markup-compatibility/2006" xmlns:p14="http://schemas.microsoft.com/office/powerpoint/2010/main">
+          <mc:Choice Requires="p14">
             <p:contentPart p14:bwMode="auto" r:id="rId268">
               <p14:nvContentPartPr>
                 <p14:cNvPr id="248" name="잉크 247">
@@ -28809,7 +31567,7 @@
               </p14:xfrm>
             </p:contentPart>
           </mc:Choice>
-          <mc:Fallback>
+          <mc:Fallback xmlns="">
             <p:pic>
               <p:nvPicPr>
                 <p:cNvPr id="248" name="잉크 247">
@@ -28840,8 +31598,8 @@
             </p:pic>
           </mc:Fallback>
         </mc:AlternateContent>
-        <mc:AlternateContent xmlns:mc="http://schemas.openxmlformats.org/markup-compatibility/2006">
-          <mc:Choice xmlns:p14="http://schemas.microsoft.com/office/powerpoint/2010/main" Requires="p14">
+        <mc:AlternateContent xmlns:mc="http://schemas.openxmlformats.org/markup-compatibility/2006" xmlns:p14="http://schemas.microsoft.com/office/powerpoint/2010/main">
+          <mc:Choice Requires="p14">
             <p:contentPart p14:bwMode="auto" r:id="rId270">
               <p14:nvContentPartPr>
                 <p14:cNvPr id="249" name="잉크 248">
@@ -28860,7 +31618,7 @@
               </p14:xfrm>
             </p:contentPart>
           </mc:Choice>
-          <mc:Fallback>
+          <mc:Fallback xmlns="">
             <p:pic>
               <p:nvPicPr>
                 <p:cNvPr id="249" name="잉크 248">
@@ -28891,8 +31649,8 @@
             </p:pic>
           </mc:Fallback>
         </mc:AlternateContent>
-        <mc:AlternateContent xmlns:mc="http://schemas.openxmlformats.org/markup-compatibility/2006">
-          <mc:Choice xmlns:p14="http://schemas.microsoft.com/office/powerpoint/2010/main" Requires="p14">
+        <mc:AlternateContent xmlns:mc="http://schemas.openxmlformats.org/markup-compatibility/2006" xmlns:p14="http://schemas.microsoft.com/office/powerpoint/2010/main">
+          <mc:Choice Requires="p14">
             <p:contentPart p14:bwMode="auto" r:id="rId272">
               <p14:nvContentPartPr>
                 <p14:cNvPr id="250" name="잉크 249">
@@ -28911,7 +31669,7 @@
               </p14:xfrm>
             </p:contentPart>
           </mc:Choice>
-          <mc:Fallback>
+          <mc:Fallback xmlns="">
             <p:pic>
               <p:nvPicPr>
                 <p:cNvPr id="250" name="잉크 249">
@@ -28942,8 +31700,8 @@
             </p:pic>
           </mc:Fallback>
         </mc:AlternateContent>
-        <mc:AlternateContent xmlns:mc="http://schemas.openxmlformats.org/markup-compatibility/2006">
-          <mc:Choice xmlns:p14="http://schemas.microsoft.com/office/powerpoint/2010/main" Requires="p14">
+        <mc:AlternateContent xmlns:mc="http://schemas.openxmlformats.org/markup-compatibility/2006" xmlns:p14="http://schemas.microsoft.com/office/powerpoint/2010/main">
+          <mc:Choice Requires="p14">
             <p:contentPart p14:bwMode="auto" r:id="rId274">
               <p14:nvContentPartPr>
                 <p14:cNvPr id="251" name="잉크 250">
@@ -28962,7 +31720,7 @@
               </p14:xfrm>
             </p:contentPart>
           </mc:Choice>
-          <mc:Fallback>
+          <mc:Fallback xmlns="">
             <p:pic>
               <p:nvPicPr>
                 <p:cNvPr id="251" name="잉크 250">
@@ -28993,8 +31751,8 @@
             </p:pic>
           </mc:Fallback>
         </mc:AlternateContent>
-        <mc:AlternateContent xmlns:mc="http://schemas.openxmlformats.org/markup-compatibility/2006">
-          <mc:Choice xmlns:p14="http://schemas.microsoft.com/office/powerpoint/2010/main" Requires="p14">
+        <mc:AlternateContent xmlns:mc="http://schemas.openxmlformats.org/markup-compatibility/2006" xmlns:p14="http://schemas.microsoft.com/office/powerpoint/2010/main">
+          <mc:Choice Requires="p14">
             <p:contentPart p14:bwMode="auto" r:id="rId276">
               <p14:nvContentPartPr>
                 <p14:cNvPr id="252" name="잉크 251">
@@ -29013,7 +31771,7 @@
               </p14:xfrm>
             </p:contentPart>
           </mc:Choice>
-          <mc:Fallback>
+          <mc:Fallback xmlns="">
             <p:pic>
               <p:nvPicPr>
                 <p:cNvPr id="252" name="잉크 251">
@@ -29044,8 +31802,8 @@
             </p:pic>
           </mc:Fallback>
         </mc:AlternateContent>
-        <mc:AlternateContent xmlns:mc="http://schemas.openxmlformats.org/markup-compatibility/2006">
-          <mc:Choice xmlns:p14="http://schemas.microsoft.com/office/powerpoint/2010/main" Requires="p14">
+        <mc:AlternateContent xmlns:mc="http://schemas.openxmlformats.org/markup-compatibility/2006" xmlns:p14="http://schemas.microsoft.com/office/powerpoint/2010/main">
+          <mc:Choice Requires="p14">
             <p:contentPart p14:bwMode="auto" r:id="rId278">
               <p14:nvContentPartPr>
                 <p14:cNvPr id="253" name="잉크 252">
@@ -29064,7 +31822,7 @@
               </p14:xfrm>
             </p:contentPart>
           </mc:Choice>
-          <mc:Fallback>
+          <mc:Fallback xmlns="">
             <p:pic>
               <p:nvPicPr>
                 <p:cNvPr id="253" name="잉크 252">
@@ -29186,8 +31944,8 @@
             <a:chExt cx="1516320" cy="357480"/>
           </a:xfrm>
         </p:grpSpPr>
-        <mc:AlternateContent xmlns:mc="http://schemas.openxmlformats.org/markup-compatibility/2006">
-          <mc:Choice xmlns:p14="http://schemas.microsoft.com/office/powerpoint/2010/main" Requires="p14">
+        <mc:AlternateContent xmlns:mc="http://schemas.openxmlformats.org/markup-compatibility/2006" xmlns:p14="http://schemas.microsoft.com/office/powerpoint/2010/main">
+          <mc:Choice Requires="p14">
             <p:contentPart p14:bwMode="auto" r:id="rId2">
               <p14:nvContentPartPr>
                 <p14:cNvPr id="116" name="잉크 115">
@@ -29206,7 +31964,7 @@
               </p14:xfrm>
             </p:contentPart>
           </mc:Choice>
-          <mc:Fallback>
+          <mc:Fallback xmlns="">
             <p:pic>
               <p:nvPicPr>
                 <p:cNvPr id="116" name="잉크 115">
@@ -29237,8 +31995,8 @@
             </p:pic>
           </mc:Fallback>
         </mc:AlternateContent>
-        <mc:AlternateContent xmlns:mc="http://schemas.openxmlformats.org/markup-compatibility/2006">
-          <mc:Choice xmlns:p14="http://schemas.microsoft.com/office/powerpoint/2010/main" Requires="p14">
+        <mc:AlternateContent xmlns:mc="http://schemas.openxmlformats.org/markup-compatibility/2006" xmlns:p14="http://schemas.microsoft.com/office/powerpoint/2010/main">
+          <mc:Choice Requires="p14">
             <p:contentPart p14:bwMode="auto" r:id="rId4">
               <p14:nvContentPartPr>
                 <p14:cNvPr id="117" name="잉크 116">
@@ -29257,7 +32015,7 @@
               </p14:xfrm>
             </p:contentPart>
           </mc:Choice>
-          <mc:Fallback>
+          <mc:Fallback xmlns="">
             <p:pic>
               <p:nvPicPr>
                 <p:cNvPr id="117" name="잉크 116">
@@ -29288,8 +32046,8 @@
             </p:pic>
           </mc:Fallback>
         </mc:AlternateContent>
-        <mc:AlternateContent xmlns:mc="http://schemas.openxmlformats.org/markup-compatibility/2006">
-          <mc:Choice xmlns:p14="http://schemas.microsoft.com/office/powerpoint/2010/main" Requires="p14">
+        <mc:AlternateContent xmlns:mc="http://schemas.openxmlformats.org/markup-compatibility/2006" xmlns:p14="http://schemas.microsoft.com/office/powerpoint/2010/main">
+          <mc:Choice Requires="p14">
             <p:contentPart p14:bwMode="auto" r:id="rId6">
               <p14:nvContentPartPr>
                 <p14:cNvPr id="118" name="잉크 117">
@@ -29308,7 +32066,7 @@
               </p14:xfrm>
             </p:contentPart>
           </mc:Choice>
-          <mc:Fallback>
+          <mc:Fallback xmlns="">
             <p:pic>
               <p:nvPicPr>
                 <p:cNvPr id="118" name="잉크 117">
@@ -29339,8 +32097,8 @@
             </p:pic>
           </mc:Fallback>
         </mc:AlternateContent>
-        <mc:AlternateContent xmlns:mc="http://schemas.openxmlformats.org/markup-compatibility/2006">
-          <mc:Choice xmlns:p14="http://schemas.microsoft.com/office/powerpoint/2010/main" Requires="p14">
+        <mc:AlternateContent xmlns:mc="http://schemas.openxmlformats.org/markup-compatibility/2006" xmlns:p14="http://schemas.microsoft.com/office/powerpoint/2010/main">
+          <mc:Choice Requires="p14">
             <p:contentPart p14:bwMode="auto" r:id="rId8">
               <p14:nvContentPartPr>
                 <p14:cNvPr id="120" name="잉크 119">
@@ -29359,7 +32117,7 @@
               </p14:xfrm>
             </p:contentPart>
           </mc:Choice>
-          <mc:Fallback>
+          <mc:Fallback xmlns="">
             <p:pic>
               <p:nvPicPr>
                 <p:cNvPr id="120" name="잉크 119">
@@ -29390,8 +32148,8 @@
             </p:pic>
           </mc:Fallback>
         </mc:AlternateContent>
-        <mc:AlternateContent xmlns:mc="http://schemas.openxmlformats.org/markup-compatibility/2006">
-          <mc:Choice xmlns:p14="http://schemas.microsoft.com/office/powerpoint/2010/main" Requires="p14">
+        <mc:AlternateContent xmlns:mc="http://schemas.openxmlformats.org/markup-compatibility/2006" xmlns:p14="http://schemas.microsoft.com/office/powerpoint/2010/main">
+          <mc:Choice Requires="p14">
             <p:contentPart p14:bwMode="auto" r:id="rId10">
               <p14:nvContentPartPr>
                 <p14:cNvPr id="122" name="잉크 121">
@@ -29410,7 +32168,7 @@
               </p14:xfrm>
             </p:contentPart>
           </mc:Choice>
-          <mc:Fallback>
+          <mc:Fallback xmlns="">
             <p:pic>
               <p:nvPicPr>
                 <p:cNvPr id="122" name="잉크 121">
@@ -29441,8 +32199,8 @@
             </p:pic>
           </mc:Fallback>
         </mc:AlternateContent>
-        <mc:AlternateContent xmlns:mc="http://schemas.openxmlformats.org/markup-compatibility/2006">
-          <mc:Choice xmlns:p14="http://schemas.microsoft.com/office/powerpoint/2010/main" Requires="p14">
+        <mc:AlternateContent xmlns:mc="http://schemas.openxmlformats.org/markup-compatibility/2006" xmlns:p14="http://schemas.microsoft.com/office/powerpoint/2010/main">
+          <mc:Choice Requires="p14">
             <p:contentPart p14:bwMode="auto" r:id="rId12">
               <p14:nvContentPartPr>
                 <p14:cNvPr id="123" name="잉크 122">
@@ -29461,7 +32219,7 @@
               </p14:xfrm>
             </p:contentPart>
           </mc:Choice>
-          <mc:Fallback>
+          <mc:Fallback xmlns="">
             <p:pic>
               <p:nvPicPr>
                 <p:cNvPr id="123" name="잉크 122">
@@ -29492,8 +32250,8 @@
             </p:pic>
           </mc:Fallback>
         </mc:AlternateContent>
-        <mc:AlternateContent xmlns:mc="http://schemas.openxmlformats.org/markup-compatibility/2006">
-          <mc:Choice xmlns:p14="http://schemas.microsoft.com/office/powerpoint/2010/main" Requires="p14">
+        <mc:AlternateContent xmlns:mc="http://schemas.openxmlformats.org/markup-compatibility/2006" xmlns:p14="http://schemas.microsoft.com/office/powerpoint/2010/main">
+          <mc:Choice Requires="p14">
             <p:contentPart p14:bwMode="auto" r:id="rId14">
               <p14:nvContentPartPr>
                 <p14:cNvPr id="124" name="잉크 123">
@@ -29512,7 +32270,7 @@
               </p14:xfrm>
             </p:contentPart>
           </mc:Choice>
-          <mc:Fallback>
+          <mc:Fallback xmlns="">
             <p:pic>
               <p:nvPicPr>
                 <p:cNvPr id="124" name="잉크 123">
@@ -29543,8 +32301,8 @@
             </p:pic>
           </mc:Fallback>
         </mc:AlternateContent>
-        <mc:AlternateContent xmlns:mc="http://schemas.openxmlformats.org/markup-compatibility/2006">
-          <mc:Choice xmlns:p14="http://schemas.microsoft.com/office/powerpoint/2010/main" Requires="p14">
+        <mc:AlternateContent xmlns:mc="http://schemas.openxmlformats.org/markup-compatibility/2006" xmlns:p14="http://schemas.microsoft.com/office/powerpoint/2010/main">
+          <mc:Choice Requires="p14">
             <p:contentPart p14:bwMode="auto" r:id="rId16">
               <p14:nvContentPartPr>
                 <p14:cNvPr id="125" name="잉크 124">
@@ -29563,7 +32321,7 @@
               </p14:xfrm>
             </p:contentPart>
           </mc:Choice>
-          <mc:Fallback>
+          <mc:Fallback xmlns="">
             <p:pic>
               <p:nvPicPr>
                 <p:cNvPr id="125" name="잉크 124">
@@ -29594,8 +32352,8 @@
             </p:pic>
           </mc:Fallback>
         </mc:AlternateContent>
-        <mc:AlternateContent xmlns:mc="http://schemas.openxmlformats.org/markup-compatibility/2006">
-          <mc:Choice xmlns:p14="http://schemas.microsoft.com/office/powerpoint/2010/main" Requires="p14">
+        <mc:AlternateContent xmlns:mc="http://schemas.openxmlformats.org/markup-compatibility/2006" xmlns:p14="http://schemas.microsoft.com/office/powerpoint/2010/main">
+          <mc:Choice Requires="p14">
             <p:contentPart p14:bwMode="auto" r:id="rId18">
               <p14:nvContentPartPr>
                 <p14:cNvPr id="126" name="잉크 125">
@@ -29614,7 +32372,7 @@
               </p14:xfrm>
             </p:contentPart>
           </mc:Choice>
-          <mc:Fallback>
+          <mc:Fallback xmlns="">
             <p:pic>
               <p:nvPicPr>
                 <p:cNvPr id="126" name="잉크 125">
@@ -29645,8 +32403,8 @@
             </p:pic>
           </mc:Fallback>
         </mc:AlternateContent>
-        <mc:AlternateContent xmlns:mc="http://schemas.openxmlformats.org/markup-compatibility/2006">
-          <mc:Choice xmlns:p14="http://schemas.microsoft.com/office/powerpoint/2010/main" Requires="p14">
+        <mc:AlternateContent xmlns:mc="http://schemas.openxmlformats.org/markup-compatibility/2006" xmlns:p14="http://schemas.microsoft.com/office/powerpoint/2010/main">
+          <mc:Choice Requires="p14">
             <p:contentPart p14:bwMode="auto" r:id="rId20">
               <p14:nvContentPartPr>
                 <p14:cNvPr id="127" name="잉크 126">
@@ -29665,7 +32423,7 @@
               </p14:xfrm>
             </p:contentPart>
           </mc:Choice>
-          <mc:Fallback>
+          <mc:Fallback xmlns="">
             <p:pic>
               <p:nvPicPr>
                 <p:cNvPr id="127" name="잉크 126">
@@ -29717,8 +32475,8 @@
             <a:chExt cx="884880" cy="482760"/>
           </a:xfrm>
         </p:grpSpPr>
-        <mc:AlternateContent xmlns:mc="http://schemas.openxmlformats.org/markup-compatibility/2006">
-          <mc:Choice xmlns:p14="http://schemas.microsoft.com/office/powerpoint/2010/main" Requires="p14">
+        <mc:AlternateContent xmlns:mc="http://schemas.openxmlformats.org/markup-compatibility/2006" xmlns:p14="http://schemas.microsoft.com/office/powerpoint/2010/main">
+          <mc:Choice Requires="p14">
             <p:contentPart p14:bwMode="auto" r:id="rId22">
               <p14:nvContentPartPr>
                 <p14:cNvPr id="221" name="잉크 220">
@@ -29737,7 +32495,7 @@
               </p14:xfrm>
             </p:contentPart>
           </mc:Choice>
-          <mc:Fallback>
+          <mc:Fallback xmlns="">
             <p:pic>
               <p:nvPicPr>
                 <p:cNvPr id="221" name="잉크 220">
@@ -29768,8 +32526,8 @@
             </p:pic>
           </mc:Fallback>
         </mc:AlternateContent>
-        <mc:AlternateContent xmlns:mc="http://schemas.openxmlformats.org/markup-compatibility/2006">
-          <mc:Choice xmlns:p14="http://schemas.microsoft.com/office/powerpoint/2010/main" Requires="p14">
+        <mc:AlternateContent xmlns:mc="http://schemas.openxmlformats.org/markup-compatibility/2006" xmlns:p14="http://schemas.microsoft.com/office/powerpoint/2010/main">
+          <mc:Choice Requires="p14">
             <p:contentPart p14:bwMode="auto" r:id="rId24">
               <p14:nvContentPartPr>
                 <p14:cNvPr id="222" name="잉크 221">
@@ -29788,7 +32546,7 @@
               </p14:xfrm>
             </p:contentPart>
           </mc:Choice>
-          <mc:Fallback>
+          <mc:Fallback xmlns="">
             <p:pic>
               <p:nvPicPr>
                 <p:cNvPr id="222" name="잉크 221">
@@ -29819,8 +32577,8 @@
             </p:pic>
           </mc:Fallback>
         </mc:AlternateContent>
-        <mc:AlternateContent xmlns:mc="http://schemas.openxmlformats.org/markup-compatibility/2006">
-          <mc:Choice xmlns:p14="http://schemas.microsoft.com/office/powerpoint/2010/main" Requires="p14">
+        <mc:AlternateContent xmlns:mc="http://schemas.openxmlformats.org/markup-compatibility/2006" xmlns:p14="http://schemas.microsoft.com/office/powerpoint/2010/main">
+          <mc:Choice Requires="p14">
             <p:contentPart p14:bwMode="auto" r:id="rId26">
               <p14:nvContentPartPr>
                 <p14:cNvPr id="224" name="잉크 223">
@@ -29839,7 +32597,7 @@
               </p14:xfrm>
             </p:contentPart>
           </mc:Choice>
-          <mc:Fallback>
+          <mc:Fallback xmlns="">
             <p:pic>
               <p:nvPicPr>
                 <p:cNvPr id="224" name="잉크 223">
@@ -29870,8 +32628,8 @@
             </p:pic>
           </mc:Fallback>
         </mc:AlternateContent>
-        <mc:AlternateContent xmlns:mc="http://schemas.openxmlformats.org/markup-compatibility/2006">
-          <mc:Choice xmlns:p14="http://schemas.microsoft.com/office/powerpoint/2010/main" Requires="p14">
+        <mc:AlternateContent xmlns:mc="http://schemas.openxmlformats.org/markup-compatibility/2006" xmlns:p14="http://schemas.microsoft.com/office/powerpoint/2010/main">
+          <mc:Choice Requires="p14">
             <p:contentPart p14:bwMode="auto" r:id="rId28">
               <p14:nvContentPartPr>
                 <p14:cNvPr id="226" name="잉크 225">
@@ -29890,7 +32648,7 @@
               </p14:xfrm>
             </p:contentPart>
           </mc:Choice>
-          <mc:Fallback>
+          <mc:Fallback xmlns="">
             <p:pic>
               <p:nvPicPr>
                 <p:cNvPr id="226" name="잉크 225">
@@ -29921,8 +32679,8 @@
             </p:pic>
           </mc:Fallback>
         </mc:AlternateContent>
-        <mc:AlternateContent xmlns:mc="http://schemas.openxmlformats.org/markup-compatibility/2006">
-          <mc:Choice xmlns:p14="http://schemas.microsoft.com/office/powerpoint/2010/main" Requires="p14">
+        <mc:AlternateContent xmlns:mc="http://schemas.openxmlformats.org/markup-compatibility/2006" xmlns:p14="http://schemas.microsoft.com/office/powerpoint/2010/main">
+          <mc:Choice Requires="p14">
             <p:contentPart p14:bwMode="auto" r:id="rId30">
               <p14:nvContentPartPr>
                 <p14:cNvPr id="227" name="잉크 226">
@@ -29941,7 +32699,7 @@
               </p14:xfrm>
             </p:contentPart>
           </mc:Choice>
-          <mc:Fallback>
+          <mc:Fallback xmlns="">
             <p:pic>
               <p:nvPicPr>
                 <p:cNvPr id="227" name="잉크 226">
@@ -29993,8 +32751,8 @@
             <a:chExt cx="871920" cy="443880"/>
           </a:xfrm>
         </p:grpSpPr>
-        <mc:AlternateContent xmlns:mc="http://schemas.openxmlformats.org/markup-compatibility/2006">
-          <mc:Choice xmlns:p14="http://schemas.microsoft.com/office/powerpoint/2010/main" Requires="p14">
+        <mc:AlternateContent xmlns:mc="http://schemas.openxmlformats.org/markup-compatibility/2006" xmlns:p14="http://schemas.microsoft.com/office/powerpoint/2010/main">
+          <mc:Choice Requires="p14">
             <p:contentPart p14:bwMode="auto" r:id="rId32">
               <p14:nvContentPartPr>
                 <p14:cNvPr id="228" name="잉크 227">
@@ -30013,7 +32771,7 @@
               </p14:xfrm>
             </p:contentPart>
           </mc:Choice>
-          <mc:Fallback>
+          <mc:Fallback xmlns="">
             <p:pic>
               <p:nvPicPr>
                 <p:cNvPr id="228" name="잉크 227">
@@ -30044,8 +32802,8 @@
             </p:pic>
           </mc:Fallback>
         </mc:AlternateContent>
-        <mc:AlternateContent xmlns:mc="http://schemas.openxmlformats.org/markup-compatibility/2006">
-          <mc:Choice xmlns:p14="http://schemas.microsoft.com/office/powerpoint/2010/main" Requires="p14">
+        <mc:AlternateContent xmlns:mc="http://schemas.openxmlformats.org/markup-compatibility/2006" xmlns:p14="http://schemas.microsoft.com/office/powerpoint/2010/main">
+          <mc:Choice Requires="p14">
             <p:contentPart p14:bwMode="auto" r:id="rId34">
               <p14:nvContentPartPr>
                 <p14:cNvPr id="229" name="잉크 228">
@@ -30064,7 +32822,7 @@
               </p14:xfrm>
             </p:contentPart>
           </mc:Choice>
-          <mc:Fallback>
+          <mc:Fallback xmlns="">
             <p:pic>
               <p:nvPicPr>
                 <p:cNvPr id="229" name="잉크 228">
@@ -30095,8 +32853,8 @@
             </p:pic>
           </mc:Fallback>
         </mc:AlternateContent>
-        <mc:AlternateContent xmlns:mc="http://schemas.openxmlformats.org/markup-compatibility/2006">
-          <mc:Choice xmlns:p14="http://schemas.microsoft.com/office/powerpoint/2010/main" Requires="p14">
+        <mc:AlternateContent xmlns:mc="http://schemas.openxmlformats.org/markup-compatibility/2006" xmlns:p14="http://schemas.microsoft.com/office/powerpoint/2010/main">
+          <mc:Choice Requires="p14">
             <p:contentPart p14:bwMode="auto" r:id="rId36">
               <p14:nvContentPartPr>
                 <p14:cNvPr id="230" name="잉크 229">
@@ -30115,7 +32873,7 @@
               </p14:xfrm>
             </p:contentPart>
           </mc:Choice>
-          <mc:Fallback>
+          <mc:Fallback xmlns="">
             <p:pic>
               <p:nvPicPr>
                 <p:cNvPr id="230" name="잉크 229">
@@ -30146,8 +32904,8 @@
             </p:pic>
           </mc:Fallback>
         </mc:AlternateContent>
-        <mc:AlternateContent xmlns:mc="http://schemas.openxmlformats.org/markup-compatibility/2006">
-          <mc:Choice xmlns:p14="http://schemas.microsoft.com/office/powerpoint/2010/main" Requires="p14">
+        <mc:AlternateContent xmlns:mc="http://schemas.openxmlformats.org/markup-compatibility/2006" xmlns:p14="http://schemas.microsoft.com/office/powerpoint/2010/main">
+          <mc:Choice Requires="p14">
             <p:contentPart p14:bwMode="auto" r:id="rId38">
               <p14:nvContentPartPr>
                 <p14:cNvPr id="231" name="잉크 230">
@@ -30166,7 +32924,7 @@
               </p14:xfrm>
             </p:contentPart>
           </mc:Choice>
-          <mc:Fallback>
+          <mc:Fallback xmlns="">
             <p:pic>
               <p:nvPicPr>
                 <p:cNvPr id="231" name="잉크 230">
@@ -30197,8 +32955,8 @@
             </p:pic>
           </mc:Fallback>
         </mc:AlternateContent>
-        <mc:AlternateContent xmlns:mc="http://schemas.openxmlformats.org/markup-compatibility/2006">
-          <mc:Choice xmlns:p14="http://schemas.microsoft.com/office/powerpoint/2010/main" Requires="p14">
+        <mc:AlternateContent xmlns:mc="http://schemas.openxmlformats.org/markup-compatibility/2006" xmlns:p14="http://schemas.microsoft.com/office/powerpoint/2010/main">
+          <mc:Choice Requires="p14">
             <p:contentPart p14:bwMode="auto" r:id="rId40">
               <p14:nvContentPartPr>
                 <p14:cNvPr id="232" name="잉크 231">
@@ -30217,7 +32975,7 @@
               </p14:xfrm>
             </p:contentPart>
           </mc:Choice>
-          <mc:Fallback>
+          <mc:Fallback xmlns="">
             <p:pic>
               <p:nvPicPr>
                 <p:cNvPr id="232" name="잉크 231">
@@ -30249,8 +33007,8 @@
           </mc:Fallback>
         </mc:AlternateContent>
       </p:grpSp>
-      <mc:AlternateContent xmlns:mc="http://schemas.openxmlformats.org/markup-compatibility/2006">
-        <mc:Choice xmlns:p14="http://schemas.microsoft.com/office/powerpoint/2010/main" Requires="p14">
+      <mc:AlternateContent xmlns:mc="http://schemas.openxmlformats.org/markup-compatibility/2006" xmlns:p14="http://schemas.microsoft.com/office/powerpoint/2010/main">
+        <mc:Choice Requires="p14">
           <p:contentPart p14:bwMode="auto" r:id="rId42">
             <p14:nvContentPartPr>
               <p14:cNvPr id="236" name="잉크 235">
@@ -30269,7 +33027,7 @@
             </p14:xfrm>
           </p:contentPart>
         </mc:Choice>
-        <mc:Fallback>
+        <mc:Fallback xmlns="">
           <p:pic>
             <p:nvPicPr>
               <p:cNvPr id="236" name="잉크 235">
@@ -30320,8 +33078,8 @@
             <a:chExt cx="1033920" cy="960840"/>
           </a:xfrm>
         </p:grpSpPr>
-        <mc:AlternateContent xmlns:mc="http://schemas.openxmlformats.org/markup-compatibility/2006">
-          <mc:Choice xmlns:p14="http://schemas.microsoft.com/office/powerpoint/2010/main" Requires="p14">
+        <mc:AlternateContent xmlns:mc="http://schemas.openxmlformats.org/markup-compatibility/2006" xmlns:p14="http://schemas.microsoft.com/office/powerpoint/2010/main">
+          <mc:Choice Requires="p14">
             <p:contentPart p14:bwMode="auto" r:id="rId44">
               <p14:nvContentPartPr>
                 <p14:cNvPr id="235" name="잉크 234">
@@ -30340,7 +33098,7 @@
               </p14:xfrm>
             </p:contentPart>
           </mc:Choice>
-          <mc:Fallback>
+          <mc:Fallback xmlns="">
             <p:pic>
               <p:nvPicPr>
                 <p:cNvPr id="235" name="잉크 234">
@@ -30371,8 +33129,8 @@
             </p:pic>
           </mc:Fallback>
         </mc:AlternateContent>
-        <mc:AlternateContent xmlns:mc="http://schemas.openxmlformats.org/markup-compatibility/2006">
-          <mc:Choice xmlns:p14="http://schemas.microsoft.com/office/powerpoint/2010/main" Requires="p14">
+        <mc:AlternateContent xmlns:mc="http://schemas.openxmlformats.org/markup-compatibility/2006" xmlns:p14="http://schemas.microsoft.com/office/powerpoint/2010/main">
+          <mc:Choice Requires="p14">
             <p:contentPart p14:bwMode="auto" r:id="rId46">
               <p14:nvContentPartPr>
                 <p14:cNvPr id="238" name="잉크 237">
@@ -30391,7 +33149,7 @@
               </p14:xfrm>
             </p:contentPart>
           </mc:Choice>
-          <mc:Fallback>
+          <mc:Fallback xmlns="">
             <p:pic>
               <p:nvPicPr>
                 <p:cNvPr id="238" name="잉크 237">
@@ -30422,8 +33180,8 @@
             </p:pic>
           </mc:Fallback>
         </mc:AlternateContent>
-        <mc:AlternateContent xmlns:mc="http://schemas.openxmlformats.org/markup-compatibility/2006">
-          <mc:Choice xmlns:p14="http://schemas.microsoft.com/office/powerpoint/2010/main" Requires="p14">
+        <mc:AlternateContent xmlns:mc="http://schemas.openxmlformats.org/markup-compatibility/2006" xmlns:p14="http://schemas.microsoft.com/office/powerpoint/2010/main">
+          <mc:Choice Requires="p14">
             <p:contentPart p14:bwMode="auto" r:id="rId48">
               <p14:nvContentPartPr>
                 <p14:cNvPr id="239" name="잉크 238">
@@ -30442,7 +33200,7 @@
               </p14:xfrm>
             </p:contentPart>
           </mc:Choice>
-          <mc:Fallback>
+          <mc:Fallback xmlns="">
             <p:pic>
               <p:nvPicPr>
                 <p:cNvPr id="239" name="잉크 238">
@@ -30473,8 +33231,8 @@
             </p:pic>
           </mc:Fallback>
         </mc:AlternateContent>
-        <mc:AlternateContent xmlns:mc="http://schemas.openxmlformats.org/markup-compatibility/2006">
-          <mc:Choice xmlns:p14="http://schemas.microsoft.com/office/powerpoint/2010/main" Requires="p14">
+        <mc:AlternateContent xmlns:mc="http://schemas.openxmlformats.org/markup-compatibility/2006" xmlns:p14="http://schemas.microsoft.com/office/powerpoint/2010/main">
+          <mc:Choice Requires="p14">
             <p:contentPart p14:bwMode="auto" r:id="rId50">
               <p14:nvContentPartPr>
                 <p14:cNvPr id="240" name="잉크 239">
@@ -30493,7 +33251,7 @@
               </p14:xfrm>
             </p:contentPart>
           </mc:Choice>
-          <mc:Fallback>
+          <mc:Fallback xmlns="">
             <p:pic>
               <p:nvPicPr>
                 <p:cNvPr id="240" name="잉크 239">
@@ -30524,8 +33282,8 @@
             </p:pic>
           </mc:Fallback>
         </mc:AlternateContent>
-        <mc:AlternateContent xmlns:mc="http://schemas.openxmlformats.org/markup-compatibility/2006">
-          <mc:Choice xmlns:p14="http://schemas.microsoft.com/office/powerpoint/2010/main" Requires="p14">
+        <mc:AlternateContent xmlns:mc="http://schemas.openxmlformats.org/markup-compatibility/2006" xmlns:p14="http://schemas.microsoft.com/office/powerpoint/2010/main">
+          <mc:Choice Requires="p14">
             <p:contentPart p14:bwMode="auto" r:id="rId52">
               <p14:nvContentPartPr>
                 <p14:cNvPr id="241" name="잉크 240">
@@ -30544,7 +33302,7 @@
               </p14:xfrm>
             </p:contentPart>
           </mc:Choice>
-          <mc:Fallback>
+          <mc:Fallback xmlns="">
             <p:pic>
               <p:nvPicPr>
                 <p:cNvPr id="241" name="잉크 240">
@@ -30575,8 +33333,8 @@
             </p:pic>
           </mc:Fallback>
         </mc:AlternateContent>
-        <mc:AlternateContent xmlns:mc="http://schemas.openxmlformats.org/markup-compatibility/2006">
-          <mc:Choice xmlns:p14="http://schemas.microsoft.com/office/powerpoint/2010/main" Requires="p14">
+        <mc:AlternateContent xmlns:mc="http://schemas.openxmlformats.org/markup-compatibility/2006" xmlns:p14="http://schemas.microsoft.com/office/powerpoint/2010/main">
+          <mc:Choice Requires="p14">
             <p:contentPart p14:bwMode="auto" r:id="rId54">
               <p14:nvContentPartPr>
                 <p14:cNvPr id="242" name="잉크 241">
@@ -30595,7 +33353,7 @@
               </p14:xfrm>
             </p:contentPart>
           </mc:Choice>
-          <mc:Fallback>
+          <mc:Fallback xmlns="">
             <p:pic>
               <p:nvPicPr>
                 <p:cNvPr id="242" name="잉크 241">
@@ -30647,8 +33405,8 @@
             <a:chExt cx="747000" cy="393840"/>
           </a:xfrm>
         </p:grpSpPr>
-        <mc:AlternateContent xmlns:mc="http://schemas.openxmlformats.org/markup-compatibility/2006">
-          <mc:Choice xmlns:p14="http://schemas.microsoft.com/office/powerpoint/2010/main" Requires="p14">
+        <mc:AlternateContent xmlns:mc="http://schemas.openxmlformats.org/markup-compatibility/2006" xmlns:p14="http://schemas.microsoft.com/office/powerpoint/2010/main">
+          <mc:Choice Requires="p14">
             <p:contentPart p14:bwMode="auto" r:id="rId56">
               <p14:nvContentPartPr>
                 <p14:cNvPr id="244" name="잉크 243">
@@ -30667,7 +33425,7 @@
               </p14:xfrm>
             </p:contentPart>
           </mc:Choice>
-          <mc:Fallback>
+          <mc:Fallback xmlns="">
             <p:pic>
               <p:nvPicPr>
                 <p:cNvPr id="244" name="잉크 243">
@@ -30698,8 +33456,8 @@
             </p:pic>
           </mc:Fallback>
         </mc:AlternateContent>
-        <mc:AlternateContent xmlns:mc="http://schemas.openxmlformats.org/markup-compatibility/2006">
-          <mc:Choice xmlns:p14="http://schemas.microsoft.com/office/powerpoint/2010/main" Requires="p14">
+        <mc:AlternateContent xmlns:mc="http://schemas.openxmlformats.org/markup-compatibility/2006" xmlns:p14="http://schemas.microsoft.com/office/powerpoint/2010/main">
+          <mc:Choice Requires="p14">
             <p:contentPart p14:bwMode="auto" r:id="rId58">
               <p14:nvContentPartPr>
                 <p14:cNvPr id="245" name="잉크 244">
@@ -30718,7 +33476,7 @@
               </p14:xfrm>
             </p:contentPart>
           </mc:Choice>
-          <mc:Fallback>
+          <mc:Fallback xmlns="">
             <p:pic>
               <p:nvPicPr>
                 <p:cNvPr id="245" name="잉크 244">
@@ -30749,8 +33507,8 @@
             </p:pic>
           </mc:Fallback>
         </mc:AlternateContent>
-        <mc:AlternateContent xmlns:mc="http://schemas.openxmlformats.org/markup-compatibility/2006">
-          <mc:Choice xmlns:p14="http://schemas.microsoft.com/office/powerpoint/2010/main" Requires="p14">
+        <mc:AlternateContent xmlns:mc="http://schemas.openxmlformats.org/markup-compatibility/2006" xmlns:p14="http://schemas.microsoft.com/office/powerpoint/2010/main">
+          <mc:Choice Requires="p14">
             <p:contentPart p14:bwMode="auto" r:id="rId60">
               <p14:nvContentPartPr>
                 <p14:cNvPr id="246" name="잉크 245">
@@ -30769,7 +33527,7 @@
               </p14:xfrm>
             </p:contentPart>
           </mc:Choice>
-          <mc:Fallback>
+          <mc:Fallback xmlns="">
             <p:pic>
               <p:nvPicPr>
                 <p:cNvPr id="246" name="잉크 245">
@@ -30800,8 +33558,8 @@
             </p:pic>
           </mc:Fallback>
         </mc:AlternateContent>
-        <mc:AlternateContent xmlns:mc="http://schemas.openxmlformats.org/markup-compatibility/2006">
-          <mc:Choice xmlns:p14="http://schemas.microsoft.com/office/powerpoint/2010/main" Requires="p14">
+        <mc:AlternateContent xmlns:mc="http://schemas.openxmlformats.org/markup-compatibility/2006" xmlns:p14="http://schemas.microsoft.com/office/powerpoint/2010/main">
+          <mc:Choice Requires="p14">
             <p:contentPart p14:bwMode="auto" r:id="rId62">
               <p14:nvContentPartPr>
                 <p14:cNvPr id="247" name="잉크 246">
@@ -30820,7 +33578,7 @@
               </p14:xfrm>
             </p:contentPart>
           </mc:Choice>
-          <mc:Fallback>
+          <mc:Fallback xmlns="">
             <p:pic>
               <p:nvPicPr>
                 <p:cNvPr id="247" name="잉크 246">
@@ -30851,8 +33609,8 @@
             </p:pic>
           </mc:Fallback>
         </mc:AlternateContent>
-        <mc:AlternateContent xmlns:mc="http://schemas.openxmlformats.org/markup-compatibility/2006">
-          <mc:Choice xmlns:p14="http://schemas.microsoft.com/office/powerpoint/2010/main" Requires="p14">
+        <mc:AlternateContent xmlns:mc="http://schemas.openxmlformats.org/markup-compatibility/2006" xmlns:p14="http://schemas.microsoft.com/office/powerpoint/2010/main">
+          <mc:Choice Requires="p14">
             <p:contentPart p14:bwMode="auto" r:id="rId64">
               <p14:nvContentPartPr>
                 <p14:cNvPr id="248" name="잉크 247">
@@ -30871,7 +33629,7 @@
               </p14:xfrm>
             </p:contentPart>
           </mc:Choice>
-          <mc:Fallback>
+          <mc:Fallback xmlns="">
             <p:pic>
               <p:nvPicPr>
                 <p:cNvPr id="248" name="잉크 247">
@@ -30903,8 +33661,8 @@
           </mc:Fallback>
         </mc:AlternateContent>
       </p:grpSp>
-      <mc:AlternateContent xmlns:mc="http://schemas.openxmlformats.org/markup-compatibility/2006">
-        <mc:Choice xmlns:p14="http://schemas.microsoft.com/office/powerpoint/2010/main" Requires="p14">
+      <mc:AlternateContent xmlns:mc="http://schemas.openxmlformats.org/markup-compatibility/2006" xmlns:p14="http://schemas.microsoft.com/office/powerpoint/2010/main">
+        <mc:Choice Requires="p14">
           <p:contentPart p14:bwMode="auto" r:id="rId66">
             <p14:nvContentPartPr>
               <p14:cNvPr id="256" name="잉크 255">
@@ -30923,7 +33681,7 @@
             </p14:xfrm>
           </p:contentPart>
         </mc:Choice>
-        <mc:Fallback>
+        <mc:Fallback xmlns="">
           <p:pic>
             <p:nvPicPr>
               <p:cNvPr id="256" name="잉크 255">
@@ -30954,8 +33712,8 @@
           </p:pic>
         </mc:Fallback>
       </mc:AlternateContent>
-      <mc:AlternateContent xmlns:mc="http://schemas.openxmlformats.org/markup-compatibility/2006">
-        <mc:Choice xmlns:p14="http://schemas.microsoft.com/office/powerpoint/2010/main" Requires="p14">
+      <mc:AlternateContent xmlns:mc="http://schemas.openxmlformats.org/markup-compatibility/2006" xmlns:p14="http://schemas.microsoft.com/office/powerpoint/2010/main">
+        <mc:Choice Requires="p14">
           <p:contentPart p14:bwMode="auto" r:id="rId68">
             <p14:nvContentPartPr>
               <p14:cNvPr id="146" name="잉크 145">
@@ -30974,7 +33732,7 @@
             </p14:xfrm>
           </p:contentPart>
         </mc:Choice>
-        <mc:Fallback>
+        <mc:Fallback xmlns="">
           <p:pic>
             <p:nvPicPr>
               <p:cNvPr id="146" name="잉크 145">
@@ -31005,8 +33763,8 @@
           </p:pic>
         </mc:Fallback>
       </mc:AlternateContent>
-      <mc:AlternateContent xmlns:mc="http://schemas.openxmlformats.org/markup-compatibility/2006">
-        <mc:Choice xmlns:p14="http://schemas.microsoft.com/office/powerpoint/2010/main" Requires="p14">
+      <mc:AlternateContent xmlns:mc="http://schemas.openxmlformats.org/markup-compatibility/2006" xmlns:p14="http://schemas.microsoft.com/office/powerpoint/2010/main">
+        <mc:Choice Requires="p14">
           <p:contentPart p14:bwMode="auto" r:id="rId70">
             <p14:nvContentPartPr>
               <p14:cNvPr id="157" name="잉크 156">
@@ -31025,7 +33783,7 @@
             </p14:xfrm>
           </p:contentPart>
         </mc:Choice>
-        <mc:Fallback>
+        <mc:Fallback xmlns="">
           <p:pic>
             <p:nvPicPr>
               <p:cNvPr id="157" name="잉크 156">
@@ -31056,8 +33814,8 @@
           </p:pic>
         </mc:Fallback>
       </mc:AlternateContent>
-      <mc:AlternateContent xmlns:mc="http://schemas.openxmlformats.org/markup-compatibility/2006">
-        <mc:Choice xmlns:p14="http://schemas.microsoft.com/office/powerpoint/2010/main" Requires="p14">
+      <mc:AlternateContent xmlns:mc="http://schemas.openxmlformats.org/markup-compatibility/2006" xmlns:p14="http://schemas.microsoft.com/office/powerpoint/2010/main">
+        <mc:Choice Requires="p14">
           <p:contentPart p14:bwMode="auto" r:id="rId72">
             <p14:nvContentPartPr>
               <p14:cNvPr id="163" name="잉크 162">
@@ -31076,7 +33834,7 @@
             </p14:xfrm>
           </p:contentPart>
         </mc:Choice>
-        <mc:Fallback>
+        <mc:Fallback xmlns="">
           <p:pic>
             <p:nvPicPr>
               <p:cNvPr id="163" name="잉크 162">
@@ -31107,8 +33865,8 @@
           </p:pic>
         </mc:Fallback>
       </mc:AlternateContent>
-      <mc:AlternateContent xmlns:mc="http://schemas.openxmlformats.org/markup-compatibility/2006">
-        <mc:Choice xmlns:p14="http://schemas.microsoft.com/office/powerpoint/2010/main" Requires="p14">
+      <mc:AlternateContent xmlns:mc="http://schemas.openxmlformats.org/markup-compatibility/2006" xmlns:p14="http://schemas.microsoft.com/office/powerpoint/2010/main">
+        <mc:Choice Requires="p14">
           <p:contentPart p14:bwMode="auto" r:id="rId74">
             <p14:nvContentPartPr>
               <p14:cNvPr id="166" name="잉크 165">
@@ -31127,7 +33885,7 @@
             </p14:xfrm>
           </p:contentPart>
         </mc:Choice>
-        <mc:Fallback>
+        <mc:Fallback xmlns="">
           <p:pic>
             <p:nvPicPr>
               <p:cNvPr id="166" name="잉크 165">
@@ -31158,8 +33916,8 @@
           </p:pic>
         </mc:Fallback>
       </mc:AlternateContent>
-      <mc:AlternateContent xmlns:mc="http://schemas.openxmlformats.org/markup-compatibility/2006">
-        <mc:Choice xmlns:p14="http://schemas.microsoft.com/office/powerpoint/2010/main" Requires="p14">
+      <mc:AlternateContent xmlns:mc="http://schemas.openxmlformats.org/markup-compatibility/2006" xmlns:p14="http://schemas.microsoft.com/office/powerpoint/2010/main">
+        <mc:Choice Requires="p14">
           <p:contentPart p14:bwMode="auto" r:id="rId76">
             <p14:nvContentPartPr>
               <p14:cNvPr id="168" name="잉크 167">
@@ -31178,7 +33936,7 @@
             </p14:xfrm>
           </p:contentPart>
         </mc:Choice>
-        <mc:Fallback>
+        <mc:Fallback xmlns="">
           <p:pic>
             <p:nvPicPr>
               <p:cNvPr id="168" name="잉크 167">
@@ -31209,8 +33967,8 @@
           </p:pic>
         </mc:Fallback>
       </mc:AlternateContent>
-      <mc:AlternateContent xmlns:mc="http://schemas.openxmlformats.org/markup-compatibility/2006">
-        <mc:Choice xmlns:p14="http://schemas.microsoft.com/office/powerpoint/2010/main" Requires="p14">
+      <mc:AlternateContent xmlns:mc="http://schemas.openxmlformats.org/markup-compatibility/2006" xmlns:p14="http://schemas.microsoft.com/office/powerpoint/2010/main">
+        <mc:Choice Requires="p14">
           <p:contentPart p14:bwMode="auto" r:id="rId78">
             <p14:nvContentPartPr>
               <p14:cNvPr id="173" name="잉크 172">
@@ -31229,7 +33987,7 @@
             </p14:xfrm>
           </p:contentPart>
         </mc:Choice>
-        <mc:Fallback>
+        <mc:Fallback xmlns="">
           <p:pic>
             <p:nvPicPr>
               <p:cNvPr id="173" name="잉크 172">
@@ -31260,8 +34018,8 @@
           </p:pic>
         </mc:Fallback>
       </mc:AlternateContent>
-      <mc:AlternateContent xmlns:mc="http://schemas.openxmlformats.org/markup-compatibility/2006">
-        <mc:Choice xmlns:p14="http://schemas.microsoft.com/office/powerpoint/2010/main" Requires="p14">
+      <mc:AlternateContent xmlns:mc="http://schemas.openxmlformats.org/markup-compatibility/2006" xmlns:p14="http://schemas.microsoft.com/office/powerpoint/2010/main">
+        <mc:Choice Requires="p14">
           <p:contentPart p14:bwMode="auto" r:id="rId80">
             <p14:nvContentPartPr>
               <p14:cNvPr id="174" name="잉크 173">
@@ -31280,7 +34038,7 @@
             </p14:xfrm>
           </p:contentPart>
         </mc:Choice>
-        <mc:Fallback>
+        <mc:Fallback xmlns="">
           <p:pic>
             <p:nvPicPr>
               <p:cNvPr id="174" name="잉크 173">
@@ -31311,8 +34069,8 @@
           </p:pic>
         </mc:Fallback>
       </mc:AlternateContent>
-      <mc:AlternateContent xmlns:mc="http://schemas.openxmlformats.org/markup-compatibility/2006">
-        <mc:Choice xmlns:p14="http://schemas.microsoft.com/office/powerpoint/2010/main" Requires="p14">
+      <mc:AlternateContent xmlns:mc="http://schemas.openxmlformats.org/markup-compatibility/2006" xmlns:p14="http://schemas.microsoft.com/office/powerpoint/2010/main">
+        <mc:Choice Requires="p14">
           <p:contentPart p14:bwMode="auto" r:id="rId82">
             <p14:nvContentPartPr>
               <p14:cNvPr id="175" name="잉크 174">
@@ -31331,7 +34089,7 @@
             </p14:xfrm>
           </p:contentPart>
         </mc:Choice>
-        <mc:Fallback>
+        <mc:Fallback xmlns="">
           <p:pic>
             <p:nvPicPr>
               <p:cNvPr id="175" name="잉크 174">
@@ -31362,8 +34120,8 @@
           </p:pic>
         </mc:Fallback>
       </mc:AlternateContent>
-      <mc:AlternateContent xmlns:mc="http://schemas.openxmlformats.org/markup-compatibility/2006">
-        <mc:Choice xmlns:p14="http://schemas.microsoft.com/office/powerpoint/2010/main" Requires="p14">
+      <mc:AlternateContent xmlns:mc="http://schemas.openxmlformats.org/markup-compatibility/2006" xmlns:p14="http://schemas.microsoft.com/office/powerpoint/2010/main">
+        <mc:Choice Requires="p14">
           <p:contentPart p14:bwMode="auto" r:id="rId84">
             <p14:nvContentPartPr>
               <p14:cNvPr id="179" name="잉크 178">
@@ -31382,7 +34140,7 @@
             </p14:xfrm>
           </p:contentPart>
         </mc:Choice>
-        <mc:Fallback>
+        <mc:Fallback xmlns="">
           <p:pic>
             <p:nvPicPr>
               <p:cNvPr id="179" name="잉크 178">
@@ -31413,8 +34171,8 @@
           </p:pic>
         </mc:Fallback>
       </mc:AlternateContent>
-      <mc:AlternateContent xmlns:mc="http://schemas.openxmlformats.org/markup-compatibility/2006">
-        <mc:Choice xmlns:p14="http://schemas.microsoft.com/office/powerpoint/2010/main" Requires="p14">
+      <mc:AlternateContent xmlns:mc="http://schemas.openxmlformats.org/markup-compatibility/2006" xmlns:p14="http://schemas.microsoft.com/office/powerpoint/2010/main">
+        <mc:Choice Requires="p14">
           <p:contentPart p14:bwMode="auto" r:id="rId86">
             <p14:nvContentPartPr>
               <p14:cNvPr id="180" name="잉크 179">
@@ -31433,7 +34191,7 @@
             </p14:xfrm>
           </p:contentPart>
         </mc:Choice>
-        <mc:Fallback>
+        <mc:Fallback xmlns="">
           <p:pic>
             <p:nvPicPr>
               <p:cNvPr id="180" name="잉크 179">
@@ -31464,8 +34222,8 @@
           </p:pic>
         </mc:Fallback>
       </mc:AlternateContent>
-      <mc:AlternateContent xmlns:mc="http://schemas.openxmlformats.org/markup-compatibility/2006">
-        <mc:Choice xmlns:p14="http://schemas.microsoft.com/office/powerpoint/2010/main" Requires="p14">
+      <mc:AlternateContent xmlns:mc="http://schemas.openxmlformats.org/markup-compatibility/2006" xmlns:p14="http://schemas.microsoft.com/office/powerpoint/2010/main">
+        <mc:Choice Requires="p14">
           <p:contentPart p14:bwMode="auto" r:id="rId88">
             <p14:nvContentPartPr>
               <p14:cNvPr id="182" name="잉크 181">
@@ -31484,7 +34242,7 @@
             </p14:xfrm>
           </p:contentPart>
         </mc:Choice>
-        <mc:Fallback>
+        <mc:Fallback xmlns="">
           <p:pic>
             <p:nvPicPr>
               <p:cNvPr id="182" name="잉크 181">
@@ -31515,8 +34273,8 @@
           </p:pic>
         </mc:Fallback>
       </mc:AlternateContent>
-      <mc:AlternateContent xmlns:mc="http://schemas.openxmlformats.org/markup-compatibility/2006">
-        <mc:Choice xmlns:p14="http://schemas.microsoft.com/office/powerpoint/2010/main" Requires="p14">
+      <mc:AlternateContent xmlns:mc="http://schemas.openxmlformats.org/markup-compatibility/2006" xmlns:p14="http://schemas.microsoft.com/office/powerpoint/2010/main">
+        <mc:Choice Requires="p14">
           <p:contentPart p14:bwMode="auto" r:id="rId90">
             <p14:nvContentPartPr>
               <p14:cNvPr id="183" name="잉크 182">
@@ -31535,7 +34293,7 @@
             </p14:xfrm>
           </p:contentPart>
         </mc:Choice>
-        <mc:Fallback>
+        <mc:Fallback xmlns="">
           <p:pic>
             <p:nvPicPr>
               <p:cNvPr id="183" name="잉크 182">
@@ -31566,8 +34324,8 @@
           </p:pic>
         </mc:Fallback>
       </mc:AlternateContent>
-      <mc:AlternateContent xmlns:mc="http://schemas.openxmlformats.org/markup-compatibility/2006">
-        <mc:Choice xmlns:p14="http://schemas.microsoft.com/office/powerpoint/2010/main" Requires="p14">
+      <mc:AlternateContent xmlns:mc="http://schemas.openxmlformats.org/markup-compatibility/2006" xmlns:p14="http://schemas.microsoft.com/office/powerpoint/2010/main">
+        <mc:Choice Requires="p14">
           <p:contentPart p14:bwMode="auto" r:id="rId92">
             <p14:nvContentPartPr>
               <p14:cNvPr id="185" name="잉크 184">
@@ -31586,7 +34344,7 @@
             </p14:xfrm>
           </p:contentPart>
         </mc:Choice>
-        <mc:Fallback>
+        <mc:Fallback xmlns="">
           <p:pic>
             <p:nvPicPr>
               <p:cNvPr id="185" name="잉크 184">
@@ -31617,8 +34375,8 @@
           </p:pic>
         </mc:Fallback>
       </mc:AlternateContent>
-      <mc:AlternateContent xmlns:mc="http://schemas.openxmlformats.org/markup-compatibility/2006">
-        <mc:Choice xmlns:p14="http://schemas.microsoft.com/office/powerpoint/2010/main" Requires="p14">
+      <mc:AlternateContent xmlns:mc="http://schemas.openxmlformats.org/markup-compatibility/2006" xmlns:p14="http://schemas.microsoft.com/office/powerpoint/2010/main">
+        <mc:Choice Requires="p14">
           <p:contentPart p14:bwMode="auto" r:id="rId94">
             <p14:nvContentPartPr>
               <p14:cNvPr id="201" name="잉크 200">
@@ -31637,7 +34395,7 @@
             </p14:xfrm>
           </p:contentPart>
         </mc:Choice>
-        <mc:Fallback>
+        <mc:Fallback xmlns="">
           <p:pic>
             <p:nvPicPr>
               <p:cNvPr id="201" name="잉크 200">
@@ -31668,8 +34426,8 @@
           </p:pic>
         </mc:Fallback>
       </mc:AlternateContent>
-      <mc:AlternateContent xmlns:mc="http://schemas.openxmlformats.org/markup-compatibility/2006">
-        <mc:Choice xmlns:p14="http://schemas.microsoft.com/office/powerpoint/2010/main" Requires="p14">
+      <mc:AlternateContent xmlns:mc="http://schemas.openxmlformats.org/markup-compatibility/2006" xmlns:p14="http://schemas.microsoft.com/office/powerpoint/2010/main">
+        <mc:Choice Requires="p14">
           <p:contentPart p14:bwMode="auto" r:id="rId96">
             <p14:nvContentPartPr>
               <p14:cNvPr id="202" name="잉크 201">
@@ -31688,7 +34446,7 @@
             </p14:xfrm>
           </p:contentPart>
         </mc:Choice>
-        <mc:Fallback>
+        <mc:Fallback xmlns="">
           <p:pic>
             <p:nvPicPr>
               <p:cNvPr id="202" name="잉크 201">
@@ -31719,8 +34477,8 @@
           </p:pic>
         </mc:Fallback>
       </mc:AlternateContent>
-      <mc:AlternateContent xmlns:mc="http://schemas.openxmlformats.org/markup-compatibility/2006">
-        <mc:Choice xmlns:p14="http://schemas.microsoft.com/office/powerpoint/2010/main" Requires="p14">
+      <mc:AlternateContent xmlns:mc="http://schemas.openxmlformats.org/markup-compatibility/2006" xmlns:p14="http://schemas.microsoft.com/office/powerpoint/2010/main">
+        <mc:Choice Requires="p14">
           <p:contentPart p14:bwMode="auto" r:id="rId98">
             <p14:nvContentPartPr>
               <p14:cNvPr id="203" name="잉크 202">
@@ -31739,7 +34497,7 @@
             </p14:xfrm>
           </p:contentPart>
         </mc:Choice>
-        <mc:Fallback>
+        <mc:Fallback xmlns="">
           <p:pic>
             <p:nvPicPr>
               <p:cNvPr id="203" name="잉크 202">
@@ -31770,8 +34528,8 @@
           </p:pic>
         </mc:Fallback>
       </mc:AlternateContent>
-      <mc:AlternateContent xmlns:mc="http://schemas.openxmlformats.org/markup-compatibility/2006">
-        <mc:Choice xmlns:p14="http://schemas.microsoft.com/office/powerpoint/2010/main" Requires="p14">
+      <mc:AlternateContent xmlns:mc="http://schemas.openxmlformats.org/markup-compatibility/2006" xmlns:p14="http://schemas.microsoft.com/office/powerpoint/2010/main">
+        <mc:Choice Requires="p14">
           <p:contentPart p14:bwMode="auto" r:id="rId100">
             <p14:nvContentPartPr>
               <p14:cNvPr id="204" name="잉크 203">
@@ -31790,7 +34548,7 @@
             </p14:xfrm>
           </p:contentPart>
         </mc:Choice>
-        <mc:Fallback>
+        <mc:Fallback xmlns="">
           <p:pic>
             <p:nvPicPr>
               <p:cNvPr id="204" name="잉크 203">
@@ -31821,8 +34579,8 @@
           </p:pic>
         </mc:Fallback>
       </mc:AlternateContent>
-      <mc:AlternateContent xmlns:mc="http://schemas.openxmlformats.org/markup-compatibility/2006">
-        <mc:Choice xmlns:p14="http://schemas.microsoft.com/office/powerpoint/2010/main" Requires="p14">
+      <mc:AlternateContent xmlns:mc="http://schemas.openxmlformats.org/markup-compatibility/2006" xmlns:p14="http://schemas.microsoft.com/office/powerpoint/2010/main">
+        <mc:Choice Requires="p14">
           <p:contentPart p14:bwMode="auto" r:id="rId102">
             <p14:nvContentPartPr>
               <p14:cNvPr id="205" name="잉크 204">
@@ -31841,7 +34599,7 @@
             </p14:xfrm>
           </p:contentPart>
         </mc:Choice>
-        <mc:Fallback>
+        <mc:Fallback xmlns="">
           <p:pic>
             <p:nvPicPr>
               <p:cNvPr id="205" name="잉크 204">
@@ -31872,8 +34630,8 @@
           </p:pic>
         </mc:Fallback>
       </mc:AlternateContent>
-      <mc:AlternateContent xmlns:mc="http://schemas.openxmlformats.org/markup-compatibility/2006">
-        <mc:Choice xmlns:p14="http://schemas.microsoft.com/office/powerpoint/2010/main" Requires="p14">
+      <mc:AlternateContent xmlns:mc="http://schemas.openxmlformats.org/markup-compatibility/2006" xmlns:p14="http://schemas.microsoft.com/office/powerpoint/2010/main">
+        <mc:Choice Requires="p14">
           <p:contentPart p14:bwMode="auto" r:id="rId104">
             <p14:nvContentPartPr>
               <p14:cNvPr id="207" name="잉크 206">
@@ -31892,7 +34650,7 @@
             </p14:xfrm>
           </p:contentPart>
         </mc:Choice>
-        <mc:Fallback>
+        <mc:Fallback xmlns="">
           <p:pic>
             <p:nvPicPr>
               <p:cNvPr id="207" name="잉크 206">
@@ -31923,8 +34681,8 @@
           </p:pic>
         </mc:Fallback>
       </mc:AlternateContent>
-      <mc:AlternateContent xmlns:mc="http://schemas.openxmlformats.org/markup-compatibility/2006">
-        <mc:Choice xmlns:p14="http://schemas.microsoft.com/office/powerpoint/2010/main" Requires="p14">
+      <mc:AlternateContent xmlns:mc="http://schemas.openxmlformats.org/markup-compatibility/2006" xmlns:p14="http://schemas.microsoft.com/office/powerpoint/2010/main">
+        <mc:Choice Requires="p14">
           <p:contentPart p14:bwMode="auto" r:id="rId106">
             <p14:nvContentPartPr>
               <p14:cNvPr id="208" name="잉크 207">
@@ -31943,7 +34701,7 @@
             </p14:xfrm>
           </p:contentPart>
         </mc:Choice>
-        <mc:Fallback>
+        <mc:Fallback xmlns="">
           <p:pic>
             <p:nvPicPr>
               <p:cNvPr id="208" name="잉크 207">
@@ -31974,8 +34732,8 @@
           </p:pic>
         </mc:Fallback>
       </mc:AlternateContent>
-      <mc:AlternateContent xmlns:mc="http://schemas.openxmlformats.org/markup-compatibility/2006">
-        <mc:Choice xmlns:p14="http://schemas.microsoft.com/office/powerpoint/2010/main" Requires="p14">
+      <mc:AlternateContent xmlns:mc="http://schemas.openxmlformats.org/markup-compatibility/2006" xmlns:p14="http://schemas.microsoft.com/office/powerpoint/2010/main">
+        <mc:Choice Requires="p14">
           <p:contentPart p14:bwMode="auto" r:id="rId108">
             <p14:nvContentPartPr>
               <p14:cNvPr id="212" name="잉크 211">
@@ -31994,7 +34752,7 @@
             </p14:xfrm>
           </p:contentPart>
         </mc:Choice>
-        <mc:Fallback>
+        <mc:Fallback xmlns="">
           <p:pic>
             <p:nvPicPr>
               <p:cNvPr id="212" name="잉크 211">
@@ -32025,8 +34783,8 @@
           </p:pic>
         </mc:Fallback>
       </mc:AlternateContent>
-      <mc:AlternateContent xmlns:mc="http://schemas.openxmlformats.org/markup-compatibility/2006">
-        <mc:Choice xmlns:p14="http://schemas.microsoft.com/office/powerpoint/2010/main" Requires="p14">
+      <mc:AlternateContent xmlns:mc="http://schemas.openxmlformats.org/markup-compatibility/2006" xmlns:p14="http://schemas.microsoft.com/office/powerpoint/2010/main">
+        <mc:Choice Requires="p14">
           <p:contentPart p14:bwMode="auto" r:id="rId110">
             <p14:nvContentPartPr>
               <p14:cNvPr id="213" name="잉크 212">
@@ -32045,7 +34803,7 @@
             </p14:xfrm>
           </p:contentPart>
         </mc:Choice>
-        <mc:Fallback>
+        <mc:Fallback xmlns="">
           <p:pic>
             <p:nvPicPr>
               <p:cNvPr id="213" name="잉크 212">
@@ -32076,8 +34834,8 @@
           </p:pic>
         </mc:Fallback>
       </mc:AlternateContent>
-      <mc:AlternateContent xmlns:mc="http://schemas.openxmlformats.org/markup-compatibility/2006">
-        <mc:Choice xmlns:p14="http://schemas.microsoft.com/office/powerpoint/2010/main" Requires="p14">
+      <mc:AlternateContent xmlns:mc="http://schemas.openxmlformats.org/markup-compatibility/2006" xmlns:p14="http://schemas.microsoft.com/office/powerpoint/2010/main">
+        <mc:Choice Requires="p14">
           <p:contentPart p14:bwMode="auto" r:id="rId112">
             <p14:nvContentPartPr>
               <p14:cNvPr id="214" name="잉크 213">
@@ -32096,7 +34854,7 @@
             </p14:xfrm>
           </p:contentPart>
         </mc:Choice>
-        <mc:Fallback>
+        <mc:Fallback xmlns="">
           <p:pic>
             <p:nvPicPr>
               <p:cNvPr id="214" name="잉크 213">
@@ -32127,8 +34885,8 @@
           </p:pic>
         </mc:Fallback>
       </mc:AlternateContent>
-      <mc:AlternateContent xmlns:mc="http://schemas.openxmlformats.org/markup-compatibility/2006">
-        <mc:Choice xmlns:p14="http://schemas.microsoft.com/office/powerpoint/2010/main" Requires="p14">
+      <mc:AlternateContent xmlns:mc="http://schemas.openxmlformats.org/markup-compatibility/2006" xmlns:p14="http://schemas.microsoft.com/office/powerpoint/2010/main">
+        <mc:Choice Requires="p14">
           <p:contentPart p14:bwMode="auto" r:id="rId114">
             <p14:nvContentPartPr>
               <p14:cNvPr id="215" name="잉크 214">
@@ -32147,7 +34905,7 @@
             </p14:xfrm>
           </p:contentPart>
         </mc:Choice>
-        <mc:Fallback>
+        <mc:Fallback xmlns="">
           <p:pic>
             <p:nvPicPr>
               <p:cNvPr id="215" name="잉크 214">
@@ -32178,8 +34936,8 @@
           </p:pic>
         </mc:Fallback>
       </mc:AlternateContent>
-      <mc:AlternateContent xmlns:mc="http://schemas.openxmlformats.org/markup-compatibility/2006">
-        <mc:Choice xmlns:p14="http://schemas.microsoft.com/office/powerpoint/2010/main" Requires="p14">
+      <mc:AlternateContent xmlns:mc="http://schemas.openxmlformats.org/markup-compatibility/2006" xmlns:p14="http://schemas.microsoft.com/office/powerpoint/2010/main">
+        <mc:Choice Requires="p14">
           <p:contentPart p14:bwMode="auto" r:id="rId116">
             <p14:nvContentPartPr>
               <p14:cNvPr id="216" name="잉크 215">
@@ -32198,7 +34956,7 @@
             </p14:xfrm>
           </p:contentPart>
         </mc:Choice>
-        <mc:Fallback>
+        <mc:Fallback xmlns="">
           <p:pic>
             <p:nvPicPr>
               <p:cNvPr id="216" name="잉크 215">
@@ -32229,8 +34987,8 @@
           </p:pic>
         </mc:Fallback>
       </mc:AlternateContent>
-      <mc:AlternateContent xmlns:mc="http://schemas.openxmlformats.org/markup-compatibility/2006">
-        <mc:Choice xmlns:p14="http://schemas.microsoft.com/office/powerpoint/2010/main" Requires="p14">
+      <mc:AlternateContent xmlns:mc="http://schemas.openxmlformats.org/markup-compatibility/2006" xmlns:p14="http://schemas.microsoft.com/office/powerpoint/2010/main">
+        <mc:Choice Requires="p14">
           <p:contentPart p14:bwMode="auto" r:id="rId118">
             <p14:nvContentPartPr>
               <p14:cNvPr id="187" name="잉크 186">
@@ -32249,7 +35007,7 @@
             </p14:xfrm>
           </p:contentPart>
         </mc:Choice>
-        <mc:Fallback>
+        <mc:Fallback xmlns="">
           <p:pic>
             <p:nvPicPr>
               <p:cNvPr id="187" name="잉크 186">
@@ -32280,8 +35038,8 @@
           </p:pic>
         </mc:Fallback>
       </mc:AlternateContent>
-      <mc:AlternateContent xmlns:mc="http://schemas.openxmlformats.org/markup-compatibility/2006">
-        <mc:Choice xmlns:p14="http://schemas.microsoft.com/office/powerpoint/2010/main" Requires="p14">
+      <mc:AlternateContent xmlns:mc="http://schemas.openxmlformats.org/markup-compatibility/2006" xmlns:p14="http://schemas.microsoft.com/office/powerpoint/2010/main">
+        <mc:Choice Requires="p14">
           <p:contentPart p14:bwMode="auto" r:id="rId120">
             <p14:nvContentPartPr>
               <p14:cNvPr id="188" name="잉크 187">
@@ -32300,7 +35058,7 @@
             </p14:xfrm>
           </p:contentPart>
         </mc:Choice>
-        <mc:Fallback>
+        <mc:Fallback xmlns="">
           <p:pic>
             <p:nvPicPr>
               <p:cNvPr id="188" name="잉크 187">
@@ -32331,8 +35089,8 @@
           </p:pic>
         </mc:Fallback>
       </mc:AlternateContent>
-      <mc:AlternateContent xmlns:mc="http://schemas.openxmlformats.org/markup-compatibility/2006">
-        <mc:Choice xmlns:p14="http://schemas.microsoft.com/office/powerpoint/2010/main" Requires="p14">
+      <mc:AlternateContent xmlns:mc="http://schemas.openxmlformats.org/markup-compatibility/2006" xmlns:p14="http://schemas.microsoft.com/office/powerpoint/2010/main">
+        <mc:Choice Requires="p14">
           <p:contentPart p14:bwMode="auto" r:id="rId122">
             <p14:nvContentPartPr>
               <p14:cNvPr id="189" name="잉크 188">
@@ -32351,7 +35109,7 @@
             </p14:xfrm>
           </p:contentPart>
         </mc:Choice>
-        <mc:Fallback>
+        <mc:Fallback xmlns="">
           <p:pic>
             <p:nvPicPr>
               <p:cNvPr id="189" name="잉크 188">
@@ -32382,8 +35140,8 @@
           </p:pic>
         </mc:Fallback>
       </mc:AlternateContent>
-      <mc:AlternateContent xmlns:mc="http://schemas.openxmlformats.org/markup-compatibility/2006">
-        <mc:Choice xmlns:p14="http://schemas.microsoft.com/office/powerpoint/2010/main" Requires="p14">
+      <mc:AlternateContent xmlns:mc="http://schemas.openxmlformats.org/markup-compatibility/2006" xmlns:p14="http://schemas.microsoft.com/office/powerpoint/2010/main">
+        <mc:Choice Requires="p14">
           <p:contentPart p14:bwMode="auto" r:id="rId124">
             <p14:nvContentPartPr>
               <p14:cNvPr id="190" name="잉크 189">
@@ -32402,7 +35160,7 @@
             </p14:xfrm>
           </p:contentPart>
         </mc:Choice>
-        <mc:Fallback>
+        <mc:Fallback xmlns="">
           <p:pic>
             <p:nvPicPr>
               <p:cNvPr id="190" name="잉크 189">
@@ -32433,8 +35191,8 @@
           </p:pic>
         </mc:Fallback>
       </mc:AlternateContent>
-      <mc:AlternateContent xmlns:mc="http://schemas.openxmlformats.org/markup-compatibility/2006">
-        <mc:Choice xmlns:p14="http://schemas.microsoft.com/office/powerpoint/2010/main" Requires="p14">
+      <mc:AlternateContent xmlns:mc="http://schemas.openxmlformats.org/markup-compatibility/2006" xmlns:p14="http://schemas.microsoft.com/office/powerpoint/2010/main">
+        <mc:Choice Requires="p14">
           <p:contentPart p14:bwMode="auto" r:id="rId126">
             <p14:nvContentPartPr>
               <p14:cNvPr id="191" name="잉크 190">
@@ -32453,7 +35211,7 @@
             </p14:xfrm>
           </p:contentPart>
         </mc:Choice>
-        <mc:Fallback>
+        <mc:Fallback xmlns="">
           <p:pic>
             <p:nvPicPr>
               <p:cNvPr id="191" name="잉크 190">
@@ -32484,8 +35242,8 @@
           </p:pic>
         </mc:Fallback>
       </mc:AlternateContent>
-      <mc:AlternateContent xmlns:mc="http://schemas.openxmlformats.org/markup-compatibility/2006">
-        <mc:Choice xmlns:p14="http://schemas.microsoft.com/office/powerpoint/2010/main" Requires="p14">
+      <mc:AlternateContent xmlns:mc="http://schemas.openxmlformats.org/markup-compatibility/2006" xmlns:p14="http://schemas.microsoft.com/office/powerpoint/2010/main">
+        <mc:Choice Requires="p14">
           <p:contentPart p14:bwMode="auto" r:id="rId128">
             <p14:nvContentPartPr>
               <p14:cNvPr id="192" name="잉크 191">
@@ -32504,7 +35262,7 @@
             </p14:xfrm>
           </p:contentPart>
         </mc:Choice>
-        <mc:Fallback>
+        <mc:Fallback xmlns="">
           <p:pic>
             <p:nvPicPr>
               <p:cNvPr id="192" name="잉크 191">
@@ -32535,8 +35293,8 @@
           </p:pic>
         </mc:Fallback>
       </mc:AlternateContent>
-      <mc:AlternateContent xmlns:mc="http://schemas.openxmlformats.org/markup-compatibility/2006">
-        <mc:Choice xmlns:p14="http://schemas.microsoft.com/office/powerpoint/2010/main" Requires="p14">
+      <mc:AlternateContent xmlns:mc="http://schemas.openxmlformats.org/markup-compatibility/2006" xmlns:p14="http://schemas.microsoft.com/office/powerpoint/2010/main">
+        <mc:Choice Requires="p14">
           <p:contentPart p14:bwMode="auto" r:id="rId130">
             <p14:nvContentPartPr>
               <p14:cNvPr id="193" name="잉크 192">
@@ -32555,7 +35313,7 @@
             </p14:xfrm>
           </p:contentPart>
         </mc:Choice>
-        <mc:Fallback>
+        <mc:Fallback xmlns="">
           <p:pic>
             <p:nvPicPr>
               <p:cNvPr id="193" name="잉크 192">
@@ -32586,8 +35344,8 @@
           </p:pic>
         </mc:Fallback>
       </mc:AlternateContent>
-      <mc:AlternateContent xmlns:mc="http://schemas.openxmlformats.org/markup-compatibility/2006">
-        <mc:Choice xmlns:p14="http://schemas.microsoft.com/office/powerpoint/2010/main" Requires="p14">
+      <mc:AlternateContent xmlns:mc="http://schemas.openxmlformats.org/markup-compatibility/2006" xmlns:p14="http://schemas.microsoft.com/office/powerpoint/2010/main">
+        <mc:Choice Requires="p14">
           <p:contentPart p14:bwMode="auto" r:id="rId132">
             <p14:nvContentPartPr>
               <p14:cNvPr id="194" name="잉크 193">
@@ -32606,7 +35364,7 @@
             </p14:xfrm>
           </p:contentPart>
         </mc:Choice>
-        <mc:Fallback>
+        <mc:Fallback xmlns="">
           <p:pic>
             <p:nvPicPr>
               <p:cNvPr id="194" name="잉크 193">
@@ -32637,8 +35395,8 @@
           </p:pic>
         </mc:Fallback>
       </mc:AlternateContent>
-      <mc:AlternateContent xmlns:mc="http://schemas.openxmlformats.org/markup-compatibility/2006">
-        <mc:Choice xmlns:p14="http://schemas.microsoft.com/office/powerpoint/2010/main" Requires="p14">
+      <mc:AlternateContent xmlns:mc="http://schemas.openxmlformats.org/markup-compatibility/2006" xmlns:p14="http://schemas.microsoft.com/office/powerpoint/2010/main">
+        <mc:Choice Requires="p14">
           <p:contentPart p14:bwMode="auto" r:id="rId134">
             <p14:nvContentPartPr>
               <p14:cNvPr id="195" name="잉크 194">
@@ -32657,7 +35415,7 @@
             </p14:xfrm>
           </p:contentPart>
         </mc:Choice>
-        <mc:Fallback>
+        <mc:Fallback xmlns="">
           <p:pic>
             <p:nvPicPr>
               <p:cNvPr id="195" name="잉크 194">
@@ -32688,8 +35446,8 @@
           </p:pic>
         </mc:Fallback>
       </mc:AlternateContent>
-      <mc:AlternateContent xmlns:mc="http://schemas.openxmlformats.org/markup-compatibility/2006">
-        <mc:Choice xmlns:p14="http://schemas.microsoft.com/office/powerpoint/2010/main" Requires="p14">
+      <mc:AlternateContent xmlns:mc="http://schemas.openxmlformats.org/markup-compatibility/2006" xmlns:p14="http://schemas.microsoft.com/office/powerpoint/2010/main">
+        <mc:Choice Requires="p14">
           <p:contentPart p14:bwMode="auto" r:id="rId136">
             <p14:nvContentPartPr>
               <p14:cNvPr id="196" name="잉크 195">
@@ -32708,7 +35466,7 @@
             </p14:xfrm>
           </p:contentPart>
         </mc:Choice>
-        <mc:Fallback>
+        <mc:Fallback xmlns="">
           <p:pic>
             <p:nvPicPr>
               <p:cNvPr id="196" name="잉크 195">
@@ -32739,8 +35497,8 @@
           </p:pic>
         </mc:Fallback>
       </mc:AlternateContent>
-      <mc:AlternateContent xmlns:mc="http://schemas.openxmlformats.org/markup-compatibility/2006">
-        <mc:Choice xmlns:p14="http://schemas.microsoft.com/office/powerpoint/2010/main" Requires="p14">
+      <mc:AlternateContent xmlns:mc="http://schemas.openxmlformats.org/markup-compatibility/2006" xmlns:p14="http://schemas.microsoft.com/office/powerpoint/2010/main">
+        <mc:Choice Requires="p14">
           <p:contentPart p14:bwMode="auto" r:id="rId138">
             <p14:nvContentPartPr>
               <p14:cNvPr id="197" name="잉크 196">
@@ -32759,7 +35517,7 @@
             </p14:xfrm>
           </p:contentPart>
         </mc:Choice>
-        <mc:Fallback>
+        <mc:Fallback xmlns="">
           <p:pic>
             <p:nvPicPr>
               <p:cNvPr id="197" name="잉크 196">
@@ -32790,8 +35548,8 @@
           </p:pic>
         </mc:Fallback>
       </mc:AlternateContent>
-      <mc:AlternateContent xmlns:mc="http://schemas.openxmlformats.org/markup-compatibility/2006">
-        <mc:Choice xmlns:p14="http://schemas.microsoft.com/office/powerpoint/2010/main" Requires="p14">
+      <mc:AlternateContent xmlns:mc="http://schemas.openxmlformats.org/markup-compatibility/2006" xmlns:p14="http://schemas.microsoft.com/office/powerpoint/2010/main">
+        <mc:Choice Requires="p14">
           <p:contentPart p14:bwMode="auto" r:id="rId140">
             <p14:nvContentPartPr>
               <p14:cNvPr id="198" name="잉크 197">
@@ -32810,7 +35568,7 @@
             </p14:xfrm>
           </p:contentPart>
         </mc:Choice>
-        <mc:Fallback>
+        <mc:Fallback xmlns="">
           <p:pic>
             <p:nvPicPr>
               <p:cNvPr id="198" name="잉크 197">
@@ -32841,8 +35599,8 @@
           </p:pic>
         </mc:Fallback>
       </mc:AlternateContent>
-      <mc:AlternateContent xmlns:mc="http://schemas.openxmlformats.org/markup-compatibility/2006">
-        <mc:Choice xmlns:p14="http://schemas.microsoft.com/office/powerpoint/2010/main" Requires="p14">
+      <mc:AlternateContent xmlns:mc="http://schemas.openxmlformats.org/markup-compatibility/2006" xmlns:p14="http://schemas.microsoft.com/office/powerpoint/2010/main">
+        <mc:Choice Requires="p14">
           <p:contentPart p14:bwMode="auto" r:id="rId142">
             <p14:nvContentPartPr>
               <p14:cNvPr id="219" name="잉크 218">
@@ -32861,7 +35619,7 @@
             </p14:xfrm>
           </p:contentPart>
         </mc:Choice>
-        <mc:Fallback>
+        <mc:Fallback xmlns="">
           <p:pic>
             <p:nvPicPr>
               <p:cNvPr id="219" name="잉크 218">
@@ -32892,8 +35650,8 @@
           </p:pic>
         </mc:Fallback>
       </mc:AlternateContent>
-      <mc:AlternateContent xmlns:mc="http://schemas.openxmlformats.org/markup-compatibility/2006">
-        <mc:Choice xmlns:p14="http://schemas.microsoft.com/office/powerpoint/2010/main" Requires="p14">
+      <mc:AlternateContent xmlns:mc="http://schemas.openxmlformats.org/markup-compatibility/2006" xmlns:p14="http://schemas.microsoft.com/office/powerpoint/2010/main">
+        <mc:Choice Requires="p14">
           <p:contentPart p14:bwMode="auto" r:id="rId144">
             <p14:nvContentPartPr>
               <p14:cNvPr id="220" name="잉크 219">
@@ -32912,7 +35670,7 @@
             </p14:xfrm>
           </p:contentPart>
         </mc:Choice>
-        <mc:Fallback>
+        <mc:Fallback xmlns="">
           <p:pic>
             <p:nvPicPr>
               <p:cNvPr id="220" name="잉크 219">
@@ -32943,8 +35701,8 @@
           </p:pic>
         </mc:Fallback>
       </mc:AlternateContent>
-      <mc:AlternateContent xmlns:mc="http://schemas.openxmlformats.org/markup-compatibility/2006">
-        <mc:Choice xmlns:p14="http://schemas.microsoft.com/office/powerpoint/2010/main" Requires="p14">
+      <mc:AlternateContent xmlns:mc="http://schemas.openxmlformats.org/markup-compatibility/2006" xmlns:p14="http://schemas.microsoft.com/office/powerpoint/2010/main">
+        <mc:Choice Requires="p14">
           <p:contentPart p14:bwMode="auto" r:id="rId146">
             <p14:nvContentPartPr>
               <p14:cNvPr id="259" name="잉크 258">
@@ -32963,7 +35721,7 @@
             </p14:xfrm>
           </p:contentPart>
         </mc:Choice>
-        <mc:Fallback>
+        <mc:Fallback xmlns="">
           <p:pic>
             <p:nvPicPr>
               <p:cNvPr id="259" name="잉크 258">
@@ -32994,8 +35752,8 @@
           </p:pic>
         </mc:Fallback>
       </mc:AlternateContent>
-      <mc:AlternateContent xmlns:mc="http://schemas.openxmlformats.org/markup-compatibility/2006">
-        <mc:Choice xmlns:p14="http://schemas.microsoft.com/office/powerpoint/2010/main" Requires="p14">
+      <mc:AlternateContent xmlns:mc="http://schemas.openxmlformats.org/markup-compatibility/2006" xmlns:p14="http://schemas.microsoft.com/office/powerpoint/2010/main">
+        <mc:Choice Requires="p14">
           <p:contentPart p14:bwMode="auto" r:id="rId148">
             <p14:nvContentPartPr>
               <p14:cNvPr id="260" name="잉크 259">
@@ -33014,7 +35772,7 @@
             </p14:xfrm>
           </p:contentPart>
         </mc:Choice>
-        <mc:Fallback>
+        <mc:Fallback xmlns="">
           <p:pic>
             <p:nvPicPr>
               <p:cNvPr id="260" name="잉크 259">
@@ -33045,8 +35803,8 @@
           </p:pic>
         </mc:Fallback>
       </mc:AlternateContent>
-      <mc:AlternateContent xmlns:mc="http://schemas.openxmlformats.org/markup-compatibility/2006">
-        <mc:Choice xmlns:p14="http://schemas.microsoft.com/office/powerpoint/2010/main" Requires="p14">
+      <mc:AlternateContent xmlns:mc="http://schemas.openxmlformats.org/markup-compatibility/2006" xmlns:p14="http://schemas.microsoft.com/office/powerpoint/2010/main">
+        <mc:Choice Requires="p14">
           <p:contentPart p14:bwMode="auto" r:id="rId150">
             <p14:nvContentPartPr>
               <p14:cNvPr id="261" name="잉크 260">
@@ -33065,7 +35823,7 @@
             </p14:xfrm>
           </p:contentPart>
         </mc:Choice>
-        <mc:Fallback>
+        <mc:Fallback xmlns="">
           <p:pic>
             <p:nvPicPr>
               <p:cNvPr id="261" name="잉크 260">
@@ -33096,8 +35854,8 @@
           </p:pic>
         </mc:Fallback>
       </mc:AlternateContent>
-      <mc:AlternateContent xmlns:mc="http://schemas.openxmlformats.org/markup-compatibility/2006">
-        <mc:Choice xmlns:p14="http://schemas.microsoft.com/office/powerpoint/2010/main" Requires="p14">
+      <mc:AlternateContent xmlns:mc="http://schemas.openxmlformats.org/markup-compatibility/2006" xmlns:p14="http://schemas.microsoft.com/office/powerpoint/2010/main">
+        <mc:Choice Requires="p14">
           <p:contentPart p14:bwMode="auto" r:id="rId152">
             <p14:nvContentPartPr>
               <p14:cNvPr id="262" name="잉크 261">
@@ -33116,7 +35874,7 @@
             </p14:xfrm>
           </p:contentPart>
         </mc:Choice>
-        <mc:Fallback>
+        <mc:Fallback xmlns="">
           <p:pic>
             <p:nvPicPr>
               <p:cNvPr id="262" name="잉크 261">
@@ -33147,8 +35905,8 @@
           </p:pic>
         </mc:Fallback>
       </mc:AlternateContent>
-      <mc:AlternateContent xmlns:mc="http://schemas.openxmlformats.org/markup-compatibility/2006">
-        <mc:Choice xmlns:p14="http://schemas.microsoft.com/office/powerpoint/2010/main" Requires="p14">
+      <mc:AlternateContent xmlns:mc="http://schemas.openxmlformats.org/markup-compatibility/2006" xmlns:p14="http://schemas.microsoft.com/office/powerpoint/2010/main">
+        <mc:Choice Requires="p14">
           <p:contentPart p14:bwMode="auto" r:id="rId154">
             <p14:nvContentPartPr>
               <p14:cNvPr id="265" name="잉크 264">
@@ -33167,7 +35925,7 @@
             </p14:xfrm>
           </p:contentPart>
         </mc:Choice>
-        <mc:Fallback>
+        <mc:Fallback xmlns="">
           <p:pic>
             <p:nvPicPr>
               <p:cNvPr id="265" name="잉크 264">
@@ -33198,8 +35956,8 @@
           </p:pic>
         </mc:Fallback>
       </mc:AlternateContent>
-      <mc:AlternateContent xmlns:mc="http://schemas.openxmlformats.org/markup-compatibility/2006">
-        <mc:Choice xmlns:p14="http://schemas.microsoft.com/office/powerpoint/2010/main" Requires="p14">
+      <mc:AlternateContent xmlns:mc="http://schemas.openxmlformats.org/markup-compatibility/2006" xmlns:p14="http://schemas.microsoft.com/office/powerpoint/2010/main">
+        <mc:Choice Requires="p14">
           <p:contentPart p14:bwMode="auto" r:id="rId156">
             <p14:nvContentPartPr>
               <p14:cNvPr id="266" name="잉크 265">
@@ -33218,7 +35976,7 @@
             </p14:xfrm>
           </p:contentPart>
         </mc:Choice>
-        <mc:Fallback>
+        <mc:Fallback xmlns="">
           <p:pic>
             <p:nvPicPr>
               <p:cNvPr id="266" name="잉크 265">
@@ -33269,8 +36027,8 @@
             <a:chExt cx="2137680" cy="1657440"/>
           </a:xfrm>
         </p:grpSpPr>
-        <mc:AlternateContent xmlns:mc="http://schemas.openxmlformats.org/markup-compatibility/2006">
-          <mc:Choice xmlns:p14="http://schemas.microsoft.com/office/powerpoint/2010/main" Requires="p14">
+        <mc:AlternateContent xmlns:mc="http://schemas.openxmlformats.org/markup-compatibility/2006" xmlns:p14="http://schemas.microsoft.com/office/powerpoint/2010/main">
+          <mc:Choice Requires="p14">
             <p:contentPart p14:bwMode="auto" r:id="rId158">
               <p14:nvContentPartPr>
                 <p14:cNvPr id="267" name="잉크 266">
@@ -33289,7 +36047,7 @@
               </p14:xfrm>
             </p:contentPart>
           </mc:Choice>
-          <mc:Fallback>
+          <mc:Fallback xmlns="">
             <p:pic>
               <p:nvPicPr>
                 <p:cNvPr id="267" name="잉크 266">
@@ -33320,8 +36078,8 @@
             </p:pic>
           </mc:Fallback>
         </mc:AlternateContent>
-        <mc:AlternateContent xmlns:mc="http://schemas.openxmlformats.org/markup-compatibility/2006">
-          <mc:Choice xmlns:p14="http://schemas.microsoft.com/office/powerpoint/2010/main" Requires="p14">
+        <mc:AlternateContent xmlns:mc="http://schemas.openxmlformats.org/markup-compatibility/2006" xmlns:p14="http://schemas.microsoft.com/office/powerpoint/2010/main">
+          <mc:Choice Requires="p14">
             <p:contentPart p14:bwMode="auto" r:id="rId160">
               <p14:nvContentPartPr>
                 <p14:cNvPr id="268" name="잉크 267">
@@ -33340,7 +36098,7 @@
               </p14:xfrm>
             </p:contentPart>
           </mc:Choice>
-          <mc:Fallback>
+          <mc:Fallback xmlns="">
             <p:pic>
               <p:nvPicPr>
                 <p:cNvPr id="268" name="잉크 267">
@@ -33371,8 +36129,8 @@
             </p:pic>
           </mc:Fallback>
         </mc:AlternateContent>
-        <mc:AlternateContent xmlns:mc="http://schemas.openxmlformats.org/markup-compatibility/2006">
-          <mc:Choice xmlns:p14="http://schemas.microsoft.com/office/powerpoint/2010/main" Requires="p14">
+        <mc:AlternateContent xmlns:mc="http://schemas.openxmlformats.org/markup-compatibility/2006" xmlns:p14="http://schemas.microsoft.com/office/powerpoint/2010/main">
+          <mc:Choice Requires="p14">
             <p:contentPart p14:bwMode="auto" r:id="rId162">
               <p14:nvContentPartPr>
                 <p14:cNvPr id="269" name="잉크 268">
@@ -33391,7 +36149,7 @@
               </p14:xfrm>
             </p:contentPart>
           </mc:Choice>
-          <mc:Fallback>
+          <mc:Fallback xmlns="">
             <p:pic>
               <p:nvPicPr>
                 <p:cNvPr id="269" name="잉크 268">
@@ -33422,8 +36180,8 @@
             </p:pic>
           </mc:Fallback>
         </mc:AlternateContent>
-        <mc:AlternateContent xmlns:mc="http://schemas.openxmlformats.org/markup-compatibility/2006">
-          <mc:Choice xmlns:p14="http://schemas.microsoft.com/office/powerpoint/2010/main" Requires="p14">
+        <mc:AlternateContent xmlns:mc="http://schemas.openxmlformats.org/markup-compatibility/2006" xmlns:p14="http://schemas.microsoft.com/office/powerpoint/2010/main">
+          <mc:Choice Requires="p14">
             <p:contentPart p14:bwMode="auto" r:id="rId164">
               <p14:nvContentPartPr>
                 <p14:cNvPr id="270" name="잉크 269">
@@ -33442,7 +36200,7 @@
               </p14:xfrm>
             </p:contentPart>
           </mc:Choice>
-          <mc:Fallback>
+          <mc:Fallback xmlns="">
             <p:pic>
               <p:nvPicPr>
                 <p:cNvPr id="270" name="잉크 269">
@@ -33473,8 +36231,8 @@
             </p:pic>
           </mc:Fallback>
         </mc:AlternateContent>
-        <mc:AlternateContent xmlns:mc="http://schemas.openxmlformats.org/markup-compatibility/2006">
-          <mc:Choice xmlns:p14="http://schemas.microsoft.com/office/powerpoint/2010/main" Requires="p14">
+        <mc:AlternateContent xmlns:mc="http://schemas.openxmlformats.org/markup-compatibility/2006" xmlns:p14="http://schemas.microsoft.com/office/powerpoint/2010/main">
+          <mc:Choice Requires="p14">
             <p:contentPart p14:bwMode="auto" r:id="rId166">
               <p14:nvContentPartPr>
                 <p14:cNvPr id="271" name="잉크 270">
@@ -33493,7 +36251,7 @@
               </p14:xfrm>
             </p:contentPart>
           </mc:Choice>
-          <mc:Fallback>
+          <mc:Fallback xmlns="">
             <p:pic>
               <p:nvPicPr>
                 <p:cNvPr id="271" name="잉크 270">
@@ -33524,8 +36282,8 @@
             </p:pic>
           </mc:Fallback>
         </mc:AlternateContent>
-        <mc:AlternateContent xmlns:mc="http://schemas.openxmlformats.org/markup-compatibility/2006">
-          <mc:Choice xmlns:p14="http://schemas.microsoft.com/office/powerpoint/2010/main" Requires="p14">
+        <mc:AlternateContent xmlns:mc="http://schemas.openxmlformats.org/markup-compatibility/2006" xmlns:p14="http://schemas.microsoft.com/office/powerpoint/2010/main">
+          <mc:Choice Requires="p14">
             <p:contentPart p14:bwMode="auto" r:id="rId168">
               <p14:nvContentPartPr>
                 <p14:cNvPr id="274" name="잉크 273">
@@ -33544,7 +36302,7 @@
               </p14:xfrm>
             </p:contentPart>
           </mc:Choice>
-          <mc:Fallback>
+          <mc:Fallback xmlns="">
             <p:pic>
               <p:nvPicPr>
                 <p:cNvPr id="274" name="잉크 273">
@@ -33575,8 +36333,8 @@
             </p:pic>
           </mc:Fallback>
         </mc:AlternateContent>
-        <mc:AlternateContent xmlns:mc="http://schemas.openxmlformats.org/markup-compatibility/2006">
-          <mc:Choice xmlns:p14="http://schemas.microsoft.com/office/powerpoint/2010/main" Requires="p14">
+        <mc:AlternateContent xmlns:mc="http://schemas.openxmlformats.org/markup-compatibility/2006" xmlns:p14="http://schemas.microsoft.com/office/powerpoint/2010/main">
+          <mc:Choice Requires="p14">
             <p:contentPart p14:bwMode="auto" r:id="rId170">
               <p14:nvContentPartPr>
                 <p14:cNvPr id="275" name="잉크 274">
@@ -33595,7 +36353,7 @@
               </p14:xfrm>
             </p:contentPart>
           </mc:Choice>
-          <mc:Fallback>
+          <mc:Fallback xmlns="">
             <p:pic>
               <p:nvPicPr>
                 <p:cNvPr id="275" name="잉크 274">
@@ -33626,8 +36384,8 @@
             </p:pic>
           </mc:Fallback>
         </mc:AlternateContent>
-        <mc:AlternateContent xmlns:mc="http://schemas.openxmlformats.org/markup-compatibility/2006">
-          <mc:Choice xmlns:p14="http://schemas.microsoft.com/office/powerpoint/2010/main" Requires="p14">
+        <mc:AlternateContent xmlns:mc="http://schemas.openxmlformats.org/markup-compatibility/2006" xmlns:p14="http://schemas.microsoft.com/office/powerpoint/2010/main">
+          <mc:Choice Requires="p14">
             <p:contentPart p14:bwMode="auto" r:id="rId172">
               <p14:nvContentPartPr>
                 <p14:cNvPr id="277" name="잉크 276">
@@ -33646,7 +36404,7 @@
               </p14:xfrm>
             </p:contentPart>
           </mc:Choice>
-          <mc:Fallback>
+          <mc:Fallback xmlns="">
             <p:pic>
               <p:nvPicPr>
                 <p:cNvPr id="277" name="잉크 276">
@@ -33677,8 +36435,8 @@
             </p:pic>
           </mc:Fallback>
         </mc:AlternateContent>
-        <mc:AlternateContent xmlns:mc="http://schemas.openxmlformats.org/markup-compatibility/2006">
-          <mc:Choice xmlns:p14="http://schemas.microsoft.com/office/powerpoint/2010/main" Requires="p14">
+        <mc:AlternateContent xmlns:mc="http://schemas.openxmlformats.org/markup-compatibility/2006" xmlns:p14="http://schemas.microsoft.com/office/powerpoint/2010/main">
+          <mc:Choice Requires="p14">
             <p:contentPart p14:bwMode="auto" r:id="rId174">
               <p14:nvContentPartPr>
                 <p14:cNvPr id="278" name="잉크 277">
@@ -33697,7 +36455,7 @@
               </p14:xfrm>
             </p:contentPart>
           </mc:Choice>
-          <mc:Fallback>
+          <mc:Fallback xmlns="">
             <p:pic>
               <p:nvPicPr>
                 <p:cNvPr id="278" name="잉크 277">
@@ -33728,8 +36486,8 @@
             </p:pic>
           </mc:Fallback>
         </mc:AlternateContent>
-        <mc:AlternateContent xmlns:mc="http://schemas.openxmlformats.org/markup-compatibility/2006">
-          <mc:Choice xmlns:p14="http://schemas.microsoft.com/office/powerpoint/2010/main" Requires="p14">
+        <mc:AlternateContent xmlns:mc="http://schemas.openxmlformats.org/markup-compatibility/2006" xmlns:p14="http://schemas.microsoft.com/office/powerpoint/2010/main">
+          <mc:Choice Requires="p14">
             <p:contentPart p14:bwMode="auto" r:id="rId176">
               <p14:nvContentPartPr>
                 <p14:cNvPr id="279" name="잉크 278">
@@ -33748,7 +36506,7 @@
               </p14:xfrm>
             </p:contentPart>
           </mc:Choice>
-          <mc:Fallback>
+          <mc:Fallback xmlns="">
             <p:pic>
               <p:nvPicPr>
                 <p:cNvPr id="279" name="잉크 278">
@@ -33779,8 +36537,8 @@
             </p:pic>
           </mc:Fallback>
         </mc:AlternateContent>
-        <mc:AlternateContent xmlns:mc="http://schemas.openxmlformats.org/markup-compatibility/2006">
-          <mc:Choice xmlns:p14="http://schemas.microsoft.com/office/powerpoint/2010/main" Requires="p14">
+        <mc:AlternateContent xmlns:mc="http://schemas.openxmlformats.org/markup-compatibility/2006" xmlns:p14="http://schemas.microsoft.com/office/powerpoint/2010/main">
+          <mc:Choice Requires="p14">
             <p:contentPart p14:bwMode="auto" r:id="rId178">
               <p14:nvContentPartPr>
                 <p14:cNvPr id="280" name="잉크 279">
@@ -33799,7 +36557,7 @@
               </p14:xfrm>
             </p:contentPart>
           </mc:Choice>
-          <mc:Fallback>
+          <mc:Fallback xmlns="">
             <p:pic>
               <p:nvPicPr>
                 <p:cNvPr id="280" name="잉크 279">
@@ -33830,8 +36588,8 @@
             </p:pic>
           </mc:Fallback>
         </mc:AlternateContent>
-        <mc:AlternateContent xmlns:mc="http://schemas.openxmlformats.org/markup-compatibility/2006">
-          <mc:Choice xmlns:p14="http://schemas.microsoft.com/office/powerpoint/2010/main" Requires="p14">
+        <mc:AlternateContent xmlns:mc="http://schemas.openxmlformats.org/markup-compatibility/2006" xmlns:p14="http://schemas.microsoft.com/office/powerpoint/2010/main">
+          <mc:Choice Requires="p14">
             <p:contentPart p14:bwMode="auto" r:id="rId180">
               <p14:nvContentPartPr>
                 <p14:cNvPr id="281" name="잉크 280">
@@ -33850,7 +36608,7 @@
               </p14:xfrm>
             </p:contentPart>
           </mc:Choice>
-          <mc:Fallback>
+          <mc:Fallback xmlns="">
             <p:pic>
               <p:nvPicPr>
                 <p:cNvPr id="281" name="잉크 280">
@@ -33881,8 +36639,8 @@
             </p:pic>
           </mc:Fallback>
         </mc:AlternateContent>
-        <mc:AlternateContent xmlns:mc="http://schemas.openxmlformats.org/markup-compatibility/2006">
-          <mc:Choice xmlns:p14="http://schemas.microsoft.com/office/powerpoint/2010/main" Requires="p14">
+        <mc:AlternateContent xmlns:mc="http://schemas.openxmlformats.org/markup-compatibility/2006" xmlns:p14="http://schemas.microsoft.com/office/powerpoint/2010/main">
+          <mc:Choice Requires="p14">
             <p:contentPart p14:bwMode="auto" r:id="rId182">
               <p14:nvContentPartPr>
                 <p14:cNvPr id="282" name="잉크 281">
@@ -33901,7 +36659,7 @@
               </p14:xfrm>
             </p:contentPart>
           </mc:Choice>
-          <mc:Fallback>
+          <mc:Fallback xmlns="">
             <p:pic>
               <p:nvPicPr>
                 <p:cNvPr id="282" name="잉크 281">
@@ -33932,8 +36690,8 @@
             </p:pic>
           </mc:Fallback>
         </mc:AlternateContent>
-        <mc:AlternateContent xmlns:mc="http://schemas.openxmlformats.org/markup-compatibility/2006">
-          <mc:Choice xmlns:p14="http://schemas.microsoft.com/office/powerpoint/2010/main" Requires="p14">
+        <mc:AlternateContent xmlns:mc="http://schemas.openxmlformats.org/markup-compatibility/2006" xmlns:p14="http://schemas.microsoft.com/office/powerpoint/2010/main">
+          <mc:Choice Requires="p14">
             <p:contentPart p14:bwMode="auto" r:id="rId184">
               <p14:nvContentPartPr>
                 <p14:cNvPr id="283" name="잉크 282">
@@ -33952,7 +36710,7 @@
               </p14:xfrm>
             </p:contentPart>
           </mc:Choice>
-          <mc:Fallback>
+          <mc:Fallback xmlns="">
             <p:pic>
               <p:nvPicPr>
                 <p:cNvPr id="283" name="잉크 282">
@@ -33983,8 +36741,8 @@
             </p:pic>
           </mc:Fallback>
         </mc:AlternateContent>
-        <mc:AlternateContent xmlns:mc="http://schemas.openxmlformats.org/markup-compatibility/2006">
-          <mc:Choice xmlns:p14="http://schemas.microsoft.com/office/powerpoint/2010/main" Requires="p14">
+        <mc:AlternateContent xmlns:mc="http://schemas.openxmlformats.org/markup-compatibility/2006" xmlns:p14="http://schemas.microsoft.com/office/powerpoint/2010/main">
+          <mc:Choice Requires="p14">
             <p:contentPart p14:bwMode="auto" r:id="rId186">
               <p14:nvContentPartPr>
                 <p14:cNvPr id="284" name="잉크 283">
@@ -34003,7 +36761,7 @@
               </p14:xfrm>
             </p:contentPart>
           </mc:Choice>
-          <mc:Fallback>
+          <mc:Fallback xmlns="">
             <p:pic>
               <p:nvPicPr>
                 <p:cNvPr id="284" name="잉크 283">
@@ -34034,8 +36792,8 @@
             </p:pic>
           </mc:Fallback>
         </mc:AlternateContent>
-        <mc:AlternateContent xmlns:mc="http://schemas.openxmlformats.org/markup-compatibility/2006">
-          <mc:Choice xmlns:p14="http://schemas.microsoft.com/office/powerpoint/2010/main" Requires="p14">
+        <mc:AlternateContent xmlns:mc="http://schemas.openxmlformats.org/markup-compatibility/2006" xmlns:p14="http://schemas.microsoft.com/office/powerpoint/2010/main">
+          <mc:Choice Requires="p14">
             <p:contentPart p14:bwMode="auto" r:id="rId188">
               <p14:nvContentPartPr>
                 <p14:cNvPr id="285" name="잉크 284">
@@ -34054,7 +36812,7 @@
               </p14:xfrm>
             </p:contentPart>
           </mc:Choice>
-          <mc:Fallback>
+          <mc:Fallback xmlns="">
             <p:pic>
               <p:nvPicPr>
                 <p:cNvPr id="285" name="잉크 284">
@@ -34085,8 +36843,8 @@
             </p:pic>
           </mc:Fallback>
         </mc:AlternateContent>
-        <mc:AlternateContent xmlns:mc="http://schemas.openxmlformats.org/markup-compatibility/2006">
-          <mc:Choice xmlns:p14="http://schemas.microsoft.com/office/powerpoint/2010/main" Requires="p14">
+        <mc:AlternateContent xmlns:mc="http://schemas.openxmlformats.org/markup-compatibility/2006" xmlns:p14="http://schemas.microsoft.com/office/powerpoint/2010/main">
+          <mc:Choice Requires="p14">
             <p:contentPart p14:bwMode="auto" r:id="rId190">
               <p14:nvContentPartPr>
                 <p14:cNvPr id="286" name="잉크 285">
@@ -34105,7 +36863,7 @@
               </p14:xfrm>
             </p:contentPart>
           </mc:Choice>
-          <mc:Fallback>
+          <mc:Fallback xmlns="">
             <p:pic>
               <p:nvPicPr>
                 <p:cNvPr id="286" name="잉크 285">
